--- a/Cracking_the_coding_interview/Java/src_explanation/2.5.Sum.pptx
+++ b/Cracking_the_coding_interview/Java/src_explanation/2.5.Sum.pptx
@@ -6,6 +6,7 @@
   </p:sldMasterIdLst>
   <p:sldIdLst>
     <p:sldId id="256" r:id="rId2"/>
+    <p:sldId id="257" r:id="rId3"/>
   </p:sldIdLst>
   <p:sldSz cx="12192000" cy="6858000"/>
   <p:notesSz cx="6858000" cy="9144000"/>
@@ -104,6 +105,11 @@
       </a:defRPr>
     </a:lvl9pPr>
   </p:defaultTextStyle>
+  <p:extLst>
+    <p:ext uri="{EFAFB233-063F-42B5-8137-9DF3F51BA10A}">
+      <p15:sldGuideLst xmlns:p15="http://schemas.microsoft.com/office/powerpoint/2012/main"/>
+    </p:ext>
+  </p:extLst>
 </p:presentation>
 </file>
 
@@ -254,7 +260,7 @@
           <a:p>
             <a:fld id="{F2C5855B-BEA3-4118-8F65-D523281D98FB}" type="datetimeFigureOut">
               <a:rPr lang="en-US" smtClean="0"/>
-              <a:t>5/7/2018</a:t>
+              <a:t>5/8/2018</a:t>
             </a:fld>
             <a:endParaRPr lang="en-US"/>
           </a:p>
@@ -452,7 +458,7 @@
           <a:p>
             <a:fld id="{F2C5855B-BEA3-4118-8F65-D523281D98FB}" type="datetimeFigureOut">
               <a:rPr lang="en-US" smtClean="0"/>
-              <a:t>5/7/2018</a:t>
+              <a:t>5/8/2018</a:t>
             </a:fld>
             <a:endParaRPr lang="en-US"/>
           </a:p>
@@ -660,7 +666,7 @@
           <a:p>
             <a:fld id="{F2C5855B-BEA3-4118-8F65-D523281D98FB}" type="datetimeFigureOut">
               <a:rPr lang="en-US" smtClean="0"/>
-              <a:t>5/7/2018</a:t>
+              <a:t>5/8/2018</a:t>
             </a:fld>
             <a:endParaRPr lang="en-US"/>
           </a:p>
@@ -858,7 +864,7 @@
           <a:p>
             <a:fld id="{F2C5855B-BEA3-4118-8F65-D523281D98FB}" type="datetimeFigureOut">
               <a:rPr lang="en-US" smtClean="0"/>
-              <a:t>5/7/2018</a:t>
+              <a:t>5/8/2018</a:t>
             </a:fld>
             <a:endParaRPr lang="en-US"/>
           </a:p>
@@ -1133,7 +1139,7 @@
           <a:p>
             <a:fld id="{F2C5855B-BEA3-4118-8F65-D523281D98FB}" type="datetimeFigureOut">
               <a:rPr lang="en-US" smtClean="0"/>
-              <a:t>5/7/2018</a:t>
+              <a:t>5/8/2018</a:t>
             </a:fld>
             <a:endParaRPr lang="en-US"/>
           </a:p>
@@ -1398,7 +1404,7 @@
           <a:p>
             <a:fld id="{F2C5855B-BEA3-4118-8F65-D523281D98FB}" type="datetimeFigureOut">
               <a:rPr lang="en-US" smtClean="0"/>
-              <a:t>5/7/2018</a:t>
+              <a:t>5/8/2018</a:t>
             </a:fld>
             <a:endParaRPr lang="en-US"/>
           </a:p>
@@ -1810,7 +1816,7 @@
           <a:p>
             <a:fld id="{F2C5855B-BEA3-4118-8F65-D523281D98FB}" type="datetimeFigureOut">
               <a:rPr lang="en-US" smtClean="0"/>
-              <a:t>5/7/2018</a:t>
+              <a:t>5/8/2018</a:t>
             </a:fld>
             <a:endParaRPr lang="en-US"/>
           </a:p>
@@ -1951,7 +1957,7 @@
           <a:p>
             <a:fld id="{F2C5855B-BEA3-4118-8F65-D523281D98FB}" type="datetimeFigureOut">
               <a:rPr lang="en-US" smtClean="0"/>
-              <a:t>5/7/2018</a:t>
+              <a:t>5/8/2018</a:t>
             </a:fld>
             <a:endParaRPr lang="en-US"/>
           </a:p>
@@ -2064,7 +2070,7 @@
           <a:p>
             <a:fld id="{F2C5855B-BEA3-4118-8F65-D523281D98FB}" type="datetimeFigureOut">
               <a:rPr lang="en-US" smtClean="0"/>
-              <a:t>5/7/2018</a:t>
+              <a:t>5/8/2018</a:t>
             </a:fld>
             <a:endParaRPr lang="en-US"/>
           </a:p>
@@ -2375,7 +2381,7 @@
           <a:p>
             <a:fld id="{F2C5855B-BEA3-4118-8F65-D523281D98FB}" type="datetimeFigureOut">
               <a:rPr lang="en-US" smtClean="0"/>
-              <a:t>5/7/2018</a:t>
+              <a:t>5/8/2018</a:t>
             </a:fld>
             <a:endParaRPr lang="en-US"/>
           </a:p>
@@ -2663,7 +2669,7 @@
           <a:p>
             <a:fld id="{F2C5855B-BEA3-4118-8F65-D523281D98FB}" type="datetimeFigureOut">
               <a:rPr lang="en-US" smtClean="0"/>
-              <a:t>5/7/2018</a:t>
+              <a:t>5/8/2018</a:t>
             </a:fld>
             <a:endParaRPr lang="en-US"/>
           </a:p>
@@ -2904,7 +2910,7 @@
           <a:p>
             <a:fld id="{F2C5855B-BEA3-4118-8F65-D523281D98FB}" type="datetimeFigureOut">
               <a:rPr lang="en-US" smtClean="0"/>
-              <a:t>5/7/2018</a:t>
+              <a:t>5/8/2018</a:t>
             </a:fld>
             <a:endParaRPr lang="en-US"/>
           </a:p>
@@ -7400,10 +7406,1160 @@
           </a:p>
         </p:txBody>
       </p:sp>
+      <p:sp>
+        <p:nvSpPr>
+          <p:cNvPr id="2" name="TextBox 1">
+            <a:extLst>
+              <a:ext uri="{FF2B5EF4-FFF2-40B4-BE49-F238E27FC236}">
+                <a16:creationId xmlns:a16="http://schemas.microsoft.com/office/drawing/2014/main" id="{59E7DBF5-ACAB-4069-ACB8-30E7E70725C3}"/>
+              </a:ext>
+            </a:extLst>
+          </p:cNvPr>
+          <p:cNvSpPr txBox="1"/>
+          <p:nvPr/>
+        </p:nvSpPr>
+        <p:spPr>
+          <a:xfrm>
+            <a:off x="154649" y="22973"/>
+            <a:ext cx="2140673" cy="369332"/>
+          </a:xfrm>
+          <a:prstGeom prst="rect">
+            <a:avLst/>
+          </a:prstGeom>
+          <a:noFill/>
+        </p:spPr>
+        <p:txBody>
+          <a:bodyPr wrap="square" rtlCol="0">
+            <a:spAutoFit/>
+          </a:bodyPr>
+          <a:lstStyle/>
+          <a:p>
+            <a:r>
+              <a:rPr lang="en-US" u="sng" dirty="0">
+                <a:solidFill>
+                  <a:schemeClr val="accent1"/>
+                </a:solidFill>
+              </a:rPr>
+              <a:t>addList_1.java</a:t>
+            </a:r>
+          </a:p>
+        </p:txBody>
+      </p:sp>
     </p:spTree>
     <p:extLst>
       <p:ext uri="{BB962C8B-B14F-4D97-AF65-F5344CB8AC3E}">
         <p14:creationId xmlns:p14="http://schemas.microsoft.com/office/powerpoint/2010/main" val="3210125308"/>
+      </p:ext>
+    </p:extLst>
+  </p:cSld>
+  <p:clrMapOvr>
+    <a:masterClrMapping/>
+  </p:clrMapOvr>
+</p:sld>
+</file>
+
+<file path=ppt/slides/slide2.xml><?xml version="1.0" encoding="utf-8"?>
+<p:sld xmlns:a="http://schemas.openxmlformats.org/drawingml/2006/main" xmlns:r="http://schemas.openxmlformats.org/officeDocument/2006/relationships" xmlns:p="http://schemas.openxmlformats.org/presentationml/2006/main">
+  <p:cSld>
+    <p:spTree>
+      <p:nvGrpSpPr>
+        <p:cNvPr id="1" name=""/>
+        <p:cNvGrpSpPr/>
+        <p:nvPr/>
+      </p:nvGrpSpPr>
+      <p:grpSpPr>
+        <a:xfrm>
+          <a:off x="0" y="0"/>
+          <a:ext cx="0" cy="0"/>
+          <a:chOff x="0" y="0"/>
+          <a:chExt cx="0" cy="0"/>
+        </a:xfrm>
+      </p:grpSpPr>
+      <p:sp>
+        <p:nvSpPr>
+          <p:cNvPr id="4" name="TextBox 3">
+            <a:extLst>
+              <a:ext uri="{FF2B5EF4-FFF2-40B4-BE49-F238E27FC236}">
+                <a16:creationId xmlns:a16="http://schemas.microsoft.com/office/drawing/2014/main" id="{E56007F4-8A63-4E8E-9ED5-2F18F45D0E8E}"/>
+              </a:ext>
+            </a:extLst>
+          </p:cNvPr>
+          <p:cNvSpPr txBox="1"/>
+          <p:nvPr/>
+        </p:nvSpPr>
+        <p:spPr>
+          <a:xfrm>
+            <a:off x="696286" y="528506"/>
+            <a:ext cx="587230" cy="369332"/>
+          </a:xfrm>
+          <a:prstGeom prst="rect">
+            <a:avLst/>
+          </a:prstGeom>
+          <a:noFill/>
+        </p:spPr>
+        <p:txBody>
+          <a:bodyPr wrap="square" rtlCol="0">
+            <a:spAutoFit/>
+          </a:bodyPr>
+          <a:lstStyle/>
+          <a:p>
+            <a:r>
+              <a:rPr lang="en-US" dirty="0"/>
+              <a:t>L1 =</a:t>
+            </a:r>
+          </a:p>
+        </p:txBody>
+      </p:sp>
+      <p:sp>
+        <p:nvSpPr>
+          <p:cNvPr id="5" name="Rectangle 4">
+            <a:extLst>
+              <a:ext uri="{FF2B5EF4-FFF2-40B4-BE49-F238E27FC236}">
+                <a16:creationId xmlns:a16="http://schemas.microsoft.com/office/drawing/2014/main" id="{9379515D-13DE-4B62-8C65-93BBEC8FEE77}"/>
+              </a:ext>
+            </a:extLst>
+          </p:cNvPr>
+          <p:cNvSpPr/>
+          <p:nvPr/>
+        </p:nvSpPr>
+        <p:spPr>
+          <a:xfrm>
+            <a:off x="1300295" y="587229"/>
+            <a:ext cx="830510" cy="251886"/>
+          </a:xfrm>
+          <a:prstGeom prst="rect">
+            <a:avLst/>
+          </a:prstGeom>
+        </p:spPr>
+        <p:style>
+          <a:lnRef idx="2">
+            <a:schemeClr val="accent1">
+              <a:shade val="50000"/>
+            </a:schemeClr>
+          </a:lnRef>
+          <a:fillRef idx="1">
+            <a:schemeClr val="accent1"/>
+          </a:fillRef>
+          <a:effectRef idx="0">
+            <a:schemeClr val="accent1"/>
+          </a:effectRef>
+          <a:fontRef idx="minor">
+            <a:schemeClr val="lt1"/>
+          </a:fontRef>
+        </p:style>
+        <p:txBody>
+          <a:bodyPr rtlCol="0" anchor="ctr"/>
+          <a:lstStyle/>
+          <a:p>
+            <a:pPr algn="ctr"/>
+            <a:endParaRPr lang="en-US"/>
+          </a:p>
+        </p:txBody>
+      </p:sp>
+      <p:sp>
+        <p:nvSpPr>
+          <p:cNvPr id="7" name="Rectangle 6">
+            <a:extLst>
+              <a:ext uri="{FF2B5EF4-FFF2-40B4-BE49-F238E27FC236}">
+                <a16:creationId xmlns:a16="http://schemas.microsoft.com/office/drawing/2014/main" id="{0E857B63-3306-4F1B-8F40-62E08809A625}"/>
+              </a:ext>
+            </a:extLst>
+          </p:cNvPr>
+          <p:cNvSpPr/>
+          <p:nvPr/>
+        </p:nvSpPr>
+        <p:spPr>
+          <a:xfrm>
+            <a:off x="1300295" y="587228"/>
+            <a:ext cx="486560" cy="251887"/>
+          </a:xfrm>
+          <a:prstGeom prst="rect">
+            <a:avLst/>
+          </a:prstGeom>
+          <a:solidFill>
+            <a:schemeClr val="bg1"/>
+          </a:solidFill>
+        </p:spPr>
+        <p:style>
+          <a:lnRef idx="2">
+            <a:schemeClr val="accent1">
+              <a:shade val="50000"/>
+            </a:schemeClr>
+          </a:lnRef>
+          <a:fillRef idx="1">
+            <a:schemeClr val="accent1"/>
+          </a:fillRef>
+          <a:effectRef idx="0">
+            <a:schemeClr val="accent1"/>
+          </a:effectRef>
+          <a:fontRef idx="minor">
+            <a:schemeClr val="lt1"/>
+          </a:fontRef>
+        </p:style>
+        <p:txBody>
+          <a:bodyPr rtlCol="0" anchor="ctr"/>
+          <a:lstStyle/>
+          <a:p>
+            <a:pPr algn="ctr"/>
+            <a:endParaRPr lang="en-US"/>
+          </a:p>
+        </p:txBody>
+      </p:sp>
+      <p:sp>
+        <p:nvSpPr>
+          <p:cNvPr id="8" name="TextBox 7">
+            <a:extLst>
+              <a:ext uri="{FF2B5EF4-FFF2-40B4-BE49-F238E27FC236}">
+                <a16:creationId xmlns:a16="http://schemas.microsoft.com/office/drawing/2014/main" id="{D11DB7BB-8030-4929-9CFB-3439DBA3EF60}"/>
+              </a:ext>
+            </a:extLst>
+          </p:cNvPr>
+          <p:cNvSpPr txBox="1"/>
+          <p:nvPr/>
+        </p:nvSpPr>
+        <p:spPr>
+          <a:xfrm>
+            <a:off x="1354824" y="528506"/>
+            <a:ext cx="360726" cy="369332"/>
+          </a:xfrm>
+          <a:prstGeom prst="rect">
+            <a:avLst/>
+          </a:prstGeom>
+          <a:noFill/>
+        </p:spPr>
+        <p:txBody>
+          <a:bodyPr wrap="square" rtlCol="0">
+            <a:spAutoFit/>
+          </a:bodyPr>
+          <a:lstStyle/>
+          <a:p>
+            <a:r>
+              <a:rPr lang="en-US" dirty="0"/>
+              <a:t>7</a:t>
+            </a:r>
+          </a:p>
+        </p:txBody>
+      </p:sp>
+      <p:cxnSp>
+        <p:nvCxnSpPr>
+          <p:cNvPr id="10" name="Straight Arrow Connector 9">
+            <a:extLst>
+              <a:ext uri="{FF2B5EF4-FFF2-40B4-BE49-F238E27FC236}">
+                <a16:creationId xmlns:a16="http://schemas.microsoft.com/office/drawing/2014/main" id="{C4CB82AA-3986-4C50-BA16-5BD66AB638FA}"/>
+              </a:ext>
+            </a:extLst>
+          </p:cNvPr>
+          <p:cNvCxnSpPr>
+            <a:stCxn id="5" idx="3"/>
+          </p:cNvCxnSpPr>
+          <p:nvPr/>
+        </p:nvCxnSpPr>
+        <p:spPr>
+          <a:xfrm flipV="1">
+            <a:off x="2130805" y="713171"/>
+            <a:ext cx="385892" cy="1"/>
+          </a:xfrm>
+          <a:prstGeom prst="straightConnector1">
+            <a:avLst/>
+          </a:prstGeom>
+          <a:ln w="38100">
+            <a:tailEnd type="triangle"/>
+          </a:ln>
+        </p:spPr>
+        <p:style>
+          <a:lnRef idx="1">
+            <a:schemeClr val="accent1"/>
+          </a:lnRef>
+          <a:fillRef idx="0">
+            <a:schemeClr val="accent1"/>
+          </a:fillRef>
+          <a:effectRef idx="0">
+            <a:schemeClr val="accent1"/>
+          </a:effectRef>
+          <a:fontRef idx="minor">
+            <a:schemeClr val="tx1"/>
+          </a:fontRef>
+        </p:style>
+      </p:cxnSp>
+      <p:sp>
+        <p:nvSpPr>
+          <p:cNvPr id="11" name="Rectangle 10">
+            <a:extLst>
+              <a:ext uri="{FF2B5EF4-FFF2-40B4-BE49-F238E27FC236}">
+                <a16:creationId xmlns:a16="http://schemas.microsoft.com/office/drawing/2014/main" id="{486F0556-9E7F-4A0B-BCE8-3BC55A9D7076}"/>
+              </a:ext>
+            </a:extLst>
+          </p:cNvPr>
+          <p:cNvSpPr/>
+          <p:nvPr/>
+        </p:nvSpPr>
+        <p:spPr>
+          <a:xfrm>
+            <a:off x="2516697" y="583142"/>
+            <a:ext cx="830510" cy="251886"/>
+          </a:xfrm>
+          <a:prstGeom prst="rect">
+            <a:avLst/>
+          </a:prstGeom>
+        </p:spPr>
+        <p:style>
+          <a:lnRef idx="2">
+            <a:schemeClr val="accent1">
+              <a:shade val="50000"/>
+            </a:schemeClr>
+          </a:lnRef>
+          <a:fillRef idx="1">
+            <a:schemeClr val="accent1"/>
+          </a:fillRef>
+          <a:effectRef idx="0">
+            <a:schemeClr val="accent1"/>
+          </a:effectRef>
+          <a:fontRef idx="minor">
+            <a:schemeClr val="lt1"/>
+          </a:fontRef>
+        </p:style>
+        <p:txBody>
+          <a:bodyPr rtlCol="0" anchor="ctr"/>
+          <a:lstStyle/>
+          <a:p>
+            <a:pPr algn="ctr"/>
+            <a:endParaRPr lang="en-US"/>
+          </a:p>
+        </p:txBody>
+      </p:sp>
+      <p:sp>
+        <p:nvSpPr>
+          <p:cNvPr id="12" name="Rectangle 11">
+            <a:extLst>
+              <a:ext uri="{FF2B5EF4-FFF2-40B4-BE49-F238E27FC236}">
+                <a16:creationId xmlns:a16="http://schemas.microsoft.com/office/drawing/2014/main" id="{3B219EC5-90CA-4188-A6E7-88AF84A60F14}"/>
+              </a:ext>
+            </a:extLst>
+          </p:cNvPr>
+          <p:cNvSpPr/>
+          <p:nvPr/>
+        </p:nvSpPr>
+        <p:spPr>
+          <a:xfrm>
+            <a:off x="2516697" y="583141"/>
+            <a:ext cx="486560" cy="251887"/>
+          </a:xfrm>
+          <a:prstGeom prst="rect">
+            <a:avLst/>
+          </a:prstGeom>
+          <a:solidFill>
+            <a:schemeClr val="bg1"/>
+          </a:solidFill>
+        </p:spPr>
+        <p:style>
+          <a:lnRef idx="2">
+            <a:schemeClr val="accent1">
+              <a:shade val="50000"/>
+            </a:schemeClr>
+          </a:lnRef>
+          <a:fillRef idx="1">
+            <a:schemeClr val="accent1"/>
+          </a:fillRef>
+          <a:effectRef idx="0">
+            <a:schemeClr val="accent1"/>
+          </a:effectRef>
+          <a:fontRef idx="minor">
+            <a:schemeClr val="lt1"/>
+          </a:fontRef>
+        </p:style>
+        <p:txBody>
+          <a:bodyPr rtlCol="0" anchor="ctr"/>
+          <a:lstStyle/>
+          <a:p>
+            <a:pPr algn="ctr"/>
+            <a:endParaRPr lang="en-US"/>
+          </a:p>
+        </p:txBody>
+      </p:sp>
+      <p:cxnSp>
+        <p:nvCxnSpPr>
+          <p:cNvPr id="13" name="Straight Arrow Connector 12">
+            <a:extLst>
+              <a:ext uri="{FF2B5EF4-FFF2-40B4-BE49-F238E27FC236}">
+                <a16:creationId xmlns:a16="http://schemas.microsoft.com/office/drawing/2014/main" id="{9D3CD2CA-EFC8-45A9-B048-029C1C5BA9F4}"/>
+              </a:ext>
+            </a:extLst>
+          </p:cNvPr>
+          <p:cNvCxnSpPr>
+            <a:stCxn id="11" idx="3"/>
+          </p:cNvCxnSpPr>
+          <p:nvPr/>
+        </p:nvCxnSpPr>
+        <p:spPr>
+          <a:xfrm flipV="1">
+            <a:off x="3347207" y="709084"/>
+            <a:ext cx="385892" cy="1"/>
+          </a:xfrm>
+          <a:prstGeom prst="straightConnector1">
+            <a:avLst/>
+          </a:prstGeom>
+          <a:ln w="38100">
+            <a:tailEnd type="triangle"/>
+          </a:ln>
+        </p:spPr>
+        <p:style>
+          <a:lnRef idx="1">
+            <a:schemeClr val="accent1"/>
+          </a:lnRef>
+          <a:fillRef idx="0">
+            <a:schemeClr val="accent1"/>
+          </a:fillRef>
+          <a:effectRef idx="0">
+            <a:schemeClr val="accent1"/>
+          </a:effectRef>
+          <a:fontRef idx="minor">
+            <a:schemeClr val="tx1"/>
+          </a:fontRef>
+        </p:style>
+      </p:cxnSp>
+      <p:sp>
+        <p:nvSpPr>
+          <p:cNvPr id="14" name="Rectangle 13">
+            <a:extLst>
+              <a:ext uri="{FF2B5EF4-FFF2-40B4-BE49-F238E27FC236}">
+                <a16:creationId xmlns:a16="http://schemas.microsoft.com/office/drawing/2014/main" id="{A00FE79F-A846-4778-923F-149986AAB4DF}"/>
+              </a:ext>
+            </a:extLst>
+          </p:cNvPr>
+          <p:cNvSpPr/>
+          <p:nvPr/>
+        </p:nvSpPr>
+        <p:spPr>
+          <a:xfrm>
+            <a:off x="3741486" y="583142"/>
+            <a:ext cx="830510" cy="251886"/>
+          </a:xfrm>
+          <a:prstGeom prst="rect">
+            <a:avLst/>
+          </a:prstGeom>
+        </p:spPr>
+        <p:style>
+          <a:lnRef idx="2">
+            <a:schemeClr val="accent1">
+              <a:shade val="50000"/>
+            </a:schemeClr>
+          </a:lnRef>
+          <a:fillRef idx="1">
+            <a:schemeClr val="accent1"/>
+          </a:fillRef>
+          <a:effectRef idx="0">
+            <a:schemeClr val="accent1"/>
+          </a:effectRef>
+          <a:fontRef idx="minor">
+            <a:schemeClr val="lt1"/>
+          </a:fontRef>
+        </p:style>
+        <p:txBody>
+          <a:bodyPr rtlCol="0" anchor="ctr"/>
+          <a:lstStyle/>
+          <a:p>
+            <a:pPr algn="ctr"/>
+            <a:endParaRPr lang="en-US"/>
+          </a:p>
+        </p:txBody>
+      </p:sp>
+      <p:sp>
+        <p:nvSpPr>
+          <p:cNvPr id="15" name="Rectangle 14">
+            <a:extLst>
+              <a:ext uri="{FF2B5EF4-FFF2-40B4-BE49-F238E27FC236}">
+                <a16:creationId xmlns:a16="http://schemas.microsoft.com/office/drawing/2014/main" id="{183881A5-B389-4692-BF96-675C42B20E74}"/>
+              </a:ext>
+            </a:extLst>
+          </p:cNvPr>
+          <p:cNvSpPr/>
+          <p:nvPr/>
+        </p:nvSpPr>
+        <p:spPr>
+          <a:xfrm>
+            <a:off x="3741486" y="583141"/>
+            <a:ext cx="486560" cy="251887"/>
+          </a:xfrm>
+          <a:prstGeom prst="rect">
+            <a:avLst/>
+          </a:prstGeom>
+          <a:solidFill>
+            <a:schemeClr val="bg1"/>
+          </a:solidFill>
+        </p:spPr>
+        <p:style>
+          <a:lnRef idx="2">
+            <a:schemeClr val="accent1">
+              <a:shade val="50000"/>
+            </a:schemeClr>
+          </a:lnRef>
+          <a:fillRef idx="1">
+            <a:schemeClr val="accent1"/>
+          </a:fillRef>
+          <a:effectRef idx="0">
+            <a:schemeClr val="accent1"/>
+          </a:effectRef>
+          <a:fontRef idx="minor">
+            <a:schemeClr val="lt1"/>
+          </a:fontRef>
+        </p:style>
+        <p:txBody>
+          <a:bodyPr rtlCol="0" anchor="ctr"/>
+          <a:lstStyle/>
+          <a:p>
+            <a:pPr algn="ctr"/>
+            <a:endParaRPr lang="en-US"/>
+          </a:p>
+        </p:txBody>
+      </p:sp>
+      <p:sp>
+        <p:nvSpPr>
+          <p:cNvPr id="17" name="TextBox 16">
+            <a:extLst>
+              <a:ext uri="{FF2B5EF4-FFF2-40B4-BE49-F238E27FC236}">
+                <a16:creationId xmlns:a16="http://schemas.microsoft.com/office/drawing/2014/main" id="{55F234FA-0D1F-4E23-A1FD-F5282088CD8A}"/>
+              </a:ext>
+            </a:extLst>
+          </p:cNvPr>
+          <p:cNvSpPr txBox="1"/>
+          <p:nvPr/>
+        </p:nvSpPr>
+        <p:spPr>
+          <a:xfrm>
+            <a:off x="2588002" y="524418"/>
+            <a:ext cx="360726" cy="369332"/>
+          </a:xfrm>
+          <a:prstGeom prst="rect">
+            <a:avLst/>
+          </a:prstGeom>
+          <a:noFill/>
+        </p:spPr>
+        <p:txBody>
+          <a:bodyPr wrap="square" rtlCol="0">
+            <a:spAutoFit/>
+          </a:bodyPr>
+          <a:lstStyle/>
+          <a:p>
+            <a:r>
+              <a:rPr lang="en-US" dirty="0"/>
+              <a:t>6</a:t>
+            </a:r>
+          </a:p>
+        </p:txBody>
+      </p:sp>
+      <p:sp>
+        <p:nvSpPr>
+          <p:cNvPr id="18" name="TextBox 17">
+            <a:extLst>
+              <a:ext uri="{FF2B5EF4-FFF2-40B4-BE49-F238E27FC236}">
+                <a16:creationId xmlns:a16="http://schemas.microsoft.com/office/drawing/2014/main" id="{19112EF1-2F5A-4BAF-B9F8-58FBFDE0E353}"/>
+              </a:ext>
+            </a:extLst>
+          </p:cNvPr>
+          <p:cNvSpPr txBox="1"/>
+          <p:nvPr/>
+        </p:nvSpPr>
+        <p:spPr>
+          <a:xfrm>
+            <a:off x="3812792" y="524418"/>
+            <a:ext cx="360726" cy="369332"/>
+          </a:xfrm>
+          <a:prstGeom prst="rect">
+            <a:avLst/>
+          </a:prstGeom>
+          <a:noFill/>
+        </p:spPr>
+        <p:txBody>
+          <a:bodyPr wrap="square" rtlCol="0">
+            <a:spAutoFit/>
+          </a:bodyPr>
+          <a:lstStyle/>
+          <a:p>
+            <a:r>
+              <a:rPr lang="en-US" dirty="0"/>
+              <a:t>3</a:t>
+            </a:r>
+          </a:p>
+        </p:txBody>
+      </p:sp>
+      <p:sp>
+        <p:nvSpPr>
+          <p:cNvPr id="2" name="TextBox 1">
+            <a:extLst>
+              <a:ext uri="{FF2B5EF4-FFF2-40B4-BE49-F238E27FC236}">
+                <a16:creationId xmlns:a16="http://schemas.microsoft.com/office/drawing/2014/main" id="{59E7DBF5-ACAB-4069-ACB8-30E7E70725C3}"/>
+              </a:ext>
+            </a:extLst>
+          </p:cNvPr>
+          <p:cNvSpPr txBox="1"/>
+          <p:nvPr/>
+        </p:nvSpPr>
+        <p:spPr>
+          <a:xfrm>
+            <a:off x="154649" y="22973"/>
+            <a:ext cx="2794079" cy="369332"/>
+          </a:xfrm>
+          <a:prstGeom prst="rect">
+            <a:avLst/>
+          </a:prstGeom>
+          <a:noFill/>
+        </p:spPr>
+        <p:txBody>
+          <a:bodyPr wrap="square" rtlCol="0">
+            <a:spAutoFit/>
+          </a:bodyPr>
+          <a:lstStyle/>
+          <a:p>
+            <a:r>
+              <a:rPr lang="en-US" u="sng" dirty="0">
+                <a:solidFill>
+                  <a:schemeClr val="accent1"/>
+                </a:solidFill>
+              </a:rPr>
+              <a:t>linkedListToInt_1.java</a:t>
+            </a:r>
+          </a:p>
+        </p:txBody>
+      </p:sp>
+      <p:sp>
+        <p:nvSpPr>
+          <p:cNvPr id="3" name="Rectangle 2">
+            <a:extLst>
+              <a:ext uri="{FF2B5EF4-FFF2-40B4-BE49-F238E27FC236}">
+                <a16:creationId xmlns:a16="http://schemas.microsoft.com/office/drawing/2014/main" id="{FC58458B-DE8E-483C-BC0E-A07586D5301D}"/>
+              </a:ext>
+            </a:extLst>
+          </p:cNvPr>
+          <p:cNvSpPr/>
+          <p:nvPr/>
+        </p:nvSpPr>
+        <p:spPr>
+          <a:xfrm>
+            <a:off x="696286" y="1289185"/>
+            <a:ext cx="907428" cy="369332"/>
+          </a:xfrm>
+          <a:prstGeom prst="rect">
+            <a:avLst/>
+          </a:prstGeom>
+        </p:spPr>
+        <p:txBody>
+          <a:bodyPr wrap="none">
+            <a:spAutoFit/>
+          </a:bodyPr>
+          <a:lstStyle/>
+          <a:p>
+            <a:r>
+              <a:rPr lang="en-US" dirty="0"/>
+              <a:t>value = </a:t>
+            </a:r>
+          </a:p>
+        </p:txBody>
+      </p:sp>
+      <p:sp>
+        <p:nvSpPr>
+          <p:cNvPr id="127" name="Rectangle 126">
+            <a:extLst>
+              <a:ext uri="{FF2B5EF4-FFF2-40B4-BE49-F238E27FC236}">
+                <a16:creationId xmlns:a16="http://schemas.microsoft.com/office/drawing/2014/main" id="{CD2C9005-431F-4D57-BAA7-9AC31E0A09F9}"/>
+              </a:ext>
+            </a:extLst>
+          </p:cNvPr>
+          <p:cNvSpPr/>
+          <p:nvPr/>
+        </p:nvSpPr>
+        <p:spPr>
+          <a:xfrm>
+            <a:off x="1828770" y="2129415"/>
+            <a:ext cx="907428" cy="369332"/>
+          </a:xfrm>
+          <a:prstGeom prst="rect">
+            <a:avLst/>
+          </a:prstGeom>
+        </p:spPr>
+        <p:txBody>
+          <a:bodyPr wrap="none">
+            <a:spAutoFit/>
+          </a:bodyPr>
+          <a:lstStyle/>
+          <a:p>
+            <a:r>
+              <a:rPr lang="en-US" dirty="0"/>
+              <a:t>value = </a:t>
+            </a:r>
+          </a:p>
+        </p:txBody>
+      </p:sp>
+      <p:cxnSp>
+        <p:nvCxnSpPr>
+          <p:cNvPr id="128" name="Straight Arrow Connector 127">
+            <a:extLst>
+              <a:ext uri="{FF2B5EF4-FFF2-40B4-BE49-F238E27FC236}">
+                <a16:creationId xmlns:a16="http://schemas.microsoft.com/office/drawing/2014/main" id="{1C84C61C-BCD5-447A-AF96-9DF715238E1A}"/>
+              </a:ext>
+            </a:extLst>
+          </p:cNvPr>
+          <p:cNvCxnSpPr/>
+          <p:nvPr/>
+        </p:nvCxnSpPr>
+        <p:spPr>
+          <a:xfrm>
+            <a:off x="1324966" y="1626986"/>
+            <a:ext cx="587230" cy="359396"/>
+          </a:xfrm>
+          <a:prstGeom prst="straightConnector1">
+            <a:avLst/>
+          </a:prstGeom>
+          <a:ln>
+            <a:tailEnd type="triangle"/>
+          </a:ln>
+        </p:spPr>
+        <p:style>
+          <a:lnRef idx="1">
+            <a:schemeClr val="accent1"/>
+          </a:lnRef>
+          <a:fillRef idx="0">
+            <a:schemeClr val="accent1"/>
+          </a:fillRef>
+          <a:effectRef idx="0">
+            <a:schemeClr val="accent1"/>
+          </a:effectRef>
+          <a:fontRef idx="minor">
+            <a:schemeClr val="tx1"/>
+          </a:fontRef>
+        </p:style>
+      </p:cxnSp>
+      <p:sp>
+        <p:nvSpPr>
+          <p:cNvPr id="129" name="Rectangle 128">
+            <a:extLst>
+              <a:ext uri="{FF2B5EF4-FFF2-40B4-BE49-F238E27FC236}">
+                <a16:creationId xmlns:a16="http://schemas.microsoft.com/office/drawing/2014/main" id="{F1E89E2E-7315-408B-9CAE-C8D0B4632B81}"/>
+              </a:ext>
+            </a:extLst>
+          </p:cNvPr>
+          <p:cNvSpPr/>
+          <p:nvPr/>
+        </p:nvSpPr>
+        <p:spPr>
+          <a:xfrm>
+            <a:off x="664726" y="969144"/>
+            <a:ext cx="1945084" cy="369332"/>
+          </a:xfrm>
+          <a:prstGeom prst="rect">
+            <a:avLst/>
+          </a:prstGeom>
+        </p:spPr>
+        <p:txBody>
+          <a:bodyPr wrap="none">
+            <a:spAutoFit/>
+          </a:bodyPr>
+          <a:lstStyle/>
+          <a:p>
+            <a:r>
+              <a:rPr lang="en-US" dirty="0" err="1"/>
+              <a:t>node.next.data</a:t>
+            </a:r>
+            <a:r>
+              <a:rPr lang="en-US" dirty="0"/>
+              <a:t> = 6</a:t>
+            </a:r>
+          </a:p>
+        </p:txBody>
+      </p:sp>
+      <p:sp>
+        <p:nvSpPr>
+          <p:cNvPr id="130" name="Rectangle 129">
+            <a:extLst>
+              <a:ext uri="{FF2B5EF4-FFF2-40B4-BE49-F238E27FC236}">
+                <a16:creationId xmlns:a16="http://schemas.microsoft.com/office/drawing/2014/main" id="{84EB4004-082B-4A61-BDC4-C0A076B07CB4}"/>
+              </a:ext>
+            </a:extLst>
+          </p:cNvPr>
+          <p:cNvSpPr/>
+          <p:nvPr/>
+        </p:nvSpPr>
+        <p:spPr>
+          <a:xfrm>
+            <a:off x="1786854" y="1869356"/>
+            <a:ext cx="2386663" cy="369332"/>
+          </a:xfrm>
+          <a:prstGeom prst="rect">
+            <a:avLst/>
+          </a:prstGeom>
+        </p:spPr>
+        <p:txBody>
+          <a:bodyPr wrap="square">
+            <a:spAutoFit/>
+          </a:bodyPr>
+          <a:lstStyle/>
+          <a:p>
+            <a:r>
+              <a:rPr lang="en-US" dirty="0" err="1"/>
+              <a:t>node.next.data</a:t>
+            </a:r>
+            <a:r>
+              <a:rPr lang="en-US" dirty="0"/>
+              <a:t> = 3</a:t>
+            </a:r>
+          </a:p>
+        </p:txBody>
+      </p:sp>
+      <p:sp>
+        <p:nvSpPr>
+          <p:cNvPr id="131" name="Rectangle 130">
+            <a:extLst>
+              <a:ext uri="{FF2B5EF4-FFF2-40B4-BE49-F238E27FC236}">
+                <a16:creationId xmlns:a16="http://schemas.microsoft.com/office/drawing/2014/main" id="{432833AF-17CA-40AE-91E8-DA6FEC6CF246}"/>
+              </a:ext>
+            </a:extLst>
+          </p:cNvPr>
+          <p:cNvSpPr/>
+          <p:nvPr/>
+        </p:nvSpPr>
+        <p:spPr>
+          <a:xfrm>
+            <a:off x="3037065" y="2860151"/>
+            <a:ext cx="1024448" cy="369332"/>
+          </a:xfrm>
+          <a:prstGeom prst="rect">
+            <a:avLst/>
+          </a:prstGeom>
+        </p:spPr>
+        <p:txBody>
+          <a:bodyPr wrap="none">
+            <a:spAutoFit/>
+          </a:bodyPr>
+          <a:lstStyle/>
+          <a:p>
+            <a:r>
+              <a:rPr lang="en-US" dirty="0"/>
+              <a:t>value = 0</a:t>
+            </a:r>
+          </a:p>
+        </p:txBody>
+      </p:sp>
+      <p:sp>
+        <p:nvSpPr>
+          <p:cNvPr id="132" name="Rectangle 131">
+            <a:extLst>
+              <a:ext uri="{FF2B5EF4-FFF2-40B4-BE49-F238E27FC236}">
+                <a16:creationId xmlns:a16="http://schemas.microsoft.com/office/drawing/2014/main" id="{6D42AEEA-D852-4182-8499-1A014C34723D}"/>
+              </a:ext>
+            </a:extLst>
+          </p:cNvPr>
+          <p:cNvSpPr/>
+          <p:nvPr/>
+        </p:nvSpPr>
+        <p:spPr>
+          <a:xfrm>
+            <a:off x="3011647" y="2676097"/>
+            <a:ext cx="1476558" cy="369332"/>
+          </a:xfrm>
+          <a:prstGeom prst="rect">
+            <a:avLst/>
+          </a:prstGeom>
+        </p:spPr>
+        <p:txBody>
+          <a:bodyPr wrap="none">
+            <a:spAutoFit/>
+          </a:bodyPr>
+          <a:lstStyle/>
+          <a:p>
+            <a:r>
+              <a:rPr lang="en-US" dirty="0" err="1"/>
+              <a:t>node.data</a:t>
+            </a:r>
+            <a:r>
+              <a:rPr lang="en-US" dirty="0"/>
+              <a:t> = 3</a:t>
+            </a:r>
+          </a:p>
+        </p:txBody>
+      </p:sp>
+      <p:cxnSp>
+        <p:nvCxnSpPr>
+          <p:cNvPr id="133" name="Straight Arrow Connector 132">
+            <a:extLst>
+              <a:ext uri="{FF2B5EF4-FFF2-40B4-BE49-F238E27FC236}">
+                <a16:creationId xmlns:a16="http://schemas.microsoft.com/office/drawing/2014/main" id="{9A145B50-11C3-4B33-87B4-1A6E172755B8}"/>
+              </a:ext>
+            </a:extLst>
+          </p:cNvPr>
+          <p:cNvCxnSpPr/>
+          <p:nvPr/>
+        </p:nvCxnSpPr>
+        <p:spPr>
+          <a:xfrm>
+            <a:off x="2339674" y="2471388"/>
+            <a:ext cx="587230" cy="359396"/>
+          </a:xfrm>
+          <a:prstGeom prst="straightConnector1">
+            <a:avLst/>
+          </a:prstGeom>
+          <a:ln>
+            <a:tailEnd type="triangle"/>
+          </a:ln>
+        </p:spPr>
+        <p:style>
+          <a:lnRef idx="1">
+            <a:schemeClr val="accent1"/>
+          </a:lnRef>
+          <a:fillRef idx="0">
+            <a:schemeClr val="accent1"/>
+          </a:fillRef>
+          <a:effectRef idx="0">
+            <a:schemeClr val="accent1"/>
+          </a:effectRef>
+          <a:fontRef idx="minor">
+            <a:schemeClr val="tx1"/>
+          </a:fontRef>
+        </p:style>
+      </p:cxnSp>
+      <p:cxnSp>
+        <p:nvCxnSpPr>
+          <p:cNvPr id="134" name="Straight Arrow Connector 133">
+            <a:extLst>
+              <a:ext uri="{FF2B5EF4-FFF2-40B4-BE49-F238E27FC236}">
+                <a16:creationId xmlns:a16="http://schemas.microsoft.com/office/drawing/2014/main" id="{256FC432-6B2E-4E73-94B0-EE4081989375}"/>
+              </a:ext>
+            </a:extLst>
+          </p:cNvPr>
+          <p:cNvCxnSpPr>
+            <a:cxnSpLocks/>
+          </p:cNvCxnSpPr>
+          <p:nvPr/>
+        </p:nvCxnSpPr>
+        <p:spPr>
+          <a:xfrm flipH="1" flipV="1">
+            <a:off x="2759977" y="2351699"/>
+            <a:ext cx="537926" cy="379748"/>
+          </a:xfrm>
+          <a:prstGeom prst="straightConnector1">
+            <a:avLst/>
+          </a:prstGeom>
+          <a:ln>
+            <a:solidFill>
+              <a:srgbClr val="FF0000"/>
+            </a:solidFill>
+            <a:tailEnd type="triangle"/>
+          </a:ln>
+        </p:spPr>
+        <p:style>
+          <a:lnRef idx="1">
+            <a:schemeClr val="accent1"/>
+          </a:lnRef>
+          <a:fillRef idx="0">
+            <a:schemeClr val="accent1"/>
+          </a:fillRef>
+          <a:effectRef idx="0">
+            <a:schemeClr val="accent1"/>
+          </a:effectRef>
+          <a:fontRef idx="minor">
+            <a:schemeClr val="tx1"/>
+          </a:fontRef>
+        </p:style>
+      </p:cxnSp>
+      <p:sp>
+        <p:nvSpPr>
+          <p:cNvPr id="135" name="Rectangle 134">
+            <a:extLst>
+              <a:ext uri="{FF2B5EF4-FFF2-40B4-BE49-F238E27FC236}">
+                <a16:creationId xmlns:a16="http://schemas.microsoft.com/office/drawing/2014/main" id="{7E0A03A4-C02D-49F8-8B0D-821DC250AEF9}"/>
+              </a:ext>
+            </a:extLst>
+          </p:cNvPr>
+          <p:cNvSpPr/>
+          <p:nvPr/>
+        </p:nvSpPr>
+        <p:spPr>
+          <a:xfrm>
+            <a:off x="3122308" y="2250260"/>
+            <a:ext cx="1024639" cy="369332"/>
+          </a:xfrm>
+          <a:prstGeom prst="rect">
+            <a:avLst/>
+          </a:prstGeom>
+        </p:spPr>
+        <p:txBody>
+          <a:bodyPr wrap="none">
+            <a:spAutoFit/>
+          </a:bodyPr>
+          <a:lstStyle/>
+          <a:p>
+            <a:r>
+              <a:rPr lang="en-US" dirty="0">
+                <a:solidFill>
+                  <a:srgbClr val="FF0000"/>
+                </a:solidFill>
+              </a:rPr>
+              <a:t>10*(3+0)</a:t>
+            </a:r>
+          </a:p>
+        </p:txBody>
+      </p:sp>
+      <p:cxnSp>
+        <p:nvCxnSpPr>
+          <p:cNvPr id="136" name="Straight Arrow Connector 135">
+            <a:extLst>
+              <a:ext uri="{FF2B5EF4-FFF2-40B4-BE49-F238E27FC236}">
+                <a16:creationId xmlns:a16="http://schemas.microsoft.com/office/drawing/2014/main" id="{AA6990E1-8BDC-4AB0-B0BD-0528F2432B3A}"/>
+              </a:ext>
+            </a:extLst>
+          </p:cNvPr>
+          <p:cNvCxnSpPr>
+            <a:cxnSpLocks/>
+          </p:cNvCxnSpPr>
+          <p:nvPr/>
+        </p:nvCxnSpPr>
+        <p:spPr>
+          <a:xfrm flipH="1" flipV="1">
+            <a:off x="1715550" y="1580846"/>
+            <a:ext cx="537926" cy="379748"/>
+          </a:xfrm>
+          <a:prstGeom prst="straightConnector1">
+            <a:avLst/>
+          </a:prstGeom>
+          <a:ln>
+            <a:solidFill>
+              <a:srgbClr val="FF0000"/>
+            </a:solidFill>
+            <a:tailEnd type="triangle"/>
+          </a:ln>
+        </p:spPr>
+        <p:style>
+          <a:lnRef idx="1">
+            <a:schemeClr val="accent1"/>
+          </a:lnRef>
+          <a:fillRef idx="0">
+            <a:schemeClr val="accent1"/>
+          </a:fillRef>
+          <a:effectRef idx="0">
+            <a:schemeClr val="accent1"/>
+          </a:effectRef>
+          <a:fontRef idx="minor">
+            <a:schemeClr val="tx1"/>
+          </a:fontRef>
+        </p:style>
+      </p:cxnSp>
+      <p:sp>
+        <p:nvSpPr>
+          <p:cNvPr id="137" name="Rectangle 136">
+            <a:extLst>
+              <a:ext uri="{FF2B5EF4-FFF2-40B4-BE49-F238E27FC236}">
+                <a16:creationId xmlns:a16="http://schemas.microsoft.com/office/drawing/2014/main" id="{726EBD7F-5F2D-4A09-AD2D-5D72C9994460}"/>
+              </a:ext>
+            </a:extLst>
+          </p:cNvPr>
+          <p:cNvSpPr/>
+          <p:nvPr/>
+        </p:nvSpPr>
+        <p:spPr>
+          <a:xfrm>
+            <a:off x="2065602" y="1504112"/>
+            <a:ext cx="1141659" cy="369332"/>
+          </a:xfrm>
+          <a:prstGeom prst="rect">
+            <a:avLst/>
+          </a:prstGeom>
+        </p:spPr>
+        <p:txBody>
+          <a:bodyPr wrap="none">
+            <a:spAutoFit/>
+          </a:bodyPr>
+          <a:lstStyle/>
+          <a:p>
+            <a:r>
+              <a:rPr lang="en-US" dirty="0">
+                <a:solidFill>
+                  <a:srgbClr val="FF0000"/>
+                </a:solidFill>
+              </a:rPr>
+              <a:t>10*(30+6)</a:t>
+            </a:r>
+          </a:p>
+        </p:txBody>
+      </p:sp>
+      <p:sp>
+        <p:nvSpPr>
+          <p:cNvPr id="138" name="Rectangle 137">
+            <a:extLst>
+              <a:ext uri="{FF2B5EF4-FFF2-40B4-BE49-F238E27FC236}">
+                <a16:creationId xmlns:a16="http://schemas.microsoft.com/office/drawing/2014/main" id="{8F9A3376-76E5-4AAC-84BB-7C3C894647D6}"/>
+              </a:ext>
+            </a:extLst>
+          </p:cNvPr>
+          <p:cNvSpPr/>
+          <p:nvPr/>
+        </p:nvSpPr>
+        <p:spPr>
+          <a:xfrm>
+            <a:off x="3332489" y="1181801"/>
+            <a:ext cx="936475" cy="369332"/>
+          </a:xfrm>
+          <a:prstGeom prst="rect">
+            <a:avLst/>
+          </a:prstGeom>
+        </p:spPr>
+        <p:txBody>
+          <a:bodyPr wrap="none">
+            <a:spAutoFit/>
+          </a:bodyPr>
+          <a:lstStyle/>
+          <a:p>
+            <a:r>
+              <a:rPr lang="en-US" dirty="0">
+                <a:solidFill>
+                  <a:srgbClr val="FF0000"/>
+                </a:solidFill>
+              </a:rPr>
+              <a:t>360+7 =</a:t>
+            </a:r>
+          </a:p>
+        </p:txBody>
+      </p:sp>
+      <p:sp>
+        <p:nvSpPr>
+          <p:cNvPr id="139" name="TextBox 138">
+            <a:extLst>
+              <a:ext uri="{FF2B5EF4-FFF2-40B4-BE49-F238E27FC236}">
+                <a16:creationId xmlns:a16="http://schemas.microsoft.com/office/drawing/2014/main" id="{9B24D22A-124F-4F98-8E32-4CC9A7F68E99}"/>
+              </a:ext>
+            </a:extLst>
+          </p:cNvPr>
+          <p:cNvSpPr txBox="1"/>
+          <p:nvPr/>
+        </p:nvSpPr>
+        <p:spPr>
+          <a:xfrm>
+            <a:off x="4399141" y="1076837"/>
+            <a:ext cx="1073790" cy="646331"/>
+          </a:xfrm>
+          <a:prstGeom prst="rect">
+            <a:avLst/>
+          </a:prstGeom>
+          <a:noFill/>
+        </p:spPr>
+        <p:txBody>
+          <a:bodyPr wrap="square" rtlCol="0">
+            <a:spAutoFit/>
+          </a:bodyPr>
+          <a:lstStyle/>
+          <a:p>
+            <a:r>
+              <a:rPr lang="en-US" dirty="0">
+                <a:solidFill>
+                  <a:schemeClr val="accent2"/>
+                </a:solidFill>
+              </a:rPr>
+              <a:t>Return value!</a:t>
+            </a:r>
+          </a:p>
+        </p:txBody>
+      </p:sp>
+    </p:spTree>
+    <p:extLst>
+      <p:ext uri="{BB962C8B-B14F-4D97-AF65-F5344CB8AC3E}">
+        <p14:creationId xmlns:p14="http://schemas.microsoft.com/office/powerpoint/2010/main" val="4268383252"/>
       </p:ext>
     </p:extLst>
   </p:cSld>

--- a/Cracking_the_coding_interview/Java/src_explanation/2.5.Sum.pptx
+++ b/Cracking_the_coding_interview/Java/src_explanation/2.5.Sum.pptx
@@ -260,7 +260,7 @@
           <a:p>
             <a:fld id="{F2C5855B-BEA3-4118-8F65-D523281D98FB}" type="datetimeFigureOut">
               <a:rPr lang="en-US" smtClean="0"/>
-              <a:t>5/8/2018</a:t>
+              <a:t>5/9/2018</a:t>
             </a:fld>
             <a:endParaRPr lang="en-US"/>
           </a:p>
@@ -458,7 +458,7 @@
           <a:p>
             <a:fld id="{F2C5855B-BEA3-4118-8F65-D523281D98FB}" type="datetimeFigureOut">
               <a:rPr lang="en-US" smtClean="0"/>
-              <a:t>5/8/2018</a:t>
+              <a:t>5/9/2018</a:t>
             </a:fld>
             <a:endParaRPr lang="en-US"/>
           </a:p>
@@ -666,7 +666,7 @@
           <a:p>
             <a:fld id="{F2C5855B-BEA3-4118-8F65-D523281D98FB}" type="datetimeFigureOut">
               <a:rPr lang="en-US" smtClean="0"/>
-              <a:t>5/8/2018</a:t>
+              <a:t>5/9/2018</a:t>
             </a:fld>
             <a:endParaRPr lang="en-US"/>
           </a:p>
@@ -864,7 +864,7 @@
           <a:p>
             <a:fld id="{F2C5855B-BEA3-4118-8F65-D523281D98FB}" type="datetimeFigureOut">
               <a:rPr lang="en-US" smtClean="0"/>
-              <a:t>5/8/2018</a:t>
+              <a:t>5/9/2018</a:t>
             </a:fld>
             <a:endParaRPr lang="en-US"/>
           </a:p>
@@ -1139,7 +1139,7 @@
           <a:p>
             <a:fld id="{F2C5855B-BEA3-4118-8F65-D523281D98FB}" type="datetimeFigureOut">
               <a:rPr lang="en-US" smtClean="0"/>
-              <a:t>5/8/2018</a:t>
+              <a:t>5/9/2018</a:t>
             </a:fld>
             <a:endParaRPr lang="en-US"/>
           </a:p>
@@ -1404,7 +1404,7 @@
           <a:p>
             <a:fld id="{F2C5855B-BEA3-4118-8F65-D523281D98FB}" type="datetimeFigureOut">
               <a:rPr lang="en-US" smtClean="0"/>
-              <a:t>5/8/2018</a:t>
+              <a:t>5/9/2018</a:t>
             </a:fld>
             <a:endParaRPr lang="en-US"/>
           </a:p>
@@ -1816,7 +1816,7 @@
           <a:p>
             <a:fld id="{F2C5855B-BEA3-4118-8F65-D523281D98FB}" type="datetimeFigureOut">
               <a:rPr lang="en-US" smtClean="0"/>
-              <a:t>5/8/2018</a:t>
+              <a:t>5/9/2018</a:t>
             </a:fld>
             <a:endParaRPr lang="en-US"/>
           </a:p>
@@ -1957,7 +1957,7 @@
           <a:p>
             <a:fld id="{F2C5855B-BEA3-4118-8F65-D523281D98FB}" type="datetimeFigureOut">
               <a:rPr lang="en-US" smtClean="0"/>
-              <a:t>5/8/2018</a:t>
+              <a:t>5/9/2018</a:t>
             </a:fld>
             <a:endParaRPr lang="en-US"/>
           </a:p>
@@ -2070,7 +2070,7 @@
           <a:p>
             <a:fld id="{F2C5855B-BEA3-4118-8F65-D523281D98FB}" type="datetimeFigureOut">
               <a:rPr lang="en-US" smtClean="0"/>
-              <a:t>5/8/2018</a:t>
+              <a:t>5/9/2018</a:t>
             </a:fld>
             <a:endParaRPr lang="en-US"/>
           </a:p>
@@ -2381,7 +2381,7 @@
           <a:p>
             <a:fld id="{F2C5855B-BEA3-4118-8F65-D523281D98FB}" type="datetimeFigureOut">
               <a:rPr lang="en-US" smtClean="0"/>
-              <a:t>5/8/2018</a:t>
+              <a:t>5/9/2018</a:t>
             </a:fld>
             <a:endParaRPr lang="en-US"/>
           </a:p>
@@ -2669,7 +2669,7 @@
           <a:p>
             <a:fld id="{F2C5855B-BEA3-4118-8F65-D523281D98FB}" type="datetimeFigureOut">
               <a:rPr lang="en-US" smtClean="0"/>
-              <a:t>5/8/2018</a:t>
+              <a:t>5/9/2018</a:t>
             </a:fld>
             <a:endParaRPr lang="en-US"/>
           </a:p>
@@ -2910,7 +2910,7 @@
           <a:p>
             <a:fld id="{F2C5855B-BEA3-4118-8F65-D523281D98FB}" type="datetimeFigureOut">
               <a:rPr lang="en-US" smtClean="0"/>
-              <a:t>5/8/2018</a:t>
+              <a:t>5/9/2018</a:t>
             </a:fld>
             <a:endParaRPr lang="en-US"/>
           </a:p>
@@ -8556,6 +8556,1052 @@
           </a:p>
         </p:txBody>
       </p:sp>
+      <p:sp>
+        <p:nvSpPr>
+          <p:cNvPr id="55" name="TextBox 54">
+            <a:extLst>
+              <a:ext uri="{FF2B5EF4-FFF2-40B4-BE49-F238E27FC236}">
+                <a16:creationId xmlns:a16="http://schemas.microsoft.com/office/drawing/2014/main" id="{05501D80-89CA-4A1C-91B1-0FD3D9AEC408}"/>
+              </a:ext>
+            </a:extLst>
+          </p:cNvPr>
+          <p:cNvSpPr txBox="1"/>
+          <p:nvPr/>
+        </p:nvSpPr>
+        <p:spPr>
+          <a:xfrm>
+            <a:off x="781720" y="3629420"/>
+            <a:ext cx="587230" cy="369332"/>
+          </a:xfrm>
+          <a:prstGeom prst="rect">
+            <a:avLst/>
+          </a:prstGeom>
+          <a:noFill/>
+        </p:spPr>
+        <p:txBody>
+          <a:bodyPr wrap="square" rtlCol="0">
+            <a:spAutoFit/>
+          </a:bodyPr>
+          <a:lstStyle/>
+          <a:p>
+            <a:r>
+              <a:rPr lang="en-US" dirty="0"/>
+              <a:t>L1 =</a:t>
+            </a:r>
+          </a:p>
+        </p:txBody>
+      </p:sp>
+      <p:sp>
+        <p:nvSpPr>
+          <p:cNvPr id="56" name="Rectangle 55">
+            <a:extLst>
+              <a:ext uri="{FF2B5EF4-FFF2-40B4-BE49-F238E27FC236}">
+                <a16:creationId xmlns:a16="http://schemas.microsoft.com/office/drawing/2014/main" id="{971CB365-AA79-4E77-8A9E-1631736A412C}"/>
+              </a:ext>
+            </a:extLst>
+          </p:cNvPr>
+          <p:cNvSpPr/>
+          <p:nvPr/>
+        </p:nvSpPr>
+        <p:spPr>
+          <a:xfrm>
+            <a:off x="1385729" y="3688143"/>
+            <a:ext cx="830510" cy="251886"/>
+          </a:xfrm>
+          <a:prstGeom prst="rect">
+            <a:avLst/>
+          </a:prstGeom>
+        </p:spPr>
+        <p:style>
+          <a:lnRef idx="2">
+            <a:schemeClr val="accent1">
+              <a:shade val="50000"/>
+            </a:schemeClr>
+          </a:lnRef>
+          <a:fillRef idx="1">
+            <a:schemeClr val="accent1"/>
+          </a:fillRef>
+          <a:effectRef idx="0">
+            <a:schemeClr val="accent1"/>
+          </a:effectRef>
+          <a:fontRef idx="minor">
+            <a:schemeClr val="lt1"/>
+          </a:fontRef>
+        </p:style>
+        <p:txBody>
+          <a:bodyPr rtlCol="0" anchor="ctr"/>
+          <a:lstStyle/>
+          <a:p>
+            <a:pPr algn="ctr"/>
+            <a:endParaRPr lang="en-US"/>
+          </a:p>
+        </p:txBody>
+      </p:sp>
+      <p:sp>
+        <p:nvSpPr>
+          <p:cNvPr id="57" name="Rectangle 56">
+            <a:extLst>
+              <a:ext uri="{FF2B5EF4-FFF2-40B4-BE49-F238E27FC236}">
+                <a16:creationId xmlns:a16="http://schemas.microsoft.com/office/drawing/2014/main" id="{2C7B82D9-1F2A-4390-AC55-1B115B5F17CE}"/>
+              </a:ext>
+            </a:extLst>
+          </p:cNvPr>
+          <p:cNvSpPr/>
+          <p:nvPr/>
+        </p:nvSpPr>
+        <p:spPr>
+          <a:xfrm>
+            <a:off x="1385729" y="3688142"/>
+            <a:ext cx="486560" cy="251887"/>
+          </a:xfrm>
+          <a:prstGeom prst="rect">
+            <a:avLst/>
+          </a:prstGeom>
+          <a:solidFill>
+            <a:schemeClr val="bg1"/>
+          </a:solidFill>
+        </p:spPr>
+        <p:style>
+          <a:lnRef idx="2">
+            <a:schemeClr val="accent1">
+              <a:shade val="50000"/>
+            </a:schemeClr>
+          </a:lnRef>
+          <a:fillRef idx="1">
+            <a:schemeClr val="accent1"/>
+          </a:fillRef>
+          <a:effectRef idx="0">
+            <a:schemeClr val="accent1"/>
+          </a:effectRef>
+          <a:fontRef idx="minor">
+            <a:schemeClr val="lt1"/>
+          </a:fontRef>
+        </p:style>
+        <p:txBody>
+          <a:bodyPr rtlCol="0" anchor="ctr"/>
+          <a:lstStyle/>
+          <a:p>
+            <a:pPr algn="ctr"/>
+            <a:endParaRPr lang="en-US"/>
+          </a:p>
+        </p:txBody>
+      </p:sp>
+      <p:sp>
+        <p:nvSpPr>
+          <p:cNvPr id="58" name="TextBox 57">
+            <a:extLst>
+              <a:ext uri="{FF2B5EF4-FFF2-40B4-BE49-F238E27FC236}">
+                <a16:creationId xmlns:a16="http://schemas.microsoft.com/office/drawing/2014/main" id="{3CA483D2-39A2-4315-9060-4A898A5E5AAD}"/>
+              </a:ext>
+            </a:extLst>
+          </p:cNvPr>
+          <p:cNvSpPr txBox="1"/>
+          <p:nvPr/>
+        </p:nvSpPr>
+        <p:spPr>
+          <a:xfrm>
+            <a:off x="1440258" y="3629420"/>
+            <a:ext cx="360726" cy="369332"/>
+          </a:xfrm>
+          <a:prstGeom prst="rect">
+            <a:avLst/>
+          </a:prstGeom>
+          <a:noFill/>
+        </p:spPr>
+        <p:txBody>
+          <a:bodyPr wrap="square" rtlCol="0">
+            <a:spAutoFit/>
+          </a:bodyPr>
+          <a:lstStyle/>
+          <a:p>
+            <a:r>
+              <a:rPr lang="en-US" dirty="0"/>
+              <a:t>0</a:t>
+            </a:r>
+          </a:p>
+        </p:txBody>
+      </p:sp>
+      <p:cxnSp>
+        <p:nvCxnSpPr>
+          <p:cNvPr id="59" name="Straight Arrow Connector 58">
+            <a:extLst>
+              <a:ext uri="{FF2B5EF4-FFF2-40B4-BE49-F238E27FC236}">
+                <a16:creationId xmlns:a16="http://schemas.microsoft.com/office/drawing/2014/main" id="{644B3F0A-5C04-4EAE-8E6E-88ABA5593BC6}"/>
+              </a:ext>
+            </a:extLst>
+          </p:cNvPr>
+          <p:cNvCxnSpPr>
+            <a:stCxn id="56" idx="3"/>
+          </p:cNvCxnSpPr>
+          <p:nvPr/>
+        </p:nvCxnSpPr>
+        <p:spPr>
+          <a:xfrm flipV="1">
+            <a:off x="2216239" y="3814085"/>
+            <a:ext cx="385892" cy="1"/>
+          </a:xfrm>
+          <a:prstGeom prst="straightConnector1">
+            <a:avLst/>
+          </a:prstGeom>
+          <a:ln w="38100">
+            <a:tailEnd type="triangle"/>
+          </a:ln>
+        </p:spPr>
+        <p:style>
+          <a:lnRef idx="1">
+            <a:schemeClr val="accent1"/>
+          </a:lnRef>
+          <a:fillRef idx="0">
+            <a:schemeClr val="accent1"/>
+          </a:fillRef>
+          <a:effectRef idx="0">
+            <a:schemeClr val="accent1"/>
+          </a:effectRef>
+          <a:fontRef idx="minor">
+            <a:schemeClr val="tx1"/>
+          </a:fontRef>
+        </p:style>
+      </p:cxnSp>
+      <p:sp>
+        <p:nvSpPr>
+          <p:cNvPr id="60" name="Rectangle 59">
+            <a:extLst>
+              <a:ext uri="{FF2B5EF4-FFF2-40B4-BE49-F238E27FC236}">
+                <a16:creationId xmlns:a16="http://schemas.microsoft.com/office/drawing/2014/main" id="{B488C2AA-EFE6-4D95-87B7-1142F99CABE7}"/>
+              </a:ext>
+            </a:extLst>
+          </p:cNvPr>
+          <p:cNvSpPr/>
+          <p:nvPr/>
+        </p:nvSpPr>
+        <p:spPr>
+          <a:xfrm>
+            <a:off x="2602131" y="3684056"/>
+            <a:ext cx="830510" cy="251886"/>
+          </a:xfrm>
+          <a:prstGeom prst="rect">
+            <a:avLst/>
+          </a:prstGeom>
+        </p:spPr>
+        <p:style>
+          <a:lnRef idx="2">
+            <a:schemeClr val="accent1">
+              <a:shade val="50000"/>
+            </a:schemeClr>
+          </a:lnRef>
+          <a:fillRef idx="1">
+            <a:schemeClr val="accent1"/>
+          </a:fillRef>
+          <a:effectRef idx="0">
+            <a:schemeClr val="accent1"/>
+          </a:effectRef>
+          <a:fontRef idx="minor">
+            <a:schemeClr val="lt1"/>
+          </a:fontRef>
+        </p:style>
+        <p:txBody>
+          <a:bodyPr rtlCol="0" anchor="ctr"/>
+          <a:lstStyle/>
+          <a:p>
+            <a:pPr algn="ctr"/>
+            <a:endParaRPr lang="en-US"/>
+          </a:p>
+        </p:txBody>
+      </p:sp>
+      <p:sp>
+        <p:nvSpPr>
+          <p:cNvPr id="61" name="Rectangle 60">
+            <a:extLst>
+              <a:ext uri="{FF2B5EF4-FFF2-40B4-BE49-F238E27FC236}">
+                <a16:creationId xmlns:a16="http://schemas.microsoft.com/office/drawing/2014/main" id="{9F8F542C-2635-471F-A99B-180378157128}"/>
+              </a:ext>
+            </a:extLst>
+          </p:cNvPr>
+          <p:cNvSpPr/>
+          <p:nvPr/>
+        </p:nvSpPr>
+        <p:spPr>
+          <a:xfrm>
+            <a:off x="2602131" y="3684055"/>
+            <a:ext cx="486560" cy="251887"/>
+          </a:xfrm>
+          <a:prstGeom prst="rect">
+            <a:avLst/>
+          </a:prstGeom>
+          <a:solidFill>
+            <a:schemeClr val="bg1"/>
+          </a:solidFill>
+        </p:spPr>
+        <p:style>
+          <a:lnRef idx="2">
+            <a:schemeClr val="accent1">
+              <a:shade val="50000"/>
+            </a:schemeClr>
+          </a:lnRef>
+          <a:fillRef idx="1">
+            <a:schemeClr val="accent1"/>
+          </a:fillRef>
+          <a:effectRef idx="0">
+            <a:schemeClr val="accent1"/>
+          </a:effectRef>
+          <a:fontRef idx="minor">
+            <a:schemeClr val="lt1"/>
+          </a:fontRef>
+        </p:style>
+        <p:txBody>
+          <a:bodyPr rtlCol="0" anchor="ctr"/>
+          <a:lstStyle/>
+          <a:p>
+            <a:pPr algn="ctr"/>
+            <a:endParaRPr lang="en-US"/>
+          </a:p>
+        </p:txBody>
+      </p:sp>
+      <p:cxnSp>
+        <p:nvCxnSpPr>
+          <p:cNvPr id="62" name="Straight Arrow Connector 61">
+            <a:extLst>
+              <a:ext uri="{FF2B5EF4-FFF2-40B4-BE49-F238E27FC236}">
+                <a16:creationId xmlns:a16="http://schemas.microsoft.com/office/drawing/2014/main" id="{E337D008-6000-4F01-B667-7AF2DBC8C882}"/>
+              </a:ext>
+            </a:extLst>
+          </p:cNvPr>
+          <p:cNvCxnSpPr>
+            <a:stCxn id="60" idx="3"/>
+          </p:cNvCxnSpPr>
+          <p:nvPr/>
+        </p:nvCxnSpPr>
+        <p:spPr>
+          <a:xfrm flipV="1">
+            <a:off x="3432641" y="3809998"/>
+            <a:ext cx="385892" cy="1"/>
+          </a:xfrm>
+          <a:prstGeom prst="straightConnector1">
+            <a:avLst/>
+          </a:prstGeom>
+          <a:ln w="38100">
+            <a:tailEnd type="triangle"/>
+          </a:ln>
+        </p:spPr>
+        <p:style>
+          <a:lnRef idx="1">
+            <a:schemeClr val="accent1"/>
+          </a:lnRef>
+          <a:fillRef idx="0">
+            <a:schemeClr val="accent1"/>
+          </a:fillRef>
+          <a:effectRef idx="0">
+            <a:schemeClr val="accent1"/>
+          </a:effectRef>
+          <a:fontRef idx="minor">
+            <a:schemeClr val="tx1"/>
+          </a:fontRef>
+        </p:style>
+      </p:cxnSp>
+      <p:sp>
+        <p:nvSpPr>
+          <p:cNvPr id="63" name="Rectangle 62">
+            <a:extLst>
+              <a:ext uri="{FF2B5EF4-FFF2-40B4-BE49-F238E27FC236}">
+                <a16:creationId xmlns:a16="http://schemas.microsoft.com/office/drawing/2014/main" id="{4DD5044D-A784-49B5-9BAB-E7F52300B7BA}"/>
+              </a:ext>
+            </a:extLst>
+          </p:cNvPr>
+          <p:cNvSpPr/>
+          <p:nvPr/>
+        </p:nvSpPr>
+        <p:spPr>
+          <a:xfrm>
+            <a:off x="3826920" y="3684056"/>
+            <a:ext cx="830510" cy="251886"/>
+          </a:xfrm>
+          <a:prstGeom prst="rect">
+            <a:avLst/>
+          </a:prstGeom>
+        </p:spPr>
+        <p:style>
+          <a:lnRef idx="2">
+            <a:schemeClr val="accent1">
+              <a:shade val="50000"/>
+            </a:schemeClr>
+          </a:lnRef>
+          <a:fillRef idx="1">
+            <a:schemeClr val="accent1"/>
+          </a:fillRef>
+          <a:effectRef idx="0">
+            <a:schemeClr val="accent1"/>
+          </a:effectRef>
+          <a:fontRef idx="minor">
+            <a:schemeClr val="lt1"/>
+          </a:fontRef>
+        </p:style>
+        <p:txBody>
+          <a:bodyPr rtlCol="0" anchor="ctr"/>
+          <a:lstStyle/>
+          <a:p>
+            <a:pPr algn="ctr"/>
+            <a:endParaRPr lang="en-US"/>
+          </a:p>
+        </p:txBody>
+      </p:sp>
+      <p:sp>
+        <p:nvSpPr>
+          <p:cNvPr id="64" name="Rectangle 63">
+            <a:extLst>
+              <a:ext uri="{FF2B5EF4-FFF2-40B4-BE49-F238E27FC236}">
+                <a16:creationId xmlns:a16="http://schemas.microsoft.com/office/drawing/2014/main" id="{FE8DDEDD-31D6-4609-A099-F6E403A4B294}"/>
+              </a:ext>
+            </a:extLst>
+          </p:cNvPr>
+          <p:cNvSpPr/>
+          <p:nvPr/>
+        </p:nvSpPr>
+        <p:spPr>
+          <a:xfrm>
+            <a:off x="3826920" y="3684055"/>
+            <a:ext cx="486560" cy="251887"/>
+          </a:xfrm>
+          <a:prstGeom prst="rect">
+            <a:avLst/>
+          </a:prstGeom>
+          <a:solidFill>
+            <a:schemeClr val="bg1"/>
+          </a:solidFill>
+        </p:spPr>
+        <p:style>
+          <a:lnRef idx="2">
+            <a:schemeClr val="accent1">
+              <a:shade val="50000"/>
+            </a:schemeClr>
+          </a:lnRef>
+          <a:fillRef idx="1">
+            <a:schemeClr val="accent1"/>
+          </a:fillRef>
+          <a:effectRef idx="0">
+            <a:schemeClr val="accent1"/>
+          </a:effectRef>
+          <a:fontRef idx="minor">
+            <a:schemeClr val="lt1"/>
+          </a:fontRef>
+        </p:style>
+        <p:txBody>
+          <a:bodyPr rtlCol="0" anchor="ctr"/>
+          <a:lstStyle/>
+          <a:p>
+            <a:pPr algn="ctr"/>
+            <a:endParaRPr lang="en-US"/>
+          </a:p>
+        </p:txBody>
+      </p:sp>
+      <p:sp>
+        <p:nvSpPr>
+          <p:cNvPr id="65" name="TextBox 64">
+            <a:extLst>
+              <a:ext uri="{FF2B5EF4-FFF2-40B4-BE49-F238E27FC236}">
+                <a16:creationId xmlns:a16="http://schemas.microsoft.com/office/drawing/2014/main" id="{E5D22E72-43BF-4133-894E-96E712A18EC8}"/>
+              </a:ext>
+            </a:extLst>
+          </p:cNvPr>
+          <p:cNvSpPr txBox="1"/>
+          <p:nvPr/>
+        </p:nvSpPr>
+        <p:spPr>
+          <a:xfrm>
+            <a:off x="2673436" y="3625332"/>
+            <a:ext cx="360726" cy="369332"/>
+          </a:xfrm>
+          <a:prstGeom prst="rect">
+            <a:avLst/>
+          </a:prstGeom>
+          <a:noFill/>
+        </p:spPr>
+        <p:txBody>
+          <a:bodyPr wrap="square" rtlCol="0">
+            <a:spAutoFit/>
+          </a:bodyPr>
+          <a:lstStyle/>
+          <a:p>
+            <a:r>
+              <a:rPr lang="en-US" dirty="0"/>
+              <a:t>0</a:t>
+            </a:r>
+          </a:p>
+        </p:txBody>
+      </p:sp>
+      <p:sp>
+        <p:nvSpPr>
+          <p:cNvPr id="66" name="TextBox 65">
+            <a:extLst>
+              <a:ext uri="{FF2B5EF4-FFF2-40B4-BE49-F238E27FC236}">
+                <a16:creationId xmlns:a16="http://schemas.microsoft.com/office/drawing/2014/main" id="{22A8CD0A-BACB-4F9D-A2EA-5DFC1E0CB045}"/>
+              </a:ext>
+            </a:extLst>
+          </p:cNvPr>
+          <p:cNvSpPr txBox="1"/>
+          <p:nvPr/>
+        </p:nvSpPr>
+        <p:spPr>
+          <a:xfrm>
+            <a:off x="3898226" y="3625332"/>
+            <a:ext cx="360726" cy="369332"/>
+          </a:xfrm>
+          <a:prstGeom prst="rect">
+            <a:avLst/>
+          </a:prstGeom>
+          <a:noFill/>
+        </p:spPr>
+        <p:txBody>
+          <a:bodyPr wrap="square" rtlCol="0">
+            <a:spAutoFit/>
+          </a:bodyPr>
+          <a:lstStyle/>
+          <a:p>
+            <a:r>
+              <a:rPr lang="en-US" dirty="0"/>
+              <a:t>1</a:t>
+            </a:r>
+          </a:p>
+        </p:txBody>
+      </p:sp>
+      <p:sp>
+        <p:nvSpPr>
+          <p:cNvPr id="67" name="Rectangle 66">
+            <a:extLst>
+              <a:ext uri="{FF2B5EF4-FFF2-40B4-BE49-F238E27FC236}">
+                <a16:creationId xmlns:a16="http://schemas.microsoft.com/office/drawing/2014/main" id="{6C3F06D0-6F61-4722-B67B-A19B545A9721}"/>
+              </a:ext>
+            </a:extLst>
+          </p:cNvPr>
+          <p:cNvSpPr/>
+          <p:nvPr/>
+        </p:nvSpPr>
+        <p:spPr>
+          <a:xfrm>
+            <a:off x="781720" y="4390099"/>
+            <a:ext cx="907428" cy="369332"/>
+          </a:xfrm>
+          <a:prstGeom prst="rect">
+            <a:avLst/>
+          </a:prstGeom>
+        </p:spPr>
+        <p:txBody>
+          <a:bodyPr wrap="square">
+            <a:spAutoFit/>
+          </a:bodyPr>
+          <a:lstStyle/>
+          <a:p>
+            <a:r>
+              <a:rPr lang="en-US" dirty="0"/>
+              <a:t>value = </a:t>
+            </a:r>
+          </a:p>
+        </p:txBody>
+      </p:sp>
+      <p:sp>
+        <p:nvSpPr>
+          <p:cNvPr id="68" name="Rectangle 67">
+            <a:extLst>
+              <a:ext uri="{FF2B5EF4-FFF2-40B4-BE49-F238E27FC236}">
+                <a16:creationId xmlns:a16="http://schemas.microsoft.com/office/drawing/2014/main" id="{041E28A5-FB7E-44D4-9373-DF1A9AB08A0A}"/>
+              </a:ext>
+            </a:extLst>
+          </p:cNvPr>
+          <p:cNvSpPr/>
+          <p:nvPr/>
+        </p:nvSpPr>
+        <p:spPr>
+          <a:xfrm>
+            <a:off x="1914204" y="5230329"/>
+            <a:ext cx="907428" cy="369332"/>
+          </a:xfrm>
+          <a:prstGeom prst="rect">
+            <a:avLst/>
+          </a:prstGeom>
+        </p:spPr>
+        <p:txBody>
+          <a:bodyPr wrap="square">
+            <a:spAutoFit/>
+          </a:bodyPr>
+          <a:lstStyle/>
+          <a:p>
+            <a:r>
+              <a:rPr lang="en-US" dirty="0"/>
+              <a:t>value = </a:t>
+            </a:r>
+          </a:p>
+        </p:txBody>
+      </p:sp>
+      <p:cxnSp>
+        <p:nvCxnSpPr>
+          <p:cNvPr id="69" name="Straight Arrow Connector 68">
+            <a:extLst>
+              <a:ext uri="{FF2B5EF4-FFF2-40B4-BE49-F238E27FC236}">
+                <a16:creationId xmlns:a16="http://schemas.microsoft.com/office/drawing/2014/main" id="{5ED0D817-60F6-4DB6-B109-A144CD888A17}"/>
+              </a:ext>
+            </a:extLst>
+          </p:cNvPr>
+          <p:cNvCxnSpPr>
+            <a:cxnSpLocks/>
+          </p:cNvCxnSpPr>
+          <p:nvPr/>
+        </p:nvCxnSpPr>
+        <p:spPr>
+          <a:xfrm>
+            <a:off x="1410400" y="4727900"/>
+            <a:ext cx="587230" cy="359396"/>
+          </a:xfrm>
+          <a:prstGeom prst="straightConnector1">
+            <a:avLst/>
+          </a:prstGeom>
+          <a:ln>
+            <a:tailEnd type="triangle"/>
+          </a:ln>
+        </p:spPr>
+        <p:style>
+          <a:lnRef idx="1">
+            <a:schemeClr val="accent1"/>
+          </a:lnRef>
+          <a:fillRef idx="0">
+            <a:schemeClr val="accent1"/>
+          </a:fillRef>
+          <a:effectRef idx="0">
+            <a:schemeClr val="accent1"/>
+          </a:effectRef>
+          <a:fontRef idx="minor">
+            <a:schemeClr val="tx1"/>
+          </a:fontRef>
+        </p:style>
+      </p:cxnSp>
+      <p:sp>
+        <p:nvSpPr>
+          <p:cNvPr id="70" name="Rectangle 69">
+            <a:extLst>
+              <a:ext uri="{FF2B5EF4-FFF2-40B4-BE49-F238E27FC236}">
+                <a16:creationId xmlns:a16="http://schemas.microsoft.com/office/drawing/2014/main" id="{E2288750-6621-438E-B80A-09F99063E3DD}"/>
+              </a:ext>
+            </a:extLst>
+          </p:cNvPr>
+          <p:cNvSpPr/>
+          <p:nvPr/>
+        </p:nvSpPr>
+        <p:spPr>
+          <a:xfrm>
+            <a:off x="750160" y="4070058"/>
+            <a:ext cx="1945084" cy="369332"/>
+          </a:xfrm>
+          <a:prstGeom prst="rect">
+            <a:avLst/>
+          </a:prstGeom>
+        </p:spPr>
+        <p:txBody>
+          <a:bodyPr wrap="square">
+            <a:spAutoFit/>
+          </a:bodyPr>
+          <a:lstStyle/>
+          <a:p>
+            <a:r>
+              <a:rPr lang="en-US" dirty="0" err="1"/>
+              <a:t>node.next.data</a:t>
+            </a:r>
+            <a:r>
+              <a:rPr lang="en-US" dirty="0"/>
+              <a:t> = 0</a:t>
+            </a:r>
+          </a:p>
+        </p:txBody>
+      </p:sp>
+      <p:sp>
+        <p:nvSpPr>
+          <p:cNvPr id="71" name="Rectangle 70">
+            <a:extLst>
+              <a:ext uri="{FF2B5EF4-FFF2-40B4-BE49-F238E27FC236}">
+                <a16:creationId xmlns:a16="http://schemas.microsoft.com/office/drawing/2014/main" id="{C3D70C43-FD3B-4A77-A8F3-4BDE969D2F6D}"/>
+              </a:ext>
+            </a:extLst>
+          </p:cNvPr>
+          <p:cNvSpPr/>
+          <p:nvPr/>
+        </p:nvSpPr>
+        <p:spPr>
+          <a:xfrm>
+            <a:off x="1872288" y="4970270"/>
+            <a:ext cx="2386663" cy="369332"/>
+          </a:xfrm>
+          <a:prstGeom prst="rect">
+            <a:avLst/>
+          </a:prstGeom>
+        </p:spPr>
+        <p:txBody>
+          <a:bodyPr wrap="square">
+            <a:spAutoFit/>
+          </a:bodyPr>
+          <a:lstStyle/>
+          <a:p>
+            <a:r>
+              <a:rPr lang="en-US" dirty="0" err="1"/>
+              <a:t>node.next.data</a:t>
+            </a:r>
+            <a:r>
+              <a:rPr lang="en-US" dirty="0"/>
+              <a:t> = 1</a:t>
+            </a:r>
+          </a:p>
+        </p:txBody>
+      </p:sp>
+      <p:sp>
+        <p:nvSpPr>
+          <p:cNvPr id="72" name="Rectangle 71">
+            <a:extLst>
+              <a:ext uri="{FF2B5EF4-FFF2-40B4-BE49-F238E27FC236}">
+                <a16:creationId xmlns:a16="http://schemas.microsoft.com/office/drawing/2014/main" id="{27ADE3A3-D6F9-4831-BCAE-4686A5878216}"/>
+              </a:ext>
+            </a:extLst>
+          </p:cNvPr>
+          <p:cNvSpPr/>
+          <p:nvPr/>
+        </p:nvSpPr>
+        <p:spPr>
+          <a:xfrm>
+            <a:off x="3122499" y="5961065"/>
+            <a:ext cx="1024448" cy="369332"/>
+          </a:xfrm>
+          <a:prstGeom prst="rect">
+            <a:avLst/>
+          </a:prstGeom>
+        </p:spPr>
+        <p:txBody>
+          <a:bodyPr wrap="square">
+            <a:spAutoFit/>
+          </a:bodyPr>
+          <a:lstStyle/>
+          <a:p>
+            <a:r>
+              <a:rPr lang="en-US" dirty="0"/>
+              <a:t>value = 0</a:t>
+            </a:r>
+          </a:p>
+        </p:txBody>
+      </p:sp>
+      <p:sp>
+        <p:nvSpPr>
+          <p:cNvPr id="73" name="Rectangle 72">
+            <a:extLst>
+              <a:ext uri="{FF2B5EF4-FFF2-40B4-BE49-F238E27FC236}">
+                <a16:creationId xmlns:a16="http://schemas.microsoft.com/office/drawing/2014/main" id="{A8F3DF87-BFEE-4783-AF43-C0267202A4BA}"/>
+              </a:ext>
+            </a:extLst>
+          </p:cNvPr>
+          <p:cNvSpPr/>
+          <p:nvPr/>
+        </p:nvSpPr>
+        <p:spPr>
+          <a:xfrm>
+            <a:off x="3097081" y="5777011"/>
+            <a:ext cx="1476558" cy="369332"/>
+          </a:xfrm>
+          <a:prstGeom prst="rect">
+            <a:avLst/>
+          </a:prstGeom>
+        </p:spPr>
+        <p:txBody>
+          <a:bodyPr wrap="square">
+            <a:spAutoFit/>
+          </a:bodyPr>
+          <a:lstStyle/>
+          <a:p>
+            <a:r>
+              <a:rPr lang="en-US" dirty="0" err="1"/>
+              <a:t>node.data</a:t>
+            </a:r>
+            <a:r>
+              <a:rPr lang="en-US" dirty="0"/>
+              <a:t> = 1</a:t>
+            </a:r>
+          </a:p>
+        </p:txBody>
+      </p:sp>
+      <p:cxnSp>
+        <p:nvCxnSpPr>
+          <p:cNvPr id="74" name="Straight Arrow Connector 73">
+            <a:extLst>
+              <a:ext uri="{FF2B5EF4-FFF2-40B4-BE49-F238E27FC236}">
+                <a16:creationId xmlns:a16="http://schemas.microsoft.com/office/drawing/2014/main" id="{8842347A-139C-4DDB-9729-EF53BFE04F1B}"/>
+              </a:ext>
+            </a:extLst>
+          </p:cNvPr>
+          <p:cNvCxnSpPr>
+            <a:cxnSpLocks/>
+          </p:cNvCxnSpPr>
+          <p:nvPr/>
+        </p:nvCxnSpPr>
+        <p:spPr>
+          <a:xfrm>
+            <a:off x="2425108" y="5572302"/>
+            <a:ext cx="587230" cy="359396"/>
+          </a:xfrm>
+          <a:prstGeom prst="straightConnector1">
+            <a:avLst/>
+          </a:prstGeom>
+          <a:ln>
+            <a:tailEnd type="triangle"/>
+          </a:ln>
+        </p:spPr>
+        <p:style>
+          <a:lnRef idx="1">
+            <a:schemeClr val="accent1"/>
+          </a:lnRef>
+          <a:fillRef idx="0">
+            <a:schemeClr val="accent1"/>
+          </a:fillRef>
+          <a:effectRef idx="0">
+            <a:schemeClr val="accent1"/>
+          </a:effectRef>
+          <a:fontRef idx="minor">
+            <a:schemeClr val="tx1"/>
+          </a:fontRef>
+        </p:style>
+      </p:cxnSp>
+      <p:cxnSp>
+        <p:nvCxnSpPr>
+          <p:cNvPr id="75" name="Straight Arrow Connector 74">
+            <a:extLst>
+              <a:ext uri="{FF2B5EF4-FFF2-40B4-BE49-F238E27FC236}">
+                <a16:creationId xmlns:a16="http://schemas.microsoft.com/office/drawing/2014/main" id="{E51B7885-E49F-4E39-8695-F833BEF0C2F2}"/>
+              </a:ext>
+            </a:extLst>
+          </p:cNvPr>
+          <p:cNvCxnSpPr>
+            <a:cxnSpLocks/>
+          </p:cNvCxnSpPr>
+          <p:nvPr/>
+        </p:nvCxnSpPr>
+        <p:spPr>
+          <a:xfrm flipH="1" flipV="1">
+            <a:off x="2845411" y="5452613"/>
+            <a:ext cx="537926" cy="379748"/>
+          </a:xfrm>
+          <a:prstGeom prst="straightConnector1">
+            <a:avLst/>
+          </a:prstGeom>
+          <a:ln>
+            <a:solidFill>
+              <a:srgbClr val="FF0000"/>
+            </a:solidFill>
+            <a:tailEnd type="triangle"/>
+          </a:ln>
+        </p:spPr>
+        <p:style>
+          <a:lnRef idx="1">
+            <a:schemeClr val="accent1"/>
+          </a:lnRef>
+          <a:fillRef idx="0">
+            <a:schemeClr val="accent1"/>
+          </a:fillRef>
+          <a:effectRef idx="0">
+            <a:schemeClr val="accent1"/>
+          </a:effectRef>
+          <a:fontRef idx="minor">
+            <a:schemeClr val="tx1"/>
+          </a:fontRef>
+        </p:style>
+      </p:cxnSp>
+      <p:sp>
+        <p:nvSpPr>
+          <p:cNvPr id="76" name="Rectangle 75">
+            <a:extLst>
+              <a:ext uri="{FF2B5EF4-FFF2-40B4-BE49-F238E27FC236}">
+                <a16:creationId xmlns:a16="http://schemas.microsoft.com/office/drawing/2014/main" id="{4FA9004D-6691-42C0-8285-630F98CE8F81}"/>
+              </a:ext>
+            </a:extLst>
+          </p:cNvPr>
+          <p:cNvSpPr/>
+          <p:nvPr/>
+        </p:nvSpPr>
+        <p:spPr>
+          <a:xfrm>
+            <a:off x="3207742" y="5351174"/>
+            <a:ext cx="1024639" cy="369332"/>
+          </a:xfrm>
+          <a:prstGeom prst="rect">
+            <a:avLst/>
+          </a:prstGeom>
+        </p:spPr>
+        <p:txBody>
+          <a:bodyPr wrap="square">
+            <a:spAutoFit/>
+          </a:bodyPr>
+          <a:lstStyle/>
+          <a:p>
+            <a:r>
+              <a:rPr lang="en-US" dirty="0">
+                <a:solidFill>
+                  <a:srgbClr val="FF0000"/>
+                </a:solidFill>
+              </a:rPr>
+              <a:t>10*(1+0)</a:t>
+            </a:r>
+          </a:p>
+        </p:txBody>
+      </p:sp>
+      <p:cxnSp>
+        <p:nvCxnSpPr>
+          <p:cNvPr id="77" name="Straight Arrow Connector 76">
+            <a:extLst>
+              <a:ext uri="{FF2B5EF4-FFF2-40B4-BE49-F238E27FC236}">
+                <a16:creationId xmlns:a16="http://schemas.microsoft.com/office/drawing/2014/main" id="{3FAAB77C-5682-4779-B8AC-3C717D661EE9}"/>
+              </a:ext>
+            </a:extLst>
+          </p:cNvPr>
+          <p:cNvCxnSpPr>
+            <a:cxnSpLocks/>
+          </p:cNvCxnSpPr>
+          <p:nvPr/>
+        </p:nvCxnSpPr>
+        <p:spPr>
+          <a:xfrm flipH="1" flipV="1">
+            <a:off x="1800984" y="4681760"/>
+            <a:ext cx="537926" cy="379748"/>
+          </a:xfrm>
+          <a:prstGeom prst="straightConnector1">
+            <a:avLst/>
+          </a:prstGeom>
+          <a:ln>
+            <a:solidFill>
+              <a:srgbClr val="FF0000"/>
+            </a:solidFill>
+            <a:tailEnd type="triangle"/>
+          </a:ln>
+        </p:spPr>
+        <p:style>
+          <a:lnRef idx="1">
+            <a:schemeClr val="accent1"/>
+          </a:lnRef>
+          <a:fillRef idx="0">
+            <a:schemeClr val="accent1"/>
+          </a:fillRef>
+          <a:effectRef idx="0">
+            <a:schemeClr val="accent1"/>
+          </a:effectRef>
+          <a:fontRef idx="minor">
+            <a:schemeClr val="tx1"/>
+          </a:fontRef>
+        </p:style>
+      </p:cxnSp>
+      <p:sp>
+        <p:nvSpPr>
+          <p:cNvPr id="78" name="Rectangle 77">
+            <a:extLst>
+              <a:ext uri="{FF2B5EF4-FFF2-40B4-BE49-F238E27FC236}">
+                <a16:creationId xmlns:a16="http://schemas.microsoft.com/office/drawing/2014/main" id="{E515FD59-4F0B-4901-95B7-B931EC4DCC5E}"/>
+              </a:ext>
+            </a:extLst>
+          </p:cNvPr>
+          <p:cNvSpPr/>
+          <p:nvPr/>
+        </p:nvSpPr>
+        <p:spPr>
+          <a:xfrm>
+            <a:off x="2151036" y="4605026"/>
+            <a:ext cx="1141659" cy="369332"/>
+          </a:xfrm>
+          <a:prstGeom prst="rect">
+            <a:avLst/>
+          </a:prstGeom>
+        </p:spPr>
+        <p:txBody>
+          <a:bodyPr wrap="square">
+            <a:spAutoFit/>
+          </a:bodyPr>
+          <a:lstStyle/>
+          <a:p>
+            <a:r>
+              <a:rPr lang="en-US" dirty="0">
+                <a:solidFill>
+                  <a:srgbClr val="FF0000"/>
+                </a:solidFill>
+              </a:rPr>
+              <a:t>10*(10)</a:t>
+            </a:r>
+          </a:p>
+        </p:txBody>
+      </p:sp>
+      <p:sp>
+        <p:nvSpPr>
+          <p:cNvPr id="79" name="Rectangle 78">
+            <a:extLst>
+              <a:ext uri="{FF2B5EF4-FFF2-40B4-BE49-F238E27FC236}">
+                <a16:creationId xmlns:a16="http://schemas.microsoft.com/office/drawing/2014/main" id="{E394FBD7-0A5F-4FE2-B9D1-3EFAEEBA1A08}"/>
+              </a:ext>
+            </a:extLst>
+          </p:cNvPr>
+          <p:cNvSpPr/>
+          <p:nvPr/>
+        </p:nvSpPr>
+        <p:spPr>
+          <a:xfrm>
+            <a:off x="3417923" y="4282715"/>
+            <a:ext cx="936475" cy="369332"/>
+          </a:xfrm>
+          <a:prstGeom prst="rect">
+            <a:avLst/>
+          </a:prstGeom>
+        </p:spPr>
+        <p:txBody>
+          <a:bodyPr wrap="square">
+            <a:spAutoFit/>
+          </a:bodyPr>
+          <a:lstStyle/>
+          <a:p>
+            <a:r>
+              <a:rPr lang="en-US" dirty="0">
+                <a:solidFill>
+                  <a:srgbClr val="FF0000"/>
+                </a:solidFill>
+              </a:rPr>
+              <a:t>100+0 =</a:t>
+            </a:r>
+          </a:p>
+        </p:txBody>
+      </p:sp>
+      <p:sp>
+        <p:nvSpPr>
+          <p:cNvPr id="80" name="TextBox 79">
+            <a:extLst>
+              <a:ext uri="{FF2B5EF4-FFF2-40B4-BE49-F238E27FC236}">
+                <a16:creationId xmlns:a16="http://schemas.microsoft.com/office/drawing/2014/main" id="{B43DE337-00A9-4F75-A63D-7DE79874EABA}"/>
+              </a:ext>
+            </a:extLst>
+          </p:cNvPr>
+          <p:cNvSpPr txBox="1"/>
+          <p:nvPr/>
+        </p:nvSpPr>
+        <p:spPr>
+          <a:xfrm>
+            <a:off x="4484575" y="4177751"/>
+            <a:ext cx="1073790" cy="646331"/>
+          </a:xfrm>
+          <a:prstGeom prst="rect">
+            <a:avLst/>
+          </a:prstGeom>
+          <a:noFill/>
+        </p:spPr>
+        <p:txBody>
+          <a:bodyPr wrap="square" rtlCol="0">
+            <a:spAutoFit/>
+          </a:bodyPr>
+          <a:lstStyle/>
+          <a:p>
+            <a:r>
+              <a:rPr lang="en-US" dirty="0">
+                <a:solidFill>
+                  <a:schemeClr val="accent2"/>
+                </a:solidFill>
+              </a:rPr>
+              <a:t>Return value!</a:t>
+            </a:r>
+          </a:p>
+        </p:txBody>
+      </p:sp>
     </p:spTree>
     <p:extLst>
       <p:ext uri="{BB962C8B-B14F-4D97-AF65-F5344CB8AC3E}">

--- a/Cracking_the_coding_interview/Java/src_explanation/2.5.Sum.pptx
+++ b/Cracking_the_coding_interview/Java/src_explanation/2.5.Sum.pptx
@@ -7,6 +7,7 @@
   <p:sldIdLst>
     <p:sldId id="256" r:id="rId2"/>
     <p:sldId id="257" r:id="rId3"/>
+    <p:sldId id="258" r:id="rId4"/>
   </p:sldIdLst>
   <p:sldSz cx="12192000" cy="6858000"/>
   <p:notesSz cx="6858000" cy="9144000"/>
@@ -260,7 +261,7 @@
           <a:p>
             <a:fld id="{F2C5855B-BEA3-4118-8F65-D523281D98FB}" type="datetimeFigureOut">
               <a:rPr lang="en-US" smtClean="0"/>
-              <a:t>5/9/2018</a:t>
+              <a:t>5/10/2018</a:t>
             </a:fld>
             <a:endParaRPr lang="en-US"/>
           </a:p>
@@ -458,7 +459,7 @@
           <a:p>
             <a:fld id="{F2C5855B-BEA3-4118-8F65-D523281D98FB}" type="datetimeFigureOut">
               <a:rPr lang="en-US" smtClean="0"/>
-              <a:t>5/9/2018</a:t>
+              <a:t>5/10/2018</a:t>
             </a:fld>
             <a:endParaRPr lang="en-US"/>
           </a:p>
@@ -666,7 +667,7 @@
           <a:p>
             <a:fld id="{F2C5855B-BEA3-4118-8F65-D523281D98FB}" type="datetimeFigureOut">
               <a:rPr lang="en-US" smtClean="0"/>
-              <a:t>5/9/2018</a:t>
+              <a:t>5/10/2018</a:t>
             </a:fld>
             <a:endParaRPr lang="en-US"/>
           </a:p>
@@ -864,7 +865,7 @@
           <a:p>
             <a:fld id="{F2C5855B-BEA3-4118-8F65-D523281D98FB}" type="datetimeFigureOut">
               <a:rPr lang="en-US" smtClean="0"/>
-              <a:t>5/9/2018</a:t>
+              <a:t>5/10/2018</a:t>
             </a:fld>
             <a:endParaRPr lang="en-US"/>
           </a:p>
@@ -1139,7 +1140,7 @@
           <a:p>
             <a:fld id="{F2C5855B-BEA3-4118-8F65-D523281D98FB}" type="datetimeFigureOut">
               <a:rPr lang="en-US" smtClean="0"/>
-              <a:t>5/9/2018</a:t>
+              <a:t>5/10/2018</a:t>
             </a:fld>
             <a:endParaRPr lang="en-US"/>
           </a:p>
@@ -1404,7 +1405,7 @@
           <a:p>
             <a:fld id="{F2C5855B-BEA3-4118-8F65-D523281D98FB}" type="datetimeFigureOut">
               <a:rPr lang="en-US" smtClean="0"/>
-              <a:t>5/9/2018</a:t>
+              <a:t>5/10/2018</a:t>
             </a:fld>
             <a:endParaRPr lang="en-US"/>
           </a:p>
@@ -1816,7 +1817,7 @@
           <a:p>
             <a:fld id="{F2C5855B-BEA3-4118-8F65-D523281D98FB}" type="datetimeFigureOut">
               <a:rPr lang="en-US" smtClean="0"/>
-              <a:t>5/9/2018</a:t>
+              <a:t>5/10/2018</a:t>
             </a:fld>
             <a:endParaRPr lang="en-US"/>
           </a:p>
@@ -1957,7 +1958,7 @@
           <a:p>
             <a:fld id="{F2C5855B-BEA3-4118-8F65-D523281D98FB}" type="datetimeFigureOut">
               <a:rPr lang="en-US" smtClean="0"/>
-              <a:t>5/9/2018</a:t>
+              <a:t>5/10/2018</a:t>
             </a:fld>
             <a:endParaRPr lang="en-US"/>
           </a:p>
@@ -2070,7 +2071,7 @@
           <a:p>
             <a:fld id="{F2C5855B-BEA3-4118-8F65-D523281D98FB}" type="datetimeFigureOut">
               <a:rPr lang="en-US" smtClean="0"/>
-              <a:t>5/9/2018</a:t>
+              <a:t>5/10/2018</a:t>
             </a:fld>
             <a:endParaRPr lang="en-US"/>
           </a:p>
@@ -2381,7 +2382,7 @@
           <a:p>
             <a:fld id="{F2C5855B-BEA3-4118-8F65-D523281D98FB}" type="datetimeFigureOut">
               <a:rPr lang="en-US" smtClean="0"/>
-              <a:t>5/9/2018</a:t>
+              <a:t>5/10/2018</a:t>
             </a:fld>
             <a:endParaRPr lang="en-US"/>
           </a:p>
@@ -2669,7 +2670,7 @@
           <a:p>
             <a:fld id="{F2C5855B-BEA3-4118-8F65-D523281D98FB}" type="datetimeFigureOut">
               <a:rPr lang="en-US" smtClean="0"/>
-              <a:t>5/9/2018</a:t>
+              <a:t>5/10/2018</a:t>
             </a:fld>
             <a:endParaRPr lang="en-US"/>
           </a:p>
@@ -2910,7 +2911,7 @@
           <a:p>
             <a:fld id="{F2C5855B-BEA3-4118-8F65-D523281D98FB}" type="datetimeFigureOut">
               <a:rPr lang="en-US" smtClean="0"/>
-              <a:t>5/9/2018</a:t>
+              <a:t>5/10/2018</a:t>
             </a:fld>
             <a:endParaRPr lang="en-US"/>
           </a:p>
@@ -7440,7 +7441,7 @@
                   <a:schemeClr val="accent1"/>
                 </a:solidFill>
               </a:rPr>
-              <a:t>addList_1.java</a:t>
+              <a:t>addLists_1.java</a:t>
             </a:r>
           </a:p>
         </p:txBody>
@@ -9606,6 +9607,4527 @@
     <p:extLst>
       <p:ext uri="{BB962C8B-B14F-4D97-AF65-F5344CB8AC3E}">
         <p14:creationId xmlns:p14="http://schemas.microsoft.com/office/powerpoint/2010/main" val="4268383252"/>
+      </p:ext>
+    </p:extLst>
+  </p:cSld>
+  <p:clrMapOvr>
+    <a:masterClrMapping/>
+  </p:clrMapOvr>
+</p:sld>
+</file>
+
+<file path=ppt/slides/slide3.xml><?xml version="1.0" encoding="utf-8"?>
+<p:sld xmlns:a="http://schemas.openxmlformats.org/drawingml/2006/main" xmlns:r="http://schemas.openxmlformats.org/officeDocument/2006/relationships" xmlns:p="http://schemas.openxmlformats.org/presentationml/2006/main">
+  <p:cSld>
+    <p:spTree>
+      <p:nvGrpSpPr>
+        <p:cNvPr id="1" name=""/>
+        <p:cNvGrpSpPr/>
+        <p:nvPr/>
+      </p:nvGrpSpPr>
+      <p:grpSpPr>
+        <a:xfrm>
+          <a:off x="0" y="0"/>
+          <a:ext cx="0" cy="0"/>
+          <a:chOff x="0" y="0"/>
+          <a:chExt cx="0" cy="0"/>
+        </a:xfrm>
+      </p:grpSpPr>
+      <p:sp>
+        <p:nvSpPr>
+          <p:cNvPr id="74" name="Rectangle 73">
+            <a:extLst>
+              <a:ext uri="{FF2B5EF4-FFF2-40B4-BE49-F238E27FC236}">
+                <a16:creationId xmlns:a16="http://schemas.microsoft.com/office/drawing/2014/main" id="{A3C3B531-483A-421E-96DD-6B01A2DB1E13}"/>
+              </a:ext>
+            </a:extLst>
+          </p:cNvPr>
+          <p:cNvSpPr/>
+          <p:nvPr/>
+        </p:nvSpPr>
+        <p:spPr>
+          <a:xfrm>
+            <a:off x="9783035" y="5346975"/>
+            <a:ext cx="830510" cy="251886"/>
+          </a:xfrm>
+          <a:prstGeom prst="rect">
+            <a:avLst/>
+          </a:prstGeom>
+        </p:spPr>
+        <p:style>
+          <a:lnRef idx="2">
+            <a:schemeClr val="accent1">
+              <a:shade val="50000"/>
+            </a:schemeClr>
+          </a:lnRef>
+          <a:fillRef idx="1">
+            <a:schemeClr val="accent1"/>
+          </a:fillRef>
+          <a:effectRef idx="0">
+            <a:schemeClr val="accent1"/>
+          </a:effectRef>
+          <a:fontRef idx="minor">
+            <a:schemeClr val="lt1"/>
+          </a:fontRef>
+        </p:style>
+        <p:txBody>
+          <a:bodyPr rtlCol="0" anchor="ctr"/>
+          <a:lstStyle/>
+          <a:p>
+            <a:pPr algn="ctr"/>
+            <a:endParaRPr lang="en-US"/>
+          </a:p>
+        </p:txBody>
+      </p:sp>
+      <p:sp>
+        <p:nvSpPr>
+          <p:cNvPr id="52" name="Rectangle 51">
+            <a:extLst>
+              <a:ext uri="{FF2B5EF4-FFF2-40B4-BE49-F238E27FC236}">
+                <a16:creationId xmlns:a16="http://schemas.microsoft.com/office/drawing/2014/main" id="{CA5449E0-2589-4587-A840-897583BC860E}"/>
+              </a:ext>
+            </a:extLst>
+          </p:cNvPr>
+          <p:cNvSpPr/>
+          <p:nvPr/>
+        </p:nvSpPr>
+        <p:spPr>
+          <a:xfrm>
+            <a:off x="4904516" y="2324974"/>
+            <a:ext cx="830510" cy="251886"/>
+          </a:xfrm>
+          <a:prstGeom prst="rect">
+            <a:avLst/>
+          </a:prstGeom>
+        </p:spPr>
+        <p:style>
+          <a:lnRef idx="2">
+            <a:schemeClr val="accent1">
+              <a:shade val="50000"/>
+            </a:schemeClr>
+          </a:lnRef>
+          <a:fillRef idx="1">
+            <a:schemeClr val="accent1"/>
+          </a:fillRef>
+          <a:effectRef idx="0">
+            <a:schemeClr val="accent1"/>
+          </a:effectRef>
+          <a:fontRef idx="minor">
+            <a:schemeClr val="lt1"/>
+          </a:fontRef>
+        </p:style>
+        <p:txBody>
+          <a:bodyPr rtlCol="0" anchor="ctr"/>
+          <a:lstStyle/>
+          <a:p>
+            <a:pPr algn="ctr"/>
+            <a:endParaRPr lang="en-US"/>
+          </a:p>
+        </p:txBody>
+      </p:sp>
+      <p:sp>
+        <p:nvSpPr>
+          <p:cNvPr id="55" name="Rectangle 54">
+            <a:extLst>
+              <a:ext uri="{FF2B5EF4-FFF2-40B4-BE49-F238E27FC236}">
+                <a16:creationId xmlns:a16="http://schemas.microsoft.com/office/drawing/2014/main" id="{809A14C8-B89A-47B5-A5A3-35853D6E3249}"/>
+              </a:ext>
+            </a:extLst>
+          </p:cNvPr>
+          <p:cNvSpPr/>
+          <p:nvPr/>
+        </p:nvSpPr>
+        <p:spPr>
+          <a:xfrm>
+            <a:off x="4891028" y="2324448"/>
+            <a:ext cx="486560" cy="251887"/>
+          </a:xfrm>
+          <a:prstGeom prst="rect">
+            <a:avLst/>
+          </a:prstGeom>
+          <a:solidFill>
+            <a:schemeClr val="bg1"/>
+          </a:solidFill>
+        </p:spPr>
+        <p:style>
+          <a:lnRef idx="2">
+            <a:schemeClr val="accent1">
+              <a:shade val="50000"/>
+            </a:schemeClr>
+          </a:lnRef>
+          <a:fillRef idx="1">
+            <a:schemeClr val="accent1"/>
+          </a:fillRef>
+          <a:effectRef idx="0">
+            <a:schemeClr val="accent1"/>
+          </a:effectRef>
+          <a:fontRef idx="minor">
+            <a:schemeClr val="lt1"/>
+          </a:fontRef>
+        </p:style>
+        <p:txBody>
+          <a:bodyPr rtlCol="0" anchor="ctr"/>
+          <a:lstStyle/>
+          <a:p>
+            <a:pPr algn="ctr"/>
+            <a:endParaRPr lang="en-US"/>
+          </a:p>
+        </p:txBody>
+      </p:sp>
+      <p:sp>
+        <p:nvSpPr>
+          <p:cNvPr id="4" name="TextBox 3">
+            <a:extLst>
+              <a:ext uri="{FF2B5EF4-FFF2-40B4-BE49-F238E27FC236}">
+                <a16:creationId xmlns:a16="http://schemas.microsoft.com/office/drawing/2014/main" id="{E56007F4-8A63-4E8E-9ED5-2F18F45D0E8E}"/>
+              </a:ext>
+            </a:extLst>
+          </p:cNvPr>
+          <p:cNvSpPr txBox="1"/>
+          <p:nvPr/>
+        </p:nvSpPr>
+        <p:spPr>
+          <a:xfrm>
+            <a:off x="696286" y="528506"/>
+            <a:ext cx="587230" cy="369332"/>
+          </a:xfrm>
+          <a:prstGeom prst="rect">
+            <a:avLst/>
+          </a:prstGeom>
+          <a:noFill/>
+        </p:spPr>
+        <p:txBody>
+          <a:bodyPr wrap="square" rtlCol="0">
+            <a:spAutoFit/>
+          </a:bodyPr>
+          <a:lstStyle/>
+          <a:p>
+            <a:r>
+              <a:rPr lang="en-US" dirty="0"/>
+              <a:t>L1 =</a:t>
+            </a:r>
+          </a:p>
+        </p:txBody>
+      </p:sp>
+      <p:sp>
+        <p:nvSpPr>
+          <p:cNvPr id="5" name="Rectangle 4">
+            <a:extLst>
+              <a:ext uri="{FF2B5EF4-FFF2-40B4-BE49-F238E27FC236}">
+                <a16:creationId xmlns:a16="http://schemas.microsoft.com/office/drawing/2014/main" id="{9379515D-13DE-4B62-8C65-93BBEC8FEE77}"/>
+              </a:ext>
+            </a:extLst>
+          </p:cNvPr>
+          <p:cNvSpPr/>
+          <p:nvPr/>
+        </p:nvSpPr>
+        <p:spPr>
+          <a:xfrm>
+            <a:off x="1300295" y="587229"/>
+            <a:ext cx="830510" cy="251886"/>
+          </a:xfrm>
+          <a:prstGeom prst="rect">
+            <a:avLst/>
+          </a:prstGeom>
+        </p:spPr>
+        <p:style>
+          <a:lnRef idx="2">
+            <a:schemeClr val="accent1">
+              <a:shade val="50000"/>
+            </a:schemeClr>
+          </a:lnRef>
+          <a:fillRef idx="1">
+            <a:schemeClr val="accent1"/>
+          </a:fillRef>
+          <a:effectRef idx="0">
+            <a:schemeClr val="accent1"/>
+          </a:effectRef>
+          <a:fontRef idx="minor">
+            <a:schemeClr val="lt1"/>
+          </a:fontRef>
+        </p:style>
+        <p:txBody>
+          <a:bodyPr rtlCol="0" anchor="ctr"/>
+          <a:lstStyle/>
+          <a:p>
+            <a:pPr algn="ctr"/>
+            <a:endParaRPr lang="en-US"/>
+          </a:p>
+        </p:txBody>
+      </p:sp>
+      <p:sp>
+        <p:nvSpPr>
+          <p:cNvPr id="7" name="Rectangle 6">
+            <a:extLst>
+              <a:ext uri="{FF2B5EF4-FFF2-40B4-BE49-F238E27FC236}">
+                <a16:creationId xmlns:a16="http://schemas.microsoft.com/office/drawing/2014/main" id="{0E857B63-3306-4F1B-8F40-62E08809A625}"/>
+              </a:ext>
+            </a:extLst>
+          </p:cNvPr>
+          <p:cNvSpPr/>
+          <p:nvPr/>
+        </p:nvSpPr>
+        <p:spPr>
+          <a:xfrm>
+            <a:off x="1300295" y="587228"/>
+            <a:ext cx="486560" cy="251887"/>
+          </a:xfrm>
+          <a:prstGeom prst="rect">
+            <a:avLst/>
+          </a:prstGeom>
+          <a:solidFill>
+            <a:schemeClr val="bg1"/>
+          </a:solidFill>
+        </p:spPr>
+        <p:style>
+          <a:lnRef idx="2">
+            <a:schemeClr val="accent1">
+              <a:shade val="50000"/>
+            </a:schemeClr>
+          </a:lnRef>
+          <a:fillRef idx="1">
+            <a:schemeClr val="accent1"/>
+          </a:fillRef>
+          <a:effectRef idx="0">
+            <a:schemeClr val="accent1"/>
+          </a:effectRef>
+          <a:fontRef idx="minor">
+            <a:schemeClr val="lt1"/>
+          </a:fontRef>
+        </p:style>
+        <p:txBody>
+          <a:bodyPr rtlCol="0" anchor="ctr"/>
+          <a:lstStyle/>
+          <a:p>
+            <a:pPr algn="ctr"/>
+            <a:endParaRPr lang="en-US"/>
+          </a:p>
+        </p:txBody>
+      </p:sp>
+      <p:sp>
+        <p:nvSpPr>
+          <p:cNvPr id="8" name="TextBox 7">
+            <a:extLst>
+              <a:ext uri="{FF2B5EF4-FFF2-40B4-BE49-F238E27FC236}">
+                <a16:creationId xmlns:a16="http://schemas.microsoft.com/office/drawing/2014/main" id="{D11DB7BB-8030-4929-9CFB-3439DBA3EF60}"/>
+              </a:ext>
+            </a:extLst>
+          </p:cNvPr>
+          <p:cNvSpPr txBox="1"/>
+          <p:nvPr/>
+        </p:nvSpPr>
+        <p:spPr>
+          <a:xfrm>
+            <a:off x="1354824" y="528506"/>
+            <a:ext cx="360726" cy="369332"/>
+          </a:xfrm>
+          <a:prstGeom prst="rect">
+            <a:avLst/>
+          </a:prstGeom>
+          <a:noFill/>
+        </p:spPr>
+        <p:txBody>
+          <a:bodyPr wrap="square" rtlCol="0">
+            <a:spAutoFit/>
+          </a:bodyPr>
+          <a:lstStyle/>
+          <a:p>
+            <a:r>
+              <a:rPr lang="en-US" dirty="0"/>
+              <a:t>3</a:t>
+            </a:r>
+          </a:p>
+        </p:txBody>
+      </p:sp>
+      <p:cxnSp>
+        <p:nvCxnSpPr>
+          <p:cNvPr id="10" name="Straight Arrow Connector 9">
+            <a:extLst>
+              <a:ext uri="{FF2B5EF4-FFF2-40B4-BE49-F238E27FC236}">
+                <a16:creationId xmlns:a16="http://schemas.microsoft.com/office/drawing/2014/main" id="{C4CB82AA-3986-4C50-BA16-5BD66AB638FA}"/>
+              </a:ext>
+            </a:extLst>
+          </p:cNvPr>
+          <p:cNvCxnSpPr>
+            <a:stCxn id="5" idx="3"/>
+          </p:cNvCxnSpPr>
+          <p:nvPr/>
+        </p:nvCxnSpPr>
+        <p:spPr>
+          <a:xfrm flipV="1">
+            <a:off x="2130805" y="713171"/>
+            <a:ext cx="385892" cy="1"/>
+          </a:xfrm>
+          <a:prstGeom prst="straightConnector1">
+            <a:avLst/>
+          </a:prstGeom>
+          <a:ln w="38100">
+            <a:tailEnd type="triangle"/>
+          </a:ln>
+        </p:spPr>
+        <p:style>
+          <a:lnRef idx="1">
+            <a:schemeClr val="accent1"/>
+          </a:lnRef>
+          <a:fillRef idx="0">
+            <a:schemeClr val="accent1"/>
+          </a:fillRef>
+          <a:effectRef idx="0">
+            <a:schemeClr val="accent1"/>
+          </a:effectRef>
+          <a:fontRef idx="minor">
+            <a:schemeClr val="tx1"/>
+          </a:fontRef>
+        </p:style>
+      </p:cxnSp>
+      <p:sp>
+        <p:nvSpPr>
+          <p:cNvPr id="11" name="Rectangle 10">
+            <a:extLst>
+              <a:ext uri="{FF2B5EF4-FFF2-40B4-BE49-F238E27FC236}">
+                <a16:creationId xmlns:a16="http://schemas.microsoft.com/office/drawing/2014/main" id="{486F0556-9E7F-4A0B-BCE8-3BC55A9D7076}"/>
+              </a:ext>
+            </a:extLst>
+          </p:cNvPr>
+          <p:cNvSpPr/>
+          <p:nvPr/>
+        </p:nvSpPr>
+        <p:spPr>
+          <a:xfrm>
+            <a:off x="2516697" y="583142"/>
+            <a:ext cx="830510" cy="251886"/>
+          </a:xfrm>
+          <a:prstGeom prst="rect">
+            <a:avLst/>
+          </a:prstGeom>
+        </p:spPr>
+        <p:style>
+          <a:lnRef idx="2">
+            <a:schemeClr val="accent1">
+              <a:shade val="50000"/>
+            </a:schemeClr>
+          </a:lnRef>
+          <a:fillRef idx="1">
+            <a:schemeClr val="accent1"/>
+          </a:fillRef>
+          <a:effectRef idx="0">
+            <a:schemeClr val="accent1"/>
+          </a:effectRef>
+          <a:fontRef idx="minor">
+            <a:schemeClr val="lt1"/>
+          </a:fontRef>
+        </p:style>
+        <p:txBody>
+          <a:bodyPr rtlCol="0" anchor="ctr"/>
+          <a:lstStyle/>
+          <a:p>
+            <a:pPr algn="ctr"/>
+            <a:endParaRPr lang="en-US"/>
+          </a:p>
+        </p:txBody>
+      </p:sp>
+      <p:sp>
+        <p:nvSpPr>
+          <p:cNvPr id="12" name="Rectangle 11">
+            <a:extLst>
+              <a:ext uri="{FF2B5EF4-FFF2-40B4-BE49-F238E27FC236}">
+                <a16:creationId xmlns:a16="http://schemas.microsoft.com/office/drawing/2014/main" id="{3B219EC5-90CA-4188-A6E7-88AF84A60F14}"/>
+              </a:ext>
+            </a:extLst>
+          </p:cNvPr>
+          <p:cNvSpPr/>
+          <p:nvPr/>
+        </p:nvSpPr>
+        <p:spPr>
+          <a:xfrm>
+            <a:off x="2516697" y="583141"/>
+            <a:ext cx="486560" cy="251887"/>
+          </a:xfrm>
+          <a:prstGeom prst="rect">
+            <a:avLst/>
+          </a:prstGeom>
+          <a:solidFill>
+            <a:schemeClr val="bg1"/>
+          </a:solidFill>
+        </p:spPr>
+        <p:style>
+          <a:lnRef idx="2">
+            <a:schemeClr val="accent1">
+              <a:shade val="50000"/>
+            </a:schemeClr>
+          </a:lnRef>
+          <a:fillRef idx="1">
+            <a:schemeClr val="accent1"/>
+          </a:fillRef>
+          <a:effectRef idx="0">
+            <a:schemeClr val="accent1"/>
+          </a:effectRef>
+          <a:fontRef idx="minor">
+            <a:schemeClr val="lt1"/>
+          </a:fontRef>
+        </p:style>
+        <p:txBody>
+          <a:bodyPr rtlCol="0" anchor="ctr"/>
+          <a:lstStyle/>
+          <a:p>
+            <a:pPr algn="ctr"/>
+            <a:endParaRPr lang="en-US"/>
+          </a:p>
+        </p:txBody>
+      </p:sp>
+      <p:cxnSp>
+        <p:nvCxnSpPr>
+          <p:cNvPr id="13" name="Straight Arrow Connector 12">
+            <a:extLst>
+              <a:ext uri="{FF2B5EF4-FFF2-40B4-BE49-F238E27FC236}">
+                <a16:creationId xmlns:a16="http://schemas.microsoft.com/office/drawing/2014/main" id="{9D3CD2CA-EFC8-45A9-B048-029C1C5BA9F4}"/>
+              </a:ext>
+            </a:extLst>
+          </p:cNvPr>
+          <p:cNvCxnSpPr>
+            <a:stCxn id="11" idx="3"/>
+          </p:cNvCxnSpPr>
+          <p:nvPr/>
+        </p:nvCxnSpPr>
+        <p:spPr>
+          <a:xfrm flipV="1">
+            <a:off x="3347207" y="709084"/>
+            <a:ext cx="385892" cy="1"/>
+          </a:xfrm>
+          <a:prstGeom prst="straightConnector1">
+            <a:avLst/>
+          </a:prstGeom>
+          <a:ln w="38100">
+            <a:tailEnd type="triangle"/>
+          </a:ln>
+        </p:spPr>
+        <p:style>
+          <a:lnRef idx="1">
+            <a:schemeClr val="accent1"/>
+          </a:lnRef>
+          <a:fillRef idx="0">
+            <a:schemeClr val="accent1"/>
+          </a:fillRef>
+          <a:effectRef idx="0">
+            <a:schemeClr val="accent1"/>
+          </a:effectRef>
+          <a:fontRef idx="minor">
+            <a:schemeClr val="tx1"/>
+          </a:fontRef>
+        </p:style>
+      </p:cxnSp>
+      <p:sp>
+        <p:nvSpPr>
+          <p:cNvPr id="14" name="Rectangle 13">
+            <a:extLst>
+              <a:ext uri="{FF2B5EF4-FFF2-40B4-BE49-F238E27FC236}">
+                <a16:creationId xmlns:a16="http://schemas.microsoft.com/office/drawing/2014/main" id="{A00FE79F-A846-4778-923F-149986AAB4DF}"/>
+              </a:ext>
+            </a:extLst>
+          </p:cNvPr>
+          <p:cNvSpPr/>
+          <p:nvPr/>
+        </p:nvSpPr>
+        <p:spPr>
+          <a:xfrm>
+            <a:off x="3741486" y="583142"/>
+            <a:ext cx="830510" cy="251886"/>
+          </a:xfrm>
+          <a:prstGeom prst="rect">
+            <a:avLst/>
+          </a:prstGeom>
+        </p:spPr>
+        <p:style>
+          <a:lnRef idx="2">
+            <a:schemeClr val="accent1">
+              <a:shade val="50000"/>
+            </a:schemeClr>
+          </a:lnRef>
+          <a:fillRef idx="1">
+            <a:schemeClr val="accent1"/>
+          </a:fillRef>
+          <a:effectRef idx="0">
+            <a:schemeClr val="accent1"/>
+          </a:effectRef>
+          <a:fontRef idx="minor">
+            <a:schemeClr val="lt1"/>
+          </a:fontRef>
+        </p:style>
+        <p:txBody>
+          <a:bodyPr rtlCol="0" anchor="ctr"/>
+          <a:lstStyle/>
+          <a:p>
+            <a:pPr algn="ctr"/>
+            <a:endParaRPr lang="en-US"/>
+          </a:p>
+        </p:txBody>
+      </p:sp>
+      <p:sp>
+        <p:nvSpPr>
+          <p:cNvPr id="15" name="Rectangle 14">
+            <a:extLst>
+              <a:ext uri="{FF2B5EF4-FFF2-40B4-BE49-F238E27FC236}">
+                <a16:creationId xmlns:a16="http://schemas.microsoft.com/office/drawing/2014/main" id="{183881A5-B389-4692-BF96-675C42B20E74}"/>
+              </a:ext>
+            </a:extLst>
+          </p:cNvPr>
+          <p:cNvSpPr/>
+          <p:nvPr/>
+        </p:nvSpPr>
+        <p:spPr>
+          <a:xfrm>
+            <a:off x="3741486" y="583141"/>
+            <a:ext cx="486560" cy="251887"/>
+          </a:xfrm>
+          <a:prstGeom prst="rect">
+            <a:avLst/>
+          </a:prstGeom>
+          <a:solidFill>
+            <a:schemeClr val="bg1"/>
+          </a:solidFill>
+        </p:spPr>
+        <p:style>
+          <a:lnRef idx="2">
+            <a:schemeClr val="accent1">
+              <a:shade val="50000"/>
+            </a:schemeClr>
+          </a:lnRef>
+          <a:fillRef idx="1">
+            <a:schemeClr val="accent1"/>
+          </a:fillRef>
+          <a:effectRef idx="0">
+            <a:schemeClr val="accent1"/>
+          </a:effectRef>
+          <a:fontRef idx="minor">
+            <a:schemeClr val="lt1"/>
+          </a:fontRef>
+        </p:style>
+        <p:txBody>
+          <a:bodyPr rtlCol="0" anchor="ctr"/>
+          <a:lstStyle/>
+          <a:p>
+            <a:pPr algn="ctr"/>
+            <a:endParaRPr lang="en-US"/>
+          </a:p>
+        </p:txBody>
+      </p:sp>
+      <p:sp>
+        <p:nvSpPr>
+          <p:cNvPr id="17" name="TextBox 16">
+            <a:extLst>
+              <a:ext uri="{FF2B5EF4-FFF2-40B4-BE49-F238E27FC236}">
+                <a16:creationId xmlns:a16="http://schemas.microsoft.com/office/drawing/2014/main" id="{55F234FA-0D1F-4E23-A1FD-F5282088CD8A}"/>
+              </a:ext>
+            </a:extLst>
+          </p:cNvPr>
+          <p:cNvSpPr txBox="1"/>
+          <p:nvPr/>
+        </p:nvSpPr>
+        <p:spPr>
+          <a:xfrm>
+            <a:off x="2588002" y="524418"/>
+            <a:ext cx="360726" cy="369332"/>
+          </a:xfrm>
+          <a:prstGeom prst="rect">
+            <a:avLst/>
+          </a:prstGeom>
+          <a:noFill/>
+        </p:spPr>
+        <p:txBody>
+          <a:bodyPr wrap="square" rtlCol="0">
+            <a:spAutoFit/>
+          </a:bodyPr>
+          <a:lstStyle/>
+          <a:p>
+            <a:r>
+              <a:rPr lang="en-US" dirty="0"/>
+              <a:t>6</a:t>
+            </a:r>
+          </a:p>
+        </p:txBody>
+      </p:sp>
+      <p:sp>
+        <p:nvSpPr>
+          <p:cNvPr id="18" name="TextBox 17">
+            <a:extLst>
+              <a:ext uri="{FF2B5EF4-FFF2-40B4-BE49-F238E27FC236}">
+                <a16:creationId xmlns:a16="http://schemas.microsoft.com/office/drawing/2014/main" id="{19112EF1-2F5A-4BAF-B9F8-58FBFDE0E353}"/>
+              </a:ext>
+            </a:extLst>
+          </p:cNvPr>
+          <p:cNvSpPr txBox="1"/>
+          <p:nvPr/>
+        </p:nvSpPr>
+        <p:spPr>
+          <a:xfrm>
+            <a:off x="3812792" y="524418"/>
+            <a:ext cx="360726" cy="369332"/>
+          </a:xfrm>
+          <a:prstGeom prst="rect">
+            <a:avLst/>
+          </a:prstGeom>
+          <a:noFill/>
+        </p:spPr>
+        <p:txBody>
+          <a:bodyPr wrap="square" rtlCol="0">
+            <a:spAutoFit/>
+          </a:bodyPr>
+          <a:lstStyle/>
+          <a:p>
+            <a:r>
+              <a:rPr lang="en-US" dirty="0"/>
+              <a:t>7</a:t>
+            </a:r>
+          </a:p>
+        </p:txBody>
+      </p:sp>
+      <p:sp>
+        <p:nvSpPr>
+          <p:cNvPr id="19" name="TextBox 18">
+            <a:extLst>
+              <a:ext uri="{FF2B5EF4-FFF2-40B4-BE49-F238E27FC236}">
+                <a16:creationId xmlns:a16="http://schemas.microsoft.com/office/drawing/2014/main" id="{FABB3F7E-E2BD-4A2F-8A8D-CF919EF471D7}"/>
+              </a:ext>
+            </a:extLst>
+          </p:cNvPr>
+          <p:cNvSpPr txBox="1"/>
+          <p:nvPr/>
+        </p:nvSpPr>
+        <p:spPr>
+          <a:xfrm>
+            <a:off x="696286" y="1027867"/>
+            <a:ext cx="587230" cy="369332"/>
+          </a:xfrm>
+          <a:prstGeom prst="rect">
+            <a:avLst/>
+          </a:prstGeom>
+          <a:noFill/>
+        </p:spPr>
+        <p:txBody>
+          <a:bodyPr wrap="square" rtlCol="0">
+            <a:spAutoFit/>
+          </a:bodyPr>
+          <a:lstStyle/>
+          <a:p>
+            <a:r>
+              <a:rPr lang="en-US" dirty="0"/>
+              <a:t>L2 =</a:t>
+            </a:r>
+          </a:p>
+        </p:txBody>
+      </p:sp>
+      <p:sp>
+        <p:nvSpPr>
+          <p:cNvPr id="20" name="Rectangle 19">
+            <a:extLst>
+              <a:ext uri="{FF2B5EF4-FFF2-40B4-BE49-F238E27FC236}">
+                <a16:creationId xmlns:a16="http://schemas.microsoft.com/office/drawing/2014/main" id="{1312680F-273E-46B9-94AA-537AFBE19BEE}"/>
+              </a:ext>
+            </a:extLst>
+          </p:cNvPr>
+          <p:cNvSpPr/>
+          <p:nvPr/>
+        </p:nvSpPr>
+        <p:spPr>
+          <a:xfrm>
+            <a:off x="1300295" y="1086590"/>
+            <a:ext cx="830510" cy="251886"/>
+          </a:xfrm>
+          <a:prstGeom prst="rect">
+            <a:avLst/>
+          </a:prstGeom>
+        </p:spPr>
+        <p:style>
+          <a:lnRef idx="2">
+            <a:schemeClr val="accent1">
+              <a:shade val="50000"/>
+            </a:schemeClr>
+          </a:lnRef>
+          <a:fillRef idx="1">
+            <a:schemeClr val="accent1"/>
+          </a:fillRef>
+          <a:effectRef idx="0">
+            <a:schemeClr val="accent1"/>
+          </a:effectRef>
+          <a:fontRef idx="minor">
+            <a:schemeClr val="lt1"/>
+          </a:fontRef>
+        </p:style>
+        <p:txBody>
+          <a:bodyPr rtlCol="0" anchor="ctr"/>
+          <a:lstStyle/>
+          <a:p>
+            <a:pPr algn="ctr"/>
+            <a:endParaRPr lang="en-US"/>
+          </a:p>
+        </p:txBody>
+      </p:sp>
+      <p:sp>
+        <p:nvSpPr>
+          <p:cNvPr id="21" name="Rectangle 20">
+            <a:extLst>
+              <a:ext uri="{FF2B5EF4-FFF2-40B4-BE49-F238E27FC236}">
+                <a16:creationId xmlns:a16="http://schemas.microsoft.com/office/drawing/2014/main" id="{2F327973-D152-46C1-A548-26CB5E9532D1}"/>
+              </a:ext>
+            </a:extLst>
+          </p:cNvPr>
+          <p:cNvSpPr/>
+          <p:nvPr/>
+        </p:nvSpPr>
+        <p:spPr>
+          <a:xfrm>
+            <a:off x="1300295" y="1086589"/>
+            <a:ext cx="486560" cy="251887"/>
+          </a:xfrm>
+          <a:prstGeom prst="rect">
+            <a:avLst/>
+          </a:prstGeom>
+          <a:solidFill>
+            <a:schemeClr val="bg1"/>
+          </a:solidFill>
+        </p:spPr>
+        <p:style>
+          <a:lnRef idx="2">
+            <a:schemeClr val="accent1">
+              <a:shade val="50000"/>
+            </a:schemeClr>
+          </a:lnRef>
+          <a:fillRef idx="1">
+            <a:schemeClr val="accent1"/>
+          </a:fillRef>
+          <a:effectRef idx="0">
+            <a:schemeClr val="accent1"/>
+          </a:effectRef>
+          <a:fontRef idx="minor">
+            <a:schemeClr val="lt1"/>
+          </a:fontRef>
+        </p:style>
+        <p:txBody>
+          <a:bodyPr rtlCol="0" anchor="ctr"/>
+          <a:lstStyle/>
+          <a:p>
+            <a:pPr algn="ctr"/>
+            <a:endParaRPr lang="en-US"/>
+          </a:p>
+        </p:txBody>
+      </p:sp>
+      <p:sp>
+        <p:nvSpPr>
+          <p:cNvPr id="22" name="TextBox 21">
+            <a:extLst>
+              <a:ext uri="{FF2B5EF4-FFF2-40B4-BE49-F238E27FC236}">
+                <a16:creationId xmlns:a16="http://schemas.microsoft.com/office/drawing/2014/main" id="{0201F769-0AB6-43A2-95AF-A7E55EED585D}"/>
+              </a:ext>
+            </a:extLst>
+          </p:cNvPr>
+          <p:cNvSpPr txBox="1"/>
+          <p:nvPr/>
+        </p:nvSpPr>
+        <p:spPr>
+          <a:xfrm>
+            <a:off x="1354824" y="1027867"/>
+            <a:ext cx="360726" cy="369332"/>
+          </a:xfrm>
+          <a:prstGeom prst="rect">
+            <a:avLst/>
+          </a:prstGeom>
+          <a:noFill/>
+        </p:spPr>
+        <p:txBody>
+          <a:bodyPr wrap="square" rtlCol="0">
+            <a:spAutoFit/>
+          </a:bodyPr>
+          <a:lstStyle/>
+          <a:p>
+            <a:r>
+              <a:rPr lang="en-US" dirty="0"/>
+              <a:t>6</a:t>
+            </a:r>
+          </a:p>
+        </p:txBody>
+      </p:sp>
+      <p:cxnSp>
+        <p:nvCxnSpPr>
+          <p:cNvPr id="23" name="Straight Arrow Connector 22">
+            <a:extLst>
+              <a:ext uri="{FF2B5EF4-FFF2-40B4-BE49-F238E27FC236}">
+                <a16:creationId xmlns:a16="http://schemas.microsoft.com/office/drawing/2014/main" id="{AF9A0E18-8BA4-4E5A-BBFB-FE77B813249E}"/>
+              </a:ext>
+            </a:extLst>
+          </p:cNvPr>
+          <p:cNvCxnSpPr>
+            <a:stCxn id="20" idx="3"/>
+          </p:cNvCxnSpPr>
+          <p:nvPr/>
+        </p:nvCxnSpPr>
+        <p:spPr>
+          <a:xfrm flipV="1">
+            <a:off x="2130805" y="1212532"/>
+            <a:ext cx="385892" cy="1"/>
+          </a:xfrm>
+          <a:prstGeom prst="straightConnector1">
+            <a:avLst/>
+          </a:prstGeom>
+          <a:ln w="38100">
+            <a:tailEnd type="triangle"/>
+          </a:ln>
+        </p:spPr>
+        <p:style>
+          <a:lnRef idx="1">
+            <a:schemeClr val="accent1"/>
+          </a:lnRef>
+          <a:fillRef idx="0">
+            <a:schemeClr val="accent1"/>
+          </a:fillRef>
+          <a:effectRef idx="0">
+            <a:schemeClr val="accent1"/>
+          </a:effectRef>
+          <a:fontRef idx="minor">
+            <a:schemeClr val="tx1"/>
+          </a:fontRef>
+        </p:style>
+      </p:cxnSp>
+      <p:sp>
+        <p:nvSpPr>
+          <p:cNvPr id="24" name="Rectangle 23">
+            <a:extLst>
+              <a:ext uri="{FF2B5EF4-FFF2-40B4-BE49-F238E27FC236}">
+                <a16:creationId xmlns:a16="http://schemas.microsoft.com/office/drawing/2014/main" id="{BDA050AC-C0F6-47F7-B9CD-F8B7BB029ED3}"/>
+              </a:ext>
+            </a:extLst>
+          </p:cNvPr>
+          <p:cNvSpPr/>
+          <p:nvPr/>
+        </p:nvSpPr>
+        <p:spPr>
+          <a:xfrm>
+            <a:off x="2516697" y="1082503"/>
+            <a:ext cx="830510" cy="251886"/>
+          </a:xfrm>
+          <a:prstGeom prst="rect">
+            <a:avLst/>
+          </a:prstGeom>
+        </p:spPr>
+        <p:style>
+          <a:lnRef idx="2">
+            <a:schemeClr val="accent1">
+              <a:shade val="50000"/>
+            </a:schemeClr>
+          </a:lnRef>
+          <a:fillRef idx="1">
+            <a:schemeClr val="accent1"/>
+          </a:fillRef>
+          <a:effectRef idx="0">
+            <a:schemeClr val="accent1"/>
+          </a:effectRef>
+          <a:fontRef idx="minor">
+            <a:schemeClr val="lt1"/>
+          </a:fontRef>
+        </p:style>
+        <p:txBody>
+          <a:bodyPr rtlCol="0" anchor="ctr"/>
+          <a:lstStyle/>
+          <a:p>
+            <a:pPr algn="ctr"/>
+            <a:endParaRPr lang="en-US"/>
+          </a:p>
+        </p:txBody>
+      </p:sp>
+      <p:sp>
+        <p:nvSpPr>
+          <p:cNvPr id="25" name="Rectangle 24">
+            <a:extLst>
+              <a:ext uri="{FF2B5EF4-FFF2-40B4-BE49-F238E27FC236}">
+                <a16:creationId xmlns:a16="http://schemas.microsoft.com/office/drawing/2014/main" id="{D388F6F2-38C8-429C-B048-5F0E7059825B}"/>
+              </a:ext>
+            </a:extLst>
+          </p:cNvPr>
+          <p:cNvSpPr/>
+          <p:nvPr/>
+        </p:nvSpPr>
+        <p:spPr>
+          <a:xfrm>
+            <a:off x="2516697" y="1082502"/>
+            <a:ext cx="486560" cy="251887"/>
+          </a:xfrm>
+          <a:prstGeom prst="rect">
+            <a:avLst/>
+          </a:prstGeom>
+          <a:solidFill>
+            <a:schemeClr val="bg1"/>
+          </a:solidFill>
+        </p:spPr>
+        <p:style>
+          <a:lnRef idx="2">
+            <a:schemeClr val="accent1">
+              <a:shade val="50000"/>
+            </a:schemeClr>
+          </a:lnRef>
+          <a:fillRef idx="1">
+            <a:schemeClr val="accent1"/>
+          </a:fillRef>
+          <a:effectRef idx="0">
+            <a:schemeClr val="accent1"/>
+          </a:effectRef>
+          <a:fontRef idx="minor">
+            <a:schemeClr val="lt1"/>
+          </a:fontRef>
+        </p:style>
+        <p:txBody>
+          <a:bodyPr rtlCol="0" anchor="ctr"/>
+          <a:lstStyle/>
+          <a:p>
+            <a:pPr algn="ctr"/>
+            <a:endParaRPr lang="en-US"/>
+          </a:p>
+        </p:txBody>
+      </p:sp>
+      <p:cxnSp>
+        <p:nvCxnSpPr>
+          <p:cNvPr id="26" name="Straight Arrow Connector 25">
+            <a:extLst>
+              <a:ext uri="{FF2B5EF4-FFF2-40B4-BE49-F238E27FC236}">
+                <a16:creationId xmlns:a16="http://schemas.microsoft.com/office/drawing/2014/main" id="{FC72185A-1D88-4FC0-9360-CAEACFC68A4B}"/>
+              </a:ext>
+            </a:extLst>
+          </p:cNvPr>
+          <p:cNvCxnSpPr>
+            <a:stCxn id="24" idx="3"/>
+          </p:cNvCxnSpPr>
+          <p:nvPr/>
+        </p:nvCxnSpPr>
+        <p:spPr>
+          <a:xfrm flipV="1">
+            <a:off x="3347207" y="1208445"/>
+            <a:ext cx="385892" cy="1"/>
+          </a:xfrm>
+          <a:prstGeom prst="straightConnector1">
+            <a:avLst/>
+          </a:prstGeom>
+          <a:ln w="38100">
+            <a:tailEnd type="triangle"/>
+          </a:ln>
+        </p:spPr>
+        <p:style>
+          <a:lnRef idx="1">
+            <a:schemeClr val="accent1"/>
+          </a:lnRef>
+          <a:fillRef idx="0">
+            <a:schemeClr val="accent1"/>
+          </a:fillRef>
+          <a:effectRef idx="0">
+            <a:schemeClr val="accent1"/>
+          </a:effectRef>
+          <a:fontRef idx="minor">
+            <a:schemeClr val="tx1"/>
+          </a:fontRef>
+        </p:style>
+      </p:cxnSp>
+      <p:sp>
+        <p:nvSpPr>
+          <p:cNvPr id="27" name="Rectangle 26">
+            <a:extLst>
+              <a:ext uri="{FF2B5EF4-FFF2-40B4-BE49-F238E27FC236}">
+                <a16:creationId xmlns:a16="http://schemas.microsoft.com/office/drawing/2014/main" id="{8DD968F2-22AE-4C1D-87DF-AF081D69E120}"/>
+              </a:ext>
+            </a:extLst>
+          </p:cNvPr>
+          <p:cNvSpPr/>
+          <p:nvPr/>
+        </p:nvSpPr>
+        <p:spPr>
+          <a:xfrm>
+            <a:off x="3741486" y="1082503"/>
+            <a:ext cx="830510" cy="251886"/>
+          </a:xfrm>
+          <a:prstGeom prst="rect">
+            <a:avLst/>
+          </a:prstGeom>
+        </p:spPr>
+        <p:style>
+          <a:lnRef idx="2">
+            <a:schemeClr val="accent1">
+              <a:shade val="50000"/>
+            </a:schemeClr>
+          </a:lnRef>
+          <a:fillRef idx="1">
+            <a:schemeClr val="accent1"/>
+          </a:fillRef>
+          <a:effectRef idx="0">
+            <a:schemeClr val="accent1"/>
+          </a:effectRef>
+          <a:fontRef idx="minor">
+            <a:schemeClr val="lt1"/>
+          </a:fontRef>
+        </p:style>
+        <p:txBody>
+          <a:bodyPr rtlCol="0" anchor="ctr"/>
+          <a:lstStyle/>
+          <a:p>
+            <a:pPr algn="ctr"/>
+            <a:endParaRPr lang="en-US"/>
+          </a:p>
+        </p:txBody>
+      </p:sp>
+      <p:sp>
+        <p:nvSpPr>
+          <p:cNvPr id="28" name="Rectangle 27">
+            <a:extLst>
+              <a:ext uri="{FF2B5EF4-FFF2-40B4-BE49-F238E27FC236}">
+                <a16:creationId xmlns:a16="http://schemas.microsoft.com/office/drawing/2014/main" id="{F9CB71D3-F7C8-4D9E-A5C6-1E291662DC0C}"/>
+              </a:ext>
+            </a:extLst>
+          </p:cNvPr>
+          <p:cNvSpPr/>
+          <p:nvPr/>
+        </p:nvSpPr>
+        <p:spPr>
+          <a:xfrm>
+            <a:off x="3741486" y="1082502"/>
+            <a:ext cx="486560" cy="251887"/>
+          </a:xfrm>
+          <a:prstGeom prst="rect">
+            <a:avLst/>
+          </a:prstGeom>
+          <a:solidFill>
+            <a:schemeClr val="bg1"/>
+          </a:solidFill>
+        </p:spPr>
+        <p:style>
+          <a:lnRef idx="2">
+            <a:schemeClr val="accent1">
+              <a:shade val="50000"/>
+            </a:schemeClr>
+          </a:lnRef>
+          <a:fillRef idx="1">
+            <a:schemeClr val="accent1"/>
+          </a:fillRef>
+          <a:effectRef idx="0">
+            <a:schemeClr val="accent1"/>
+          </a:effectRef>
+          <a:fontRef idx="minor">
+            <a:schemeClr val="lt1"/>
+          </a:fontRef>
+        </p:style>
+        <p:txBody>
+          <a:bodyPr rtlCol="0" anchor="ctr"/>
+          <a:lstStyle/>
+          <a:p>
+            <a:pPr algn="ctr"/>
+            <a:endParaRPr lang="en-US"/>
+          </a:p>
+        </p:txBody>
+      </p:sp>
+      <p:sp>
+        <p:nvSpPr>
+          <p:cNvPr id="29" name="TextBox 28">
+            <a:extLst>
+              <a:ext uri="{FF2B5EF4-FFF2-40B4-BE49-F238E27FC236}">
+                <a16:creationId xmlns:a16="http://schemas.microsoft.com/office/drawing/2014/main" id="{3914F26F-37A5-423C-B935-37048CC16F9A}"/>
+              </a:ext>
+            </a:extLst>
+          </p:cNvPr>
+          <p:cNvSpPr txBox="1"/>
+          <p:nvPr/>
+        </p:nvSpPr>
+        <p:spPr>
+          <a:xfrm>
+            <a:off x="2588002" y="1023779"/>
+            <a:ext cx="360726" cy="369332"/>
+          </a:xfrm>
+          <a:prstGeom prst="rect">
+            <a:avLst/>
+          </a:prstGeom>
+          <a:noFill/>
+        </p:spPr>
+        <p:txBody>
+          <a:bodyPr wrap="square" rtlCol="0">
+            <a:spAutoFit/>
+          </a:bodyPr>
+          <a:lstStyle/>
+          <a:p>
+            <a:r>
+              <a:rPr lang="en-US" dirty="0"/>
+              <a:t>8</a:t>
+            </a:r>
+          </a:p>
+        </p:txBody>
+      </p:sp>
+      <p:sp>
+        <p:nvSpPr>
+          <p:cNvPr id="30" name="TextBox 29">
+            <a:extLst>
+              <a:ext uri="{FF2B5EF4-FFF2-40B4-BE49-F238E27FC236}">
+                <a16:creationId xmlns:a16="http://schemas.microsoft.com/office/drawing/2014/main" id="{470673C7-DB52-4F0F-9852-4A45FD6C91C8}"/>
+              </a:ext>
+            </a:extLst>
+          </p:cNvPr>
+          <p:cNvSpPr txBox="1"/>
+          <p:nvPr/>
+        </p:nvSpPr>
+        <p:spPr>
+          <a:xfrm>
+            <a:off x="3812792" y="1023779"/>
+            <a:ext cx="360726" cy="369332"/>
+          </a:xfrm>
+          <a:prstGeom prst="rect">
+            <a:avLst/>
+          </a:prstGeom>
+          <a:noFill/>
+        </p:spPr>
+        <p:txBody>
+          <a:bodyPr wrap="square" rtlCol="0">
+            <a:spAutoFit/>
+          </a:bodyPr>
+          <a:lstStyle/>
+          <a:p>
+            <a:r>
+              <a:rPr lang="en-US" dirty="0"/>
+              <a:t>9</a:t>
+            </a:r>
+          </a:p>
+        </p:txBody>
+      </p:sp>
+      <p:sp>
+        <p:nvSpPr>
+          <p:cNvPr id="44" name="TextBox 43">
+            <a:extLst>
+              <a:ext uri="{FF2B5EF4-FFF2-40B4-BE49-F238E27FC236}">
+                <a16:creationId xmlns:a16="http://schemas.microsoft.com/office/drawing/2014/main" id="{C3C43FC2-5801-4E2A-AB9C-2CD36AC1A00B}"/>
+              </a:ext>
+            </a:extLst>
+          </p:cNvPr>
+          <p:cNvSpPr txBox="1"/>
+          <p:nvPr/>
+        </p:nvSpPr>
+        <p:spPr>
+          <a:xfrm>
+            <a:off x="680617" y="2363884"/>
+            <a:ext cx="1073790" cy="369332"/>
+          </a:xfrm>
+          <a:prstGeom prst="rect">
+            <a:avLst/>
+          </a:prstGeom>
+          <a:noFill/>
+        </p:spPr>
+        <p:txBody>
+          <a:bodyPr wrap="square" rtlCol="0">
+            <a:spAutoFit/>
+          </a:bodyPr>
+          <a:lstStyle/>
+          <a:p>
+            <a:r>
+              <a:rPr lang="en-US" dirty="0"/>
+              <a:t>sum=</a:t>
+            </a:r>
+          </a:p>
+        </p:txBody>
+      </p:sp>
+      <p:cxnSp>
+        <p:nvCxnSpPr>
+          <p:cNvPr id="46" name="Straight Connector 45">
+            <a:extLst>
+              <a:ext uri="{FF2B5EF4-FFF2-40B4-BE49-F238E27FC236}">
+                <a16:creationId xmlns:a16="http://schemas.microsoft.com/office/drawing/2014/main" id="{71CEFB26-6F31-4275-A2AA-BDC7B63E1249}"/>
+              </a:ext>
+            </a:extLst>
+          </p:cNvPr>
+          <p:cNvCxnSpPr>
+            <a:cxnSpLocks/>
+          </p:cNvCxnSpPr>
+          <p:nvPr/>
+        </p:nvCxnSpPr>
+        <p:spPr>
+          <a:xfrm flipV="1">
+            <a:off x="376518" y="1483344"/>
+            <a:ext cx="4970638" cy="2599"/>
+          </a:xfrm>
+          <a:prstGeom prst="line">
+            <a:avLst/>
+          </a:prstGeom>
+        </p:spPr>
+        <p:style>
+          <a:lnRef idx="1">
+            <a:schemeClr val="accent1"/>
+          </a:lnRef>
+          <a:fillRef idx="0">
+            <a:schemeClr val="accent1"/>
+          </a:fillRef>
+          <a:effectRef idx="0">
+            <a:schemeClr val="accent1"/>
+          </a:effectRef>
+          <a:fontRef idx="minor">
+            <a:schemeClr val="tx1"/>
+          </a:fontRef>
+        </p:style>
+      </p:cxnSp>
+      <p:cxnSp>
+        <p:nvCxnSpPr>
+          <p:cNvPr id="50" name="Straight Arrow Connector 49">
+            <a:extLst>
+              <a:ext uri="{FF2B5EF4-FFF2-40B4-BE49-F238E27FC236}">
+                <a16:creationId xmlns:a16="http://schemas.microsoft.com/office/drawing/2014/main" id="{5A5D1A78-E532-4569-B16C-632620F392F5}"/>
+              </a:ext>
+            </a:extLst>
+          </p:cNvPr>
+          <p:cNvCxnSpPr/>
+          <p:nvPr/>
+        </p:nvCxnSpPr>
+        <p:spPr>
+          <a:xfrm>
+            <a:off x="1607291" y="2538529"/>
+            <a:ext cx="587230" cy="359396"/>
+          </a:xfrm>
+          <a:prstGeom prst="straightConnector1">
+            <a:avLst/>
+          </a:prstGeom>
+          <a:ln>
+            <a:tailEnd type="triangle"/>
+          </a:ln>
+        </p:spPr>
+        <p:style>
+          <a:lnRef idx="1">
+            <a:schemeClr val="accent1"/>
+          </a:lnRef>
+          <a:fillRef idx="0">
+            <a:schemeClr val="accent1"/>
+          </a:fillRef>
+          <a:effectRef idx="0">
+            <a:schemeClr val="accent1"/>
+          </a:effectRef>
+          <a:fontRef idx="minor">
+            <a:schemeClr val="tx1"/>
+          </a:fontRef>
+        </p:style>
+      </p:cxnSp>
+      <p:sp>
+        <p:nvSpPr>
+          <p:cNvPr id="53" name="TextBox 52">
+            <a:extLst>
+              <a:ext uri="{FF2B5EF4-FFF2-40B4-BE49-F238E27FC236}">
+                <a16:creationId xmlns:a16="http://schemas.microsoft.com/office/drawing/2014/main" id="{B3038876-56CD-49E4-82B3-475666EBAF08}"/>
+              </a:ext>
+            </a:extLst>
+          </p:cNvPr>
+          <p:cNvSpPr txBox="1"/>
+          <p:nvPr/>
+        </p:nvSpPr>
+        <p:spPr>
+          <a:xfrm>
+            <a:off x="4967433" y="2256618"/>
+            <a:ext cx="360726" cy="369332"/>
+          </a:xfrm>
+          <a:prstGeom prst="rect">
+            <a:avLst/>
+          </a:prstGeom>
+          <a:noFill/>
+        </p:spPr>
+        <p:txBody>
+          <a:bodyPr wrap="square" rtlCol="0">
+            <a:spAutoFit/>
+          </a:bodyPr>
+          <a:lstStyle/>
+          <a:p>
+            <a:r>
+              <a:rPr lang="en-US" dirty="0"/>
+              <a:t>6</a:t>
+            </a:r>
+          </a:p>
+        </p:txBody>
+      </p:sp>
+      <p:sp>
+        <p:nvSpPr>
+          <p:cNvPr id="56" name="Rectangle 55">
+            <a:extLst>
+              <a:ext uri="{FF2B5EF4-FFF2-40B4-BE49-F238E27FC236}">
+                <a16:creationId xmlns:a16="http://schemas.microsoft.com/office/drawing/2014/main" id="{C2687FDC-DBA8-4A86-A7B4-BB27E11B47AD}"/>
+              </a:ext>
+            </a:extLst>
+          </p:cNvPr>
+          <p:cNvSpPr/>
+          <p:nvPr/>
+        </p:nvSpPr>
+        <p:spPr>
+          <a:xfrm>
+            <a:off x="6203739" y="3612210"/>
+            <a:ext cx="830510" cy="251886"/>
+          </a:xfrm>
+          <a:prstGeom prst="rect">
+            <a:avLst/>
+          </a:prstGeom>
+        </p:spPr>
+        <p:style>
+          <a:lnRef idx="2">
+            <a:schemeClr val="accent1">
+              <a:shade val="50000"/>
+            </a:schemeClr>
+          </a:lnRef>
+          <a:fillRef idx="1">
+            <a:schemeClr val="accent1"/>
+          </a:fillRef>
+          <a:effectRef idx="0">
+            <a:schemeClr val="accent1"/>
+          </a:effectRef>
+          <a:fontRef idx="minor">
+            <a:schemeClr val="lt1"/>
+          </a:fontRef>
+        </p:style>
+        <p:txBody>
+          <a:bodyPr rtlCol="0" anchor="ctr"/>
+          <a:lstStyle/>
+          <a:p>
+            <a:pPr algn="ctr"/>
+            <a:endParaRPr lang="en-US"/>
+          </a:p>
+        </p:txBody>
+      </p:sp>
+      <p:sp>
+        <p:nvSpPr>
+          <p:cNvPr id="57" name="Rectangle 56">
+            <a:extLst>
+              <a:ext uri="{FF2B5EF4-FFF2-40B4-BE49-F238E27FC236}">
+                <a16:creationId xmlns:a16="http://schemas.microsoft.com/office/drawing/2014/main" id="{3F38F5B1-7528-4C21-8EC2-463677315D96}"/>
+              </a:ext>
+            </a:extLst>
+          </p:cNvPr>
+          <p:cNvSpPr/>
+          <p:nvPr/>
+        </p:nvSpPr>
+        <p:spPr>
+          <a:xfrm>
+            <a:off x="6190251" y="3611684"/>
+            <a:ext cx="486560" cy="251887"/>
+          </a:xfrm>
+          <a:prstGeom prst="rect">
+            <a:avLst/>
+          </a:prstGeom>
+          <a:solidFill>
+            <a:schemeClr val="bg1"/>
+          </a:solidFill>
+        </p:spPr>
+        <p:style>
+          <a:lnRef idx="2">
+            <a:schemeClr val="accent1">
+              <a:shade val="50000"/>
+            </a:schemeClr>
+          </a:lnRef>
+          <a:fillRef idx="1">
+            <a:schemeClr val="accent1"/>
+          </a:fillRef>
+          <a:effectRef idx="0">
+            <a:schemeClr val="accent1"/>
+          </a:effectRef>
+          <a:fontRef idx="minor">
+            <a:schemeClr val="lt1"/>
+          </a:fontRef>
+        </p:style>
+        <p:txBody>
+          <a:bodyPr rtlCol="0" anchor="ctr"/>
+          <a:lstStyle/>
+          <a:p>
+            <a:pPr algn="ctr"/>
+            <a:endParaRPr lang="en-US" dirty="0"/>
+          </a:p>
+        </p:txBody>
+      </p:sp>
+      <p:sp>
+        <p:nvSpPr>
+          <p:cNvPr id="58" name="TextBox 57">
+            <a:extLst>
+              <a:ext uri="{FF2B5EF4-FFF2-40B4-BE49-F238E27FC236}">
+                <a16:creationId xmlns:a16="http://schemas.microsoft.com/office/drawing/2014/main" id="{D96BF140-720B-4AC7-83CF-9FBF4502AD72}"/>
+              </a:ext>
+            </a:extLst>
+          </p:cNvPr>
+          <p:cNvSpPr txBox="1"/>
+          <p:nvPr/>
+        </p:nvSpPr>
+        <p:spPr>
+          <a:xfrm>
+            <a:off x="5347156" y="3078367"/>
+            <a:ext cx="1073790" cy="369332"/>
+          </a:xfrm>
+          <a:prstGeom prst="rect">
+            <a:avLst/>
+          </a:prstGeom>
+          <a:noFill/>
+        </p:spPr>
+        <p:txBody>
+          <a:bodyPr wrap="square" rtlCol="0">
+            <a:spAutoFit/>
+          </a:bodyPr>
+          <a:lstStyle/>
+          <a:p>
+            <a:r>
+              <a:rPr lang="en-US" dirty="0"/>
+              <a:t>carry = 1</a:t>
+            </a:r>
+          </a:p>
+        </p:txBody>
+      </p:sp>
+      <p:sp>
+        <p:nvSpPr>
+          <p:cNvPr id="59" name="TextBox 58">
+            <a:extLst>
+              <a:ext uri="{FF2B5EF4-FFF2-40B4-BE49-F238E27FC236}">
+                <a16:creationId xmlns:a16="http://schemas.microsoft.com/office/drawing/2014/main" id="{8172514F-BA22-4EF0-95F1-6F91CE6F9C63}"/>
+              </a:ext>
+            </a:extLst>
+          </p:cNvPr>
+          <p:cNvSpPr txBox="1"/>
+          <p:nvPr/>
+        </p:nvSpPr>
+        <p:spPr>
+          <a:xfrm>
+            <a:off x="5330376" y="3301708"/>
+            <a:ext cx="1820411" cy="369332"/>
+          </a:xfrm>
+          <a:prstGeom prst="rect">
+            <a:avLst/>
+          </a:prstGeom>
+          <a:noFill/>
+        </p:spPr>
+        <p:txBody>
+          <a:bodyPr wrap="square" rtlCol="0">
+            <a:spAutoFit/>
+          </a:bodyPr>
+          <a:lstStyle/>
+          <a:p>
+            <a:r>
+              <a:rPr lang="en-US" dirty="0"/>
+              <a:t>value = 1+6+8</a:t>
+            </a:r>
+          </a:p>
+        </p:txBody>
+      </p:sp>
+      <p:sp>
+        <p:nvSpPr>
+          <p:cNvPr id="60" name="TextBox 59">
+            <a:extLst>
+              <a:ext uri="{FF2B5EF4-FFF2-40B4-BE49-F238E27FC236}">
+                <a16:creationId xmlns:a16="http://schemas.microsoft.com/office/drawing/2014/main" id="{06C53FFB-6369-4CD6-8157-A2673662B0CA}"/>
+              </a:ext>
+            </a:extLst>
+          </p:cNvPr>
+          <p:cNvSpPr txBox="1"/>
+          <p:nvPr/>
+        </p:nvSpPr>
+        <p:spPr>
+          <a:xfrm>
+            <a:off x="5347156" y="3804914"/>
+            <a:ext cx="1073790" cy="369332"/>
+          </a:xfrm>
+          <a:prstGeom prst="rect">
+            <a:avLst/>
+          </a:prstGeom>
+          <a:noFill/>
+        </p:spPr>
+        <p:txBody>
+          <a:bodyPr wrap="square" rtlCol="0">
+            <a:spAutoFit/>
+          </a:bodyPr>
+          <a:lstStyle/>
+          <a:p>
+            <a:r>
+              <a:rPr lang="en-US" dirty="0"/>
+              <a:t>more = </a:t>
+            </a:r>
+          </a:p>
+        </p:txBody>
+      </p:sp>
+      <p:sp>
+        <p:nvSpPr>
+          <p:cNvPr id="61" name="TextBox 60">
+            <a:extLst>
+              <a:ext uri="{FF2B5EF4-FFF2-40B4-BE49-F238E27FC236}">
+                <a16:creationId xmlns:a16="http://schemas.microsoft.com/office/drawing/2014/main" id="{F368AFDF-1197-4F45-BA23-EB7CA757620C}"/>
+              </a:ext>
+            </a:extLst>
+          </p:cNvPr>
+          <p:cNvSpPr txBox="1"/>
+          <p:nvPr/>
+        </p:nvSpPr>
+        <p:spPr>
+          <a:xfrm>
+            <a:off x="5330376" y="3563333"/>
+            <a:ext cx="1073790" cy="369332"/>
+          </a:xfrm>
+          <a:prstGeom prst="rect">
+            <a:avLst/>
+          </a:prstGeom>
+          <a:noFill/>
+        </p:spPr>
+        <p:txBody>
+          <a:bodyPr wrap="square" rtlCol="0">
+            <a:spAutoFit/>
+          </a:bodyPr>
+          <a:lstStyle/>
+          <a:p>
+            <a:r>
+              <a:rPr lang="en-US" dirty="0"/>
+              <a:t>result = </a:t>
+            </a:r>
+          </a:p>
+        </p:txBody>
+      </p:sp>
+      <p:sp>
+        <p:nvSpPr>
+          <p:cNvPr id="63" name="TextBox 62">
+            <a:extLst>
+              <a:ext uri="{FF2B5EF4-FFF2-40B4-BE49-F238E27FC236}">
+                <a16:creationId xmlns:a16="http://schemas.microsoft.com/office/drawing/2014/main" id="{B49C7F24-B00B-4048-89C9-E9D3405CE122}"/>
+              </a:ext>
+            </a:extLst>
+          </p:cNvPr>
+          <p:cNvSpPr txBox="1"/>
+          <p:nvPr/>
+        </p:nvSpPr>
+        <p:spPr>
+          <a:xfrm>
+            <a:off x="6258268" y="3552961"/>
+            <a:ext cx="360726" cy="369332"/>
+          </a:xfrm>
+          <a:prstGeom prst="rect">
+            <a:avLst/>
+          </a:prstGeom>
+          <a:noFill/>
+        </p:spPr>
+        <p:txBody>
+          <a:bodyPr wrap="square" rtlCol="0">
+            <a:spAutoFit/>
+          </a:bodyPr>
+          <a:lstStyle/>
+          <a:p>
+            <a:r>
+              <a:rPr lang="en-US" dirty="0"/>
+              <a:t>5</a:t>
+            </a:r>
+          </a:p>
+        </p:txBody>
+      </p:sp>
+      <p:cxnSp>
+        <p:nvCxnSpPr>
+          <p:cNvPr id="64" name="Straight Arrow Connector 63">
+            <a:extLst>
+              <a:ext uri="{FF2B5EF4-FFF2-40B4-BE49-F238E27FC236}">
+                <a16:creationId xmlns:a16="http://schemas.microsoft.com/office/drawing/2014/main" id="{7BAAC896-22AE-437E-9C86-1C4B313202A1}"/>
+              </a:ext>
+            </a:extLst>
+          </p:cNvPr>
+          <p:cNvCxnSpPr/>
+          <p:nvPr/>
+        </p:nvCxnSpPr>
+        <p:spPr>
+          <a:xfrm>
+            <a:off x="6382205" y="4048299"/>
+            <a:ext cx="587230" cy="359396"/>
+          </a:xfrm>
+          <a:prstGeom prst="straightConnector1">
+            <a:avLst/>
+          </a:prstGeom>
+          <a:ln>
+            <a:tailEnd type="triangle"/>
+          </a:ln>
+        </p:spPr>
+        <p:style>
+          <a:lnRef idx="1">
+            <a:schemeClr val="accent1"/>
+          </a:lnRef>
+          <a:fillRef idx="0">
+            <a:schemeClr val="accent1"/>
+          </a:fillRef>
+          <a:effectRef idx="0">
+            <a:schemeClr val="accent1"/>
+          </a:effectRef>
+          <a:fontRef idx="minor">
+            <a:schemeClr val="tx1"/>
+          </a:fontRef>
+        </p:style>
+      </p:cxnSp>
+      <p:sp>
+        <p:nvSpPr>
+          <p:cNvPr id="65" name="Rectangle 64">
+            <a:extLst>
+              <a:ext uri="{FF2B5EF4-FFF2-40B4-BE49-F238E27FC236}">
+                <a16:creationId xmlns:a16="http://schemas.microsoft.com/office/drawing/2014/main" id="{440E7B86-5B61-440A-A420-D0ECBD584C57}"/>
+              </a:ext>
+            </a:extLst>
+          </p:cNvPr>
+          <p:cNvSpPr/>
+          <p:nvPr/>
+        </p:nvSpPr>
+        <p:spPr>
+          <a:xfrm>
+            <a:off x="7929647" y="4541550"/>
+            <a:ext cx="830510" cy="251886"/>
+          </a:xfrm>
+          <a:prstGeom prst="rect">
+            <a:avLst/>
+          </a:prstGeom>
+        </p:spPr>
+        <p:style>
+          <a:lnRef idx="2">
+            <a:schemeClr val="accent1">
+              <a:shade val="50000"/>
+            </a:schemeClr>
+          </a:lnRef>
+          <a:fillRef idx="1">
+            <a:schemeClr val="accent1"/>
+          </a:fillRef>
+          <a:effectRef idx="0">
+            <a:schemeClr val="accent1"/>
+          </a:effectRef>
+          <a:fontRef idx="minor">
+            <a:schemeClr val="lt1"/>
+          </a:fontRef>
+        </p:style>
+        <p:txBody>
+          <a:bodyPr rtlCol="0" anchor="ctr"/>
+          <a:lstStyle/>
+          <a:p>
+            <a:pPr algn="ctr"/>
+            <a:endParaRPr lang="en-US"/>
+          </a:p>
+        </p:txBody>
+      </p:sp>
+      <p:sp>
+        <p:nvSpPr>
+          <p:cNvPr id="66" name="Rectangle 65">
+            <a:extLst>
+              <a:ext uri="{FF2B5EF4-FFF2-40B4-BE49-F238E27FC236}">
+                <a16:creationId xmlns:a16="http://schemas.microsoft.com/office/drawing/2014/main" id="{7113B4DF-7B5D-469E-8C72-FAD5D641AA33}"/>
+              </a:ext>
+            </a:extLst>
+          </p:cNvPr>
+          <p:cNvSpPr/>
+          <p:nvPr/>
+        </p:nvSpPr>
+        <p:spPr>
+          <a:xfrm>
+            <a:off x="7916159" y="4541024"/>
+            <a:ext cx="486560" cy="251887"/>
+          </a:xfrm>
+          <a:prstGeom prst="rect">
+            <a:avLst/>
+          </a:prstGeom>
+          <a:solidFill>
+            <a:schemeClr val="bg1"/>
+          </a:solidFill>
+        </p:spPr>
+        <p:style>
+          <a:lnRef idx="2">
+            <a:schemeClr val="accent1">
+              <a:shade val="50000"/>
+            </a:schemeClr>
+          </a:lnRef>
+          <a:fillRef idx="1">
+            <a:schemeClr val="accent1"/>
+          </a:fillRef>
+          <a:effectRef idx="0">
+            <a:schemeClr val="accent1"/>
+          </a:effectRef>
+          <a:fontRef idx="minor">
+            <a:schemeClr val="lt1"/>
+          </a:fontRef>
+        </p:style>
+        <p:txBody>
+          <a:bodyPr rtlCol="0" anchor="ctr"/>
+          <a:lstStyle/>
+          <a:p>
+            <a:pPr algn="ctr"/>
+            <a:endParaRPr lang="en-US" dirty="0"/>
+          </a:p>
+        </p:txBody>
+      </p:sp>
+      <p:sp>
+        <p:nvSpPr>
+          <p:cNvPr id="67" name="TextBox 66">
+            <a:extLst>
+              <a:ext uri="{FF2B5EF4-FFF2-40B4-BE49-F238E27FC236}">
+                <a16:creationId xmlns:a16="http://schemas.microsoft.com/office/drawing/2014/main" id="{03F7A44C-FE05-45D3-B21A-5FFB373FADEC}"/>
+              </a:ext>
+            </a:extLst>
+          </p:cNvPr>
+          <p:cNvSpPr txBox="1"/>
+          <p:nvPr/>
+        </p:nvSpPr>
+        <p:spPr>
+          <a:xfrm>
+            <a:off x="7073064" y="4007707"/>
+            <a:ext cx="1073790" cy="369332"/>
+          </a:xfrm>
+          <a:prstGeom prst="rect">
+            <a:avLst/>
+          </a:prstGeom>
+          <a:noFill/>
+        </p:spPr>
+        <p:txBody>
+          <a:bodyPr wrap="square" rtlCol="0">
+            <a:spAutoFit/>
+          </a:bodyPr>
+          <a:lstStyle/>
+          <a:p>
+            <a:r>
+              <a:rPr lang="en-US" dirty="0"/>
+              <a:t>carry = 1</a:t>
+            </a:r>
+          </a:p>
+        </p:txBody>
+      </p:sp>
+      <p:sp>
+        <p:nvSpPr>
+          <p:cNvPr id="68" name="TextBox 67">
+            <a:extLst>
+              <a:ext uri="{FF2B5EF4-FFF2-40B4-BE49-F238E27FC236}">
+                <a16:creationId xmlns:a16="http://schemas.microsoft.com/office/drawing/2014/main" id="{3EC09A72-7F6B-4B2D-BDDA-12A22BCAC1D8}"/>
+              </a:ext>
+            </a:extLst>
+          </p:cNvPr>
+          <p:cNvSpPr txBox="1"/>
+          <p:nvPr/>
+        </p:nvSpPr>
+        <p:spPr>
+          <a:xfrm>
+            <a:off x="7056284" y="4231048"/>
+            <a:ext cx="1820411" cy="369332"/>
+          </a:xfrm>
+          <a:prstGeom prst="rect">
+            <a:avLst/>
+          </a:prstGeom>
+          <a:noFill/>
+        </p:spPr>
+        <p:txBody>
+          <a:bodyPr wrap="square" rtlCol="0">
+            <a:spAutoFit/>
+          </a:bodyPr>
+          <a:lstStyle/>
+          <a:p>
+            <a:r>
+              <a:rPr lang="en-US" dirty="0"/>
+              <a:t>value = 1+3+6</a:t>
+            </a:r>
+          </a:p>
+        </p:txBody>
+      </p:sp>
+      <p:sp>
+        <p:nvSpPr>
+          <p:cNvPr id="69" name="TextBox 68">
+            <a:extLst>
+              <a:ext uri="{FF2B5EF4-FFF2-40B4-BE49-F238E27FC236}">
+                <a16:creationId xmlns:a16="http://schemas.microsoft.com/office/drawing/2014/main" id="{90502E44-0F5F-458D-A36F-0326A138ADAF}"/>
+              </a:ext>
+            </a:extLst>
+          </p:cNvPr>
+          <p:cNvSpPr txBox="1"/>
+          <p:nvPr/>
+        </p:nvSpPr>
+        <p:spPr>
+          <a:xfrm>
+            <a:off x="7073064" y="4734254"/>
+            <a:ext cx="1073790" cy="369332"/>
+          </a:xfrm>
+          <a:prstGeom prst="rect">
+            <a:avLst/>
+          </a:prstGeom>
+          <a:noFill/>
+        </p:spPr>
+        <p:txBody>
+          <a:bodyPr wrap="square" rtlCol="0">
+            <a:spAutoFit/>
+          </a:bodyPr>
+          <a:lstStyle/>
+          <a:p>
+            <a:r>
+              <a:rPr lang="en-US" dirty="0"/>
+              <a:t>more = </a:t>
+            </a:r>
+          </a:p>
+        </p:txBody>
+      </p:sp>
+      <p:sp>
+        <p:nvSpPr>
+          <p:cNvPr id="70" name="TextBox 69">
+            <a:extLst>
+              <a:ext uri="{FF2B5EF4-FFF2-40B4-BE49-F238E27FC236}">
+                <a16:creationId xmlns:a16="http://schemas.microsoft.com/office/drawing/2014/main" id="{7599CF48-9B59-4EC0-A798-333D092E1760}"/>
+              </a:ext>
+            </a:extLst>
+          </p:cNvPr>
+          <p:cNvSpPr txBox="1"/>
+          <p:nvPr/>
+        </p:nvSpPr>
+        <p:spPr>
+          <a:xfrm>
+            <a:off x="7056284" y="4492673"/>
+            <a:ext cx="1073790" cy="369332"/>
+          </a:xfrm>
+          <a:prstGeom prst="rect">
+            <a:avLst/>
+          </a:prstGeom>
+          <a:noFill/>
+        </p:spPr>
+        <p:txBody>
+          <a:bodyPr wrap="square" rtlCol="0">
+            <a:spAutoFit/>
+          </a:bodyPr>
+          <a:lstStyle/>
+          <a:p>
+            <a:r>
+              <a:rPr lang="en-US" dirty="0"/>
+              <a:t>result = </a:t>
+            </a:r>
+          </a:p>
+        </p:txBody>
+      </p:sp>
+      <p:sp>
+        <p:nvSpPr>
+          <p:cNvPr id="71" name="TextBox 70">
+            <a:extLst>
+              <a:ext uri="{FF2B5EF4-FFF2-40B4-BE49-F238E27FC236}">
+                <a16:creationId xmlns:a16="http://schemas.microsoft.com/office/drawing/2014/main" id="{78730E64-BC9D-4AFD-92A1-B0EA2FC82CE0}"/>
+              </a:ext>
+            </a:extLst>
+          </p:cNvPr>
+          <p:cNvSpPr txBox="1"/>
+          <p:nvPr/>
+        </p:nvSpPr>
+        <p:spPr>
+          <a:xfrm>
+            <a:off x="7984176" y="4482301"/>
+            <a:ext cx="360726" cy="369332"/>
+          </a:xfrm>
+          <a:prstGeom prst="rect">
+            <a:avLst/>
+          </a:prstGeom>
+          <a:noFill/>
+        </p:spPr>
+        <p:txBody>
+          <a:bodyPr wrap="square" rtlCol="0">
+            <a:spAutoFit/>
+          </a:bodyPr>
+          <a:lstStyle/>
+          <a:p>
+            <a:r>
+              <a:rPr lang="en-US" dirty="0"/>
+              <a:t>0</a:t>
+            </a:r>
+          </a:p>
+        </p:txBody>
+      </p:sp>
+      <p:cxnSp>
+        <p:nvCxnSpPr>
+          <p:cNvPr id="72" name="Straight Arrow Connector 71">
+            <a:extLst>
+              <a:ext uri="{FF2B5EF4-FFF2-40B4-BE49-F238E27FC236}">
+                <a16:creationId xmlns:a16="http://schemas.microsoft.com/office/drawing/2014/main" id="{C59AE4BD-329D-498E-8E89-05DFF051F54A}"/>
+              </a:ext>
+            </a:extLst>
+          </p:cNvPr>
+          <p:cNvCxnSpPr/>
+          <p:nvPr/>
+        </p:nvCxnSpPr>
+        <p:spPr>
+          <a:xfrm>
+            <a:off x="8159439" y="4980690"/>
+            <a:ext cx="587230" cy="359396"/>
+          </a:xfrm>
+          <a:prstGeom prst="straightConnector1">
+            <a:avLst/>
+          </a:prstGeom>
+          <a:ln>
+            <a:tailEnd type="triangle"/>
+          </a:ln>
+        </p:spPr>
+        <p:style>
+          <a:lnRef idx="1">
+            <a:schemeClr val="accent1"/>
+          </a:lnRef>
+          <a:fillRef idx="0">
+            <a:schemeClr val="accent1"/>
+          </a:fillRef>
+          <a:effectRef idx="0">
+            <a:schemeClr val="accent1"/>
+          </a:effectRef>
+          <a:fontRef idx="minor">
+            <a:schemeClr val="tx1"/>
+          </a:fontRef>
+        </p:style>
+      </p:cxnSp>
+      <p:sp>
+        <p:nvSpPr>
+          <p:cNvPr id="73" name="TextBox 72">
+            <a:extLst>
+              <a:ext uri="{FF2B5EF4-FFF2-40B4-BE49-F238E27FC236}">
+                <a16:creationId xmlns:a16="http://schemas.microsoft.com/office/drawing/2014/main" id="{B7E15487-F738-4215-B859-7323B2EC0893}"/>
+              </a:ext>
+            </a:extLst>
+          </p:cNvPr>
+          <p:cNvSpPr txBox="1"/>
+          <p:nvPr/>
+        </p:nvSpPr>
+        <p:spPr>
+          <a:xfrm>
+            <a:off x="8876695" y="4870509"/>
+            <a:ext cx="1073790" cy="369332"/>
+          </a:xfrm>
+          <a:prstGeom prst="rect">
+            <a:avLst/>
+          </a:prstGeom>
+          <a:noFill/>
+        </p:spPr>
+        <p:txBody>
+          <a:bodyPr wrap="square" rtlCol="0">
+            <a:spAutoFit/>
+          </a:bodyPr>
+          <a:lstStyle/>
+          <a:p>
+            <a:r>
+              <a:rPr lang="en-US" dirty="0"/>
+              <a:t>carry = 1</a:t>
+            </a:r>
+          </a:p>
+        </p:txBody>
+      </p:sp>
+      <p:sp>
+        <p:nvSpPr>
+          <p:cNvPr id="75" name="TextBox 74">
+            <a:extLst>
+              <a:ext uri="{FF2B5EF4-FFF2-40B4-BE49-F238E27FC236}">
+                <a16:creationId xmlns:a16="http://schemas.microsoft.com/office/drawing/2014/main" id="{12E62825-BF33-4627-99D0-3F916B879075}"/>
+              </a:ext>
+            </a:extLst>
+          </p:cNvPr>
+          <p:cNvSpPr txBox="1"/>
+          <p:nvPr/>
+        </p:nvSpPr>
+        <p:spPr>
+          <a:xfrm>
+            <a:off x="8909672" y="5298098"/>
+            <a:ext cx="1073790" cy="369332"/>
+          </a:xfrm>
+          <a:prstGeom prst="rect">
+            <a:avLst/>
+          </a:prstGeom>
+          <a:noFill/>
+        </p:spPr>
+        <p:txBody>
+          <a:bodyPr wrap="square" rtlCol="0">
+            <a:spAutoFit/>
+          </a:bodyPr>
+          <a:lstStyle/>
+          <a:p>
+            <a:r>
+              <a:rPr lang="en-US" dirty="0"/>
+              <a:t>result = </a:t>
+            </a:r>
+          </a:p>
+        </p:txBody>
+      </p:sp>
+      <p:sp>
+        <p:nvSpPr>
+          <p:cNvPr id="77" name="Rectangle 76">
+            <a:extLst>
+              <a:ext uri="{FF2B5EF4-FFF2-40B4-BE49-F238E27FC236}">
+                <a16:creationId xmlns:a16="http://schemas.microsoft.com/office/drawing/2014/main" id="{8D9577C5-B262-4B8A-B1D7-484BB26EC2BE}"/>
+              </a:ext>
+            </a:extLst>
+          </p:cNvPr>
+          <p:cNvSpPr/>
+          <p:nvPr/>
+        </p:nvSpPr>
+        <p:spPr>
+          <a:xfrm>
+            <a:off x="9783894" y="5346975"/>
+            <a:ext cx="486560" cy="251887"/>
+          </a:xfrm>
+          <a:prstGeom prst="rect">
+            <a:avLst/>
+          </a:prstGeom>
+          <a:solidFill>
+            <a:schemeClr val="bg1"/>
+          </a:solidFill>
+        </p:spPr>
+        <p:style>
+          <a:lnRef idx="2">
+            <a:schemeClr val="accent1">
+              <a:shade val="50000"/>
+            </a:schemeClr>
+          </a:lnRef>
+          <a:fillRef idx="1">
+            <a:schemeClr val="accent1"/>
+          </a:fillRef>
+          <a:effectRef idx="0">
+            <a:schemeClr val="accent1"/>
+          </a:effectRef>
+          <a:fontRef idx="minor">
+            <a:schemeClr val="lt1"/>
+          </a:fontRef>
+        </p:style>
+        <p:txBody>
+          <a:bodyPr rtlCol="0" anchor="ctr"/>
+          <a:lstStyle/>
+          <a:p>
+            <a:pPr algn="ctr"/>
+            <a:endParaRPr lang="en-US" dirty="0"/>
+          </a:p>
+        </p:txBody>
+      </p:sp>
+      <p:sp>
+        <p:nvSpPr>
+          <p:cNvPr id="76" name="TextBox 75">
+            <a:extLst>
+              <a:ext uri="{FF2B5EF4-FFF2-40B4-BE49-F238E27FC236}">
+                <a16:creationId xmlns:a16="http://schemas.microsoft.com/office/drawing/2014/main" id="{1A9E093A-37D4-41ED-9773-3A6C71BBEF26}"/>
+              </a:ext>
+            </a:extLst>
+          </p:cNvPr>
+          <p:cNvSpPr txBox="1"/>
+          <p:nvPr/>
+        </p:nvSpPr>
+        <p:spPr>
+          <a:xfrm>
+            <a:off x="9861820" y="5298098"/>
+            <a:ext cx="360726" cy="369332"/>
+          </a:xfrm>
+          <a:prstGeom prst="rect">
+            <a:avLst/>
+          </a:prstGeom>
+          <a:noFill/>
+        </p:spPr>
+        <p:txBody>
+          <a:bodyPr wrap="square" rtlCol="0">
+            <a:spAutoFit/>
+          </a:bodyPr>
+          <a:lstStyle/>
+          <a:p>
+            <a:r>
+              <a:rPr lang="en-US" dirty="0"/>
+              <a:t>1</a:t>
+            </a:r>
+          </a:p>
+        </p:txBody>
+      </p:sp>
+      <p:sp>
+        <p:nvSpPr>
+          <p:cNvPr id="78" name="Rectangle 77">
+            <a:extLst>
+              <a:ext uri="{FF2B5EF4-FFF2-40B4-BE49-F238E27FC236}">
+                <a16:creationId xmlns:a16="http://schemas.microsoft.com/office/drawing/2014/main" id="{09B64BDF-F168-4C58-A5D2-8592D911D263}"/>
+              </a:ext>
+            </a:extLst>
+          </p:cNvPr>
+          <p:cNvSpPr/>
+          <p:nvPr/>
+        </p:nvSpPr>
+        <p:spPr>
+          <a:xfrm>
+            <a:off x="8925892" y="5517048"/>
+            <a:ext cx="851708" cy="369332"/>
+          </a:xfrm>
+          <a:prstGeom prst="rect">
+            <a:avLst/>
+          </a:prstGeom>
+        </p:spPr>
+        <p:txBody>
+          <a:bodyPr wrap="none">
+            <a:spAutoFit/>
+          </a:bodyPr>
+          <a:lstStyle/>
+          <a:p>
+            <a:r>
+              <a:rPr lang="en-US" dirty="0"/>
+              <a:t>more =</a:t>
+            </a:r>
+          </a:p>
+        </p:txBody>
+      </p:sp>
+      <p:sp>
+        <p:nvSpPr>
+          <p:cNvPr id="79" name="TextBox 78">
+            <a:extLst>
+              <a:ext uri="{FF2B5EF4-FFF2-40B4-BE49-F238E27FC236}">
+                <a16:creationId xmlns:a16="http://schemas.microsoft.com/office/drawing/2014/main" id="{2D119663-2402-4559-B26C-C9DBEC164E50}"/>
+              </a:ext>
+            </a:extLst>
+          </p:cNvPr>
+          <p:cNvSpPr txBox="1"/>
+          <p:nvPr/>
+        </p:nvSpPr>
+        <p:spPr>
+          <a:xfrm>
+            <a:off x="8876695" y="5103586"/>
+            <a:ext cx="1073790" cy="369332"/>
+          </a:xfrm>
+          <a:prstGeom prst="rect">
+            <a:avLst/>
+          </a:prstGeom>
+          <a:noFill/>
+        </p:spPr>
+        <p:txBody>
+          <a:bodyPr wrap="square" rtlCol="0">
+            <a:spAutoFit/>
+          </a:bodyPr>
+          <a:lstStyle/>
+          <a:p>
+            <a:r>
+              <a:rPr lang="en-US" dirty="0"/>
+              <a:t>value = 1</a:t>
+            </a:r>
+          </a:p>
+        </p:txBody>
+      </p:sp>
+      <p:cxnSp>
+        <p:nvCxnSpPr>
+          <p:cNvPr id="80" name="Straight Arrow Connector 79">
+            <a:extLst>
+              <a:ext uri="{FF2B5EF4-FFF2-40B4-BE49-F238E27FC236}">
+                <a16:creationId xmlns:a16="http://schemas.microsoft.com/office/drawing/2014/main" id="{D379949F-13AF-4718-A158-950E7FDB1371}"/>
+              </a:ext>
+            </a:extLst>
+          </p:cNvPr>
+          <p:cNvCxnSpPr/>
+          <p:nvPr/>
+        </p:nvCxnSpPr>
+        <p:spPr>
+          <a:xfrm>
+            <a:off x="9793820" y="5725687"/>
+            <a:ext cx="587230" cy="359396"/>
+          </a:xfrm>
+          <a:prstGeom prst="straightConnector1">
+            <a:avLst/>
+          </a:prstGeom>
+          <a:ln>
+            <a:tailEnd type="triangle"/>
+          </a:ln>
+        </p:spPr>
+        <p:style>
+          <a:lnRef idx="1">
+            <a:schemeClr val="accent1"/>
+          </a:lnRef>
+          <a:fillRef idx="0">
+            <a:schemeClr val="accent1"/>
+          </a:fillRef>
+          <a:effectRef idx="0">
+            <a:schemeClr val="accent1"/>
+          </a:effectRef>
+          <a:fontRef idx="minor">
+            <a:schemeClr val="tx1"/>
+          </a:fontRef>
+        </p:style>
+      </p:cxnSp>
+      <p:cxnSp>
+        <p:nvCxnSpPr>
+          <p:cNvPr id="81" name="Straight Arrow Connector 80">
+            <a:extLst>
+              <a:ext uri="{FF2B5EF4-FFF2-40B4-BE49-F238E27FC236}">
+                <a16:creationId xmlns:a16="http://schemas.microsoft.com/office/drawing/2014/main" id="{4F941847-3F63-44FE-855D-2D73A06C05AB}"/>
+              </a:ext>
+            </a:extLst>
+          </p:cNvPr>
+          <p:cNvCxnSpPr>
+            <a:cxnSpLocks/>
+          </p:cNvCxnSpPr>
+          <p:nvPr/>
+        </p:nvCxnSpPr>
+        <p:spPr>
+          <a:xfrm flipH="1" flipV="1">
+            <a:off x="10502066" y="5667143"/>
+            <a:ext cx="642313" cy="438473"/>
+          </a:xfrm>
+          <a:prstGeom prst="straightConnector1">
+            <a:avLst/>
+          </a:prstGeom>
+          <a:ln>
+            <a:solidFill>
+              <a:srgbClr val="FF0000"/>
+            </a:solidFill>
+            <a:tailEnd type="triangle"/>
+          </a:ln>
+        </p:spPr>
+        <p:style>
+          <a:lnRef idx="1">
+            <a:schemeClr val="accent1"/>
+          </a:lnRef>
+          <a:fillRef idx="0">
+            <a:schemeClr val="accent1"/>
+          </a:fillRef>
+          <a:effectRef idx="0">
+            <a:schemeClr val="accent1"/>
+          </a:effectRef>
+          <a:fontRef idx="minor">
+            <a:schemeClr val="tx1"/>
+          </a:fontRef>
+        </p:style>
+      </p:cxnSp>
+      <p:sp>
+        <p:nvSpPr>
+          <p:cNvPr id="84" name="Rectangle 83">
+            <a:extLst>
+              <a:ext uri="{FF2B5EF4-FFF2-40B4-BE49-F238E27FC236}">
+                <a16:creationId xmlns:a16="http://schemas.microsoft.com/office/drawing/2014/main" id="{8DDA9CBB-BA79-483C-B7CB-8A3A5CDD9039}"/>
+              </a:ext>
+            </a:extLst>
+          </p:cNvPr>
+          <p:cNvSpPr/>
+          <p:nvPr/>
+        </p:nvSpPr>
+        <p:spPr>
+          <a:xfrm>
+            <a:off x="11017137" y="6085083"/>
+            <a:ext cx="534121" cy="369332"/>
+          </a:xfrm>
+          <a:prstGeom prst="rect">
+            <a:avLst/>
+          </a:prstGeom>
+        </p:spPr>
+        <p:txBody>
+          <a:bodyPr wrap="none">
+            <a:spAutoFit/>
+          </a:bodyPr>
+          <a:lstStyle/>
+          <a:p>
+            <a:r>
+              <a:rPr lang="en-US" dirty="0">
+                <a:solidFill>
+                  <a:srgbClr val="FF0000"/>
+                </a:solidFill>
+              </a:rPr>
+              <a:t>null</a:t>
+            </a:r>
+          </a:p>
+        </p:txBody>
+      </p:sp>
+      <p:cxnSp>
+        <p:nvCxnSpPr>
+          <p:cNvPr id="85" name="Straight Arrow Connector 84">
+            <a:extLst>
+              <a:ext uri="{FF2B5EF4-FFF2-40B4-BE49-F238E27FC236}">
+                <a16:creationId xmlns:a16="http://schemas.microsoft.com/office/drawing/2014/main" id="{9145C044-5E4B-4673-91A5-ED08A3A5B06F}"/>
+              </a:ext>
+            </a:extLst>
+          </p:cNvPr>
+          <p:cNvCxnSpPr/>
+          <p:nvPr/>
+        </p:nvCxnSpPr>
+        <p:spPr>
+          <a:xfrm flipV="1">
+            <a:off x="10549718" y="5471877"/>
+            <a:ext cx="385892" cy="1"/>
+          </a:xfrm>
+          <a:prstGeom prst="straightConnector1">
+            <a:avLst/>
+          </a:prstGeom>
+          <a:ln w="38100">
+            <a:solidFill>
+              <a:srgbClr val="FF0000"/>
+            </a:solidFill>
+            <a:tailEnd type="triangle"/>
+          </a:ln>
+        </p:spPr>
+        <p:style>
+          <a:lnRef idx="1">
+            <a:schemeClr val="accent1"/>
+          </a:lnRef>
+          <a:fillRef idx="0">
+            <a:schemeClr val="accent1"/>
+          </a:fillRef>
+          <a:effectRef idx="0">
+            <a:schemeClr val="accent1"/>
+          </a:effectRef>
+          <a:fontRef idx="minor">
+            <a:schemeClr val="tx1"/>
+          </a:fontRef>
+        </p:style>
+      </p:cxnSp>
+      <p:sp>
+        <p:nvSpPr>
+          <p:cNvPr id="86" name="Rectangle 85">
+            <a:extLst>
+              <a:ext uri="{FF2B5EF4-FFF2-40B4-BE49-F238E27FC236}">
+                <a16:creationId xmlns:a16="http://schemas.microsoft.com/office/drawing/2014/main" id="{020DFCFD-89B4-45FA-BDD7-C16ECE174E4B}"/>
+              </a:ext>
+            </a:extLst>
+          </p:cNvPr>
+          <p:cNvSpPr/>
+          <p:nvPr/>
+        </p:nvSpPr>
+        <p:spPr>
+          <a:xfrm>
+            <a:off x="10935610" y="5298098"/>
+            <a:ext cx="534121" cy="369332"/>
+          </a:xfrm>
+          <a:prstGeom prst="rect">
+            <a:avLst/>
+          </a:prstGeom>
+        </p:spPr>
+        <p:txBody>
+          <a:bodyPr wrap="none">
+            <a:spAutoFit/>
+          </a:bodyPr>
+          <a:lstStyle/>
+          <a:p>
+            <a:r>
+              <a:rPr lang="en-US" dirty="0"/>
+              <a:t>null</a:t>
+            </a:r>
+          </a:p>
+        </p:txBody>
+      </p:sp>
+      <p:cxnSp>
+        <p:nvCxnSpPr>
+          <p:cNvPr id="87" name="Straight Arrow Connector 86">
+            <a:extLst>
+              <a:ext uri="{FF2B5EF4-FFF2-40B4-BE49-F238E27FC236}">
+                <a16:creationId xmlns:a16="http://schemas.microsoft.com/office/drawing/2014/main" id="{C88DD4D9-CF8A-422E-97D1-FC7A9115DCC7}"/>
+              </a:ext>
+            </a:extLst>
+          </p:cNvPr>
+          <p:cNvCxnSpPr>
+            <a:cxnSpLocks/>
+            <a:stCxn id="79" idx="1"/>
+          </p:cNvCxnSpPr>
+          <p:nvPr/>
+        </p:nvCxnSpPr>
+        <p:spPr>
+          <a:xfrm flipH="1" flipV="1">
+            <a:off x="8338769" y="4908504"/>
+            <a:ext cx="537926" cy="379748"/>
+          </a:xfrm>
+          <a:prstGeom prst="straightConnector1">
+            <a:avLst/>
+          </a:prstGeom>
+          <a:ln>
+            <a:solidFill>
+              <a:srgbClr val="FF0000"/>
+            </a:solidFill>
+            <a:tailEnd type="triangle"/>
+          </a:ln>
+        </p:spPr>
+        <p:style>
+          <a:lnRef idx="1">
+            <a:schemeClr val="accent1"/>
+          </a:lnRef>
+          <a:fillRef idx="0">
+            <a:schemeClr val="accent1"/>
+          </a:fillRef>
+          <a:effectRef idx="0">
+            <a:schemeClr val="accent1"/>
+          </a:effectRef>
+          <a:fontRef idx="minor">
+            <a:schemeClr val="tx1"/>
+          </a:fontRef>
+        </p:style>
+      </p:cxnSp>
+      <p:sp>
+        <p:nvSpPr>
+          <p:cNvPr id="90" name="Rectangle 89">
+            <a:extLst>
+              <a:ext uri="{FF2B5EF4-FFF2-40B4-BE49-F238E27FC236}">
+                <a16:creationId xmlns:a16="http://schemas.microsoft.com/office/drawing/2014/main" id="{E731DB20-9113-417D-8F25-9BAF4546DDED}"/>
+              </a:ext>
+            </a:extLst>
+          </p:cNvPr>
+          <p:cNvSpPr/>
+          <p:nvPr/>
+        </p:nvSpPr>
+        <p:spPr>
+          <a:xfrm>
+            <a:off x="8452536" y="4722035"/>
+            <a:ext cx="718658" cy="369332"/>
+          </a:xfrm>
+          <a:prstGeom prst="rect">
+            <a:avLst/>
+          </a:prstGeom>
+        </p:spPr>
+        <p:txBody>
+          <a:bodyPr wrap="none">
+            <a:spAutoFit/>
+          </a:bodyPr>
+          <a:lstStyle/>
+          <a:p>
+            <a:r>
+              <a:rPr lang="en-US" dirty="0">
+                <a:solidFill>
+                  <a:srgbClr val="FF0000"/>
+                </a:solidFill>
+              </a:rPr>
+              <a:t>result</a:t>
+            </a:r>
+          </a:p>
+        </p:txBody>
+      </p:sp>
+      <p:cxnSp>
+        <p:nvCxnSpPr>
+          <p:cNvPr id="91" name="Straight Arrow Connector 90">
+            <a:extLst>
+              <a:ext uri="{FF2B5EF4-FFF2-40B4-BE49-F238E27FC236}">
+                <a16:creationId xmlns:a16="http://schemas.microsoft.com/office/drawing/2014/main" id="{531F533F-7C00-454F-941C-4D652484B12D}"/>
+              </a:ext>
+            </a:extLst>
+          </p:cNvPr>
+          <p:cNvCxnSpPr/>
+          <p:nvPr/>
+        </p:nvCxnSpPr>
+        <p:spPr>
+          <a:xfrm flipV="1">
+            <a:off x="8686388" y="4664501"/>
+            <a:ext cx="385892" cy="1"/>
+          </a:xfrm>
+          <a:prstGeom prst="straightConnector1">
+            <a:avLst/>
+          </a:prstGeom>
+          <a:ln w="38100">
+            <a:solidFill>
+              <a:srgbClr val="FF0000"/>
+            </a:solidFill>
+            <a:tailEnd type="triangle"/>
+          </a:ln>
+        </p:spPr>
+        <p:style>
+          <a:lnRef idx="1">
+            <a:schemeClr val="accent1"/>
+          </a:lnRef>
+          <a:fillRef idx="0">
+            <a:schemeClr val="accent1"/>
+          </a:fillRef>
+          <a:effectRef idx="0">
+            <a:schemeClr val="accent1"/>
+          </a:effectRef>
+          <a:fontRef idx="minor">
+            <a:schemeClr val="tx1"/>
+          </a:fontRef>
+        </p:style>
+      </p:cxnSp>
+      <p:sp>
+        <p:nvSpPr>
+          <p:cNvPr id="92" name="Rectangle 91">
+            <a:extLst>
+              <a:ext uri="{FF2B5EF4-FFF2-40B4-BE49-F238E27FC236}">
+                <a16:creationId xmlns:a16="http://schemas.microsoft.com/office/drawing/2014/main" id="{EFFADAB9-A2B1-45FA-9C1A-EEFC67CD555F}"/>
+              </a:ext>
+            </a:extLst>
+          </p:cNvPr>
+          <p:cNvSpPr/>
+          <p:nvPr/>
+        </p:nvSpPr>
+        <p:spPr>
+          <a:xfrm>
+            <a:off x="9069971" y="4515770"/>
+            <a:ext cx="830510" cy="251886"/>
+          </a:xfrm>
+          <a:prstGeom prst="rect">
+            <a:avLst/>
+          </a:prstGeom>
+        </p:spPr>
+        <p:style>
+          <a:lnRef idx="2">
+            <a:schemeClr val="accent1">
+              <a:shade val="50000"/>
+            </a:schemeClr>
+          </a:lnRef>
+          <a:fillRef idx="1">
+            <a:schemeClr val="accent1"/>
+          </a:fillRef>
+          <a:effectRef idx="0">
+            <a:schemeClr val="accent1"/>
+          </a:effectRef>
+          <a:fontRef idx="minor">
+            <a:schemeClr val="lt1"/>
+          </a:fontRef>
+        </p:style>
+        <p:txBody>
+          <a:bodyPr rtlCol="0" anchor="ctr"/>
+          <a:lstStyle/>
+          <a:p>
+            <a:pPr algn="ctr"/>
+            <a:endParaRPr lang="en-US"/>
+          </a:p>
+        </p:txBody>
+      </p:sp>
+      <p:sp>
+        <p:nvSpPr>
+          <p:cNvPr id="93" name="Rectangle 92">
+            <a:extLst>
+              <a:ext uri="{FF2B5EF4-FFF2-40B4-BE49-F238E27FC236}">
+                <a16:creationId xmlns:a16="http://schemas.microsoft.com/office/drawing/2014/main" id="{45C027E4-9F71-4C87-B8DD-B3073FE2BA47}"/>
+              </a:ext>
+            </a:extLst>
+          </p:cNvPr>
+          <p:cNvSpPr/>
+          <p:nvPr/>
+        </p:nvSpPr>
+        <p:spPr>
+          <a:xfrm>
+            <a:off x="9070830" y="4515770"/>
+            <a:ext cx="486560" cy="251887"/>
+          </a:xfrm>
+          <a:prstGeom prst="rect">
+            <a:avLst/>
+          </a:prstGeom>
+          <a:solidFill>
+            <a:schemeClr val="bg1"/>
+          </a:solidFill>
+        </p:spPr>
+        <p:style>
+          <a:lnRef idx="2">
+            <a:schemeClr val="accent1">
+              <a:shade val="50000"/>
+            </a:schemeClr>
+          </a:lnRef>
+          <a:fillRef idx="1">
+            <a:schemeClr val="accent1"/>
+          </a:fillRef>
+          <a:effectRef idx="0">
+            <a:schemeClr val="accent1"/>
+          </a:effectRef>
+          <a:fontRef idx="minor">
+            <a:schemeClr val="lt1"/>
+          </a:fontRef>
+        </p:style>
+        <p:txBody>
+          <a:bodyPr rtlCol="0" anchor="ctr"/>
+          <a:lstStyle/>
+          <a:p>
+            <a:pPr algn="ctr"/>
+            <a:endParaRPr lang="en-US" dirty="0"/>
+          </a:p>
+        </p:txBody>
+      </p:sp>
+      <p:cxnSp>
+        <p:nvCxnSpPr>
+          <p:cNvPr id="94" name="Straight Arrow Connector 93">
+            <a:extLst>
+              <a:ext uri="{FF2B5EF4-FFF2-40B4-BE49-F238E27FC236}">
+                <a16:creationId xmlns:a16="http://schemas.microsoft.com/office/drawing/2014/main" id="{39B86602-F090-4A64-BED2-BDE70477DFA7}"/>
+              </a:ext>
+            </a:extLst>
+          </p:cNvPr>
+          <p:cNvCxnSpPr/>
+          <p:nvPr/>
+        </p:nvCxnSpPr>
+        <p:spPr>
+          <a:xfrm flipV="1">
+            <a:off x="9836654" y="4640672"/>
+            <a:ext cx="385892" cy="1"/>
+          </a:xfrm>
+          <a:prstGeom prst="straightConnector1">
+            <a:avLst/>
+          </a:prstGeom>
+          <a:ln w="38100">
+            <a:solidFill>
+              <a:srgbClr val="FF0000"/>
+            </a:solidFill>
+            <a:tailEnd type="triangle"/>
+          </a:ln>
+        </p:spPr>
+        <p:style>
+          <a:lnRef idx="1">
+            <a:schemeClr val="accent1"/>
+          </a:lnRef>
+          <a:fillRef idx="0">
+            <a:schemeClr val="accent1"/>
+          </a:fillRef>
+          <a:effectRef idx="0">
+            <a:schemeClr val="accent1"/>
+          </a:effectRef>
+          <a:fontRef idx="minor">
+            <a:schemeClr val="tx1"/>
+          </a:fontRef>
+        </p:style>
+      </p:cxnSp>
+      <p:sp>
+        <p:nvSpPr>
+          <p:cNvPr id="95" name="Rectangle 94">
+            <a:extLst>
+              <a:ext uri="{FF2B5EF4-FFF2-40B4-BE49-F238E27FC236}">
+                <a16:creationId xmlns:a16="http://schemas.microsoft.com/office/drawing/2014/main" id="{64743BDC-3ED2-47AB-91C6-1088B59835EB}"/>
+              </a:ext>
+            </a:extLst>
+          </p:cNvPr>
+          <p:cNvSpPr/>
+          <p:nvPr/>
+        </p:nvSpPr>
+        <p:spPr>
+          <a:xfrm>
+            <a:off x="10222546" y="4466893"/>
+            <a:ext cx="534121" cy="369332"/>
+          </a:xfrm>
+          <a:prstGeom prst="rect">
+            <a:avLst/>
+          </a:prstGeom>
+        </p:spPr>
+        <p:txBody>
+          <a:bodyPr wrap="none">
+            <a:spAutoFit/>
+          </a:bodyPr>
+          <a:lstStyle/>
+          <a:p>
+            <a:r>
+              <a:rPr lang="en-US" dirty="0"/>
+              <a:t>null</a:t>
+            </a:r>
+          </a:p>
+        </p:txBody>
+      </p:sp>
+      <p:sp>
+        <p:nvSpPr>
+          <p:cNvPr id="96" name="TextBox 95">
+            <a:extLst>
+              <a:ext uri="{FF2B5EF4-FFF2-40B4-BE49-F238E27FC236}">
+                <a16:creationId xmlns:a16="http://schemas.microsoft.com/office/drawing/2014/main" id="{55A89BF4-07A5-44A9-88D0-C91F47A4846E}"/>
+              </a:ext>
+            </a:extLst>
+          </p:cNvPr>
+          <p:cNvSpPr txBox="1"/>
+          <p:nvPr/>
+        </p:nvSpPr>
+        <p:spPr>
+          <a:xfrm>
+            <a:off x="9175335" y="4466893"/>
+            <a:ext cx="360726" cy="369332"/>
+          </a:xfrm>
+          <a:prstGeom prst="rect">
+            <a:avLst/>
+          </a:prstGeom>
+          <a:noFill/>
+        </p:spPr>
+        <p:txBody>
+          <a:bodyPr wrap="square" rtlCol="0">
+            <a:spAutoFit/>
+          </a:bodyPr>
+          <a:lstStyle/>
+          <a:p>
+            <a:r>
+              <a:rPr lang="en-US" dirty="0"/>
+              <a:t>1</a:t>
+            </a:r>
+          </a:p>
+        </p:txBody>
+      </p:sp>
+      <p:cxnSp>
+        <p:nvCxnSpPr>
+          <p:cNvPr id="97" name="Straight Arrow Connector 96">
+            <a:extLst>
+              <a:ext uri="{FF2B5EF4-FFF2-40B4-BE49-F238E27FC236}">
+                <a16:creationId xmlns:a16="http://schemas.microsoft.com/office/drawing/2014/main" id="{5A2E3FBD-FB92-4D2D-8859-1C73E4D0E8A5}"/>
+              </a:ext>
+            </a:extLst>
+          </p:cNvPr>
+          <p:cNvCxnSpPr>
+            <a:cxnSpLocks/>
+          </p:cNvCxnSpPr>
+          <p:nvPr/>
+        </p:nvCxnSpPr>
+        <p:spPr>
+          <a:xfrm flipH="1" flipV="1">
+            <a:off x="6556084" y="3970136"/>
+            <a:ext cx="537926" cy="379748"/>
+          </a:xfrm>
+          <a:prstGeom prst="straightConnector1">
+            <a:avLst/>
+          </a:prstGeom>
+          <a:ln>
+            <a:solidFill>
+              <a:srgbClr val="FF0000"/>
+            </a:solidFill>
+            <a:tailEnd type="triangle"/>
+          </a:ln>
+        </p:spPr>
+        <p:style>
+          <a:lnRef idx="1">
+            <a:schemeClr val="accent1"/>
+          </a:lnRef>
+          <a:fillRef idx="0">
+            <a:schemeClr val="accent1"/>
+          </a:fillRef>
+          <a:effectRef idx="0">
+            <a:schemeClr val="accent1"/>
+          </a:effectRef>
+          <a:fontRef idx="minor">
+            <a:schemeClr val="tx1"/>
+          </a:fontRef>
+        </p:style>
+      </p:cxnSp>
+      <p:sp>
+        <p:nvSpPr>
+          <p:cNvPr id="98" name="Rectangle 97">
+            <a:extLst>
+              <a:ext uri="{FF2B5EF4-FFF2-40B4-BE49-F238E27FC236}">
+                <a16:creationId xmlns:a16="http://schemas.microsoft.com/office/drawing/2014/main" id="{045727AA-7215-472E-9661-B46CA14733BD}"/>
+              </a:ext>
+            </a:extLst>
+          </p:cNvPr>
+          <p:cNvSpPr/>
+          <p:nvPr/>
+        </p:nvSpPr>
+        <p:spPr>
+          <a:xfrm>
+            <a:off x="6669851" y="3783667"/>
+            <a:ext cx="718658" cy="369332"/>
+          </a:xfrm>
+          <a:prstGeom prst="rect">
+            <a:avLst/>
+          </a:prstGeom>
+        </p:spPr>
+        <p:txBody>
+          <a:bodyPr wrap="none">
+            <a:spAutoFit/>
+          </a:bodyPr>
+          <a:lstStyle/>
+          <a:p>
+            <a:r>
+              <a:rPr lang="en-US" dirty="0">
+                <a:solidFill>
+                  <a:srgbClr val="FF0000"/>
+                </a:solidFill>
+              </a:rPr>
+              <a:t>result</a:t>
+            </a:r>
+          </a:p>
+        </p:txBody>
+      </p:sp>
+      <p:cxnSp>
+        <p:nvCxnSpPr>
+          <p:cNvPr id="99" name="Straight Arrow Connector 98">
+            <a:extLst>
+              <a:ext uri="{FF2B5EF4-FFF2-40B4-BE49-F238E27FC236}">
+                <a16:creationId xmlns:a16="http://schemas.microsoft.com/office/drawing/2014/main" id="{ACAEDC03-50A4-451F-A94F-6AC1FC6A114F}"/>
+              </a:ext>
+            </a:extLst>
+          </p:cNvPr>
+          <p:cNvCxnSpPr>
+            <a:cxnSpLocks/>
+          </p:cNvCxnSpPr>
+          <p:nvPr/>
+        </p:nvCxnSpPr>
+        <p:spPr>
+          <a:xfrm flipH="1" flipV="1">
+            <a:off x="8193683" y="2720030"/>
+            <a:ext cx="537926" cy="379748"/>
+          </a:xfrm>
+          <a:prstGeom prst="straightConnector1">
+            <a:avLst/>
+          </a:prstGeom>
+          <a:ln>
+            <a:solidFill>
+              <a:srgbClr val="FF0000"/>
+            </a:solidFill>
+            <a:tailEnd type="triangle"/>
+          </a:ln>
+        </p:spPr>
+        <p:style>
+          <a:lnRef idx="1">
+            <a:schemeClr val="accent1"/>
+          </a:lnRef>
+          <a:fillRef idx="0">
+            <a:schemeClr val="accent1"/>
+          </a:fillRef>
+          <a:effectRef idx="0">
+            <a:schemeClr val="accent1"/>
+          </a:effectRef>
+          <a:fontRef idx="minor">
+            <a:schemeClr val="tx1"/>
+          </a:fontRef>
+        </p:style>
+      </p:cxnSp>
+      <p:sp>
+        <p:nvSpPr>
+          <p:cNvPr id="100" name="Rectangle 99">
+            <a:extLst>
+              <a:ext uri="{FF2B5EF4-FFF2-40B4-BE49-F238E27FC236}">
+                <a16:creationId xmlns:a16="http://schemas.microsoft.com/office/drawing/2014/main" id="{8822BCC4-77D1-4580-98DB-EA6D326CEFC2}"/>
+              </a:ext>
+            </a:extLst>
+          </p:cNvPr>
+          <p:cNvSpPr/>
+          <p:nvPr/>
+        </p:nvSpPr>
+        <p:spPr>
+          <a:xfrm>
+            <a:off x="8307450" y="2533561"/>
+            <a:ext cx="718658" cy="369332"/>
+          </a:xfrm>
+          <a:prstGeom prst="rect">
+            <a:avLst/>
+          </a:prstGeom>
+        </p:spPr>
+        <p:txBody>
+          <a:bodyPr wrap="none">
+            <a:spAutoFit/>
+          </a:bodyPr>
+          <a:lstStyle/>
+          <a:p>
+            <a:r>
+              <a:rPr lang="en-US" dirty="0">
+                <a:solidFill>
+                  <a:srgbClr val="FF0000"/>
+                </a:solidFill>
+              </a:rPr>
+              <a:t>result</a:t>
+            </a:r>
+          </a:p>
+        </p:txBody>
+      </p:sp>
+      <p:sp>
+        <p:nvSpPr>
+          <p:cNvPr id="101" name="Rectangle 100">
+            <a:extLst>
+              <a:ext uri="{FF2B5EF4-FFF2-40B4-BE49-F238E27FC236}">
+                <a16:creationId xmlns:a16="http://schemas.microsoft.com/office/drawing/2014/main" id="{61D09B61-3139-4545-9990-E48D5F270300}"/>
+              </a:ext>
+            </a:extLst>
+          </p:cNvPr>
+          <p:cNvSpPr/>
+          <p:nvPr/>
+        </p:nvSpPr>
+        <p:spPr>
+          <a:xfrm>
+            <a:off x="7382509" y="3637990"/>
+            <a:ext cx="830510" cy="251886"/>
+          </a:xfrm>
+          <a:prstGeom prst="rect">
+            <a:avLst/>
+          </a:prstGeom>
+        </p:spPr>
+        <p:style>
+          <a:lnRef idx="2">
+            <a:schemeClr val="accent1">
+              <a:shade val="50000"/>
+            </a:schemeClr>
+          </a:lnRef>
+          <a:fillRef idx="1">
+            <a:schemeClr val="accent1"/>
+          </a:fillRef>
+          <a:effectRef idx="0">
+            <a:schemeClr val="accent1"/>
+          </a:effectRef>
+          <a:fontRef idx="minor">
+            <a:schemeClr val="lt1"/>
+          </a:fontRef>
+        </p:style>
+        <p:txBody>
+          <a:bodyPr rtlCol="0" anchor="ctr"/>
+          <a:lstStyle/>
+          <a:p>
+            <a:pPr algn="ctr"/>
+            <a:endParaRPr lang="en-US"/>
+          </a:p>
+        </p:txBody>
+      </p:sp>
+      <p:sp>
+        <p:nvSpPr>
+          <p:cNvPr id="102" name="Rectangle 101">
+            <a:extLst>
+              <a:ext uri="{FF2B5EF4-FFF2-40B4-BE49-F238E27FC236}">
+                <a16:creationId xmlns:a16="http://schemas.microsoft.com/office/drawing/2014/main" id="{A68C8B4A-7447-4D27-A3CB-F7AAAAAC1AA1}"/>
+              </a:ext>
+            </a:extLst>
+          </p:cNvPr>
+          <p:cNvSpPr/>
+          <p:nvPr/>
+        </p:nvSpPr>
+        <p:spPr>
+          <a:xfrm>
+            <a:off x="7369021" y="3637464"/>
+            <a:ext cx="486560" cy="251887"/>
+          </a:xfrm>
+          <a:prstGeom prst="rect">
+            <a:avLst/>
+          </a:prstGeom>
+          <a:solidFill>
+            <a:schemeClr val="bg1"/>
+          </a:solidFill>
+        </p:spPr>
+        <p:style>
+          <a:lnRef idx="2">
+            <a:schemeClr val="accent1">
+              <a:shade val="50000"/>
+            </a:schemeClr>
+          </a:lnRef>
+          <a:fillRef idx="1">
+            <a:schemeClr val="accent1"/>
+          </a:fillRef>
+          <a:effectRef idx="0">
+            <a:schemeClr val="accent1"/>
+          </a:effectRef>
+          <a:fontRef idx="minor">
+            <a:schemeClr val="lt1"/>
+          </a:fontRef>
+        </p:style>
+        <p:txBody>
+          <a:bodyPr rtlCol="0" anchor="ctr"/>
+          <a:lstStyle/>
+          <a:p>
+            <a:pPr algn="ctr"/>
+            <a:endParaRPr lang="en-US" dirty="0"/>
+          </a:p>
+        </p:txBody>
+      </p:sp>
+      <p:cxnSp>
+        <p:nvCxnSpPr>
+          <p:cNvPr id="103" name="Straight Arrow Connector 102">
+            <a:extLst>
+              <a:ext uri="{FF2B5EF4-FFF2-40B4-BE49-F238E27FC236}">
+                <a16:creationId xmlns:a16="http://schemas.microsoft.com/office/drawing/2014/main" id="{62D8DD85-22B8-498A-AE13-E6E40E72599F}"/>
+              </a:ext>
+            </a:extLst>
+          </p:cNvPr>
+          <p:cNvCxnSpPr/>
+          <p:nvPr/>
+        </p:nvCxnSpPr>
+        <p:spPr>
+          <a:xfrm flipV="1">
+            <a:off x="8139250" y="3760941"/>
+            <a:ext cx="385892" cy="1"/>
+          </a:xfrm>
+          <a:prstGeom prst="straightConnector1">
+            <a:avLst/>
+          </a:prstGeom>
+          <a:ln w="38100">
+            <a:solidFill>
+              <a:srgbClr val="FF0000"/>
+            </a:solidFill>
+            <a:tailEnd type="triangle"/>
+          </a:ln>
+        </p:spPr>
+        <p:style>
+          <a:lnRef idx="1">
+            <a:schemeClr val="accent1"/>
+          </a:lnRef>
+          <a:fillRef idx="0">
+            <a:schemeClr val="accent1"/>
+          </a:fillRef>
+          <a:effectRef idx="0">
+            <a:schemeClr val="accent1"/>
+          </a:effectRef>
+          <a:fontRef idx="minor">
+            <a:schemeClr val="tx1"/>
+          </a:fontRef>
+        </p:style>
+      </p:cxnSp>
+      <p:sp>
+        <p:nvSpPr>
+          <p:cNvPr id="104" name="Rectangle 103">
+            <a:extLst>
+              <a:ext uri="{FF2B5EF4-FFF2-40B4-BE49-F238E27FC236}">
+                <a16:creationId xmlns:a16="http://schemas.microsoft.com/office/drawing/2014/main" id="{02801BFB-318B-45E6-822F-D39A566A2B92}"/>
+              </a:ext>
+            </a:extLst>
+          </p:cNvPr>
+          <p:cNvSpPr/>
+          <p:nvPr/>
+        </p:nvSpPr>
+        <p:spPr>
+          <a:xfrm>
+            <a:off x="8522833" y="3612210"/>
+            <a:ext cx="830510" cy="251886"/>
+          </a:xfrm>
+          <a:prstGeom prst="rect">
+            <a:avLst/>
+          </a:prstGeom>
+        </p:spPr>
+        <p:style>
+          <a:lnRef idx="2">
+            <a:schemeClr val="accent1">
+              <a:shade val="50000"/>
+            </a:schemeClr>
+          </a:lnRef>
+          <a:fillRef idx="1">
+            <a:schemeClr val="accent1"/>
+          </a:fillRef>
+          <a:effectRef idx="0">
+            <a:schemeClr val="accent1"/>
+          </a:effectRef>
+          <a:fontRef idx="minor">
+            <a:schemeClr val="lt1"/>
+          </a:fontRef>
+        </p:style>
+        <p:txBody>
+          <a:bodyPr rtlCol="0" anchor="ctr"/>
+          <a:lstStyle/>
+          <a:p>
+            <a:pPr algn="ctr"/>
+            <a:endParaRPr lang="en-US"/>
+          </a:p>
+        </p:txBody>
+      </p:sp>
+      <p:sp>
+        <p:nvSpPr>
+          <p:cNvPr id="105" name="Rectangle 104">
+            <a:extLst>
+              <a:ext uri="{FF2B5EF4-FFF2-40B4-BE49-F238E27FC236}">
+                <a16:creationId xmlns:a16="http://schemas.microsoft.com/office/drawing/2014/main" id="{88AE08C7-90AE-4163-BEAB-EC2006E214AB}"/>
+              </a:ext>
+            </a:extLst>
+          </p:cNvPr>
+          <p:cNvSpPr/>
+          <p:nvPr/>
+        </p:nvSpPr>
+        <p:spPr>
+          <a:xfrm>
+            <a:off x="8523692" y="3612210"/>
+            <a:ext cx="486560" cy="251887"/>
+          </a:xfrm>
+          <a:prstGeom prst="rect">
+            <a:avLst/>
+          </a:prstGeom>
+          <a:solidFill>
+            <a:schemeClr val="bg1"/>
+          </a:solidFill>
+        </p:spPr>
+        <p:style>
+          <a:lnRef idx="2">
+            <a:schemeClr val="accent1">
+              <a:shade val="50000"/>
+            </a:schemeClr>
+          </a:lnRef>
+          <a:fillRef idx="1">
+            <a:schemeClr val="accent1"/>
+          </a:fillRef>
+          <a:effectRef idx="0">
+            <a:schemeClr val="accent1"/>
+          </a:effectRef>
+          <a:fontRef idx="minor">
+            <a:schemeClr val="lt1"/>
+          </a:fontRef>
+        </p:style>
+        <p:txBody>
+          <a:bodyPr rtlCol="0" anchor="ctr"/>
+          <a:lstStyle/>
+          <a:p>
+            <a:pPr algn="ctr"/>
+            <a:endParaRPr lang="en-US" dirty="0"/>
+          </a:p>
+        </p:txBody>
+      </p:sp>
+      <p:cxnSp>
+        <p:nvCxnSpPr>
+          <p:cNvPr id="106" name="Straight Arrow Connector 105">
+            <a:extLst>
+              <a:ext uri="{FF2B5EF4-FFF2-40B4-BE49-F238E27FC236}">
+                <a16:creationId xmlns:a16="http://schemas.microsoft.com/office/drawing/2014/main" id="{54F02A01-0C3A-4021-970F-DE2BD0439B8B}"/>
+              </a:ext>
+            </a:extLst>
+          </p:cNvPr>
+          <p:cNvCxnSpPr/>
+          <p:nvPr/>
+        </p:nvCxnSpPr>
+        <p:spPr>
+          <a:xfrm flipV="1">
+            <a:off x="9289516" y="3737112"/>
+            <a:ext cx="385892" cy="1"/>
+          </a:xfrm>
+          <a:prstGeom prst="straightConnector1">
+            <a:avLst/>
+          </a:prstGeom>
+          <a:ln w="38100">
+            <a:solidFill>
+              <a:srgbClr val="FF0000"/>
+            </a:solidFill>
+            <a:tailEnd type="triangle"/>
+          </a:ln>
+        </p:spPr>
+        <p:style>
+          <a:lnRef idx="1">
+            <a:schemeClr val="accent1"/>
+          </a:lnRef>
+          <a:fillRef idx="0">
+            <a:schemeClr val="accent1"/>
+          </a:fillRef>
+          <a:effectRef idx="0">
+            <a:schemeClr val="accent1"/>
+          </a:effectRef>
+          <a:fontRef idx="minor">
+            <a:schemeClr val="tx1"/>
+          </a:fontRef>
+        </p:style>
+      </p:cxnSp>
+      <p:sp>
+        <p:nvSpPr>
+          <p:cNvPr id="107" name="Rectangle 106">
+            <a:extLst>
+              <a:ext uri="{FF2B5EF4-FFF2-40B4-BE49-F238E27FC236}">
+                <a16:creationId xmlns:a16="http://schemas.microsoft.com/office/drawing/2014/main" id="{42C7F973-6FF5-46D8-8261-B84770E78D89}"/>
+              </a:ext>
+            </a:extLst>
+          </p:cNvPr>
+          <p:cNvSpPr/>
+          <p:nvPr/>
+        </p:nvSpPr>
+        <p:spPr>
+          <a:xfrm>
+            <a:off x="9651184" y="3552961"/>
+            <a:ext cx="534121" cy="369332"/>
+          </a:xfrm>
+          <a:prstGeom prst="rect">
+            <a:avLst/>
+          </a:prstGeom>
+        </p:spPr>
+        <p:txBody>
+          <a:bodyPr wrap="none">
+            <a:spAutoFit/>
+          </a:bodyPr>
+          <a:lstStyle/>
+          <a:p>
+            <a:r>
+              <a:rPr lang="en-US" dirty="0"/>
+              <a:t>null</a:t>
+            </a:r>
+          </a:p>
+        </p:txBody>
+      </p:sp>
+      <p:sp>
+        <p:nvSpPr>
+          <p:cNvPr id="108" name="TextBox 107">
+            <a:extLst>
+              <a:ext uri="{FF2B5EF4-FFF2-40B4-BE49-F238E27FC236}">
+                <a16:creationId xmlns:a16="http://schemas.microsoft.com/office/drawing/2014/main" id="{4D4FBA39-F4C9-46C2-B703-699D614385DD}"/>
+              </a:ext>
+            </a:extLst>
+          </p:cNvPr>
+          <p:cNvSpPr txBox="1"/>
+          <p:nvPr/>
+        </p:nvSpPr>
+        <p:spPr>
+          <a:xfrm>
+            <a:off x="7463942" y="3561416"/>
+            <a:ext cx="360726" cy="369332"/>
+          </a:xfrm>
+          <a:prstGeom prst="rect">
+            <a:avLst/>
+          </a:prstGeom>
+          <a:noFill/>
+        </p:spPr>
+        <p:txBody>
+          <a:bodyPr wrap="square" rtlCol="0">
+            <a:spAutoFit/>
+          </a:bodyPr>
+          <a:lstStyle/>
+          <a:p>
+            <a:r>
+              <a:rPr lang="en-US" dirty="0"/>
+              <a:t>0</a:t>
+            </a:r>
+          </a:p>
+        </p:txBody>
+      </p:sp>
+      <p:sp>
+        <p:nvSpPr>
+          <p:cNvPr id="109" name="TextBox 108">
+            <a:extLst>
+              <a:ext uri="{FF2B5EF4-FFF2-40B4-BE49-F238E27FC236}">
+                <a16:creationId xmlns:a16="http://schemas.microsoft.com/office/drawing/2014/main" id="{629F4CA0-C1AB-41AF-B341-F5476357CEF6}"/>
+              </a:ext>
+            </a:extLst>
+          </p:cNvPr>
+          <p:cNvSpPr txBox="1"/>
+          <p:nvPr/>
+        </p:nvSpPr>
+        <p:spPr>
+          <a:xfrm>
+            <a:off x="8597661" y="3561597"/>
+            <a:ext cx="360726" cy="369332"/>
+          </a:xfrm>
+          <a:prstGeom prst="rect">
+            <a:avLst/>
+          </a:prstGeom>
+          <a:noFill/>
+        </p:spPr>
+        <p:txBody>
+          <a:bodyPr wrap="square" rtlCol="0">
+            <a:spAutoFit/>
+          </a:bodyPr>
+          <a:lstStyle/>
+          <a:p>
+            <a:r>
+              <a:rPr lang="en-US" dirty="0"/>
+              <a:t>1</a:t>
+            </a:r>
+          </a:p>
+        </p:txBody>
+      </p:sp>
+      <p:cxnSp>
+        <p:nvCxnSpPr>
+          <p:cNvPr id="110" name="Straight Arrow Connector 109">
+            <a:extLst>
+              <a:ext uri="{FF2B5EF4-FFF2-40B4-BE49-F238E27FC236}">
+                <a16:creationId xmlns:a16="http://schemas.microsoft.com/office/drawing/2014/main" id="{FD95C950-B760-4424-8971-7E648739B569}"/>
+              </a:ext>
+            </a:extLst>
+          </p:cNvPr>
+          <p:cNvCxnSpPr/>
+          <p:nvPr/>
+        </p:nvCxnSpPr>
+        <p:spPr>
+          <a:xfrm flipV="1">
+            <a:off x="7000324" y="3775168"/>
+            <a:ext cx="385892" cy="1"/>
+          </a:xfrm>
+          <a:prstGeom prst="straightConnector1">
+            <a:avLst/>
+          </a:prstGeom>
+          <a:ln w="38100">
+            <a:solidFill>
+              <a:srgbClr val="FF0000"/>
+            </a:solidFill>
+            <a:tailEnd type="triangle"/>
+          </a:ln>
+        </p:spPr>
+        <p:style>
+          <a:lnRef idx="1">
+            <a:schemeClr val="accent1"/>
+          </a:lnRef>
+          <a:fillRef idx="0">
+            <a:schemeClr val="accent1"/>
+          </a:fillRef>
+          <a:effectRef idx="0">
+            <a:schemeClr val="accent1"/>
+          </a:effectRef>
+          <a:fontRef idx="minor">
+            <a:schemeClr val="tx1"/>
+          </a:fontRef>
+        </p:style>
+      </p:cxnSp>
+      <p:sp>
+        <p:nvSpPr>
+          <p:cNvPr id="111" name="Rectangle 110">
+            <a:extLst>
+              <a:ext uri="{FF2B5EF4-FFF2-40B4-BE49-F238E27FC236}">
+                <a16:creationId xmlns:a16="http://schemas.microsoft.com/office/drawing/2014/main" id="{91622704-D611-476F-B2A6-E916BBCFA604}"/>
+              </a:ext>
+            </a:extLst>
+          </p:cNvPr>
+          <p:cNvSpPr/>
+          <p:nvPr/>
+        </p:nvSpPr>
+        <p:spPr>
+          <a:xfrm>
+            <a:off x="6015052" y="2306098"/>
+            <a:ext cx="830510" cy="251886"/>
+          </a:xfrm>
+          <a:prstGeom prst="rect">
+            <a:avLst/>
+          </a:prstGeom>
+        </p:spPr>
+        <p:style>
+          <a:lnRef idx="2">
+            <a:schemeClr val="accent1">
+              <a:shade val="50000"/>
+            </a:schemeClr>
+          </a:lnRef>
+          <a:fillRef idx="1">
+            <a:schemeClr val="accent1"/>
+          </a:fillRef>
+          <a:effectRef idx="0">
+            <a:schemeClr val="accent1"/>
+          </a:effectRef>
+          <a:fontRef idx="minor">
+            <a:schemeClr val="lt1"/>
+          </a:fontRef>
+        </p:style>
+        <p:txBody>
+          <a:bodyPr rtlCol="0" anchor="ctr"/>
+          <a:lstStyle/>
+          <a:p>
+            <a:pPr algn="ctr"/>
+            <a:endParaRPr lang="en-US"/>
+          </a:p>
+        </p:txBody>
+      </p:sp>
+      <p:sp>
+        <p:nvSpPr>
+          <p:cNvPr id="112" name="Rectangle 111">
+            <a:extLst>
+              <a:ext uri="{FF2B5EF4-FFF2-40B4-BE49-F238E27FC236}">
+                <a16:creationId xmlns:a16="http://schemas.microsoft.com/office/drawing/2014/main" id="{2A77AEA3-80F9-4CAB-A879-C5E973712682}"/>
+              </a:ext>
+            </a:extLst>
+          </p:cNvPr>
+          <p:cNvSpPr/>
+          <p:nvPr/>
+        </p:nvSpPr>
+        <p:spPr>
+          <a:xfrm>
+            <a:off x="6001564" y="2305572"/>
+            <a:ext cx="486560" cy="251887"/>
+          </a:xfrm>
+          <a:prstGeom prst="rect">
+            <a:avLst/>
+          </a:prstGeom>
+          <a:solidFill>
+            <a:schemeClr val="bg1"/>
+          </a:solidFill>
+        </p:spPr>
+        <p:style>
+          <a:lnRef idx="2">
+            <a:schemeClr val="accent1">
+              <a:shade val="50000"/>
+            </a:schemeClr>
+          </a:lnRef>
+          <a:fillRef idx="1">
+            <a:schemeClr val="accent1"/>
+          </a:fillRef>
+          <a:effectRef idx="0">
+            <a:schemeClr val="accent1"/>
+          </a:effectRef>
+          <a:fontRef idx="minor">
+            <a:schemeClr val="lt1"/>
+          </a:fontRef>
+        </p:style>
+        <p:txBody>
+          <a:bodyPr rtlCol="0" anchor="ctr"/>
+          <a:lstStyle/>
+          <a:p>
+            <a:pPr algn="ctr"/>
+            <a:endParaRPr lang="en-US" dirty="0"/>
+          </a:p>
+        </p:txBody>
+      </p:sp>
+      <p:sp>
+        <p:nvSpPr>
+          <p:cNvPr id="113" name="TextBox 112">
+            <a:extLst>
+              <a:ext uri="{FF2B5EF4-FFF2-40B4-BE49-F238E27FC236}">
+                <a16:creationId xmlns:a16="http://schemas.microsoft.com/office/drawing/2014/main" id="{FE921610-376F-4C3B-B776-F86F5CB816FE}"/>
+              </a:ext>
+            </a:extLst>
+          </p:cNvPr>
+          <p:cNvSpPr txBox="1"/>
+          <p:nvPr/>
+        </p:nvSpPr>
+        <p:spPr>
+          <a:xfrm>
+            <a:off x="6069581" y="2246849"/>
+            <a:ext cx="360726" cy="369332"/>
+          </a:xfrm>
+          <a:prstGeom prst="rect">
+            <a:avLst/>
+          </a:prstGeom>
+          <a:noFill/>
+        </p:spPr>
+        <p:txBody>
+          <a:bodyPr wrap="square" rtlCol="0">
+            <a:spAutoFit/>
+          </a:bodyPr>
+          <a:lstStyle/>
+          <a:p>
+            <a:r>
+              <a:rPr lang="en-US" dirty="0"/>
+              <a:t>5</a:t>
+            </a:r>
+          </a:p>
+        </p:txBody>
+      </p:sp>
+      <p:sp>
+        <p:nvSpPr>
+          <p:cNvPr id="114" name="Rectangle 113">
+            <a:extLst>
+              <a:ext uri="{FF2B5EF4-FFF2-40B4-BE49-F238E27FC236}">
+                <a16:creationId xmlns:a16="http://schemas.microsoft.com/office/drawing/2014/main" id="{FC1029B8-5C50-489E-A9FD-562608166681}"/>
+              </a:ext>
+            </a:extLst>
+          </p:cNvPr>
+          <p:cNvSpPr/>
+          <p:nvPr/>
+        </p:nvSpPr>
+        <p:spPr>
+          <a:xfrm>
+            <a:off x="7193822" y="2331878"/>
+            <a:ext cx="830510" cy="251886"/>
+          </a:xfrm>
+          <a:prstGeom prst="rect">
+            <a:avLst/>
+          </a:prstGeom>
+        </p:spPr>
+        <p:style>
+          <a:lnRef idx="2">
+            <a:schemeClr val="accent1">
+              <a:shade val="50000"/>
+            </a:schemeClr>
+          </a:lnRef>
+          <a:fillRef idx="1">
+            <a:schemeClr val="accent1"/>
+          </a:fillRef>
+          <a:effectRef idx="0">
+            <a:schemeClr val="accent1"/>
+          </a:effectRef>
+          <a:fontRef idx="minor">
+            <a:schemeClr val="lt1"/>
+          </a:fontRef>
+        </p:style>
+        <p:txBody>
+          <a:bodyPr rtlCol="0" anchor="ctr"/>
+          <a:lstStyle/>
+          <a:p>
+            <a:pPr algn="ctr"/>
+            <a:endParaRPr lang="en-US"/>
+          </a:p>
+        </p:txBody>
+      </p:sp>
+      <p:sp>
+        <p:nvSpPr>
+          <p:cNvPr id="115" name="Rectangle 114">
+            <a:extLst>
+              <a:ext uri="{FF2B5EF4-FFF2-40B4-BE49-F238E27FC236}">
+                <a16:creationId xmlns:a16="http://schemas.microsoft.com/office/drawing/2014/main" id="{3AE8E817-A5CC-4B57-8D8A-98A1B82BD09A}"/>
+              </a:ext>
+            </a:extLst>
+          </p:cNvPr>
+          <p:cNvSpPr/>
+          <p:nvPr/>
+        </p:nvSpPr>
+        <p:spPr>
+          <a:xfrm>
+            <a:off x="7180334" y="2331352"/>
+            <a:ext cx="486560" cy="251887"/>
+          </a:xfrm>
+          <a:prstGeom prst="rect">
+            <a:avLst/>
+          </a:prstGeom>
+          <a:solidFill>
+            <a:schemeClr val="bg1"/>
+          </a:solidFill>
+        </p:spPr>
+        <p:style>
+          <a:lnRef idx="2">
+            <a:schemeClr val="accent1">
+              <a:shade val="50000"/>
+            </a:schemeClr>
+          </a:lnRef>
+          <a:fillRef idx="1">
+            <a:schemeClr val="accent1"/>
+          </a:fillRef>
+          <a:effectRef idx="0">
+            <a:schemeClr val="accent1"/>
+          </a:effectRef>
+          <a:fontRef idx="minor">
+            <a:schemeClr val="lt1"/>
+          </a:fontRef>
+        </p:style>
+        <p:txBody>
+          <a:bodyPr rtlCol="0" anchor="ctr"/>
+          <a:lstStyle/>
+          <a:p>
+            <a:pPr algn="ctr"/>
+            <a:endParaRPr lang="en-US" dirty="0"/>
+          </a:p>
+        </p:txBody>
+      </p:sp>
+      <p:cxnSp>
+        <p:nvCxnSpPr>
+          <p:cNvPr id="116" name="Straight Arrow Connector 115">
+            <a:extLst>
+              <a:ext uri="{FF2B5EF4-FFF2-40B4-BE49-F238E27FC236}">
+                <a16:creationId xmlns:a16="http://schemas.microsoft.com/office/drawing/2014/main" id="{0D3C2657-16D9-4C22-AEC9-40D04E4B9E44}"/>
+              </a:ext>
+            </a:extLst>
+          </p:cNvPr>
+          <p:cNvCxnSpPr/>
+          <p:nvPr/>
+        </p:nvCxnSpPr>
+        <p:spPr>
+          <a:xfrm flipV="1">
+            <a:off x="7950563" y="2454829"/>
+            <a:ext cx="385892" cy="1"/>
+          </a:xfrm>
+          <a:prstGeom prst="straightConnector1">
+            <a:avLst/>
+          </a:prstGeom>
+          <a:ln w="38100">
+            <a:solidFill>
+              <a:srgbClr val="FF0000"/>
+            </a:solidFill>
+            <a:tailEnd type="triangle"/>
+          </a:ln>
+        </p:spPr>
+        <p:style>
+          <a:lnRef idx="1">
+            <a:schemeClr val="accent1"/>
+          </a:lnRef>
+          <a:fillRef idx="0">
+            <a:schemeClr val="accent1"/>
+          </a:fillRef>
+          <a:effectRef idx="0">
+            <a:schemeClr val="accent1"/>
+          </a:effectRef>
+          <a:fontRef idx="minor">
+            <a:schemeClr val="tx1"/>
+          </a:fontRef>
+        </p:style>
+      </p:cxnSp>
+      <p:sp>
+        <p:nvSpPr>
+          <p:cNvPr id="117" name="Rectangle 116">
+            <a:extLst>
+              <a:ext uri="{FF2B5EF4-FFF2-40B4-BE49-F238E27FC236}">
+                <a16:creationId xmlns:a16="http://schemas.microsoft.com/office/drawing/2014/main" id="{12458CB9-A16B-4D50-9B34-0E8BF7BB34B4}"/>
+              </a:ext>
+            </a:extLst>
+          </p:cNvPr>
+          <p:cNvSpPr/>
+          <p:nvPr/>
+        </p:nvSpPr>
+        <p:spPr>
+          <a:xfrm>
+            <a:off x="8334146" y="2306098"/>
+            <a:ext cx="830510" cy="251886"/>
+          </a:xfrm>
+          <a:prstGeom prst="rect">
+            <a:avLst/>
+          </a:prstGeom>
+        </p:spPr>
+        <p:style>
+          <a:lnRef idx="2">
+            <a:schemeClr val="accent1">
+              <a:shade val="50000"/>
+            </a:schemeClr>
+          </a:lnRef>
+          <a:fillRef idx="1">
+            <a:schemeClr val="accent1"/>
+          </a:fillRef>
+          <a:effectRef idx="0">
+            <a:schemeClr val="accent1"/>
+          </a:effectRef>
+          <a:fontRef idx="minor">
+            <a:schemeClr val="lt1"/>
+          </a:fontRef>
+        </p:style>
+        <p:txBody>
+          <a:bodyPr rtlCol="0" anchor="ctr"/>
+          <a:lstStyle/>
+          <a:p>
+            <a:pPr algn="ctr"/>
+            <a:endParaRPr lang="en-US"/>
+          </a:p>
+        </p:txBody>
+      </p:sp>
+      <p:sp>
+        <p:nvSpPr>
+          <p:cNvPr id="118" name="Rectangle 117">
+            <a:extLst>
+              <a:ext uri="{FF2B5EF4-FFF2-40B4-BE49-F238E27FC236}">
+                <a16:creationId xmlns:a16="http://schemas.microsoft.com/office/drawing/2014/main" id="{851EE099-9D4F-4849-A15F-922AD25FDB4D}"/>
+              </a:ext>
+            </a:extLst>
+          </p:cNvPr>
+          <p:cNvSpPr/>
+          <p:nvPr/>
+        </p:nvSpPr>
+        <p:spPr>
+          <a:xfrm>
+            <a:off x="8335005" y="2306098"/>
+            <a:ext cx="486560" cy="251887"/>
+          </a:xfrm>
+          <a:prstGeom prst="rect">
+            <a:avLst/>
+          </a:prstGeom>
+          <a:solidFill>
+            <a:schemeClr val="bg1"/>
+          </a:solidFill>
+        </p:spPr>
+        <p:style>
+          <a:lnRef idx="2">
+            <a:schemeClr val="accent1">
+              <a:shade val="50000"/>
+            </a:schemeClr>
+          </a:lnRef>
+          <a:fillRef idx="1">
+            <a:schemeClr val="accent1"/>
+          </a:fillRef>
+          <a:effectRef idx="0">
+            <a:schemeClr val="accent1"/>
+          </a:effectRef>
+          <a:fontRef idx="minor">
+            <a:schemeClr val="lt1"/>
+          </a:fontRef>
+        </p:style>
+        <p:txBody>
+          <a:bodyPr rtlCol="0" anchor="ctr"/>
+          <a:lstStyle/>
+          <a:p>
+            <a:pPr algn="ctr"/>
+            <a:endParaRPr lang="en-US" dirty="0"/>
+          </a:p>
+        </p:txBody>
+      </p:sp>
+      <p:cxnSp>
+        <p:nvCxnSpPr>
+          <p:cNvPr id="119" name="Straight Arrow Connector 118">
+            <a:extLst>
+              <a:ext uri="{FF2B5EF4-FFF2-40B4-BE49-F238E27FC236}">
+                <a16:creationId xmlns:a16="http://schemas.microsoft.com/office/drawing/2014/main" id="{3D719E83-0ECF-4EA6-9E5E-75D1C5FE9DED}"/>
+              </a:ext>
+            </a:extLst>
+          </p:cNvPr>
+          <p:cNvCxnSpPr/>
+          <p:nvPr/>
+        </p:nvCxnSpPr>
+        <p:spPr>
+          <a:xfrm flipV="1">
+            <a:off x="6130969" y="6090711"/>
+            <a:ext cx="385892" cy="1"/>
+          </a:xfrm>
+          <a:prstGeom prst="straightConnector1">
+            <a:avLst/>
+          </a:prstGeom>
+          <a:ln w="38100">
+            <a:solidFill>
+              <a:srgbClr val="FF0000"/>
+            </a:solidFill>
+            <a:tailEnd type="triangle"/>
+          </a:ln>
+        </p:spPr>
+        <p:style>
+          <a:lnRef idx="1">
+            <a:schemeClr val="accent1"/>
+          </a:lnRef>
+          <a:fillRef idx="0">
+            <a:schemeClr val="accent1"/>
+          </a:fillRef>
+          <a:effectRef idx="0">
+            <a:schemeClr val="accent1"/>
+          </a:effectRef>
+          <a:fontRef idx="minor">
+            <a:schemeClr val="tx1"/>
+          </a:fontRef>
+        </p:style>
+      </p:cxnSp>
+      <p:sp>
+        <p:nvSpPr>
+          <p:cNvPr id="120" name="Rectangle 119">
+            <a:extLst>
+              <a:ext uri="{FF2B5EF4-FFF2-40B4-BE49-F238E27FC236}">
+                <a16:creationId xmlns:a16="http://schemas.microsoft.com/office/drawing/2014/main" id="{C7D002F5-3B81-4C14-9F14-7F10D1645032}"/>
+              </a:ext>
+            </a:extLst>
+          </p:cNvPr>
+          <p:cNvSpPr/>
+          <p:nvPr/>
+        </p:nvSpPr>
+        <p:spPr>
+          <a:xfrm>
+            <a:off x="6495059" y="5879466"/>
+            <a:ext cx="534121" cy="369332"/>
+          </a:xfrm>
+          <a:prstGeom prst="rect">
+            <a:avLst/>
+          </a:prstGeom>
+        </p:spPr>
+        <p:txBody>
+          <a:bodyPr wrap="none">
+            <a:spAutoFit/>
+          </a:bodyPr>
+          <a:lstStyle/>
+          <a:p>
+            <a:r>
+              <a:rPr lang="en-US" dirty="0"/>
+              <a:t>null</a:t>
+            </a:r>
+          </a:p>
+        </p:txBody>
+      </p:sp>
+      <p:sp>
+        <p:nvSpPr>
+          <p:cNvPr id="121" name="TextBox 120">
+            <a:extLst>
+              <a:ext uri="{FF2B5EF4-FFF2-40B4-BE49-F238E27FC236}">
+                <a16:creationId xmlns:a16="http://schemas.microsoft.com/office/drawing/2014/main" id="{D83195D4-5D6C-4F2C-A8C2-F78DEA40DA16}"/>
+              </a:ext>
+            </a:extLst>
+          </p:cNvPr>
+          <p:cNvSpPr txBox="1"/>
+          <p:nvPr/>
+        </p:nvSpPr>
+        <p:spPr>
+          <a:xfrm>
+            <a:off x="7275255" y="2255304"/>
+            <a:ext cx="360726" cy="369332"/>
+          </a:xfrm>
+          <a:prstGeom prst="rect">
+            <a:avLst/>
+          </a:prstGeom>
+          <a:noFill/>
+        </p:spPr>
+        <p:txBody>
+          <a:bodyPr wrap="square" rtlCol="0">
+            <a:spAutoFit/>
+          </a:bodyPr>
+          <a:lstStyle/>
+          <a:p>
+            <a:r>
+              <a:rPr lang="en-US" dirty="0"/>
+              <a:t>0</a:t>
+            </a:r>
+          </a:p>
+        </p:txBody>
+      </p:sp>
+      <p:sp>
+        <p:nvSpPr>
+          <p:cNvPr id="122" name="TextBox 121">
+            <a:extLst>
+              <a:ext uri="{FF2B5EF4-FFF2-40B4-BE49-F238E27FC236}">
+                <a16:creationId xmlns:a16="http://schemas.microsoft.com/office/drawing/2014/main" id="{09431E14-67E4-4C64-84C1-A87FFD3D653B}"/>
+              </a:ext>
+            </a:extLst>
+          </p:cNvPr>
+          <p:cNvSpPr txBox="1"/>
+          <p:nvPr/>
+        </p:nvSpPr>
+        <p:spPr>
+          <a:xfrm>
+            <a:off x="8408974" y="2255485"/>
+            <a:ext cx="360726" cy="369332"/>
+          </a:xfrm>
+          <a:prstGeom prst="rect">
+            <a:avLst/>
+          </a:prstGeom>
+          <a:noFill/>
+        </p:spPr>
+        <p:txBody>
+          <a:bodyPr wrap="square" rtlCol="0">
+            <a:spAutoFit/>
+          </a:bodyPr>
+          <a:lstStyle/>
+          <a:p>
+            <a:r>
+              <a:rPr lang="en-US" dirty="0"/>
+              <a:t>1</a:t>
+            </a:r>
+          </a:p>
+        </p:txBody>
+      </p:sp>
+      <p:cxnSp>
+        <p:nvCxnSpPr>
+          <p:cNvPr id="123" name="Straight Arrow Connector 122">
+            <a:extLst>
+              <a:ext uri="{FF2B5EF4-FFF2-40B4-BE49-F238E27FC236}">
+                <a16:creationId xmlns:a16="http://schemas.microsoft.com/office/drawing/2014/main" id="{CF2319AE-47D0-4478-9840-B6DA064DA765}"/>
+              </a:ext>
+            </a:extLst>
+          </p:cNvPr>
+          <p:cNvCxnSpPr/>
+          <p:nvPr/>
+        </p:nvCxnSpPr>
+        <p:spPr>
+          <a:xfrm flipV="1">
+            <a:off x="6811637" y="2469056"/>
+            <a:ext cx="385892" cy="1"/>
+          </a:xfrm>
+          <a:prstGeom prst="straightConnector1">
+            <a:avLst/>
+          </a:prstGeom>
+          <a:ln w="38100">
+            <a:solidFill>
+              <a:srgbClr val="FF0000"/>
+            </a:solidFill>
+            <a:tailEnd type="triangle"/>
+          </a:ln>
+        </p:spPr>
+        <p:style>
+          <a:lnRef idx="1">
+            <a:schemeClr val="accent1"/>
+          </a:lnRef>
+          <a:fillRef idx="0">
+            <a:schemeClr val="accent1"/>
+          </a:fillRef>
+          <a:effectRef idx="0">
+            <a:schemeClr val="accent1"/>
+          </a:effectRef>
+          <a:fontRef idx="minor">
+            <a:schemeClr val="tx1"/>
+          </a:fontRef>
+        </p:style>
+      </p:cxnSp>
+      <p:cxnSp>
+        <p:nvCxnSpPr>
+          <p:cNvPr id="124" name="Straight Arrow Connector 123">
+            <a:extLst>
+              <a:ext uri="{FF2B5EF4-FFF2-40B4-BE49-F238E27FC236}">
+                <a16:creationId xmlns:a16="http://schemas.microsoft.com/office/drawing/2014/main" id="{2BCC73FF-1DFA-462B-BB3A-D536D8351B2D}"/>
+              </a:ext>
+            </a:extLst>
+          </p:cNvPr>
+          <p:cNvCxnSpPr/>
+          <p:nvPr/>
+        </p:nvCxnSpPr>
+        <p:spPr>
+          <a:xfrm flipV="1">
+            <a:off x="5630190" y="2435867"/>
+            <a:ext cx="385892" cy="1"/>
+          </a:xfrm>
+          <a:prstGeom prst="straightConnector1">
+            <a:avLst/>
+          </a:prstGeom>
+          <a:ln w="38100">
+            <a:solidFill>
+              <a:srgbClr val="FF0000"/>
+            </a:solidFill>
+            <a:tailEnd type="triangle"/>
+          </a:ln>
+        </p:spPr>
+        <p:style>
+          <a:lnRef idx="1">
+            <a:schemeClr val="accent1"/>
+          </a:lnRef>
+          <a:fillRef idx="0">
+            <a:schemeClr val="accent1"/>
+          </a:fillRef>
+          <a:effectRef idx="0">
+            <a:schemeClr val="accent1"/>
+          </a:effectRef>
+          <a:fontRef idx="minor">
+            <a:schemeClr val="tx1"/>
+          </a:fontRef>
+        </p:style>
+      </p:cxnSp>
+      <p:sp>
+        <p:nvSpPr>
+          <p:cNvPr id="125" name="TextBox 124">
+            <a:extLst>
+              <a:ext uri="{FF2B5EF4-FFF2-40B4-BE49-F238E27FC236}">
+                <a16:creationId xmlns:a16="http://schemas.microsoft.com/office/drawing/2014/main" id="{90EF5076-B36B-4AD0-9391-7C29674CFEA3}"/>
+              </a:ext>
+            </a:extLst>
+          </p:cNvPr>
+          <p:cNvSpPr txBox="1"/>
+          <p:nvPr/>
+        </p:nvSpPr>
+        <p:spPr>
+          <a:xfrm>
+            <a:off x="10454664" y="2431000"/>
+            <a:ext cx="1073790" cy="646331"/>
+          </a:xfrm>
+          <a:prstGeom prst="rect">
+            <a:avLst/>
+          </a:prstGeom>
+          <a:noFill/>
+        </p:spPr>
+        <p:txBody>
+          <a:bodyPr wrap="square" rtlCol="0">
+            <a:spAutoFit/>
+          </a:bodyPr>
+          <a:lstStyle/>
+          <a:p>
+            <a:r>
+              <a:rPr lang="en-US" dirty="0">
+                <a:solidFill>
+                  <a:schemeClr val="accent2"/>
+                </a:solidFill>
+              </a:rPr>
+              <a:t>Return value</a:t>
+            </a:r>
+          </a:p>
+        </p:txBody>
+      </p:sp>
+      <p:sp>
+        <p:nvSpPr>
+          <p:cNvPr id="2" name="TextBox 1">
+            <a:extLst>
+              <a:ext uri="{FF2B5EF4-FFF2-40B4-BE49-F238E27FC236}">
+                <a16:creationId xmlns:a16="http://schemas.microsoft.com/office/drawing/2014/main" id="{59E7DBF5-ACAB-4069-ACB8-30E7E70725C3}"/>
+              </a:ext>
+            </a:extLst>
+          </p:cNvPr>
+          <p:cNvSpPr txBox="1"/>
+          <p:nvPr/>
+        </p:nvSpPr>
+        <p:spPr>
+          <a:xfrm>
+            <a:off x="154649" y="22973"/>
+            <a:ext cx="2140673" cy="369332"/>
+          </a:xfrm>
+          <a:prstGeom prst="rect">
+            <a:avLst/>
+          </a:prstGeom>
+          <a:noFill/>
+        </p:spPr>
+        <p:txBody>
+          <a:bodyPr wrap="square" rtlCol="0">
+            <a:spAutoFit/>
+          </a:bodyPr>
+          <a:lstStyle/>
+          <a:p>
+            <a:r>
+              <a:rPr lang="en-US" u="sng" dirty="0">
+                <a:solidFill>
+                  <a:schemeClr val="accent1"/>
+                </a:solidFill>
+              </a:rPr>
+              <a:t>addLists_1.java</a:t>
+            </a:r>
+          </a:p>
+        </p:txBody>
+      </p:sp>
+      <p:sp>
+        <p:nvSpPr>
+          <p:cNvPr id="127" name="TextBox 126">
+            <a:extLst>
+              <a:ext uri="{FF2B5EF4-FFF2-40B4-BE49-F238E27FC236}">
+                <a16:creationId xmlns:a16="http://schemas.microsoft.com/office/drawing/2014/main" id="{D48BBE7A-46EF-4495-8039-1A7CEEEA91BA}"/>
+              </a:ext>
+            </a:extLst>
+          </p:cNvPr>
+          <p:cNvSpPr txBox="1"/>
+          <p:nvPr/>
+        </p:nvSpPr>
+        <p:spPr>
+          <a:xfrm>
+            <a:off x="641760" y="1805108"/>
+            <a:ext cx="1073790" cy="369332"/>
+          </a:xfrm>
+          <a:prstGeom prst="rect">
+            <a:avLst/>
+          </a:prstGeom>
+          <a:noFill/>
+        </p:spPr>
+        <p:txBody>
+          <a:bodyPr wrap="square" rtlCol="0">
+            <a:spAutoFit/>
+          </a:bodyPr>
+          <a:lstStyle/>
+          <a:p>
+            <a:r>
+              <a:rPr lang="en-US" dirty="0"/>
+              <a:t>l1 = 3 </a:t>
+            </a:r>
+          </a:p>
+        </p:txBody>
+      </p:sp>
+      <p:sp>
+        <p:nvSpPr>
+          <p:cNvPr id="128" name="TextBox 127">
+            <a:extLst>
+              <a:ext uri="{FF2B5EF4-FFF2-40B4-BE49-F238E27FC236}">
+                <a16:creationId xmlns:a16="http://schemas.microsoft.com/office/drawing/2014/main" id="{05CF8DC5-A04E-46CD-AD9F-9DF33E87A97D}"/>
+              </a:ext>
+            </a:extLst>
+          </p:cNvPr>
+          <p:cNvSpPr txBox="1"/>
+          <p:nvPr/>
+        </p:nvSpPr>
+        <p:spPr>
+          <a:xfrm>
+            <a:off x="651350" y="2082605"/>
+            <a:ext cx="1073790" cy="369332"/>
+          </a:xfrm>
+          <a:prstGeom prst="rect">
+            <a:avLst/>
+          </a:prstGeom>
+          <a:noFill/>
+        </p:spPr>
+        <p:txBody>
+          <a:bodyPr wrap="square" rtlCol="0">
+            <a:spAutoFit/>
+          </a:bodyPr>
+          <a:lstStyle/>
+          <a:p>
+            <a:r>
+              <a:rPr lang="en-US" dirty="0"/>
+              <a:t>l2 = 6</a:t>
+            </a:r>
+          </a:p>
+        </p:txBody>
+      </p:sp>
+      <p:sp>
+        <p:nvSpPr>
+          <p:cNvPr id="129" name="TextBox 128">
+            <a:extLst>
+              <a:ext uri="{FF2B5EF4-FFF2-40B4-BE49-F238E27FC236}">
+                <a16:creationId xmlns:a16="http://schemas.microsoft.com/office/drawing/2014/main" id="{BCED4C02-66D7-42E9-95D7-C64543831050}"/>
+              </a:ext>
+            </a:extLst>
+          </p:cNvPr>
+          <p:cNvSpPr txBox="1"/>
+          <p:nvPr/>
+        </p:nvSpPr>
+        <p:spPr>
+          <a:xfrm>
+            <a:off x="2164087" y="3746082"/>
+            <a:ext cx="1073790" cy="369332"/>
+          </a:xfrm>
+          <a:prstGeom prst="rect">
+            <a:avLst/>
+          </a:prstGeom>
+          <a:noFill/>
+        </p:spPr>
+        <p:txBody>
+          <a:bodyPr wrap="square" rtlCol="0">
+            <a:spAutoFit/>
+          </a:bodyPr>
+          <a:lstStyle/>
+          <a:p>
+            <a:r>
+              <a:rPr lang="en-US" dirty="0"/>
+              <a:t>sum=</a:t>
+            </a:r>
+          </a:p>
+        </p:txBody>
+      </p:sp>
+      <p:sp>
+        <p:nvSpPr>
+          <p:cNvPr id="130" name="TextBox 129">
+            <a:extLst>
+              <a:ext uri="{FF2B5EF4-FFF2-40B4-BE49-F238E27FC236}">
+                <a16:creationId xmlns:a16="http://schemas.microsoft.com/office/drawing/2014/main" id="{239B97B2-D618-44C9-A67D-BC46826D3188}"/>
+              </a:ext>
+            </a:extLst>
+          </p:cNvPr>
+          <p:cNvSpPr txBox="1"/>
+          <p:nvPr/>
+        </p:nvSpPr>
+        <p:spPr>
+          <a:xfrm>
+            <a:off x="2125230" y="3187306"/>
+            <a:ext cx="1073790" cy="369332"/>
+          </a:xfrm>
+          <a:prstGeom prst="rect">
+            <a:avLst/>
+          </a:prstGeom>
+          <a:noFill/>
+        </p:spPr>
+        <p:txBody>
+          <a:bodyPr wrap="square" rtlCol="0">
+            <a:spAutoFit/>
+          </a:bodyPr>
+          <a:lstStyle/>
+          <a:p>
+            <a:r>
+              <a:rPr lang="en-US" dirty="0"/>
+              <a:t>l1 = 6 </a:t>
+            </a:r>
+          </a:p>
+        </p:txBody>
+      </p:sp>
+      <p:sp>
+        <p:nvSpPr>
+          <p:cNvPr id="131" name="TextBox 130">
+            <a:extLst>
+              <a:ext uri="{FF2B5EF4-FFF2-40B4-BE49-F238E27FC236}">
+                <a16:creationId xmlns:a16="http://schemas.microsoft.com/office/drawing/2014/main" id="{38DC89F5-BAE3-4830-BFF3-301B967767FE}"/>
+              </a:ext>
+            </a:extLst>
+          </p:cNvPr>
+          <p:cNvSpPr txBox="1"/>
+          <p:nvPr/>
+        </p:nvSpPr>
+        <p:spPr>
+          <a:xfrm>
+            <a:off x="2134820" y="3464803"/>
+            <a:ext cx="1073790" cy="369332"/>
+          </a:xfrm>
+          <a:prstGeom prst="rect">
+            <a:avLst/>
+          </a:prstGeom>
+          <a:noFill/>
+        </p:spPr>
+        <p:txBody>
+          <a:bodyPr wrap="square" rtlCol="0">
+            <a:spAutoFit/>
+          </a:bodyPr>
+          <a:lstStyle/>
+          <a:p>
+            <a:r>
+              <a:rPr lang="en-US" dirty="0"/>
+              <a:t>l2 = 7</a:t>
+            </a:r>
+          </a:p>
+        </p:txBody>
+      </p:sp>
+      <p:cxnSp>
+        <p:nvCxnSpPr>
+          <p:cNvPr id="132" name="Straight Arrow Connector 131">
+            <a:extLst>
+              <a:ext uri="{FF2B5EF4-FFF2-40B4-BE49-F238E27FC236}">
+                <a16:creationId xmlns:a16="http://schemas.microsoft.com/office/drawing/2014/main" id="{65351030-D55C-4D93-B109-A2F401F81DB3}"/>
+              </a:ext>
+            </a:extLst>
+          </p:cNvPr>
+          <p:cNvCxnSpPr/>
+          <p:nvPr/>
+        </p:nvCxnSpPr>
+        <p:spPr>
+          <a:xfrm>
+            <a:off x="3225562" y="3968333"/>
+            <a:ext cx="587230" cy="359396"/>
+          </a:xfrm>
+          <a:prstGeom prst="straightConnector1">
+            <a:avLst/>
+          </a:prstGeom>
+          <a:ln>
+            <a:tailEnd type="triangle"/>
+          </a:ln>
+        </p:spPr>
+        <p:style>
+          <a:lnRef idx="1">
+            <a:schemeClr val="accent1"/>
+          </a:lnRef>
+          <a:fillRef idx="0">
+            <a:schemeClr val="accent1"/>
+          </a:fillRef>
+          <a:effectRef idx="0">
+            <a:schemeClr val="accent1"/>
+          </a:effectRef>
+          <a:fontRef idx="minor">
+            <a:schemeClr val="tx1"/>
+          </a:fontRef>
+        </p:style>
+      </p:cxnSp>
+      <p:sp>
+        <p:nvSpPr>
+          <p:cNvPr id="133" name="TextBox 132">
+            <a:extLst>
+              <a:ext uri="{FF2B5EF4-FFF2-40B4-BE49-F238E27FC236}">
+                <a16:creationId xmlns:a16="http://schemas.microsoft.com/office/drawing/2014/main" id="{B60BD5FE-9D7F-4A8F-8767-4DB43E494FF4}"/>
+              </a:ext>
+            </a:extLst>
+          </p:cNvPr>
+          <p:cNvSpPr txBox="1"/>
+          <p:nvPr/>
+        </p:nvSpPr>
+        <p:spPr>
+          <a:xfrm>
+            <a:off x="4073893" y="5258608"/>
+            <a:ext cx="1654957" cy="369332"/>
+          </a:xfrm>
+          <a:prstGeom prst="rect">
+            <a:avLst/>
+          </a:prstGeom>
+          <a:noFill/>
+        </p:spPr>
+        <p:txBody>
+          <a:bodyPr wrap="square" rtlCol="0">
+            <a:spAutoFit/>
+          </a:bodyPr>
+          <a:lstStyle/>
+          <a:p>
+            <a:r>
+              <a:rPr lang="en-US" dirty="0"/>
+              <a:t>sum= </a:t>
+            </a:r>
+          </a:p>
+        </p:txBody>
+      </p:sp>
+      <p:sp>
+        <p:nvSpPr>
+          <p:cNvPr id="134" name="TextBox 133">
+            <a:extLst>
+              <a:ext uri="{FF2B5EF4-FFF2-40B4-BE49-F238E27FC236}">
+                <a16:creationId xmlns:a16="http://schemas.microsoft.com/office/drawing/2014/main" id="{84FD143C-8EC6-4119-A0B7-7382722C5178}"/>
+              </a:ext>
+            </a:extLst>
+          </p:cNvPr>
+          <p:cNvSpPr txBox="1"/>
+          <p:nvPr/>
+        </p:nvSpPr>
+        <p:spPr>
+          <a:xfrm>
+            <a:off x="4035037" y="4699832"/>
+            <a:ext cx="1073790" cy="369332"/>
+          </a:xfrm>
+          <a:prstGeom prst="rect">
+            <a:avLst/>
+          </a:prstGeom>
+          <a:noFill/>
+        </p:spPr>
+        <p:txBody>
+          <a:bodyPr wrap="square" rtlCol="0">
+            <a:spAutoFit/>
+          </a:bodyPr>
+          <a:lstStyle/>
+          <a:p>
+            <a:r>
+              <a:rPr lang="en-US" dirty="0"/>
+              <a:t>l1 = 7</a:t>
+            </a:r>
+          </a:p>
+        </p:txBody>
+      </p:sp>
+      <p:sp>
+        <p:nvSpPr>
+          <p:cNvPr id="135" name="TextBox 134">
+            <a:extLst>
+              <a:ext uri="{FF2B5EF4-FFF2-40B4-BE49-F238E27FC236}">
+                <a16:creationId xmlns:a16="http://schemas.microsoft.com/office/drawing/2014/main" id="{79D54BE8-C249-40B0-8ABF-9CE189E80F27}"/>
+              </a:ext>
+            </a:extLst>
+          </p:cNvPr>
+          <p:cNvSpPr txBox="1"/>
+          <p:nvPr/>
+        </p:nvSpPr>
+        <p:spPr>
+          <a:xfrm>
+            <a:off x="4044627" y="4977329"/>
+            <a:ext cx="1073790" cy="369332"/>
+          </a:xfrm>
+          <a:prstGeom prst="rect">
+            <a:avLst/>
+          </a:prstGeom>
+          <a:noFill/>
+        </p:spPr>
+        <p:txBody>
+          <a:bodyPr wrap="square" rtlCol="0">
+            <a:spAutoFit/>
+          </a:bodyPr>
+          <a:lstStyle/>
+          <a:p>
+            <a:r>
+              <a:rPr lang="en-US" dirty="0"/>
+              <a:t>l2 = 9</a:t>
+            </a:r>
+          </a:p>
+        </p:txBody>
+      </p:sp>
+      <p:sp>
+        <p:nvSpPr>
+          <p:cNvPr id="136" name="TextBox 135">
+            <a:extLst>
+              <a:ext uri="{FF2B5EF4-FFF2-40B4-BE49-F238E27FC236}">
+                <a16:creationId xmlns:a16="http://schemas.microsoft.com/office/drawing/2014/main" id="{31B2DA70-82CE-4364-AD9B-C50B1BF7D370}"/>
+              </a:ext>
+            </a:extLst>
+          </p:cNvPr>
+          <p:cNvSpPr txBox="1"/>
+          <p:nvPr/>
+        </p:nvSpPr>
+        <p:spPr>
+          <a:xfrm>
+            <a:off x="4082004" y="5541021"/>
+            <a:ext cx="1073790" cy="369332"/>
+          </a:xfrm>
+          <a:prstGeom prst="rect">
+            <a:avLst/>
+          </a:prstGeom>
+          <a:noFill/>
+        </p:spPr>
+        <p:txBody>
+          <a:bodyPr wrap="square" rtlCol="0">
+            <a:spAutoFit/>
+          </a:bodyPr>
+          <a:lstStyle/>
+          <a:p>
+            <a:r>
+              <a:rPr lang="en-US" dirty="0" err="1"/>
+              <a:t>val</a:t>
+            </a:r>
+            <a:r>
+              <a:rPr lang="en-US" dirty="0"/>
+              <a:t>= 7 + 9</a:t>
+            </a:r>
+          </a:p>
+        </p:txBody>
+      </p:sp>
+      <p:sp>
+        <p:nvSpPr>
+          <p:cNvPr id="137" name="TextBox 136">
+            <a:extLst>
+              <a:ext uri="{FF2B5EF4-FFF2-40B4-BE49-F238E27FC236}">
+                <a16:creationId xmlns:a16="http://schemas.microsoft.com/office/drawing/2014/main" id="{2D5A38E2-DB1F-4472-84E9-BAB2993EC8B4}"/>
+              </a:ext>
+            </a:extLst>
+          </p:cNvPr>
+          <p:cNvSpPr txBox="1"/>
+          <p:nvPr/>
+        </p:nvSpPr>
+        <p:spPr>
+          <a:xfrm>
+            <a:off x="4090114" y="5851025"/>
+            <a:ext cx="1257042" cy="369332"/>
+          </a:xfrm>
+          <a:prstGeom prst="rect">
+            <a:avLst/>
+          </a:prstGeom>
+          <a:noFill/>
+        </p:spPr>
+        <p:txBody>
+          <a:bodyPr wrap="square" rtlCol="0">
+            <a:spAutoFit/>
+          </a:bodyPr>
+          <a:lstStyle/>
+          <a:p>
+            <a:r>
+              <a:rPr lang="en-US" dirty="0" err="1"/>
+              <a:t>sum.sum</a:t>
+            </a:r>
+            <a:r>
+              <a:rPr lang="en-US" dirty="0"/>
+              <a:t> = </a:t>
+            </a:r>
+          </a:p>
+        </p:txBody>
+      </p:sp>
+      <p:sp>
+        <p:nvSpPr>
+          <p:cNvPr id="138" name="TextBox 137">
+            <a:extLst>
+              <a:ext uri="{FF2B5EF4-FFF2-40B4-BE49-F238E27FC236}">
+                <a16:creationId xmlns:a16="http://schemas.microsoft.com/office/drawing/2014/main" id="{35312DA4-F5F6-43BE-9AE7-55168067C52C}"/>
+              </a:ext>
+            </a:extLst>
+          </p:cNvPr>
+          <p:cNvSpPr txBox="1"/>
+          <p:nvPr/>
+        </p:nvSpPr>
+        <p:spPr>
+          <a:xfrm>
+            <a:off x="4082004" y="6161029"/>
+            <a:ext cx="1073790" cy="369332"/>
+          </a:xfrm>
+          <a:prstGeom prst="rect">
+            <a:avLst/>
+          </a:prstGeom>
+          <a:noFill/>
+        </p:spPr>
+        <p:txBody>
+          <a:bodyPr wrap="square" rtlCol="0">
+            <a:spAutoFit/>
+          </a:bodyPr>
+          <a:lstStyle/>
+          <a:p>
+            <a:r>
+              <a:rPr lang="en-US" dirty="0" err="1"/>
+              <a:t>val</a:t>
+            </a:r>
+            <a:r>
+              <a:rPr lang="en-US" dirty="0"/>
+              <a:t>= 7 + 9</a:t>
+            </a:r>
+          </a:p>
+        </p:txBody>
+      </p:sp>
+      <p:sp>
+        <p:nvSpPr>
+          <p:cNvPr id="139" name="Rectangle 138">
+            <a:extLst>
+              <a:ext uri="{FF2B5EF4-FFF2-40B4-BE49-F238E27FC236}">
+                <a16:creationId xmlns:a16="http://schemas.microsoft.com/office/drawing/2014/main" id="{AEA2F379-3D93-41EE-9306-8793C518412A}"/>
+              </a:ext>
+            </a:extLst>
+          </p:cNvPr>
+          <p:cNvSpPr/>
+          <p:nvPr/>
+        </p:nvSpPr>
+        <p:spPr>
+          <a:xfrm>
+            <a:off x="5292349" y="5938715"/>
+            <a:ext cx="830510" cy="251886"/>
+          </a:xfrm>
+          <a:prstGeom prst="rect">
+            <a:avLst/>
+          </a:prstGeom>
+        </p:spPr>
+        <p:style>
+          <a:lnRef idx="2">
+            <a:schemeClr val="accent1">
+              <a:shade val="50000"/>
+            </a:schemeClr>
+          </a:lnRef>
+          <a:fillRef idx="1">
+            <a:schemeClr val="accent1"/>
+          </a:fillRef>
+          <a:effectRef idx="0">
+            <a:schemeClr val="accent1"/>
+          </a:effectRef>
+          <a:fontRef idx="minor">
+            <a:schemeClr val="lt1"/>
+          </a:fontRef>
+        </p:style>
+        <p:txBody>
+          <a:bodyPr rtlCol="0" anchor="ctr"/>
+          <a:lstStyle/>
+          <a:p>
+            <a:pPr algn="ctr"/>
+            <a:endParaRPr lang="en-US"/>
+          </a:p>
+        </p:txBody>
+      </p:sp>
+      <p:sp>
+        <p:nvSpPr>
+          <p:cNvPr id="140" name="Rectangle 139">
+            <a:extLst>
+              <a:ext uri="{FF2B5EF4-FFF2-40B4-BE49-F238E27FC236}">
+                <a16:creationId xmlns:a16="http://schemas.microsoft.com/office/drawing/2014/main" id="{530C3AF5-8204-4FCA-87E5-81A9C282092C}"/>
+              </a:ext>
+            </a:extLst>
+          </p:cNvPr>
+          <p:cNvSpPr/>
+          <p:nvPr/>
+        </p:nvSpPr>
+        <p:spPr>
+          <a:xfrm>
+            <a:off x="5278861" y="5938189"/>
+            <a:ext cx="486560" cy="251887"/>
+          </a:xfrm>
+          <a:prstGeom prst="rect">
+            <a:avLst/>
+          </a:prstGeom>
+          <a:solidFill>
+            <a:schemeClr val="bg1"/>
+          </a:solidFill>
+        </p:spPr>
+        <p:style>
+          <a:lnRef idx="2">
+            <a:schemeClr val="accent1">
+              <a:shade val="50000"/>
+            </a:schemeClr>
+          </a:lnRef>
+          <a:fillRef idx="1">
+            <a:schemeClr val="accent1"/>
+          </a:fillRef>
+          <a:effectRef idx="0">
+            <a:schemeClr val="accent1"/>
+          </a:effectRef>
+          <a:fontRef idx="minor">
+            <a:schemeClr val="lt1"/>
+          </a:fontRef>
+        </p:style>
+        <p:txBody>
+          <a:bodyPr rtlCol="0" anchor="ctr"/>
+          <a:lstStyle/>
+          <a:p>
+            <a:pPr algn="ctr"/>
+            <a:endParaRPr lang="en-US"/>
+          </a:p>
+        </p:txBody>
+      </p:sp>
+      <p:sp>
+        <p:nvSpPr>
+          <p:cNvPr id="141" name="TextBox 140">
+            <a:extLst>
+              <a:ext uri="{FF2B5EF4-FFF2-40B4-BE49-F238E27FC236}">
+                <a16:creationId xmlns:a16="http://schemas.microsoft.com/office/drawing/2014/main" id="{4E54459E-335A-47B0-8390-CF78BD92CAF3}"/>
+              </a:ext>
+            </a:extLst>
+          </p:cNvPr>
+          <p:cNvSpPr txBox="1"/>
+          <p:nvPr/>
+        </p:nvSpPr>
+        <p:spPr>
+          <a:xfrm>
+            <a:off x="5355266" y="5870359"/>
+            <a:ext cx="360726" cy="369332"/>
+          </a:xfrm>
+          <a:prstGeom prst="rect">
+            <a:avLst/>
+          </a:prstGeom>
+          <a:noFill/>
+        </p:spPr>
+        <p:txBody>
+          <a:bodyPr wrap="square" rtlCol="0">
+            <a:spAutoFit/>
+          </a:bodyPr>
+          <a:lstStyle/>
+          <a:p>
+            <a:r>
+              <a:rPr lang="en-US" dirty="0"/>
+              <a:t>6</a:t>
+            </a:r>
+          </a:p>
+        </p:txBody>
+      </p:sp>
+    </p:spTree>
+    <p:extLst>
+      <p:ext uri="{BB962C8B-B14F-4D97-AF65-F5344CB8AC3E}">
+        <p14:creationId xmlns:p14="http://schemas.microsoft.com/office/powerpoint/2010/main" val="2315796685"/>
       </p:ext>
     </p:extLst>
   </p:cSld>

--- a/Cracking_the_coding_interview/Java/src_explanation/2.5.Sum.pptx
+++ b/Cracking_the_coding_interview/Java/src_explanation/2.5.Sum.pptx
@@ -9635,147 +9635,6 @@
       </p:grpSpPr>
       <p:sp>
         <p:nvSpPr>
-          <p:cNvPr id="74" name="Rectangle 73">
-            <a:extLst>
-              <a:ext uri="{FF2B5EF4-FFF2-40B4-BE49-F238E27FC236}">
-                <a16:creationId xmlns:a16="http://schemas.microsoft.com/office/drawing/2014/main" id="{A3C3B531-483A-421E-96DD-6B01A2DB1E13}"/>
-              </a:ext>
-            </a:extLst>
-          </p:cNvPr>
-          <p:cNvSpPr/>
-          <p:nvPr/>
-        </p:nvSpPr>
-        <p:spPr>
-          <a:xfrm>
-            <a:off x="9783035" y="5346975"/>
-            <a:ext cx="830510" cy="251886"/>
-          </a:xfrm>
-          <a:prstGeom prst="rect">
-            <a:avLst/>
-          </a:prstGeom>
-        </p:spPr>
-        <p:style>
-          <a:lnRef idx="2">
-            <a:schemeClr val="accent1">
-              <a:shade val="50000"/>
-            </a:schemeClr>
-          </a:lnRef>
-          <a:fillRef idx="1">
-            <a:schemeClr val="accent1"/>
-          </a:fillRef>
-          <a:effectRef idx="0">
-            <a:schemeClr val="accent1"/>
-          </a:effectRef>
-          <a:fontRef idx="minor">
-            <a:schemeClr val="lt1"/>
-          </a:fontRef>
-        </p:style>
-        <p:txBody>
-          <a:bodyPr rtlCol="0" anchor="ctr"/>
-          <a:lstStyle/>
-          <a:p>
-            <a:pPr algn="ctr"/>
-            <a:endParaRPr lang="en-US"/>
-          </a:p>
-        </p:txBody>
-      </p:sp>
-      <p:sp>
-        <p:nvSpPr>
-          <p:cNvPr id="52" name="Rectangle 51">
-            <a:extLst>
-              <a:ext uri="{FF2B5EF4-FFF2-40B4-BE49-F238E27FC236}">
-                <a16:creationId xmlns:a16="http://schemas.microsoft.com/office/drawing/2014/main" id="{CA5449E0-2589-4587-A840-897583BC860E}"/>
-              </a:ext>
-            </a:extLst>
-          </p:cNvPr>
-          <p:cNvSpPr/>
-          <p:nvPr/>
-        </p:nvSpPr>
-        <p:spPr>
-          <a:xfrm>
-            <a:off x="4904516" y="2324974"/>
-            <a:ext cx="830510" cy="251886"/>
-          </a:xfrm>
-          <a:prstGeom prst="rect">
-            <a:avLst/>
-          </a:prstGeom>
-        </p:spPr>
-        <p:style>
-          <a:lnRef idx="2">
-            <a:schemeClr val="accent1">
-              <a:shade val="50000"/>
-            </a:schemeClr>
-          </a:lnRef>
-          <a:fillRef idx="1">
-            <a:schemeClr val="accent1"/>
-          </a:fillRef>
-          <a:effectRef idx="0">
-            <a:schemeClr val="accent1"/>
-          </a:effectRef>
-          <a:fontRef idx="minor">
-            <a:schemeClr val="lt1"/>
-          </a:fontRef>
-        </p:style>
-        <p:txBody>
-          <a:bodyPr rtlCol="0" anchor="ctr"/>
-          <a:lstStyle/>
-          <a:p>
-            <a:pPr algn="ctr"/>
-            <a:endParaRPr lang="en-US"/>
-          </a:p>
-        </p:txBody>
-      </p:sp>
-      <p:sp>
-        <p:nvSpPr>
-          <p:cNvPr id="55" name="Rectangle 54">
-            <a:extLst>
-              <a:ext uri="{FF2B5EF4-FFF2-40B4-BE49-F238E27FC236}">
-                <a16:creationId xmlns:a16="http://schemas.microsoft.com/office/drawing/2014/main" id="{809A14C8-B89A-47B5-A5A3-35853D6E3249}"/>
-              </a:ext>
-            </a:extLst>
-          </p:cNvPr>
-          <p:cNvSpPr/>
-          <p:nvPr/>
-        </p:nvSpPr>
-        <p:spPr>
-          <a:xfrm>
-            <a:off x="4891028" y="2324448"/>
-            <a:ext cx="486560" cy="251887"/>
-          </a:xfrm>
-          <a:prstGeom prst="rect">
-            <a:avLst/>
-          </a:prstGeom>
-          <a:solidFill>
-            <a:schemeClr val="bg1"/>
-          </a:solidFill>
-        </p:spPr>
-        <p:style>
-          <a:lnRef idx="2">
-            <a:schemeClr val="accent1">
-              <a:shade val="50000"/>
-            </a:schemeClr>
-          </a:lnRef>
-          <a:fillRef idx="1">
-            <a:schemeClr val="accent1"/>
-          </a:fillRef>
-          <a:effectRef idx="0">
-            <a:schemeClr val="accent1"/>
-          </a:effectRef>
-          <a:fontRef idx="minor">
-            <a:schemeClr val="lt1"/>
-          </a:fontRef>
-        </p:style>
-        <p:txBody>
-          <a:bodyPr rtlCol="0" anchor="ctr"/>
-          <a:lstStyle/>
-          <a:p>
-            <a:pPr algn="ctr"/>
-            <a:endParaRPr lang="en-US"/>
-          </a:p>
-        </p:txBody>
-      </p:sp>
-      <p:sp>
-        <p:nvSpPr>
           <p:cNvPr id="4" name="TextBox 3">
             <a:extLst>
               <a:ext uri="{FF2B5EF4-FFF2-40B4-BE49-F238E27FC236}">
@@ -10870,928 +10729,15 @@
               </a:ext>
             </a:extLst>
           </p:cNvPr>
-          <p:cNvCxnSpPr/>
+          <p:cNvCxnSpPr>
+            <a:cxnSpLocks/>
+          </p:cNvCxnSpPr>
           <p:nvPr/>
         </p:nvCxnSpPr>
         <p:spPr>
           <a:xfrm>
-            <a:off x="1607291" y="2538529"/>
-            <a:ext cx="587230" cy="359396"/>
-          </a:xfrm>
-          <a:prstGeom prst="straightConnector1">
-            <a:avLst/>
-          </a:prstGeom>
-          <a:ln>
-            <a:tailEnd type="triangle"/>
-          </a:ln>
-        </p:spPr>
-        <p:style>
-          <a:lnRef idx="1">
-            <a:schemeClr val="accent1"/>
-          </a:lnRef>
-          <a:fillRef idx="0">
-            <a:schemeClr val="accent1"/>
-          </a:fillRef>
-          <a:effectRef idx="0">
-            <a:schemeClr val="accent1"/>
-          </a:effectRef>
-          <a:fontRef idx="minor">
-            <a:schemeClr val="tx1"/>
-          </a:fontRef>
-        </p:style>
-      </p:cxnSp>
-      <p:sp>
-        <p:nvSpPr>
-          <p:cNvPr id="53" name="TextBox 52">
-            <a:extLst>
-              <a:ext uri="{FF2B5EF4-FFF2-40B4-BE49-F238E27FC236}">
-                <a16:creationId xmlns:a16="http://schemas.microsoft.com/office/drawing/2014/main" id="{B3038876-56CD-49E4-82B3-475666EBAF08}"/>
-              </a:ext>
-            </a:extLst>
-          </p:cNvPr>
-          <p:cNvSpPr txBox="1"/>
-          <p:nvPr/>
-        </p:nvSpPr>
-        <p:spPr>
-          <a:xfrm>
-            <a:off x="4967433" y="2256618"/>
-            <a:ext cx="360726" cy="369332"/>
-          </a:xfrm>
-          <a:prstGeom prst="rect">
-            <a:avLst/>
-          </a:prstGeom>
-          <a:noFill/>
-        </p:spPr>
-        <p:txBody>
-          <a:bodyPr wrap="square" rtlCol="0">
-            <a:spAutoFit/>
-          </a:bodyPr>
-          <a:lstStyle/>
-          <a:p>
-            <a:r>
-              <a:rPr lang="en-US" dirty="0"/>
-              <a:t>6</a:t>
-            </a:r>
-          </a:p>
-        </p:txBody>
-      </p:sp>
-      <p:sp>
-        <p:nvSpPr>
-          <p:cNvPr id="56" name="Rectangle 55">
-            <a:extLst>
-              <a:ext uri="{FF2B5EF4-FFF2-40B4-BE49-F238E27FC236}">
-                <a16:creationId xmlns:a16="http://schemas.microsoft.com/office/drawing/2014/main" id="{C2687FDC-DBA8-4A86-A7B4-BB27E11B47AD}"/>
-              </a:ext>
-            </a:extLst>
-          </p:cNvPr>
-          <p:cNvSpPr/>
-          <p:nvPr/>
-        </p:nvSpPr>
-        <p:spPr>
-          <a:xfrm>
-            <a:off x="6203739" y="3612210"/>
-            <a:ext cx="830510" cy="251886"/>
-          </a:xfrm>
-          <a:prstGeom prst="rect">
-            <a:avLst/>
-          </a:prstGeom>
-        </p:spPr>
-        <p:style>
-          <a:lnRef idx="2">
-            <a:schemeClr val="accent1">
-              <a:shade val="50000"/>
-            </a:schemeClr>
-          </a:lnRef>
-          <a:fillRef idx="1">
-            <a:schemeClr val="accent1"/>
-          </a:fillRef>
-          <a:effectRef idx="0">
-            <a:schemeClr val="accent1"/>
-          </a:effectRef>
-          <a:fontRef idx="minor">
-            <a:schemeClr val="lt1"/>
-          </a:fontRef>
-        </p:style>
-        <p:txBody>
-          <a:bodyPr rtlCol="0" anchor="ctr"/>
-          <a:lstStyle/>
-          <a:p>
-            <a:pPr algn="ctr"/>
-            <a:endParaRPr lang="en-US"/>
-          </a:p>
-        </p:txBody>
-      </p:sp>
-      <p:sp>
-        <p:nvSpPr>
-          <p:cNvPr id="57" name="Rectangle 56">
-            <a:extLst>
-              <a:ext uri="{FF2B5EF4-FFF2-40B4-BE49-F238E27FC236}">
-                <a16:creationId xmlns:a16="http://schemas.microsoft.com/office/drawing/2014/main" id="{3F38F5B1-7528-4C21-8EC2-463677315D96}"/>
-              </a:ext>
-            </a:extLst>
-          </p:cNvPr>
-          <p:cNvSpPr/>
-          <p:nvPr/>
-        </p:nvSpPr>
-        <p:spPr>
-          <a:xfrm>
-            <a:off x="6190251" y="3611684"/>
-            <a:ext cx="486560" cy="251887"/>
-          </a:xfrm>
-          <a:prstGeom prst="rect">
-            <a:avLst/>
-          </a:prstGeom>
-          <a:solidFill>
-            <a:schemeClr val="bg1"/>
-          </a:solidFill>
-        </p:spPr>
-        <p:style>
-          <a:lnRef idx="2">
-            <a:schemeClr val="accent1">
-              <a:shade val="50000"/>
-            </a:schemeClr>
-          </a:lnRef>
-          <a:fillRef idx="1">
-            <a:schemeClr val="accent1"/>
-          </a:fillRef>
-          <a:effectRef idx="0">
-            <a:schemeClr val="accent1"/>
-          </a:effectRef>
-          <a:fontRef idx="minor">
-            <a:schemeClr val="lt1"/>
-          </a:fontRef>
-        </p:style>
-        <p:txBody>
-          <a:bodyPr rtlCol="0" anchor="ctr"/>
-          <a:lstStyle/>
-          <a:p>
-            <a:pPr algn="ctr"/>
-            <a:endParaRPr lang="en-US" dirty="0"/>
-          </a:p>
-        </p:txBody>
-      </p:sp>
-      <p:sp>
-        <p:nvSpPr>
-          <p:cNvPr id="58" name="TextBox 57">
-            <a:extLst>
-              <a:ext uri="{FF2B5EF4-FFF2-40B4-BE49-F238E27FC236}">
-                <a16:creationId xmlns:a16="http://schemas.microsoft.com/office/drawing/2014/main" id="{D96BF140-720B-4AC7-83CF-9FBF4502AD72}"/>
-              </a:ext>
-            </a:extLst>
-          </p:cNvPr>
-          <p:cNvSpPr txBox="1"/>
-          <p:nvPr/>
-        </p:nvSpPr>
-        <p:spPr>
-          <a:xfrm>
-            <a:off x="5347156" y="3078367"/>
-            <a:ext cx="1073790" cy="369332"/>
-          </a:xfrm>
-          <a:prstGeom prst="rect">
-            <a:avLst/>
-          </a:prstGeom>
-          <a:noFill/>
-        </p:spPr>
-        <p:txBody>
-          <a:bodyPr wrap="square" rtlCol="0">
-            <a:spAutoFit/>
-          </a:bodyPr>
-          <a:lstStyle/>
-          <a:p>
-            <a:r>
-              <a:rPr lang="en-US" dirty="0"/>
-              <a:t>carry = 1</a:t>
-            </a:r>
-          </a:p>
-        </p:txBody>
-      </p:sp>
-      <p:sp>
-        <p:nvSpPr>
-          <p:cNvPr id="59" name="TextBox 58">
-            <a:extLst>
-              <a:ext uri="{FF2B5EF4-FFF2-40B4-BE49-F238E27FC236}">
-                <a16:creationId xmlns:a16="http://schemas.microsoft.com/office/drawing/2014/main" id="{8172514F-BA22-4EF0-95F1-6F91CE6F9C63}"/>
-              </a:ext>
-            </a:extLst>
-          </p:cNvPr>
-          <p:cNvSpPr txBox="1"/>
-          <p:nvPr/>
-        </p:nvSpPr>
-        <p:spPr>
-          <a:xfrm>
-            <a:off x="5330376" y="3301708"/>
-            <a:ext cx="1820411" cy="369332"/>
-          </a:xfrm>
-          <a:prstGeom prst="rect">
-            <a:avLst/>
-          </a:prstGeom>
-          <a:noFill/>
-        </p:spPr>
-        <p:txBody>
-          <a:bodyPr wrap="square" rtlCol="0">
-            <a:spAutoFit/>
-          </a:bodyPr>
-          <a:lstStyle/>
-          <a:p>
-            <a:r>
-              <a:rPr lang="en-US" dirty="0"/>
-              <a:t>value = 1+6+8</a:t>
-            </a:r>
-          </a:p>
-        </p:txBody>
-      </p:sp>
-      <p:sp>
-        <p:nvSpPr>
-          <p:cNvPr id="60" name="TextBox 59">
-            <a:extLst>
-              <a:ext uri="{FF2B5EF4-FFF2-40B4-BE49-F238E27FC236}">
-                <a16:creationId xmlns:a16="http://schemas.microsoft.com/office/drawing/2014/main" id="{06C53FFB-6369-4CD6-8157-A2673662B0CA}"/>
-              </a:ext>
-            </a:extLst>
-          </p:cNvPr>
-          <p:cNvSpPr txBox="1"/>
-          <p:nvPr/>
-        </p:nvSpPr>
-        <p:spPr>
-          <a:xfrm>
-            <a:off x="5347156" y="3804914"/>
-            <a:ext cx="1073790" cy="369332"/>
-          </a:xfrm>
-          <a:prstGeom prst="rect">
-            <a:avLst/>
-          </a:prstGeom>
-          <a:noFill/>
-        </p:spPr>
-        <p:txBody>
-          <a:bodyPr wrap="square" rtlCol="0">
-            <a:spAutoFit/>
-          </a:bodyPr>
-          <a:lstStyle/>
-          <a:p>
-            <a:r>
-              <a:rPr lang="en-US" dirty="0"/>
-              <a:t>more = </a:t>
-            </a:r>
-          </a:p>
-        </p:txBody>
-      </p:sp>
-      <p:sp>
-        <p:nvSpPr>
-          <p:cNvPr id="61" name="TextBox 60">
-            <a:extLst>
-              <a:ext uri="{FF2B5EF4-FFF2-40B4-BE49-F238E27FC236}">
-                <a16:creationId xmlns:a16="http://schemas.microsoft.com/office/drawing/2014/main" id="{F368AFDF-1197-4F45-BA23-EB7CA757620C}"/>
-              </a:ext>
-            </a:extLst>
-          </p:cNvPr>
-          <p:cNvSpPr txBox="1"/>
-          <p:nvPr/>
-        </p:nvSpPr>
-        <p:spPr>
-          <a:xfrm>
-            <a:off x="5330376" y="3563333"/>
-            <a:ext cx="1073790" cy="369332"/>
-          </a:xfrm>
-          <a:prstGeom prst="rect">
-            <a:avLst/>
-          </a:prstGeom>
-          <a:noFill/>
-        </p:spPr>
-        <p:txBody>
-          <a:bodyPr wrap="square" rtlCol="0">
-            <a:spAutoFit/>
-          </a:bodyPr>
-          <a:lstStyle/>
-          <a:p>
-            <a:r>
-              <a:rPr lang="en-US" dirty="0"/>
-              <a:t>result = </a:t>
-            </a:r>
-          </a:p>
-        </p:txBody>
-      </p:sp>
-      <p:sp>
-        <p:nvSpPr>
-          <p:cNvPr id="63" name="TextBox 62">
-            <a:extLst>
-              <a:ext uri="{FF2B5EF4-FFF2-40B4-BE49-F238E27FC236}">
-                <a16:creationId xmlns:a16="http://schemas.microsoft.com/office/drawing/2014/main" id="{B49C7F24-B00B-4048-89C9-E9D3405CE122}"/>
-              </a:ext>
-            </a:extLst>
-          </p:cNvPr>
-          <p:cNvSpPr txBox="1"/>
-          <p:nvPr/>
-        </p:nvSpPr>
-        <p:spPr>
-          <a:xfrm>
-            <a:off x="6258268" y="3552961"/>
-            <a:ext cx="360726" cy="369332"/>
-          </a:xfrm>
-          <a:prstGeom prst="rect">
-            <a:avLst/>
-          </a:prstGeom>
-          <a:noFill/>
-        </p:spPr>
-        <p:txBody>
-          <a:bodyPr wrap="square" rtlCol="0">
-            <a:spAutoFit/>
-          </a:bodyPr>
-          <a:lstStyle/>
-          <a:p>
-            <a:r>
-              <a:rPr lang="en-US" dirty="0"/>
-              <a:t>5</a:t>
-            </a:r>
-          </a:p>
-        </p:txBody>
-      </p:sp>
-      <p:cxnSp>
-        <p:nvCxnSpPr>
-          <p:cNvPr id="64" name="Straight Arrow Connector 63">
-            <a:extLst>
-              <a:ext uri="{FF2B5EF4-FFF2-40B4-BE49-F238E27FC236}">
-                <a16:creationId xmlns:a16="http://schemas.microsoft.com/office/drawing/2014/main" id="{7BAAC896-22AE-437E-9C86-1C4B313202A1}"/>
-              </a:ext>
-            </a:extLst>
-          </p:cNvPr>
-          <p:cNvCxnSpPr/>
-          <p:nvPr/>
-        </p:nvCxnSpPr>
-        <p:spPr>
-          <a:xfrm>
-            <a:off x="6382205" y="4048299"/>
-            <a:ext cx="587230" cy="359396"/>
-          </a:xfrm>
-          <a:prstGeom prst="straightConnector1">
-            <a:avLst/>
-          </a:prstGeom>
-          <a:ln>
-            <a:tailEnd type="triangle"/>
-          </a:ln>
-        </p:spPr>
-        <p:style>
-          <a:lnRef idx="1">
-            <a:schemeClr val="accent1"/>
-          </a:lnRef>
-          <a:fillRef idx="0">
-            <a:schemeClr val="accent1"/>
-          </a:fillRef>
-          <a:effectRef idx="0">
-            <a:schemeClr val="accent1"/>
-          </a:effectRef>
-          <a:fontRef idx="minor">
-            <a:schemeClr val="tx1"/>
-          </a:fontRef>
-        </p:style>
-      </p:cxnSp>
-      <p:sp>
-        <p:nvSpPr>
-          <p:cNvPr id="65" name="Rectangle 64">
-            <a:extLst>
-              <a:ext uri="{FF2B5EF4-FFF2-40B4-BE49-F238E27FC236}">
-                <a16:creationId xmlns:a16="http://schemas.microsoft.com/office/drawing/2014/main" id="{440E7B86-5B61-440A-A420-D0ECBD584C57}"/>
-              </a:ext>
-            </a:extLst>
-          </p:cNvPr>
-          <p:cNvSpPr/>
-          <p:nvPr/>
-        </p:nvSpPr>
-        <p:spPr>
-          <a:xfrm>
-            <a:off x="7929647" y="4541550"/>
-            <a:ext cx="830510" cy="251886"/>
-          </a:xfrm>
-          <a:prstGeom prst="rect">
-            <a:avLst/>
-          </a:prstGeom>
-        </p:spPr>
-        <p:style>
-          <a:lnRef idx="2">
-            <a:schemeClr val="accent1">
-              <a:shade val="50000"/>
-            </a:schemeClr>
-          </a:lnRef>
-          <a:fillRef idx="1">
-            <a:schemeClr val="accent1"/>
-          </a:fillRef>
-          <a:effectRef idx="0">
-            <a:schemeClr val="accent1"/>
-          </a:effectRef>
-          <a:fontRef idx="minor">
-            <a:schemeClr val="lt1"/>
-          </a:fontRef>
-        </p:style>
-        <p:txBody>
-          <a:bodyPr rtlCol="0" anchor="ctr"/>
-          <a:lstStyle/>
-          <a:p>
-            <a:pPr algn="ctr"/>
-            <a:endParaRPr lang="en-US"/>
-          </a:p>
-        </p:txBody>
-      </p:sp>
-      <p:sp>
-        <p:nvSpPr>
-          <p:cNvPr id="66" name="Rectangle 65">
-            <a:extLst>
-              <a:ext uri="{FF2B5EF4-FFF2-40B4-BE49-F238E27FC236}">
-                <a16:creationId xmlns:a16="http://schemas.microsoft.com/office/drawing/2014/main" id="{7113B4DF-7B5D-469E-8C72-FAD5D641AA33}"/>
-              </a:ext>
-            </a:extLst>
-          </p:cNvPr>
-          <p:cNvSpPr/>
-          <p:nvPr/>
-        </p:nvSpPr>
-        <p:spPr>
-          <a:xfrm>
-            <a:off x="7916159" y="4541024"/>
-            <a:ext cx="486560" cy="251887"/>
-          </a:xfrm>
-          <a:prstGeom prst="rect">
-            <a:avLst/>
-          </a:prstGeom>
-          <a:solidFill>
-            <a:schemeClr val="bg1"/>
-          </a:solidFill>
-        </p:spPr>
-        <p:style>
-          <a:lnRef idx="2">
-            <a:schemeClr val="accent1">
-              <a:shade val="50000"/>
-            </a:schemeClr>
-          </a:lnRef>
-          <a:fillRef idx="1">
-            <a:schemeClr val="accent1"/>
-          </a:fillRef>
-          <a:effectRef idx="0">
-            <a:schemeClr val="accent1"/>
-          </a:effectRef>
-          <a:fontRef idx="minor">
-            <a:schemeClr val="lt1"/>
-          </a:fontRef>
-        </p:style>
-        <p:txBody>
-          <a:bodyPr rtlCol="0" anchor="ctr"/>
-          <a:lstStyle/>
-          <a:p>
-            <a:pPr algn="ctr"/>
-            <a:endParaRPr lang="en-US" dirty="0"/>
-          </a:p>
-        </p:txBody>
-      </p:sp>
-      <p:sp>
-        <p:nvSpPr>
-          <p:cNvPr id="67" name="TextBox 66">
-            <a:extLst>
-              <a:ext uri="{FF2B5EF4-FFF2-40B4-BE49-F238E27FC236}">
-                <a16:creationId xmlns:a16="http://schemas.microsoft.com/office/drawing/2014/main" id="{03F7A44C-FE05-45D3-B21A-5FFB373FADEC}"/>
-              </a:ext>
-            </a:extLst>
-          </p:cNvPr>
-          <p:cNvSpPr txBox="1"/>
-          <p:nvPr/>
-        </p:nvSpPr>
-        <p:spPr>
-          <a:xfrm>
-            <a:off x="7073064" y="4007707"/>
-            <a:ext cx="1073790" cy="369332"/>
-          </a:xfrm>
-          <a:prstGeom prst="rect">
-            <a:avLst/>
-          </a:prstGeom>
-          <a:noFill/>
-        </p:spPr>
-        <p:txBody>
-          <a:bodyPr wrap="square" rtlCol="0">
-            <a:spAutoFit/>
-          </a:bodyPr>
-          <a:lstStyle/>
-          <a:p>
-            <a:r>
-              <a:rPr lang="en-US" dirty="0"/>
-              <a:t>carry = 1</a:t>
-            </a:r>
-          </a:p>
-        </p:txBody>
-      </p:sp>
-      <p:sp>
-        <p:nvSpPr>
-          <p:cNvPr id="68" name="TextBox 67">
-            <a:extLst>
-              <a:ext uri="{FF2B5EF4-FFF2-40B4-BE49-F238E27FC236}">
-                <a16:creationId xmlns:a16="http://schemas.microsoft.com/office/drawing/2014/main" id="{3EC09A72-7F6B-4B2D-BDDA-12A22BCAC1D8}"/>
-              </a:ext>
-            </a:extLst>
-          </p:cNvPr>
-          <p:cNvSpPr txBox="1"/>
-          <p:nvPr/>
-        </p:nvSpPr>
-        <p:spPr>
-          <a:xfrm>
-            <a:off x="7056284" y="4231048"/>
-            <a:ext cx="1820411" cy="369332"/>
-          </a:xfrm>
-          <a:prstGeom prst="rect">
-            <a:avLst/>
-          </a:prstGeom>
-          <a:noFill/>
-        </p:spPr>
-        <p:txBody>
-          <a:bodyPr wrap="square" rtlCol="0">
-            <a:spAutoFit/>
-          </a:bodyPr>
-          <a:lstStyle/>
-          <a:p>
-            <a:r>
-              <a:rPr lang="en-US" dirty="0"/>
-              <a:t>value = 1+3+6</a:t>
-            </a:r>
-          </a:p>
-        </p:txBody>
-      </p:sp>
-      <p:sp>
-        <p:nvSpPr>
-          <p:cNvPr id="69" name="TextBox 68">
-            <a:extLst>
-              <a:ext uri="{FF2B5EF4-FFF2-40B4-BE49-F238E27FC236}">
-                <a16:creationId xmlns:a16="http://schemas.microsoft.com/office/drawing/2014/main" id="{90502E44-0F5F-458D-A36F-0326A138ADAF}"/>
-              </a:ext>
-            </a:extLst>
-          </p:cNvPr>
-          <p:cNvSpPr txBox="1"/>
-          <p:nvPr/>
-        </p:nvSpPr>
-        <p:spPr>
-          <a:xfrm>
-            <a:off x="7073064" y="4734254"/>
-            <a:ext cx="1073790" cy="369332"/>
-          </a:xfrm>
-          <a:prstGeom prst="rect">
-            <a:avLst/>
-          </a:prstGeom>
-          <a:noFill/>
-        </p:spPr>
-        <p:txBody>
-          <a:bodyPr wrap="square" rtlCol="0">
-            <a:spAutoFit/>
-          </a:bodyPr>
-          <a:lstStyle/>
-          <a:p>
-            <a:r>
-              <a:rPr lang="en-US" dirty="0"/>
-              <a:t>more = </a:t>
-            </a:r>
-          </a:p>
-        </p:txBody>
-      </p:sp>
-      <p:sp>
-        <p:nvSpPr>
-          <p:cNvPr id="70" name="TextBox 69">
-            <a:extLst>
-              <a:ext uri="{FF2B5EF4-FFF2-40B4-BE49-F238E27FC236}">
-                <a16:creationId xmlns:a16="http://schemas.microsoft.com/office/drawing/2014/main" id="{7599CF48-9B59-4EC0-A798-333D092E1760}"/>
-              </a:ext>
-            </a:extLst>
-          </p:cNvPr>
-          <p:cNvSpPr txBox="1"/>
-          <p:nvPr/>
-        </p:nvSpPr>
-        <p:spPr>
-          <a:xfrm>
-            <a:off x="7056284" y="4492673"/>
-            <a:ext cx="1073790" cy="369332"/>
-          </a:xfrm>
-          <a:prstGeom prst="rect">
-            <a:avLst/>
-          </a:prstGeom>
-          <a:noFill/>
-        </p:spPr>
-        <p:txBody>
-          <a:bodyPr wrap="square" rtlCol="0">
-            <a:spAutoFit/>
-          </a:bodyPr>
-          <a:lstStyle/>
-          <a:p>
-            <a:r>
-              <a:rPr lang="en-US" dirty="0"/>
-              <a:t>result = </a:t>
-            </a:r>
-          </a:p>
-        </p:txBody>
-      </p:sp>
-      <p:sp>
-        <p:nvSpPr>
-          <p:cNvPr id="71" name="TextBox 70">
-            <a:extLst>
-              <a:ext uri="{FF2B5EF4-FFF2-40B4-BE49-F238E27FC236}">
-                <a16:creationId xmlns:a16="http://schemas.microsoft.com/office/drawing/2014/main" id="{78730E64-BC9D-4AFD-92A1-B0EA2FC82CE0}"/>
-              </a:ext>
-            </a:extLst>
-          </p:cNvPr>
-          <p:cNvSpPr txBox="1"/>
-          <p:nvPr/>
-        </p:nvSpPr>
-        <p:spPr>
-          <a:xfrm>
-            <a:off x="7984176" y="4482301"/>
-            <a:ext cx="360726" cy="369332"/>
-          </a:xfrm>
-          <a:prstGeom prst="rect">
-            <a:avLst/>
-          </a:prstGeom>
-          <a:noFill/>
-        </p:spPr>
-        <p:txBody>
-          <a:bodyPr wrap="square" rtlCol="0">
-            <a:spAutoFit/>
-          </a:bodyPr>
-          <a:lstStyle/>
-          <a:p>
-            <a:r>
-              <a:rPr lang="en-US" dirty="0"/>
-              <a:t>0</a:t>
-            </a:r>
-          </a:p>
-        </p:txBody>
-      </p:sp>
-      <p:cxnSp>
-        <p:nvCxnSpPr>
-          <p:cNvPr id="72" name="Straight Arrow Connector 71">
-            <a:extLst>
-              <a:ext uri="{FF2B5EF4-FFF2-40B4-BE49-F238E27FC236}">
-                <a16:creationId xmlns:a16="http://schemas.microsoft.com/office/drawing/2014/main" id="{C59AE4BD-329D-498E-8E89-05DFF051F54A}"/>
-              </a:ext>
-            </a:extLst>
-          </p:cNvPr>
-          <p:cNvCxnSpPr/>
-          <p:nvPr/>
-        </p:nvCxnSpPr>
-        <p:spPr>
-          <a:xfrm>
-            <a:off x="8159439" y="4980690"/>
-            <a:ext cx="587230" cy="359396"/>
-          </a:xfrm>
-          <a:prstGeom prst="straightConnector1">
-            <a:avLst/>
-          </a:prstGeom>
-          <a:ln>
-            <a:tailEnd type="triangle"/>
-          </a:ln>
-        </p:spPr>
-        <p:style>
-          <a:lnRef idx="1">
-            <a:schemeClr val="accent1"/>
-          </a:lnRef>
-          <a:fillRef idx="0">
-            <a:schemeClr val="accent1"/>
-          </a:fillRef>
-          <a:effectRef idx="0">
-            <a:schemeClr val="accent1"/>
-          </a:effectRef>
-          <a:fontRef idx="minor">
-            <a:schemeClr val="tx1"/>
-          </a:fontRef>
-        </p:style>
-      </p:cxnSp>
-      <p:sp>
-        <p:nvSpPr>
-          <p:cNvPr id="73" name="TextBox 72">
-            <a:extLst>
-              <a:ext uri="{FF2B5EF4-FFF2-40B4-BE49-F238E27FC236}">
-                <a16:creationId xmlns:a16="http://schemas.microsoft.com/office/drawing/2014/main" id="{B7E15487-F738-4215-B859-7323B2EC0893}"/>
-              </a:ext>
-            </a:extLst>
-          </p:cNvPr>
-          <p:cNvSpPr txBox="1"/>
-          <p:nvPr/>
-        </p:nvSpPr>
-        <p:spPr>
-          <a:xfrm>
-            <a:off x="8876695" y="4870509"/>
-            <a:ext cx="1073790" cy="369332"/>
-          </a:xfrm>
-          <a:prstGeom prst="rect">
-            <a:avLst/>
-          </a:prstGeom>
-          <a:noFill/>
-        </p:spPr>
-        <p:txBody>
-          <a:bodyPr wrap="square" rtlCol="0">
-            <a:spAutoFit/>
-          </a:bodyPr>
-          <a:lstStyle/>
-          <a:p>
-            <a:r>
-              <a:rPr lang="en-US" dirty="0"/>
-              <a:t>carry = 1</a:t>
-            </a:r>
-          </a:p>
-        </p:txBody>
-      </p:sp>
-      <p:sp>
-        <p:nvSpPr>
-          <p:cNvPr id="75" name="TextBox 74">
-            <a:extLst>
-              <a:ext uri="{FF2B5EF4-FFF2-40B4-BE49-F238E27FC236}">
-                <a16:creationId xmlns:a16="http://schemas.microsoft.com/office/drawing/2014/main" id="{12E62825-BF33-4627-99D0-3F916B879075}"/>
-              </a:ext>
-            </a:extLst>
-          </p:cNvPr>
-          <p:cNvSpPr txBox="1"/>
-          <p:nvPr/>
-        </p:nvSpPr>
-        <p:spPr>
-          <a:xfrm>
-            <a:off x="8909672" y="5298098"/>
-            <a:ext cx="1073790" cy="369332"/>
-          </a:xfrm>
-          <a:prstGeom prst="rect">
-            <a:avLst/>
-          </a:prstGeom>
-          <a:noFill/>
-        </p:spPr>
-        <p:txBody>
-          <a:bodyPr wrap="square" rtlCol="0">
-            <a:spAutoFit/>
-          </a:bodyPr>
-          <a:lstStyle/>
-          <a:p>
-            <a:r>
-              <a:rPr lang="en-US" dirty="0"/>
-              <a:t>result = </a:t>
-            </a:r>
-          </a:p>
-        </p:txBody>
-      </p:sp>
-      <p:sp>
-        <p:nvSpPr>
-          <p:cNvPr id="77" name="Rectangle 76">
-            <a:extLst>
-              <a:ext uri="{FF2B5EF4-FFF2-40B4-BE49-F238E27FC236}">
-                <a16:creationId xmlns:a16="http://schemas.microsoft.com/office/drawing/2014/main" id="{8D9577C5-B262-4B8A-B1D7-484BB26EC2BE}"/>
-              </a:ext>
-            </a:extLst>
-          </p:cNvPr>
-          <p:cNvSpPr/>
-          <p:nvPr/>
-        </p:nvSpPr>
-        <p:spPr>
-          <a:xfrm>
-            <a:off x="9783894" y="5346975"/>
-            <a:ext cx="486560" cy="251887"/>
-          </a:xfrm>
-          <a:prstGeom prst="rect">
-            <a:avLst/>
-          </a:prstGeom>
-          <a:solidFill>
-            <a:schemeClr val="bg1"/>
-          </a:solidFill>
-        </p:spPr>
-        <p:style>
-          <a:lnRef idx="2">
-            <a:schemeClr val="accent1">
-              <a:shade val="50000"/>
-            </a:schemeClr>
-          </a:lnRef>
-          <a:fillRef idx="1">
-            <a:schemeClr val="accent1"/>
-          </a:fillRef>
-          <a:effectRef idx="0">
-            <a:schemeClr val="accent1"/>
-          </a:effectRef>
-          <a:fontRef idx="minor">
-            <a:schemeClr val="lt1"/>
-          </a:fontRef>
-        </p:style>
-        <p:txBody>
-          <a:bodyPr rtlCol="0" anchor="ctr"/>
-          <a:lstStyle/>
-          <a:p>
-            <a:pPr algn="ctr"/>
-            <a:endParaRPr lang="en-US" dirty="0"/>
-          </a:p>
-        </p:txBody>
-      </p:sp>
-      <p:sp>
-        <p:nvSpPr>
-          <p:cNvPr id="76" name="TextBox 75">
-            <a:extLst>
-              <a:ext uri="{FF2B5EF4-FFF2-40B4-BE49-F238E27FC236}">
-                <a16:creationId xmlns:a16="http://schemas.microsoft.com/office/drawing/2014/main" id="{1A9E093A-37D4-41ED-9773-3A6C71BBEF26}"/>
-              </a:ext>
-            </a:extLst>
-          </p:cNvPr>
-          <p:cNvSpPr txBox="1"/>
-          <p:nvPr/>
-        </p:nvSpPr>
-        <p:spPr>
-          <a:xfrm>
-            <a:off x="9861820" y="5298098"/>
-            <a:ext cx="360726" cy="369332"/>
-          </a:xfrm>
-          <a:prstGeom prst="rect">
-            <a:avLst/>
-          </a:prstGeom>
-          <a:noFill/>
-        </p:spPr>
-        <p:txBody>
-          <a:bodyPr wrap="square" rtlCol="0">
-            <a:spAutoFit/>
-          </a:bodyPr>
-          <a:lstStyle/>
-          <a:p>
-            <a:r>
-              <a:rPr lang="en-US" dirty="0"/>
-              <a:t>1</a:t>
-            </a:r>
-          </a:p>
-        </p:txBody>
-      </p:sp>
-      <p:sp>
-        <p:nvSpPr>
-          <p:cNvPr id="78" name="Rectangle 77">
-            <a:extLst>
-              <a:ext uri="{FF2B5EF4-FFF2-40B4-BE49-F238E27FC236}">
-                <a16:creationId xmlns:a16="http://schemas.microsoft.com/office/drawing/2014/main" id="{09B64BDF-F168-4C58-A5D2-8592D911D263}"/>
-              </a:ext>
-            </a:extLst>
-          </p:cNvPr>
-          <p:cNvSpPr/>
-          <p:nvPr/>
-        </p:nvSpPr>
-        <p:spPr>
-          <a:xfrm>
-            <a:off x="8925892" y="5517048"/>
-            <a:ext cx="851708" cy="369332"/>
-          </a:xfrm>
-          <a:prstGeom prst="rect">
-            <a:avLst/>
-          </a:prstGeom>
-        </p:spPr>
-        <p:txBody>
-          <a:bodyPr wrap="none">
-            <a:spAutoFit/>
-          </a:bodyPr>
-          <a:lstStyle/>
-          <a:p>
-            <a:r>
-              <a:rPr lang="en-US" dirty="0"/>
-              <a:t>more =</a:t>
-            </a:r>
-          </a:p>
-        </p:txBody>
-      </p:sp>
-      <p:sp>
-        <p:nvSpPr>
-          <p:cNvPr id="79" name="TextBox 78">
-            <a:extLst>
-              <a:ext uri="{FF2B5EF4-FFF2-40B4-BE49-F238E27FC236}">
-                <a16:creationId xmlns:a16="http://schemas.microsoft.com/office/drawing/2014/main" id="{2D119663-2402-4559-B26C-C9DBEC164E50}"/>
-              </a:ext>
-            </a:extLst>
-          </p:cNvPr>
-          <p:cNvSpPr txBox="1"/>
-          <p:nvPr/>
-        </p:nvSpPr>
-        <p:spPr>
-          <a:xfrm>
-            <a:off x="8876695" y="5103586"/>
-            <a:ext cx="1073790" cy="369332"/>
-          </a:xfrm>
-          <a:prstGeom prst="rect">
-            <a:avLst/>
-          </a:prstGeom>
-          <a:noFill/>
-        </p:spPr>
-        <p:txBody>
-          <a:bodyPr wrap="square" rtlCol="0">
-            <a:spAutoFit/>
-          </a:bodyPr>
-          <a:lstStyle/>
-          <a:p>
-            <a:r>
-              <a:rPr lang="en-US" dirty="0"/>
-              <a:t>value = 1</a:t>
-            </a:r>
-          </a:p>
-        </p:txBody>
-      </p:sp>
-      <p:cxnSp>
-        <p:nvCxnSpPr>
-          <p:cNvPr id="80" name="Straight Arrow Connector 79">
-            <a:extLst>
-              <a:ext uri="{FF2B5EF4-FFF2-40B4-BE49-F238E27FC236}">
-                <a16:creationId xmlns:a16="http://schemas.microsoft.com/office/drawing/2014/main" id="{D379949F-13AF-4718-A158-950E7FDB1371}"/>
-              </a:ext>
-            </a:extLst>
-          </p:cNvPr>
-          <p:cNvCxnSpPr/>
-          <p:nvPr/>
-        </p:nvCxnSpPr>
-        <p:spPr>
-          <a:xfrm>
-            <a:off x="9793820" y="5725687"/>
-            <a:ext cx="587230" cy="359396"/>
+            <a:off x="1533217" y="2714814"/>
+            <a:ext cx="1696179" cy="714186"/>
           </a:xfrm>
           <a:prstGeom prst="straightConnector1">
             <a:avLst/>
@@ -11817,10 +10763,10 @@
       </p:cxnSp>
       <p:cxnSp>
         <p:nvCxnSpPr>
-          <p:cNvPr id="81" name="Straight Arrow Connector 80">
-            <a:extLst>
-              <a:ext uri="{FF2B5EF4-FFF2-40B4-BE49-F238E27FC236}">
-                <a16:creationId xmlns:a16="http://schemas.microsoft.com/office/drawing/2014/main" id="{4F941847-3F63-44FE-855D-2D73A06C05AB}"/>
+          <p:cNvPr id="119" name="Straight Arrow Connector 118">
+            <a:extLst>
+              <a:ext uri="{FF2B5EF4-FFF2-40B4-BE49-F238E27FC236}">
+                <a16:creationId xmlns:a16="http://schemas.microsoft.com/office/drawing/2014/main" id="{3D719E83-0ECF-4EA6-9E5E-75D1C5FE9DED}"/>
               </a:ext>
             </a:extLst>
           </p:cNvPr>
@@ -11830,14 +10776,14 @@
           <p:nvPr/>
         </p:nvCxnSpPr>
         <p:spPr>
-          <a:xfrm flipH="1" flipV="1">
-            <a:off x="10502066" y="5667143"/>
-            <a:ext cx="642313" cy="438473"/>
+          <a:xfrm flipV="1">
+            <a:off x="7439820" y="6090711"/>
+            <a:ext cx="385892" cy="1"/>
           </a:xfrm>
           <a:prstGeom prst="straightConnector1">
             <a:avLst/>
           </a:prstGeom>
-          <a:ln>
+          <a:ln w="38100">
             <a:solidFill>
               <a:srgbClr val="FF0000"/>
             </a:solidFill>
@@ -11861,10 +10807,10 @@
       </p:cxnSp>
       <p:sp>
         <p:nvSpPr>
-          <p:cNvPr id="84" name="Rectangle 83">
-            <a:extLst>
-              <a:ext uri="{FF2B5EF4-FFF2-40B4-BE49-F238E27FC236}">
-                <a16:creationId xmlns:a16="http://schemas.microsoft.com/office/drawing/2014/main" id="{8DDA9CBB-BA79-483C-B7CB-8A3A5CDD9039}"/>
+          <p:cNvPr id="120" name="Rectangle 119">
+            <a:extLst>
+              <a:ext uri="{FF2B5EF4-FFF2-40B4-BE49-F238E27FC236}">
+                <a16:creationId xmlns:a16="http://schemas.microsoft.com/office/drawing/2014/main" id="{C7D002F5-3B81-4C14-9F14-7F10D1645032}"/>
               </a:ext>
             </a:extLst>
           </p:cNvPr>
@@ -11873,7 +10819,7 @@
         </p:nvSpPr>
         <p:spPr>
           <a:xfrm>
-            <a:off x="11017137" y="6085083"/>
+            <a:off x="7803910" y="5879466"/>
             <a:ext cx="534121" cy="369332"/>
           </a:xfrm>
           <a:prstGeom prst="rect">
@@ -11887,40 +10833,249 @@
           <a:lstStyle/>
           <a:p>
             <a:r>
-              <a:rPr lang="en-US" dirty="0">
+              <a:rPr lang="en-US" dirty="0"/>
+              <a:t>null</a:t>
+            </a:r>
+          </a:p>
+        </p:txBody>
+      </p:sp>
+      <p:sp>
+        <p:nvSpPr>
+          <p:cNvPr id="2" name="TextBox 1">
+            <a:extLst>
+              <a:ext uri="{FF2B5EF4-FFF2-40B4-BE49-F238E27FC236}">
+                <a16:creationId xmlns:a16="http://schemas.microsoft.com/office/drawing/2014/main" id="{59E7DBF5-ACAB-4069-ACB8-30E7E70725C3}"/>
+              </a:ext>
+            </a:extLst>
+          </p:cNvPr>
+          <p:cNvSpPr txBox="1"/>
+          <p:nvPr/>
+        </p:nvSpPr>
+        <p:spPr>
+          <a:xfrm>
+            <a:off x="154649" y="22973"/>
+            <a:ext cx="2140673" cy="369332"/>
+          </a:xfrm>
+          <a:prstGeom prst="rect">
+            <a:avLst/>
+          </a:prstGeom>
+          <a:noFill/>
+        </p:spPr>
+        <p:txBody>
+          <a:bodyPr wrap="square" rtlCol="0">
+            <a:spAutoFit/>
+          </a:bodyPr>
+          <a:lstStyle/>
+          <a:p>
+            <a:r>
+              <a:rPr lang="en-US" u="sng" dirty="0">
                 <a:solidFill>
-                  <a:srgbClr val="FF0000"/>
+                  <a:schemeClr val="accent1"/>
                 </a:solidFill>
               </a:rPr>
-              <a:t>null</a:t>
+              <a:t>addLists_1.java</a:t>
+            </a:r>
+          </a:p>
+        </p:txBody>
+      </p:sp>
+      <p:sp>
+        <p:nvSpPr>
+          <p:cNvPr id="127" name="TextBox 126">
+            <a:extLst>
+              <a:ext uri="{FF2B5EF4-FFF2-40B4-BE49-F238E27FC236}">
+                <a16:creationId xmlns:a16="http://schemas.microsoft.com/office/drawing/2014/main" id="{D48BBE7A-46EF-4495-8039-1A7CEEEA91BA}"/>
+              </a:ext>
+            </a:extLst>
+          </p:cNvPr>
+          <p:cNvSpPr txBox="1"/>
+          <p:nvPr/>
+        </p:nvSpPr>
+        <p:spPr>
+          <a:xfrm>
+            <a:off x="641760" y="1805108"/>
+            <a:ext cx="1073790" cy="369332"/>
+          </a:xfrm>
+          <a:prstGeom prst="rect">
+            <a:avLst/>
+          </a:prstGeom>
+          <a:noFill/>
+        </p:spPr>
+        <p:txBody>
+          <a:bodyPr wrap="square" rtlCol="0">
+            <a:spAutoFit/>
+          </a:bodyPr>
+          <a:lstStyle/>
+          <a:p>
+            <a:r>
+              <a:rPr lang="en-US" dirty="0"/>
+              <a:t>l1 = 3 </a:t>
+            </a:r>
+          </a:p>
+        </p:txBody>
+      </p:sp>
+      <p:sp>
+        <p:nvSpPr>
+          <p:cNvPr id="128" name="TextBox 127">
+            <a:extLst>
+              <a:ext uri="{FF2B5EF4-FFF2-40B4-BE49-F238E27FC236}">
+                <a16:creationId xmlns:a16="http://schemas.microsoft.com/office/drawing/2014/main" id="{05CF8DC5-A04E-46CD-AD9F-9DF33E87A97D}"/>
+              </a:ext>
+            </a:extLst>
+          </p:cNvPr>
+          <p:cNvSpPr txBox="1"/>
+          <p:nvPr/>
+        </p:nvSpPr>
+        <p:spPr>
+          <a:xfrm>
+            <a:off x="651350" y="2082605"/>
+            <a:ext cx="1073790" cy="369332"/>
+          </a:xfrm>
+          <a:prstGeom prst="rect">
+            <a:avLst/>
+          </a:prstGeom>
+          <a:noFill/>
+        </p:spPr>
+        <p:txBody>
+          <a:bodyPr wrap="square" rtlCol="0">
+            <a:spAutoFit/>
+          </a:bodyPr>
+          <a:lstStyle/>
+          <a:p>
+            <a:r>
+              <a:rPr lang="en-US" dirty="0"/>
+              <a:t>l2 = 6</a:t>
+            </a:r>
+          </a:p>
+        </p:txBody>
+      </p:sp>
+      <p:sp>
+        <p:nvSpPr>
+          <p:cNvPr id="129" name="TextBox 128">
+            <a:extLst>
+              <a:ext uri="{FF2B5EF4-FFF2-40B4-BE49-F238E27FC236}">
+                <a16:creationId xmlns:a16="http://schemas.microsoft.com/office/drawing/2014/main" id="{BCED4C02-66D7-42E9-95D7-C64543831050}"/>
+              </a:ext>
+            </a:extLst>
+          </p:cNvPr>
+          <p:cNvSpPr txBox="1"/>
+          <p:nvPr/>
+        </p:nvSpPr>
+        <p:spPr>
+          <a:xfrm>
+            <a:off x="3346565" y="3508940"/>
+            <a:ext cx="1073790" cy="369332"/>
+          </a:xfrm>
+          <a:prstGeom prst="rect">
+            <a:avLst/>
+          </a:prstGeom>
+          <a:noFill/>
+        </p:spPr>
+        <p:txBody>
+          <a:bodyPr wrap="square" rtlCol="0">
+            <a:spAutoFit/>
+          </a:bodyPr>
+          <a:lstStyle/>
+          <a:p>
+            <a:r>
+              <a:rPr lang="en-US" dirty="0"/>
+              <a:t>sum=</a:t>
+            </a:r>
+          </a:p>
+        </p:txBody>
+      </p:sp>
+      <p:sp>
+        <p:nvSpPr>
+          <p:cNvPr id="130" name="TextBox 129">
+            <a:extLst>
+              <a:ext uri="{FF2B5EF4-FFF2-40B4-BE49-F238E27FC236}">
+                <a16:creationId xmlns:a16="http://schemas.microsoft.com/office/drawing/2014/main" id="{239B97B2-D618-44C9-A67D-BC46826D3188}"/>
+              </a:ext>
+            </a:extLst>
+          </p:cNvPr>
+          <p:cNvSpPr txBox="1"/>
+          <p:nvPr/>
+        </p:nvSpPr>
+        <p:spPr>
+          <a:xfrm>
+            <a:off x="3359958" y="3011582"/>
+            <a:ext cx="1073790" cy="369332"/>
+          </a:xfrm>
+          <a:prstGeom prst="rect">
+            <a:avLst/>
+          </a:prstGeom>
+          <a:noFill/>
+        </p:spPr>
+        <p:txBody>
+          <a:bodyPr wrap="square" rtlCol="0">
+            <a:spAutoFit/>
+          </a:bodyPr>
+          <a:lstStyle/>
+          <a:p>
+            <a:r>
+              <a:rPr lang="en-US" dirty="0"/>
+              <a:t>l1 = 6 </a:t>
+            </a:r>
+          </a:p>
+        </p:txBody>
+      </p:sp>
+      <p:sp>
+        <p:nvSpPr>
+          <p:cNvPr id="131" name="TextBox 130">
+            <a:extLst>
+              <a:ext uri="{FF2B5EF4-FFF2-40B4-BE49-F238E27FC236}">
+                <a16:creationId xmlns:a16="http://schemas.microsoft.com/office/drawing/2014/main" id="{38DC89F5-BAE3-4830-BFF3-301B967767FE}"/>
+              </a:ext>
+            </a:extLst>
+          </p:cNvPr>
+          <p:cNvSpPr txBox="1"/>
+          <p:nvPr/>
+        </p:nvSpPr>
+        <p:spPr>
+          <a:xfrm>
+            <a:off x="3359958" y="3257681"/>
+            <a:ext cx="1073790" cy="369332"/>
+          </a:xfrm>
+          <a:prstGeom prst="rect">
+            <a:avLst/>
+          </a:prstGeom>
+          <a:noFill/>
+        </p:spPr>
+        <p:txBody>
+          <a:bodyPr wrap="square" rtlCol="0">
+            <a:spAutoFit/>
+          </a:bodyPr>
+          <a:lstStyle/>
+          <a:p>
+            <a:r>
+              <a:rPr lang="en-US" dirty="0"/>
+              <a:t>l2 = 7</a:t>
             </a:r>
           </a:p>
         </p:txBody>
       </p:sp>
       <p:cxnSp>
         <p:nvCxnSpPr>
-          <p:cNvPr id="85" name="Straight Arrow Connector 84">
-            <a:extLst>
-              <a:ext uri="{FF2B5EF4-FFF2-40B4-BE49-F238E27FC236}">
-                <a16:creationId xmlns:a16="http://schemas.microsoft.com/office/drawing/2014/main" id="{9145C044-5E4B-4673-91A5-ED08A3A5B06F}"/>
-              </a:ext>
-            </a:extLst>
-          </p:cNvPr>
-          <p:cNvCxnSpPr/>
+          <p:cNvPr id="132" name="Straight Arrow Connector 131">
+            <a:extLst>
+              <a:ext uri="{FF2B5EF4-FFF2-40B4-BE49-F238E27FC236}">
+                <a16:creationId xmlns:a16="http://schemas.microsoft.com/office/drawing/2014/main" id="{65351030-D55C-4D93-B109-A2F401F81DB3}"/>
+              </a:ext>
+            </a:extLst>
+          </p:cNvPr>
+          <p:cNvCxnSpPr>
+            <a:cxnSpLocks/>
+          </p:cNvCxnSpPr>
           <p:nvPr/>
         </p:nvCxnSpPr>
         <p:spPr>
-          <a:xfrm flipV="1">
-            <a:off x="10549718" y="5471877"/>
-            <a:ext cx="385892" cy="1"/>
+          <a:xfrm>
+            <a:off x="4085887" y="3924038"/>
+            <a:ext cx="1035756" cy="403691"/>
           </a:xfrm>
           <a:prstGeom prst="straightConnector1">
             <a:avLst/>
           </a:prstGeom>
-          <a:ln w="38100">
-            <a:solidFill>
-              <a:srgbClr val="FF0000"/>
-            </a:solidFill>
+          <a:ln>
             <a:tailEnd type="triangle"/>
           </a:ln>
         </p:spPr>
@@ -11941,169 +11096,228 @@
       </p:cxnSp>
       <p:sp>
         <p:nvSpPr>
-          <p:cNvPr id="86" name="Rectangle 85">
-            <a:extLst>
-              <a:ext uri="{FF2B5EF4-FFF2-40B4-BE49-F238E27FC236}">
-                <a16:creationId xmlns:a16="http://schemas.microsoft.com/office/drawing/2014/main" id="{020DFCFD-89B4-45FA-BDD7-C16ECE174E4B}"/>
-              </a:ext>
-            </a:extLst>
-          </p:cNvPr>
-          <p:cNvSpPr/>
-          <p:nvPr/>
-        </p:nvSpPr>
-        <p:spPr>
-          <a:xfrm>
-            <a:off x="10935610" y="5298098"/>
-            <a:ext cx="534121" cy="369332"/>
-          </a:xfrm>
-          <a:prstGeom prst="rect">
-            <a:avLst/>
-          </a:prstGeom>
-        </p:spPr>
-        <p:txBody>
-          <a:bodyPr wrap="none">
+          <p:cNvPr id="133" name="TextBox 132">
+            <a:extLst>
+              <a:ext uri="{FF2B5EF4-FFF2-40B4-BE49-F238E27FC236}">
+                <a16:creationId xmlns:a16="http://schemas.microsoft.com/office/drawing/2014/main" id="{B60BD5FE-9D7F-4A8F-8767-4DB43E494FF4}"/>
+              </a:ext>
+            </a:extLst>
+          </p:cNvPr>
+          <p:cNvSpPr txBox="1"/>
+          <p:nvPr/>
+        </p:nvSpPr>
+        <p:spPr>
+          <a:xfrm>
+            <a:off x="5382744" y="5258608"/>
+            <a:ext cx="1654957" cy="369332"/>
+          </a:xfrm>
+          <a:prstGeom prst="rect">
+            <a:avLst/>
+          </a:prstGeom>
+          <a:noFill/>
+        </p:spPr>
+        <p:txBody>
+          <a:bodyPr wrap="square" rtlCol="0">
             <a:spAutoFit/>
           </a:bodyPr>
           <a:lstStyle/>
           <a:p>
             <a:r>
               <a:rPr lang="en-US" dirty="0"/>
-              <a:t>null</a:t>
-            </a:r>
-          </a:p>
-        </p:txBody>
-      </p:sp>
-      <p:cxnSp>
-        <p:nvCxnSpPr>
-          <p:cNvPr id="87" name="Straight Arrow Connector 86">
-            <a:extLst>
-              <a:ext uri="{FF2B5EF4-FFF2-40B4-BE49-F238E27FC236}">
-                <a16:creationId xmlns:a16="http://schemas.microsoft.com/office/drawing/2014/main" id="{C88DD4D9-CF8A-422E-97D1-FC7A9115DCC7}"/>
-              </a:ext>
-            </a:extLst>
-          </p:cNvPr>
-          <p:cNvCxnSpPr>
-            <a:cxnSpLocks/>
-            <a:stCxn id="79" idx="1"/>
-          </p:cNvCxnSpPr>
-          <p:nvPr/>
-        </p:nvCxnSpPr>
-        <p:spPr>
-          <a:xfrm flipH="1" flipV="1">
-            <a:off x="8338769" y="4908504"/>
-            <a:ext cx="537926" cy="379748"/>
-          </a:xfrm>
-          <a:prstGeom prst="straightConnector1">
-            <a:avLst/>
-          </a:prstGeom>
-          <a:ln>
-            <a:solidFill>
-              <a:srgbClr val="FF0000"/>
-            </a:solidFill>
-            <a:tailEnd type="triangle"/>
-          </a:ln>
-        </p:spPr>
-        <p:style>
-          <a:lnRef idx="1">
-            <a:schemeClr val="accent1"/>
-          </a:lnRef>
-          <a:fillRef idx="0">
-            <a:schemeClr val="accent1"/>
-          </a:fillRef>
-          <a:effectRef idx="0">
-            <a:schemeClr val="accent1"/>
-          </a:effectRef>
-          <a:fontRef idx="minor">
-            <a:schemeClr val="tx1"/>
-          </a:fontRef>
-        </p:style>
-      </p:cxnSp>
-      <p:sp>
-        <p:nvSpPr>
-          <p:cNvPr id="90" name="Rectangle 89">
-            <a:extLst>
-              <a:ext uri="{FF2B5EF4-FFF2-40B4-BE49-F238E27FC236}">
-                <a16:creationId xmlns:a16="http://schemas.microsoft.com/office/drawing/2014/main" id="{E731DB20-9113-417D-8F25-9BAF4546DDED}"/>
-              </a:ext>
-            </a:extLst>
-          </p:cNvPr>
-          <p:cNvSpPr/>
-          <p:nvPr/>
-        </p:nvSpPr>
-        <p:spPr>
-          <a:xfrm>
-            <a:off x="8452536" y="4722035"/>
-            <a:ext cx="718658" cy="369332"/>
-          </a:xfrm>
-          <a:prstGeom prst="rect">
-            <a:avLst/>
-          </a:prstGeom>
-        </p:spPr>
-        <p:txBody>
-          <a:bodyPr wrap="none">
+              <a:t>sum= </a:t>
+            </a:r>
+          </a:p>
+        </p:txBody>
+      </p:sp>
+      <p:sp>
+        <p:nvSpPr>
+          <p:cNvPr id="134" name="TextBox 133">
+            <a:extLst>
+              <a:ext uri="{FF2B5EF4-FFF2-40B4-BE49-F238E27FC236}">
+                <a16:creationId xmlns:a16="http://schemas.microsoft.com/office/drawing/2014/main" id="{84FD143C-8EC6-4119-A0B7-7382722C5178}"/>
+              </a:ext>
+            </a:extLst>
+          </p:cNvPr>
+          <p:cNvSpPr txBox="1"/>
+          <p:nvPr/>
+        </p:nvSpPr>
+        <p:spPr>
+          <a:xfrm>
+            <a:off x="5343888" y="4699832"/>
+            <a:ext cx="1073790" cy="369332"/>
+          </a:xfrm>
+          <a:prstGeom prst="rect">
+            <a:avLst/>
+          </a:prstGeom>
+          <a:noFill/>
+        </p:spPr>
+        <p:txBody>
+          <a:bodyPr wrap="square" rtlCol="0">
             <a:spAutoFit/>
           </a:bodyPr>
           <a:lstStyle/>
           <a:p>
             <a:r>
-              <a:rPr lang="en-US" dirty="0">
-                <a:solidFill>
-                  <a:srgbClr val="FF0000"/>
-                </a:solidFill>
-              </a:rPr>
-              <a:t>result</a:t>
-            </a:r>
-          </a:p>
-        </p:txBody>
-      </p:sp>
-      <p:cxnSp>
-        <p:nvCxnSpPr>
-          <p:cNvPr id="91" name="Straight Arrow Connector 90">
-            <a:extLst>
-              <a:ext uri="{FF2B5EF4-FFF2-40B4-BE49-F238E27FC236}">
-                <a16:creationId xmlns:a16="http://schemas.microsoft.com/office/drawing/2014/main" id="{531F533F-7C00-454F-941C-4D652484B12D}"/>
-              </a:ext>
-            </a:extLst>
-          </p:cNvPr>
-          <p:cNvCxnSpPr/>
-          <p:nvPr/>
-        </p:nvCxnSpPr>
-        <p:spPr>
-          <a:xfrm flipV="1">
-            <a:off x="8686388" y="4664501"/>
-            <a:ext cx="385892" cy="1"/>
-          </a:xfrm>
-          <a:prstGeom prst="straightConnector1">
-            <a:avLst/>
-          </a:prstGeom>
-          <a:ln w="38100">
-            <a:solidFill>
-              <a:srgbClr val="FF0000"/>
-            </a:solidFill>
-            <a:tailEnd type="triangle"/>
-          </a:ln>
-        </p:spPr>
-        <p:style>
-          <a:lnRef idx="1">
-            <a:schemeClr val="accent1"/>
-          </a:lnRef>
-          <a:fillRef idx="0">
-            <a:schemeClr val="accent1"/>
-          </a:fillRef>
-          <a:effectRef idx="0">
-            <a:schemeClr val="accent1"/>
-          </a:effectRef>
-          <a:fontRef idx="minor">
-            <a:schemeClr val="tx1"/>
-          </a:fontRef>
-        </p:style>
-      </p:cxnSp>
-      <p:sp>
-        <p:nvSpPr>
-          <p:cNvPr id="92" name="Rectangle 91">
-            <a:extLst>
-              <a:ext uri="{FF2B5EF4-FFF2-40B4-BE49-F238E27FC236}">
-                <a16:creationId xmlns:a16="http://schemas.microsoft.com/office/drawing/2014/main" id="{EFFADAB9-A2B1-45FA-9C1A-EEFC67CD555F}"/>
+              <a:rPr lang="en-US" dirty="0"/>
+              <a:t>l1 = 7</a:t>
+            </a:r>
+          </a:p>
+        </p:txBody>
+      </p:sp>
+      <p:sp>
+        <p:nvSpPr>
+          <p:cNvPr id="135" name="TextBox 134">
+            <a:extLst>
+              <a:ext uri="{FF2B5EF4-FFF2-40B4-BE49-F238E27FC236}">
+                <a16:creationId xmlns:a16="http://schemas.microsoft.com/office/drawing/2014/main" id="{79D54BE8-C249-40B0-8ABF-9CE189E80F27}"/>
+              </a:ext>
+            </a:extLst>
+          </p:cNvPr>
+          <p:cNvSpPr txBox="1"/>
+          <p:nvPr/>
+        </p:nvSpPr>
+        <p:spPr>
+          <a:xfrm>
+            <a:off x="5353478" y="4977329"/>
+            <a:ext cx="1073790" cy="369332"/>
+          </a:xfrm>
+          <a:prstGeom prst="rect">
+            <a:avLst/>
+          </a:prstGeom>
+          <a:noFill/>
+        </p:spPr>
+        <p:txBody>
+          <a:bodyPr wrap="square" rtlCol="0">
+            <a:spAutoFit/>
+          </a:bodyPr>
+          <a:lstStyle/>
+          <a:p>
+            <a:r>
+              <a:rPr lang="en-US" dirty="0"/>
+              <a:t>l2 = 9</a:t>
+            </a:r>
+          </a:p>
+        </p:txBody>
+      </p:sp>
+      <p:sp>
+        <p:nvSpPr>
+          <p:cNvPr id="136" name="TextBox 135">
+            <a:extLst>
+              <a:ext uri="{FF2B5EF4-FFF2-40B4-BE49-F238E27FC236}">
+                <a16:creationId xmlns:a16="http://schemas.microsoft.com/office/drawing/2014/main" id="{31B2DA70-82CE-4364-AD9B-C50B1BF7D370}"/>
+              </a:ext>
+            </a:extLst>
+          </p:cNvPr>
+          <p:cNvSpPr txBox="1"/>
+          <p:nvPr/>
+        </p:nvSpPr>
+        <p:spPr>
+          <a:xfrm>
+            <a:off x="5390855" y="5541021"/>
+            <a:ext cx="1073790" cy="369332"/>
+          </a:xfrm>
+          <a:prstGeom prst="rect">
+            <a:avLst/>
+          </a:prstGeom>
+          <a:noFill/>
+        </p:spPr>
+        <p:txBody>
+          <a:bodyPr wrap="square" rtlCol="0">
+            <a:spAutoFit/>
+          </a:bodyPr>
+          <a:lstStyle/>
+          <a:p>
+            <a:r>
+              <a:rPr lang="en-US" dirty="0" err="1"/>
+              <a:t>val</a:t>
+            </a:r>
+            <a:r>
+              <a:rPr lang="en-US" dirty="0"/>
+              <a:t>= 7 + 9</a:t>
+            </a:r>
+          </a:p>
+        </p:txBody>
+      </p:sp>
+      <p:sp>
+        <p:nvSpPr>
+          <p:cNvPr id="137" name="TextBox 136">
+            <a:extLst>
+              <a:ext uri="{FF2B5EF4-FFF2-40B4-BE49-F238E27FC236}">
+                <a16:creationId xmlns:a16="http://schemas.microsoft.com/office/drawing/2014/main" id="{2D5A38E2-DB1F-4472-84E9-BAB2993EC8B4}"/>
+              </a:ext>
+            </a:extLst>
+          </p:cNvPr>
+          <p:cNvSpPr txBox="1"/>
+          <p:nvPr/>
+        </p:nvSpPr>
+        <p:spPr>
+          <a:xfrm>
+            <a:off x="5398965" y="5851025"/>
+            <a:ext cx="1257042" cy="369332"/>
+          </a:xfrm>
+          <a:prstGeom prst="rect">
+            <a:avLst/>
+          </a:prstGeom>
+          <a:noFill/>
+        </p:spPr>
+        <p:txBody>
+          <a:bodyPr wrap="square" rtlCol="0">
+            <a:spAutoFit/>
+          </a:bodyPr>
+          <a:lstStyle/>
+          <a:p>
+            <a:r>
+              <a:rPr lang="en-US" dirty="0" err="1"/>
+              <a:t>sum.sum</a:t>
+            </a:r>
+            <a:r>
+              <a:rPr lang="en-US" dirty="0"/>
+              <a:t> = </a:t>
+            </a:r>
+          </a:p>
+        </p:txBody>
+      </p:sp>
+      <p:sp>
+        <p:nvSpPr>
+          <p:cNvPr id="138" name="TextBox 137">
+            <a:extLst>
+              <a:ext uri="{FF2B5EF4-FFF2-40B4-BE49-F238E27FC236}">
+                <a16:creationId xmlns:a16="http://schemas.microsoft.com/office/drawing/2014/main" id="{35312DA4-F5F6-43BE-9AE7-55168067C52C}"/>
+              </a:ext>
+            </a:extLst>
+          </p:cNvPr>
+          <p:cNvSpPr txBox="1"/>
+          <p:nvPr/>
+        </p:nvSpPr>
+        <p:spPr>
+          <a:xfrm>
+            <a:off x="5390855" y="6161029"/>
+            <a:ext cx="1548186" cy="369332"/>
+          </a:xfrm>
+          <a:prstGeom prst="rect">
+            <a:avLst/>
+          </a:prstGeom>
+          <a:noFill/>
+        </p:spPr>
+        <p:txBody>
+          <a:bodyPr wrap="square" rtlCol="0">
+            <a:spAutoFit/>
+          </a:bodyPr>
+          <a:lstStyle/>
+          <a:p>
+            <a:r>
+              <a:rPr lang="en-US" dirty="0"/>
+              <a:t>carry= 1</a:t>
+            </a:r>
+          </a:p>
+        </p:txBody>
+      </p:sp>
+      <p:sp>
+        <p:nvSpPr>
+          <p:cNvPr id="139" name="Rectangle 138">
+            <a:extLst>
+              <a:ext uri="{FF2B5EF4-FFF2-40B4-BE49-F238E27FC236}">
+                <a16:creationId xmlns:a16="http://schemas.microsoft.com/office/drawing/2014/main" id="{AEA2F379-3D93-41EE-9306-8793C518412A}"/>
               </a:ext>
             </a:extLst>
           </p:cNvPr>
@@ -12112,7 +11326,7 @@
         </p:nvSpPr>
         <p:spPr>
           <a:xfrm>
-            <a:off x="9069971" y="4515770"/>
+            <a:off x="6601200" y="5938715"/>
             <a:ext cx="830510" cy="251886"/>
           </a:xfrm>
           <a:prstGeom prst="rect">
@@ -12146,10 +11360,10 @@
       </p:sp>
       <p:sp>
         <p:nvSpPr>
-          <p:cNvPr id="93" name="Rectangle 92">
-            <a:extLst>
-              <a:ext uri="{FF2B5EF4-FFF2-40B4-BE49-F238E27FC236}">
-                <a16:creationId xmlns:a16="http://schemas.microsoft.com/office/drawing/2014/main" id="{45C027E4-9F71-4C87-B8DD-B3073FE2BA47}"/>
+          <p:cNvPr id="140" name="Rectangle 139">
+            <a:extLst>
+              <a:ext uri="{FF2B5EF4-FFF2-40B4-BE49-F238E27FC236}">
+                <a16:creationId xmlns:a16="http://schemas.microsoft.com/office/drawing/2014/main" id="{530C3AF5-8204-4FCA-87E5-81A9C282092C}"/>
               </a:ext>
             </a:extLst>
           </p:cNvPr>
@@ -12158,7 +11372,7 @@
         </p:nvSpPr>
         <p:spPr>
           <a:xfrm>
-            <a:off x="9070830" y="4515770"/>
+            <a:off x="6587712" y="5938189"/>
             <a:ext cx="486560" cy="251887"/>
           </a:xfrm>
           <a:prstGeom prst="rect">
@@ -12189,92 +11403,16 @@
           <a:lstStyle/>
           <a:p>
             <a:pPr algn="ctr"/>
-            <a:endParaRPr lang="en-US" dirty="0"/>
-          </a:p>
-        </p:txBody>
-      </p:sp>
-      <p:cxnSp>
-        <p:nvCxnSpPr>
-          <p:cNvPr id="94" name="Straight Arrow Connector 93">
-            <a:extLst>
-              <a:ext uri="{FF2B5EF4-FFF2-40B4-BE49-F238E27FC236}">
-                <a16:creationId xmlns:a16="http://schemas.microsoft.com/office/drawing/2014/main" id="{39B86602-F090-4A64-BED2-BDE70477DFA7}"/>
-              </a:ext>
-            </a:extLst>
-          </p:cNvPr>
-          <p:cNvCxnSpPr/>
-          <p:nvPr/>
-        </p:nvCxnSpPr>
-        <p:spPr>
-          <a:xfrm flipV="1">
-            <a:off x="9836654" y="4640672"/>
-            <a:ext cx="385892" cy="1"/>
-          </a:xfrm>
-          <a:prstGeom prst="straightConnector1">
-            <a:avLst/>
-          </a:prstGeom>
-          <a:ln w="38100">
-            <a:solidFill>
-              <a:srgbClr val="FF0000"/>
-            </a:solidFill>
-            <a:tailEnd type="triangle"/>
-          </a:ln>
-        </p:spPr>
-        <p:style>
-          <a:lnRef idx="1">
-            <a:schemeClr val="accent1"/>
-          </a:lnRef>
-          <a:fillRef idx="0">
-            <a:schemeClr val="accent1"/>
-          </a:fillRef>
-          <a:effectRef idx="0">
-            <a:schemeClr val="accent1"/>
-          </a:effectRef>
-          <a:fontRef idx="minor">
-            <a:schemeClr val="tx1"/>
-          </a:fontRef>
-        </p:style>
-      </p:cxnSp>
-      <p:sp>
-        <p:nvSpPr>
-          <p:cNvPr id="95" name="Rectangle 94">
-            <a:extLst>
-              <a:ext uri="{FF2B5EF4-FFF2-40B4-BE49-F238E27FC236}">
-                <a16:creationId xmlns:a16="http://schemas.microsoft.com/office/drawing/2014/main" id="{64743BDC-3ED2-47AB-91C6-1088B59835EB}"/>
-              </a:ext>
-            </a:extLst>
-          </p:cNvPr>
-          <p:cNvSpPr/>
-          <p:nvPr/>
-        </p:nvSpPr>
-        <p:spPr>
-          <a:xfrm>
-            <a:off x="10222546" y="4466893"/>
-            <a:ext cx="534121" cy="369332"/>
-          </a:xfrm>
-          <a:prstGeom prst="rect">
-            <a:avLst/>
-          </a:prstGeom>
-        </p:spPr>
-        <p:txBody>
-          <a:bodyPr wrap="none">
-            <a:spAutoFit/>
-          </a:bodyPr>
-          <a:lstStyle/>
-          <a:p>
-            <a:r>
-              <a:rPr lang="en-US" dirty="0"/>
-              <a:t>null</a:t>
-            </a:r>
-          </a:p>
-        </p:txBody>
-      </p:sp>
-      <p:sp>
-        <p:nvSpPr>
-          <p:cNvPr id="96" name="TextBox 95">
-            <a:extLst>
-              <a:ext uri="{FF2B5EF4-FFF2-40B4-BE49-F238E27FC236}">
-                <a16:creationId xmlns:a16="http://schemas.microsoft.com/office/drawing/2014/main" id="{55A89BF4-07A5-44A9-88D0-C91F47A4846E}"/>
+            <a:endParaRPr lang="en-US"/>
+          </a:p>
+        </p:txBody>
+      </p:sp>
+      <p:sp>
+        <p:nvSpPr>
+          <p:cNvPr id="141" name="TextBox 140">
+            <a:extLst>
+              <a:ext uri="{FF2B5EF4-FFF2-40B4-BE49-F238E27FC236}">
+                <a16:creationId xmlns:a16="http://schemas.microsoft.com/office/drawing/2014/main" id="{4E54459E-335A-47B0-8390-CF78BD92CAF3}"/>
               </a:ext>
             </a:extLst>
           </p:cNvPr>
@@ -12283,7 +11421,7 @@
         </p:nvSpPr>
         <p:spPr>
           <a:xfrm>
-            <a:off x="9175335" y="4466893"/>
+            <a:off x="6664117" y="5870359"/>
             <a:ext cx="360726" cy="369332"/>
           </a:xfrm>
           <a:prstGeom prst="rect">
@@ -12299,17 +11437,17 @@
           <a:p>
             <a:r>
               <a:rPr lang="en-US" dirty="0"/>
-              <a:t>1</a:t>
+              <a:t>6</a:t>
             </a:r>
           </a:p>
         </p:txBody>
       </p:sp>
       <p:cxnSp>
         <p:nvCxnSpPr>
-          <p:cNvPr id="97" name="Straight Arrow Connector 96">
-            <a:extLst>
-              <a:ext uri="{FF2B5EF4-FFF2-40B4-BE49-F238E27FC236}">
-                <a16:creationId xmlns:a16="http://schemas.microsoft.com/office/drawing/2014/main" id="{5A2E3FBD-FB92-4D2D-8859-1C73E4D0E8A5}"/>
+          <p:cNvPr id="142" name="Straight Arrow Connector 141">
+            <a:extLst>
+              <a:ext uri="{FF2B5EF4-FFF2-40B4-BE49-F238E27FC236}">
+                <a16:creationId xmlns:a16="http://schemas.microsoft.com/office/drawing/2014/main" id="{54BAA928-8D58-45CE-88EC-3A70659C9210}"/>
               </a:ext>
             </a:extLst>
           </p:cNvPr>
@@ -12320,1103 +11458,13 @@
         </p:nvCxnSpPr>
         <p:spPr>
           <a:xfrm flipH="1" flipV="1">
-            <a:off x="6556084" y="3970136"/>
-            <a:ext cx="537926" cy="379748"/>
+            <a:off x="4129004" y="3721068"/>
+            <a:ext cx="1403454" cy="537998"/>
           </a:xfrm>
           <a:prstGeom prst="straightConnector1">
             <a:avLst/>
           </a:prstGeom>
           <a:ln>
-            <a:solidFill>
-              <a:srgbClr val="FF0000"/>
-            </a:solidFill>
-            <a:tailEnd type="triangle"/>
-          </a:ln>
-        </p:spPr>
-        <p:style>
-          <a:lnRef idx="1">
-            <a:schemeClr val="accent1"/>
-          </a:lnRef>
-          <a:fillRef idx="0">
-            <a:schemeClr val="accent1"/>
-          </a:fillRef>
-          <a:effectRef idx="0">
-            <a:schemeClr val="accent1"/>
-          </a:effectRef>
-          <a:fontRef idx="minor">
-            <a:schemeClr val="tx1"/>
-          </a:fontRef>
-        </p:style>
-      </p:cxnSp>
-      <p:sp>
-        <p:nvSpPr>
-          <p:cNvPr id="98" name="Rectangle 97">
-            <a:extLst>
-              <a:ext uri="{FF2B5EF4-FFF2-40B4-BE49-F238E27FC236}">
-                <a16:creationId xmlns:a16="http://schemas.microsoft.com/office/drawing/2014/main" id="{045727AA-7215-472E-9661-B46CA14733BD}"/>
-              </a:ext>
-            </a:extLst>
-          </p:cNvPr>
-          <p:cNvSpPr/>
-          <p:nvPr/>
-        </p:nvSpPr>
-        <p:spPr>
-          <a:xfrm>
-            <a:off x="6669851" y="3783667"/>
-            <a:ext cx="718658" cy="369332"/>
-          </a:xfrm>
-          <a:prstGeom prst="rect">
-            <a:avLst/>
-          </a:prstGeom>
-        </p:spPr>
-        <p:txBody>
-          <a:bodyPr wrap="none">
-            <a:spAutoFit/>
-          </a:bodyPr>
-          <a:lstStyle/>
-          <a:p>
-            <a:r>
-              <a:rPr lang="en-US" dirty="0">
-                <a:solidFill>
-                  <a:srgbClr val="FF0000"/>
-                </a:solidFill>
-              </a:rPr>
-              <a:t>result</a:t>
-            </a:r>
-          </a:p>
-        </p:txBody>
-      </p:sp>
-      <p:cxnSp>
-        <p:nvCxnSpPr>
-          <p:cNvPr id="99" name="Straight Arrow Connector 98">
-            <a:extLst>
-              <a:ext uri="{FF2B5EF4-FFF2-40B4-BE49-F238E27FC236}">
-                <a16:creationId xmlns:a16="http://schemas.microsoft.com/office/drawing/2014/main" id="{ACAEDC03-50A4-451F-A94F-6AC1FC6A114F}"/>
-              </a:ext>
-            </a:extLst>
-          </p:cNvPr>
-          <p:cNvCxnSpPr>
-            <a:cxnSpLocks/>
-          </p:cNvCxnSpPr>
-          <p:nvPr/>
-        </p:nvCxnSpPr>
-        <p:spPr>
-          <a:xfrm flipH="1" flipV="1">
-            <a:off x="8193683" y="2720030"/>
-            <a:ext cx="537926" cy="379748"/>
-          </a:xfrm>
-          <a:prstGeom prst="straightConnector1">
-            <a:avLst/>
-          </a:prstGeom>
-          <a:ln>
-            <a:solidFill>
-              <a:srgbClr val="FF0000"/>
-            </a:solidFill>
-            <a:tailEnd type="triangle"/>
-          </a:ln>
-        </p:spPr>
-        <p:style>
-          <a:lnRef idx="1">
-            <a:schemeClr val="accent1"/>
-          </a:lnRef>
-          <a:fillRef idx="0">
-            <a:schemeClr val="accent1"/>
-          </a:fillRef>
-          <a:effectRef idx="0">
-            <a:schemeClr val="accent1"/>
-          </a:effectRef>
-          <a:fontRef idx="minor">
-            <a:schemeClr val="tx1"/>
-          </a:fontRef>
-        </p:style>
-      </p:cxnSp>
-      <p:sp>
-        <p:nvSpPr>
-          <p:cNvPr id="100" name="Rectangle 99">
-            <a:extLst>
-              <a:ext uri="{FF2B5EF4-FFF2-40B4-BE49-F238E27FC236}">
-                <a16:creationId xmlns:a16="http://schemas.microsoft.com/office/drawing/2014/main" id="{8822BCC4-77D1-4580-98DB-EA6D326CEFC2}"/>
-              </a:ext>
-            </a:extLst>
-          </p:cNvPr>
-          <p:cNvSpPr/>
-          <p:nvPr/>
-        </p:nvSpPr>
-        <p:spPr>
-          <a:xfrm>
-            <a:off x="8307450" y="2533561"/>
-            <a:ext cx="718658" cy="369332"/>
-          </a:xfrm>
-          <a:prstGeom prst="rect">
-            <a:avLst/>
-          </a:prstGeom>
-        </p:spPr>
-        <p:txBody>
-          <a:bodyPr wrap="none">
-            <a:spAutoFit/>
-          </a:bodyPr>
-          <a:lstStyle/>
-          <a:p>
-            <a:r>
-              <a:rPr lang="en-US" dirty="0">
-                <a:solidFill>
-                  <a:srgbClr val="FF0000"/>
-                </a:solidFill>
-              </a:rPr>
-              <a:t>result</a:t>
-            </a:r>
-          </a:p>
-        </p:txBody>
-      </p:sp>
-      <p:sp>
-        <p:nvSpPr>
-          <p:cNvPr id="101" name="Rectangle 100">
-            <a:extLst>
-              <a:ext uri="{FF2B5EF4-FFF2-40B4-BE49-F238E27FC236}">
-                <a16:creationId xmlns:a16="http://schemas.microsoft.com/office/drawing/2014/main" id="{61D09B61-3139-4545-9990-E48D5F270300}"/>
-              </a:ext>
-            </a:extLst>
-          </p:cNvPr>
-          <p:cNvSpPr/>
-          <p:nvPr/>
-        </p:nvSpPr>
-        <p:spPr>
-          <a:xfrm>
-            <a:off x="7382509" y="3637990"/>
-            <a:ext cx="830510" cy="251886"/>
-          </a:xfrm>
-          <a:prstGeom prst="rect">
-            <a:avLst/>
-          </a:prstGeom>
-        </p:spPr>
-        <p:style>
-          <a:lnRef idx="2">
-            <a:schemeClr val="accent1">
-              <a:shade val="50000"/>
-            </a:schemeClr>
-          </a:lnRef>
-          <a:fillRef idx="1">
-            <a:schemeClr val="accent1"/>
-          </a:fillRef>
-          <a:effectRef idx="0">
-            <a:schemeClr val="accent1"/>
-          </a:effectRef>
-          <a:fontRef idx="minor">
-            <a:schemeClr val="lt1"/>
-          </a:fontRef>
-        </p:style>
-        <p:txBody>
-          <a:bodyPr rtlCol="0" anchor="ctr"/>
-          <a:lstStyle/>
-          <a:p>
-            <a:pPr algn="ctr"/>
-            <a:endParaRPr lang="en-US"/>
-          </a:p>
-        </p:txBody>
-      </p:sp>
-      <p:sp>
-        <p:nvSpPr>
-          <p:cNvPr id="102" name="Rectangle 101">
-            <a:extLst>
-              <a:ext uri="{FF2B5EF4-FFF2-40B4-BE49-F238E27FC236}">
-                <a16:creationId xmlns:a16="http://schemas.microsoft.com/office/drawing/2014/main" id="{A68C8B4A-7447-4D27-A3CB-F7AAAAAC1AA1}"/>
-              </a:ext>
-            </a:extLst>
-          </p:cNvPr>
-          <p:cNvSpPr/>
-          <p:nvPr/>
-        </p:nvSpPr>
-        <p:spPr>
-          <a:xfrm>
-            <a:off x="7369021" y="3637464"/>
-            <a:ext cx="486560" cy="251887"/>
-          </a:xfrm>
-          <a:prstGeom prst="rect">
-            <a:avLst/>
-          </a:prstGeom>
-          <a:solidFill>
-            <a:schemeClr val="bg1"/>
-          </a:solidFill>
-        </p:spPr>
-        <p:style>
-          <a:lnRef idx="2">
-            <a:schemeClr val="accent1">
-              <a:shade val="50000"/>
-            </a:schemeClr>
-          </a:lnRef>
-          <a:fillRef idx="1">
-            <a:schemeClr val="accent1"/>
-          </a:fillRef>
-          <a:effectRef idx="0">
-            <a:schemeClr val="accent1"/>
-          </a:effectRef>
-          <a:fontRef idx="minor">
-            <a:schemeClr val="lt1"/>
-          </a:fontRef>
-        </p:style>
-        <p:txBody>
-          <a:bodyPr rtlCol="0" anchor="ctr"/>
-          <a:lstStyle/>
-          <a:p>
-            <a:pPr algn="ctr"/>
-            <a:endParaRPr lang="en-US" dirty="0"/>
-          </a:p>
-        </p:txBody>
-      </p:sp>
-      <p:cxnSp>
-        <p:nvCxnSpPr>
-          <p:cNvPr id="103" name="Straight Arrow Connector 102">
-            <a:extLst>
-              <a:ext uri="{FF2B5EF4-FFF2-40B4-BE49-F238E27FC236}">
-                <a16:creationId xmlns:a16="http://schemas.microsoft.com/office/drawing/2014/main" id="{62D8DD85-22B8-498A-AE13-E6E40E72599F}"/>
-              </a:ext>
-            </a:extLst>
-          </p:cNvPr>
-          <p:cNvCxnSpPr/>
-          <p:nvPr/>
-        </p:nvCxnSpPr>
-        <p:spPr>
-          <a:xfrm flipV="1">
-            <a:off x="8139250" y="3760941"/>
-            <a:ext cx="385892" cy="1"/>
-          </a:xfrm>
-          <a:prstGeom prst="straightConnector1">
-            <a:avLst/>
-          </a:prstGeom>
-          <a:ln w="38100">
-            <a:solidFill>
-              <a:srgbClr val="FF0000"/>
-            </a:solidFill>
-            <a:tailEnd type="triangle"/>
-          </a:ln>
-        </p:spPr>
-        <p:style>
-          <a:lnRef idx="1">
-            <a:schemeClr val="accent1"/>
-          </a:lnRef>
-          <a:fillRef idx="0">
-            <a:schemeClr val="accent1"/>
-          </a:fillRef>
-          <a:effectRef idx="0">
-            <a:schemeClr val="accent1"/>
-          </a:effectRef>
-          <a:fontRef idx="minor">
-            <a:schemeClr val="tx1"/>
-          </a:fontRef>
-        </p:style>
-      </p:cxnSp>
-      <p:sp>
-        <p:nvSpPr>
-          <p:cNvPr id="104" name="Rectangle 103">
-            <a:extLst>
-              <a:ext uri="{FF2B5EF4-FFF2-40B4-BE49-F238E27FC236}">
-                <a16:creationId xmlns:a16="http://schemas.microsoft.com/office/drawing/2014/main" id="{02801BFB-318B-45E6-822F-D39A566A2B92}"/>
-              </a:ext>
-            </a:extLst>
-          </p:cNvPr>
-          <p:cNvSpPr/>
-          <p:nvPr/>
-        </p:nvSpPr>
-        <p:spPr>
-          <a:xfrm>
-            <a:off x="8522833" y="3612210"/>
-            <a:ext cx="830510" cy="251886"/>
-          </a:xfrm>
-          <a:prstGeom prst="rect">
-            <a:avLst/>
-          </a:prstGeom>
-        </p:spPr>
-        <p:style>
-          <a:lnRef idx="2">
-            <a:schemeClr val="accent1">
-              <a:shade val="50000"/>
-            </a:schemeClr>
-          </a:lnRef>
-          <a:fillRef idx="1">
-            <a:schemeClr val="accent1"/>
-          </a:fillRef>
-          <a:effectRef idx="0">
-            <a:schemeClr val="accent1"/>
-          </a:effectRef>
-          <a:fontRef idx="minor">
-            <a:schemeClr val="lt1"/>
-          </a:fontRef>
-        </p:style>
-        <p:txBody>
-          <a:bodyPr rtlCol="0" anchor="ctr"/>
-          <a:lstStyle/>
-          <a:p>
-            <a:pPr algn="ctr"/>
-            <a:endParaRPr lang="en-US"/>
-          </a:p>
-        </p:txBody>
-      </p:sp>
-      <p:sp>
-        <p:nvSpPr>
-          <p:cNvPr id="105" name="Rectangle 104">
-            <a:extLst>
-              <a:ext uri="{FF2B5EF4-FFF2-40B4-BE49-F238E27FC236}">
-                <a16:creationId xmlns:a16="http://schemas.microsoft.com/office/drawing/2014/main" id="{88AE08C7-90AE-4163-BEAB-EC2006E214AB}"/>
-              </a:ext>
-            </a:extLst>
-          </p:cNvPr>
-          <p:cNvSpPr/>
-          <p:nvPr/>
-        </p:nvSpPr>
-        <p:spPr>
-          <a:xfrm>
-            <a:off x="8523692" y="3612210"/>
-            <a:ext cx="486560" cy="251887"/>
-          </a:xfrm>
-          <a:prstGeom prst="rect">
-            <a:avLst/>
-          </a:prstGeom>
-          <a:solidFill>
-            <a:schemeClr val="bg1"/>
-          </a:solidFill>
-        </p:spPr>
-        <p:style>
-          <a:lnRef idx="2">
-            <a:schemeClr val="accent1">
-              <a:shade val="50000"/>
-            </a:schemeClr>
-          </a:lnRef>
-          <a:fillRef idx="1">
-            <a:schemeClr val="accent1"/>
-          </a:fillRef>
-          <a:effectRef idx="0">
-            <a:schemeClr val="accent1"/>
-          </a:effectRef>
-          <a:fontRef idx="minor">
-            <a:schemeClr val="lt1"/>
-          </a:fontRef>
-        </p:style>
-        <p:txBody>
-          <a:bodyPr rtlCol="0" anchor="ctr"/>
-          <a:lstStyle/>
-          <a:p>
-            <a:pPr algn="ctr"/>
-            <a:endParaRPr lang="en-US" dirty="0"/>
-          </a:p>
-        </p:txBody>
-      </p:sp>
-      <p:cxnSp>
-        <p:nvCxnSpPr>
-          <p:cNvPr id="106" name="Straight Arrow Connector 105">
-            <a:extLst>
-              <a:ext uri="{FF2B5EF4-FFF2-40B4-BE49-F238E27FC236}">
-                <a16:creationId xmlns:a16="http://schemas.microsoft.com/office/drawing/2014/main" id="{54F02A01-0C3A-4021-970F-DE2BD0439B8B}"/>
-              </a:ext>
-            </a:extLst>
-          </p:cNvPr>
-          <p:cNvCxnSpPr/>
-          <p:nvPr/>
-        </p:nvCxnSpPr>
-        <p:spPr>
-          <a:xfrm flipV="1">
-            <a:off x="9289516" y="3737112"/>
-            <a:ext cx="385892" cy="1"/>
-          </a:xfrm>
-          <a:prstGeom prst="straightConnector1">
-            <a:avLst/>
-          </a:prstGeom>
-          <a:ln w="38100">
-            <a:solidFill>
-              <a:srgbClr val="FF0000"/>
-            </a:solidFill>
-            <a:tailEnd type="triangle"/>
-          </a:ln>
-        </p:spPr>
-        <p:style>
-          <a:lnRef idx="1">
-            <a:schemeClr val="accent1"/>
-          </a:lnRef>
-          <a:fillRef idx="0">
-            <a:schemeClr val="accent1"/>
-          </a:fillRef>
-          <a:effectRef idx="0">
-            <a:schemeClr val="accent1"/>
-          </a:effectRef>
-          <a:fontRef idx="minor">
-            <a:schemeClr val="tx1"/>
-          </a:fontRef>
-        </p:style>
-      </p:cxnSp>
-      <p:sp>
-        <p:nvSpPr>
-          <p:cNvPr id="107" name="Rectangle 106">
-            <a:extLst>
-              <a:ext uri="{FF2B5EF4-FFF2-40B4-BE49-F238E27FC236}">
-                <a16:creationId xmlns:a16="http://schemas.microsoft.com/office/drawing/2014/main" id="{42C7F973-6FF5-46D8-8261-B84770E78D89}"/>
-              </a:ext>
-            </a:extLst>
-          </p:cNvPr>
-          <p:cNvSpPr/>
-          <p:nvPr/>
-        </p:nvSpPr>
-        <p:spPr>
-          <a:xfrm>
-            <a:off x="9651184" y="3552961"/>
-            <a:ext cx="534121" cy="369332"/>
-          </a:xfrm>
-          <a:prstGeom prst="rect">
-            <a:avLst/>
-          </a:prstGeom>
-        </p:spPr>
-        <p:txBody>
-          <a:bodyPr wrap="none">
-            <a:spAutoFit/>
-          </a:bodyPr>
-          <a:lstStyle/>
-          <a:p>
-            <a:r>
-              <a:rPr lang="en-US" dirty="0"/>
-              <a:t>null</a:t>
-            </a:r>
-          </a:p>
-        </p:txBody>
-      </p:sp>
-      <p:sp>
-        <p:nvSpPr>
-          <p:cNvPr id="108" name="TextBox 107">
-            <a:extLst>
-              <a:ext uri="{FF2B5EF4-FFF2-40B4-BE49-F238E27FC236}">
-                <a16:creationId xmlns:a16="http://schemas.microsoft.com/office/drawing/2014/main" id="{4D4FBA39-F4C9-46C2-B703-699D614385DD}"/>
-              </a:ext>
-            </a:extLst>
-          </p:cNvPr>
-          <p:cNvSpPr txBox="1"/>
-          <p:nvPr/>
-        </p:nvSpPr>
-        <p:spPr>
-          <a:xfrm>
-            <a:off x="7463942" y="3561416"/>
-            <a:ext cx="360726" cy="369332"/>
-          </a:xfrm>
-          <a:prstGeom prst="rect">
-            <a:avLst/>
-          </a:prstGeom>
-          <a:noFill/>
-        </p:spPr>
-        <p:txBody>
-          <a:bodyPr wrap="square" rtlCol="0">
-            <a:spAutoFit/>
-          </a:bodyPr>
-          <a:lstStyle/>
-          <a:p>
-            <a:r>
-              <a:rPr lang="en-US" dirty="0"/>
-              <a:t>0</a:t>
-            </a:r>
-          </a:p>
-        </p:txBody>
-      </p:sp>
-      <p:sp>
-        <p:nvSpPr>
-          <p:cNvPr id="109" name="TextBox 108">
-            <a:extLst>
-              <a:ext uri="{FF2B5EF4-FFF2-40B4-BE49-F238E27FC236}">
-                <a16:creationId xmlns:a16="http://schemas.microsoft.com/office/drawing/2014/main" id="{629F4CA0-C1AB-41AF-B341-F5476357CEF6}"/>
-              </a:ext>
-            </a:extLst>
-          </p:cNvPr>
-          <p:cNvSpPr txBox="1"/>
-          <p:nvPr/>
-        </p:nvSpPr>
-        <p:spPr>
-          <a:xfrm>
-            <a:off x="8597661" y="3561597"/>
-            <a:ext cx="360726" cy="369332"/>
-          </a:xfrm>
-          <a:prstGeom prst="rect">
-            <a:avLst/>
-          </a:prstGeom>
-          <a:noFill/>
-        </p:spPr>
-        <p:txBody>
-          <a:bodyPr wrap="square" rtlCol="0">
-            <a:spAutoFit/>
-          </a:bodyPr>
-          <a:lstStyle/>
-          <a:p>
-            <a:r>
-              <a:rPr lang="en-US" dirty="0"/>
-              <a:t>1</a:t>
-            </a:r>
-          </a:p>
-        </p:txBody>
-      </p:sp>
-      <p:cxnSp>
-        <p:nvCxnSpPr>
-          <p:cNvPr id="110" name="Straight Arrow Connector 109">
-            <a:extLst>
-              <a:ext uri="{FF2B5EF4-FFF2-40B4-BE49-F238E27FC236}">
-                <a16:creationId xmlns:a16="http://schemas.microsoft.com/office/drawing/2014/main" id="{FD95C950-B760-4424-8971-7E648739B569}"/>
-              </a:ext>
-            </a:extLst>
-          </p:cNvPr>
-          <p:cNvCxnSpPr/>
-          <p:nvPr/>
-        </p:nvCxnSpPr>
-        <p:spPr>
-          <a:xfrm flipV="1">
-            <a:off x="7000324" y="3775168"/>
-            <a:ext cx="385892" cy="1"/>
-          </a:xfrm>
-          <a:prstGeom prst="straightConnector1">
-            <a:avLst/>
-          </a:prstGeom>
-          <a:ln w="38100">
-            <a:solidFill>
-              <a:srgbClr val="FF0000"/>
-            </a:solidFill>
-            <a:tailEnd type="triangle"/>
-          </a:ln>
-        </p:spPr>
-        <p:style>
-          <a:lnRef idx="1">
-            <a:schemeClr val="accent1"/>
-          </a:lnRef>
-          <a:fillRef idx="0">
-            <a:schemeClr val="accent1"/>
-          </a:fillRef>
-          <a:effectRef idx="0">
-            <a:schemeClr val="accent1"/>
-          </a:effectRef>
-          <a:fontRef idx="minor">
-            <a:schemeClr val="tx1"/>
-          </a:fontRef>
-        </p:style>
-      </p:cxnSp>
-      <p:sp>
-        <p:nvSpPr>
-          <p:cNvPr id="111" name="Rectangle 110">
-            <a:extLst>
-              <a:ext uri="{FF2B5EF4-FFF2-40B4-BE49-F238E27FC236}">
-                <a16:creationId xmlns:a16="http://schemas.microsoft.com/office/drawing/2014/main" id="{91622704-D611-476F-B2A6-E916BBCFA604}"/>
-              </a:ext>
-            </a:extLst>
-          </p:cNvPr>
-          <p:cNvSpPr/>
-          <p:nvPr/>
-        </p:nvSpPr>
-        <p:spPr>
-          <a:xfrm>
-            <a:off x="6015052" y="2306098"/>
-            <a:ext cx="830510" cy="251886"/>
-          </a:xfrm>
-          <a:prstGeom prst="rect">
-            <a:avLst/>
-          </a:prstGeom>
-        </p:spPr>
-        <p:style>
-          <a:lnRef idx="2">
-            <a:schemeClr val="accent1">
-              <a:shade val="50000"/>
-            </a:schemeClr>
-          </a:lnRef>
-          <a:fillRef idx="1">
-            <a:schemeClr val="accent1"/>
-          </a:fillRef>
-          <a:effectRef idx="0">
-            <a:schemeClr val="accent1"/>
-          </a:effectRef>
-          <a:fontRef idx="minor">
-            <a:schemeClr val="lt1"/>
-          </a:fontRef>
-        </p:style>
-        <p:txBody>
-          <a:bodyPr rtlCol="0" anchor="ctr"/>
-          <a:lstStyle/>
-          <a:p>
-            <a:pPr algn="ctr"/>
-            <a:endParaRPr lang="en-US"/>
-          </a:p>
-        </p:txBody>
-      </p:sp>
-      <p:sp>
-        <p:nvSpPr>
-          <p:cNvPr id="112" name="Rectangle 111">
-            <a:extLst>
-              <a:ext uri="{FF2B5EF4-FFF2-40B4-BE49-F238E27FC236}">
-                <a16:creationId xmlns:a16="http://schemas.microsoft.com/office/drawing/2014/main" id="{2A77AEA3-80F9-4CAB-A879-C5E973712682}"/>
-              </a:ext>
-            </a:extLst>
-          </p:cNvPr>
-          <p:cNvSpPr/>
-          <p:nvPr/>
-        </p:nvSpPr>
-        <p:spPr>
-          <a:xfrm>
-            <a:off x="6001564" y="2305572"/>
-            <a:ext cx="486560" cy="251887"/>
-          </a:xfrm>
-          <a:prstGeom prst="rect">
-            <a:avLst/>
-          </a:prstGeom>
-          <a:solidFill>
-            <a:schemeClr val="bg1"/>
-          </a:solidFill>
-        </p:spPr>
-        <p:style>
-          <a:lnRef idx="2">
-            <a:schemeClr val="accent1">
-              <a:shade val="50000"/>
-            </a:schemeClr>
-          </a:lnRef>
-          <a:fillRef idx="1">
-            <a:schemeClr val="accent1"/>
-          </a:fillRef>
-          <a:effectRef idx="0">
-            <a:schemeClr val="accent1"/>
-          </a:effectRef>
-          <a:fontRef idx="minor">
-            <a:schemeClr val="lt1"/>
-          </a:fontRef>
-        </p:style>
-        <p:txBody>
-          <a:bodyPr rtlCol="0" anchor="ctr"/>
-          <a:lstStyle/>
-          <a:p>
-            <a:pPr algn="ctr"/>
-            <a:endParaRPr lang="en-US" dirty="0"/>
-          </a:p>
-        </p:txBody>
-      </p:sp>
-      <p:sp>
-        <p:nvSpPr>
-          <p:cNvPr id="113" name="TextBox 112">
-            <a:extLst>
-              <a:ext uri="{FF2B5EF4-FFF2-40B4-BE49-F238E27FC236}">
-                <a16:creationId xmlns:a16="http://schemas.microsoft.com/office/drawing/2014/main" id="{FE921610-376F-4C3B-B776-F86F5CB816FE}"/>
-              </a:ext>
-            </a:extLst>
-          </p:cNvPr>
-          <p:cNvSpPr txBox="1"/>
-          <p:nvPr/>
-        </p:nvSpPr>
-        <p:spPr>
-          <a:xfrm>
-            <a:off x="6069581" y="2246849"/>
-            <a:ext cx="360726" cy="369332"/>
-          </a:xfrm>
-          <a:prstGeom prst="rect">
-            <a:avLst/>
-          </a:prstGeom>
-          <a:noFill/>
-        </p:spPr>
-        <p:txBody>
-          <a:bodyPr wrap="square" rtlCol="0">
-            <a:spAutoFit/>
-          </a:bodyPr>
-          <a:lstStyle/>
-          <a:p>
-            <a:r>
-              <a:rPr lang="en-US" dirty="0"/>
-              <a:t>5</a:t>
-            </a:r>
-          </a:p>
-        </p:txBody>
-      </p:sp>
-      <p:sp>
-        <p:nvSpPr>
-          <p:cNvPr id="114" name="Rectangle 113">
-            <a:extLst>
-              <a:ext uri="{FF2B5EF4-FFF2-40B4-BE49-F238E27FC236}">
-                <a16:creationId xmlns:a16="http://schemas.microsoft.com/office/drawing/2014/main" id="{FC1029B8-5C50-489E-A9FD-562608166681}"/>
-              </a:ext>
-            </a:extLst>
-          </p:cNvPr>
-          <p:cNvSpPr/>
-          <p:nvPr/>
-        </p:nvSpPr>
-        <p:spPr>
-          <a:xfrm>
-            <a:off x="7193822" y="2331878"/>
-            <a:ext cx="830510" cy="251886"/>
-          </a:xfrm>
-          <a:prstGeom prst="rect">
-            <a:avLst/>
-          </a:prstGeom>
-        </p:spPr>
-        <p:style>
-          <a:lnRef idx="2">
-            <a:schemeClr val="accent1">
-              <a:shade val="50000"/>
-            </a:schemeClr>
-          </a:lnRef>
-          <a:fillRef idx="1">
-            <a:schemeClr val="accent1"/>
-          </a:fillRef>
-          <a:effectRef idx="0">
-            <a:schemeClr val="accent1"/>
-          </a:effectRef>
-          <a:fontRef idx="minor">
-            <a:schemeClr val="lt1"/>
-          </a:fontRef>
-        </p:style>
-        <p:txBody>
-          <a:bodyPr rtlCol="0" anchor="ctr"/>
-          <a:lstStyle/>
-          <a:p>
-            <a:pPr algn="ctr"/>
-            <a:endParaRPr lang="en-US"/>
-          </a:p>
-        </p:txBody>
-      </p:sp>
-      <p:sp>
-        <p:nvSpPr>
-          <p:cNvPr id="115" name="Rectangle 114">
-            <a:extLst>
-              <a:ext uri="{FF2B5EF4-FFF2-40B4-BE49-F238E27FC236}">
-                <a16:creationId xmlns:a16="http://schemas.microsoft.com/office/drawing/2014/main" id="{3AE8E817-A5CC-4B57-8D8A-98A1B82BD09A}"/>
-              </a:ext>
-            </a:extLst>
-          </p:cNvPr>
-          <p:cNvSpPr/>
-          <p:nvPr/>
-        </p:nvSpPr>
-        <p:spPr>
-          <a:xfrm>
-            <a:off x="7180334" y="2331352"/>
-            <a:ext cx="486560" cy="251887"/>
-          </a:xfrm>
-          <a:prstGeom prst="rect">
-            <a:avLst/>
-          </a:prstGeom>
-          <a:solidFill>
-            <a:schemeClr val="bg1"/>
-          </a:solidFill>
-        </p:spPr>
-        <p:style>
-          <a:lnRef idx="2">
-            <a:schemeClr val="accent1">
-              <a:shade val="50000"/>
-            </a:schemeClr>
-          </a:lnRef>
-          <a:fillRef idx="1">
-            <a:schemeClr val="accent1"/>
-          </a:fillRef>
-          <a:effectRef idx="0">
-            <a:schemeClr val="accent1"/>
-          </a:effectRef>
-          <a:fontRef idx="minor">
-            <a:schemeClr val="lt1"/>
-          </a:fontRef>
-        </p:style>
-        <p:txBody>
-          <a:bodyPr rtlCol="0" anchor="ctr"/>
-          <a:lstStyle/>
-          <a:p>
-            <a:pPr algn="ctr"/>
-            <a:endParaRPr lang="en-US" dirty="0"/>
-          </a:p>
-        </p:txBody>
-      </p:sp>
-      <p:cxnSp>
-        <p:nvCxnSpPr>
-          <p:cNvPr id="116" name="Straight Arrow Connector 115">
-            <a:extLst>
-              <a:ext uri="{FF2B5EF4-FFF2-40B4-BE49-F238E27FC236}">
-                <a16:creationId xmlns:a16="http://schemas.microsoft.com/office/drawing/2014/main" id="{0D3C2657-16D9-4C22-AEC9-40D04E4B9E44}"/>
-              </a:ext>
-            </a:extLst>
-          </p:cNvPr>
-          <p:cNvCxnSpPr/>
-          <p:nvPr/>
-        </p:nvCxnSpPr>
-        <p:spPr>
-          <a:xfrm flipV="1">
-            <a:off x="7950563" y="2454829"/>
-            <a:ext cx="385892" cy="1"/>
-          </a:xfrm>
-          <a:prstGeom prst="straightConnector1">
-            <a:avLst/>
-          </a:prstGeom>
-          <a:ln w="38100">
-            <a:solidFill>
-              <a:srgbClr val="FF0000"/>
-            </a:solidFill>
-            <a:tailEnd type="triangle"/>
-          </a:ln>
-        </p:spPr>
-        <p:style>
-          <a:lnRef idx="1">
-            <a:schemeClr val="accent1"/>
-          </a:lnRef>
-          <a:fillRef idx="0">
-            <a:schemeClr val="accent1"/>
-          </a:fillRef>
-          <a:effectRef idx="0">
-            <a:schemeClr val="accent1"/>
-          </a:effectRef>
-          <a:fontRef idx="minor">
-            <a:schemeClr val="tx1"/>
-          </a:fontRef>
-        </p:style>
-      </p:cxnSp>
-      <p:sp>
-        <p:nvSpPr>
-          <p:cNvPr id="117" name="Rectangle 116">
-            <a:extLst>
-              <a:ext uri="{FF2B5EF4-FFF2-40B4-BE49-F238E27FC236}">
-                <a16:creationId xmlns:a16="http://schemas.microsoft.com/office/drawing/2014/main" id="{12458CB9-A16B-4D50-9B34-0E8BF7BB34B4}"/>
-              </a:ext>
-            </a:extLst>
-          </p:cNvPr>
-          <p:cNvSpPr/>
-          <p:nvPr/>
-        </p:nvSpPr>
-        <p:spPr>
-          <a:xfrm>
-            <a:off x="8334146" y="2306098"/>
-            <a:ext cx="830510" cy="251886"/>
-          </a:xfrm>
-          <a:prstGeom prst="rect">
-            <a:avLst/>
-          </a:prstGeom>
-        </p:spPr>
-        <p:style>
-          <a:lnRef idx="2">
-            <a:schemeClr val="accent1">
-              <a:shade val="50000"/>
-            </a:schemeClr>
-          </a:lnRef>
-          <a:fillRef idx="1">
-            <a:schemeClr val="accent1"/>
-          </a:fillRef>
-          <a:effectRef idx="0">
-            <a:schemeClr val="accent1"/>
-          </a:effectRef>
-          <a:fontRef idx="minor">
-            <a:schemeClr val="lt1"/>
-          </a:fontRef>
-        </p:style>
-        <p:txBody>
-          <a:bodyPr rtlCol="0" anchor="ctr"/>
-          <a:lstStyle/>
-          <a:p>
-            <a:pPr algn="ctr"/>
-            <a:endParaRPr lang="en-US"/>
-          </a:p>
-        </p:txBody>
-      </p:sp>
-      <p:sp>
-        <p:nvSpPr>
-          <p:cNvPr id="118" name="Rectangle 117">
-            <a:extLst>
-              <a:ext uri="{FF2B5EF4-FFF2-40B4-BE49-F238E27FC236}">
-                <a16:creationId xmlns:a16="http://schemas.microsoft.com/office/drawing/2014/main" id="{851EE099-9D4F-4849-A15F-922AD25FDB4D}"/>
-              </a:ext>
-            </a:extLst>
-          </p:cNvPr>
-          <p:cNvSpPr/>
-          <p:nvPr/>
-        </p:nvSpPr>
-        <p:spPr>
-          <a:xfrm>
-            <a:off x="8335005" y="2306098"/>
-            <a:ext cx="486560" cy="251887"/>
-          </a:xfrm>
-          <a:prstGeom prst="rect">
-            <a:avLst/>
-          </a:prstGeom>
-          <a:solidFill>
-            <a:schemeClr val="bg1"/>
-          </a:solidFill>
-        </p:spPr>
-        <p:style>
-          <a:lnRef idx="2">
-            <a:schemeClr val="accent1">
-              <a:shade val="50000"/>
-            </a:schemeClr>
-          </a:lnRef>
-          <a:fillRef idx="1">
-            <a:schemeClr val="accent1"/>
-          </a:fillRef>
-          <a:effectRef idx="0">
-            <a:schemeClr val="accent1"/>
-          </a:effectRef>
-          <a:fontRef idx="minor">
-            <a:schemeClr val="lt1"/>
-          </a:fontRef>
-        </p:style>
-        <p:txBody>
-          <a:bodyPr rtlCol="0" anchor="ctr"/>
-          <a:lstStyle/>
-          <a:p>
-            <a:pPr algn="ctr"/>
-            <a:endParaRPr lang="en-US" dirty="0"/>
-          </a:p>
-        </p:txBody>
-      </p:sp>
-      <p:cxnSp>
-        <p:nvCxnSpPr>
-          <p:cNvPr id="119" name="Straight Arrow Connector 118">
-            <a:extLst>
-              <a:ext uri="{FF2B5EF4-FFF2-40B4-BE49-F238E27FC236}">
-                <a16:creationId xmlns:a16="http://schemas.microsoft.com/office/drawing/2014/main" id="{3D719E83-0ECF-4EA6-9E5E-75D1C5FE9DED}"/>
-              </a:ext>
-            </a:extLst>
-          </p:cNvPr>
-          <p:cNvCxnSpPr/>
-          <p:nvPr/>
-        </p:nvCxnSpPr>
-        <p:spPr>
-          <a:xfrm flipV="1">
-            <a:off x="6130969" y="6090711"/>
-            <a:ext cx="385892" cy="1"/>
-          </a:xfrm>
-          <a:prstGeom prst="straightConnector1">
-            <a:avLst/>
-          </a:prstGeom>
-          <a:ln w="38100">
-            <a:solidFill>
-              <a:srgbClr val="FF0000"/>
-            </a:solidFill>
-            <a:tailEnd type="triangle"/>
-          </a:ln>
-        </p:spPr>
-        <p:style>
-          <a:lnRef idx="1">
-            <a:schemeClr val="accent1"/>
-          </a:lnRef>
-          <a:fillRef idx="0">
-            <a:schemeClr val="accent1"/>
-          </a:fillRef>
-          <a:effectRef idx="0">
-            <a:schemeClr val="accent1"/>
-          </a:effectRef>
-          <a:fontRef idx="minor">
-            <a:schemeClr val="tx1"/>
-          </a:fontRef>
-        </p:style>
-      </p:cxnSp>
-      <p:sp>
-        <p:nvSpPr>
-          <p:cNvPr id="120" name="Rectangle 119">
-            <a:extLst>
-              <a:ext uri="{FF2B5EF4-FFF2-40B4-BE49-F238E27FC236}">
-                <a16:creationId xmlns:a16="http://schemas.microsoft.com/office/drawing/2014/main" id="{C7D002F5-3B81-4C14-9F14-7F10D1645032}"/>
-              </a:ext>
-            </a:extLst>
-          </p:cNvPr>
-          <p:cNvSpPr/>
-          <p:nvPr/>
-        </p:nvSpPr>
-        <p:spPr>
-          <a:xfrm>
-            <a:off x="6495059" y="5879466"/>
-            <a:ext cx="534121" cy="369332"/>
-          </a:xfrm>
-          <a:prstGeom prst="rect">
-            <a:avLst/>
-          </a:prstGeom>
-        </p:spPr>
-        <p:txBody>
-          <a:bodyPr wrap="none">
-            <a:spAutoFit/>
-          </a:bodyPr>
-          <a:lstStyle/>
-          <a:p>
-            <a:r>
-              <a:rPr lang="en-US" dirty="0"/>
-              <a:t>null</a:t>
-            </a:r>
-          </a:p>
-        </p:txBody>
-      </p:sp>
-      <p:sp>
-        <p:nvSpPr>
-          <p:cNvPr id="121" name="TextBox 120">
-            <a:extLst>
-              <a:ext uri="{FF2B5EF4-FFF2-40B4-BE49-F238E27FC236}">
-                <a16:creationId xmlns:a16="http://schemas.microsoft.com/office/drawing/2014/main" id="{D83195D4-5D6C-4F2C-A8C2-F78DEA40DA16}"/>
-              </a:ext>
-            </a:extLst>
-          </p:cNvPr>
-          <p:cNvSpPr txBox="1"/>
-          <p:nvPr/>
-        </p:nvSpPr>
-        <p:spPr>
-          <a:xfrm>
-            <a:off x="7275255" y="2255304"/>
-            <a:ext cx="360726" cy="369332"/>
-          </a:xfrm>
-          <a:prstGeom prst="rect">
-            <a:avLst/>
-          </a:prstGeom>
-          <a:noFill/>
-        </p:spPr>
-        <p:txBody>
-          <a:bodyPr wrap="square" rtlCol="0">
-            <a:spAutoFit/>
-          </a:bodyPr>
-          <a:lstStyle/>
-          <a:p>
-            <a:r>
-              <a:rPr lang="en-US" dirty="0"/>
-              <a:t>0</a:t>
-            </a:r>
-          </a:p>
-        </p:txBody>
-      </p:sp>
-      <p:sp>
-        <p:nvSpPr>
-          <p:cNvPr id="122" name="TextBox 121">
-            <a:extLst>
-              <a:ext uri="{FF2B5EF4-FFF2-40B4-BE49-F238E27FC236}">
-                <a16:creationId xmlns:a16="http://schemas.microsoft.com/office/drawing/2014/main" id="{09431E14-67E4-4C64-84C1-A87FFD3D653B}"/>
-              </a:ext>
-            </a:extLst>
-          </p:cNvPr>
-          <p:cNvSpPr txBox="1"/>
-          <p:nvPr/>
-        </p:nvSpPr>
-        <p:spPr>
-          <a:xfrm>
-            <a:off x="8408974" y="2255485"/>
-            <a:ext cx="360726" cy="369332"/>
-          </a:xfrm>
-          <a:prstGeom prst="rect">
-            <a:avLst/>
-          </a:prstGeom>
-          <a:noFill/>
-        </p:spPr>
-        <p:txBody>
-          <a:bodyPr wrap="square" rtlCol="0">
-            <a:spAutoFit/>
-          </a:bodyPr>
-          <a:lstStyle/>
-          <a:p>
-            <a:r>
-              <a:rPr lang="en-US" dirty="0"/>
-              <a:t>1</a:t>
-            </a:r>
-          </a:p>
-        </p:txBody>
-      </p:sp>
-      <p:cxnSp>
-        <p:nvCxnSpPr>
-          <p:cNvPr id="123" name="Straight Arrow Connector 122">
-            <a:extLst>
-              <a:ext uri="{FF2B5EF4-FFF2-40B4-BE49-F238E27FC236}">
-                <a16:creationId xmlns:a16="http://schemas.microsoft.com/office/drawing/2014/main" id="{CF2319AE-47D0-4478-9840-B6DA064DA765}"/>
-              </a:ext>
-            </a:extLst>
-          </p:cNvPr>
-          <p:cNvCxnSpPr/>
-          <p:nvPr/>
-        </p:nvCxnSpPr>
-        <p:spPr>
-          <a:xfrm flipV="1">
-            <a:off x="6811637" y="2469056"/>
-            <a:ext cx="385892" cy="1"/>
-          </a:xfrm>
-          <a:prstGeom prst="straightConnector1">
-            <a:avLst/>
-          </a:prstGeom>
-          <a:ln w="38100">
             <a:solidFill>
               <a:srgbClr val="FF0000"/>
             </a:solidFill>
@@ -13440,19 +11488,21 @@
       </p:cxnSp>
       <p:cxnSp>
         <p:nvCxnSpPr>
-          <p:cNvPr id="124" name="Straight Arrow Connector 123">
-            <a:extLst>
-              <a:ext uri="{FF2B5EF4-FFF2-40B4-BE49-F238E27FC236}">
-                <a16:creationId xmlns:a16="http://schemas.microsoft.com/office/drawing/2014/main" id="{2BCC73FF-1DFA-462B-BB3A-D536D8351B2D}"/>
-              </a:ext>
-            </a:extLst>
-          </p:cNvPr>
-          <p:cNvCxnSpPr/>
+          <p:cNvPr id="143" name="Straight Arrow Connector 142">
+            <a:extLst>
+              <a:ext uri="{FF2B5EF4-FFF2-40B4-BE49-F238E27FC236}">
+                <a16:creationId xmlns:a16="http://schemas.microsoft.com/office/drawing/2014/main" id="{C63D1013-9E68-47DB-80D7-6A495E65D125}"/>
+              </a:ext>
+            </a:extLst>
+          </p:cNvPr>
+          <p:cNvCxnSpPr>
+            <a:cxnSpLocks/>
+          </p:cNvCxnSpPr>
           <p:nvPr/>
         </p:nvCxnSpPr>
         <p:spPr>
           <a:xfrm flipV="1">
-            <a:off x="5630190" y="2435867"/>
+            <a:off x="6479410" y="4287147"/>
             <a:ext cx="385892" cy="1"/>
           </a:xfrm>
           <a:prstGeom prst="straightConnector1">
@@ -13482,524 +11532,44 @@
       </p:cxnSp>
       <p:sp>
         <p:nvSpPr>
-          <p:cNvPr id="125" name="TextBox 124">
-            <a:extLst>
-              <a:ext uri="{FF2B5EF4-FFF2-40B4-BE49-F238E27FC236}">
-                <a16:creationId xmlns:a16="http://schemas.microsoft.com/office/drawing/2014/main" id="{90EF5076-B36B-4AD0-9391-7C29674CFEA3}"/>
-              </a:ext>
-            </a:extLst>
-          </p:cNvPr>
-          <p:cNvSpPr txBox="1"/>
-          <p:nvPr/>
-        </p:nvSpPr>
-        <p:spPr>
-          <a:xfrm>
-            <a:off x="10454664" y="2431000"/>
-            <a:ext cx="1073790" cy="646331"/>
-          </a:xfrm>
-          <a:prstGeom prst="rect">
-            <a:avLst/>
-          </a:prstGeom>
-          <a:noFill/>
-        </p:spPr>
-        <p:txBody>
-          <a:bodyPr wrap="square" rtlCol="0">
+          <p:cNvPr id="144" name="Rectangle 143">
+            <a:extLst>
+              <a:ext uri="{FF2B5EF4-FFF2-40B4-BE49-F238E27FC236}">
+                <a16:creationId xmlns:a16="http://schemas.microsoft.com/office/drawing/2014/main" id="{8837089E-16DF-49B7-9C41-BCDB8749D552}"/>
+              </a:ext>
+            </a:extLst>
+          </p:cNvPr>
+          <p:cNvSpPr/>
+          <p:nvPr/>
+        </p:nvSpPr>
+        <p:spPr>
+          <a:xfrm>
+            <a:off x="6843500" y="4075902"/>
+            <a:ext cx="534121" cy="369332"/>
+          </a:xfrm>
+          <a:prstGeom prst="rect">
+            <a:avLst/>
+          </a:prstGeom>
+        </p:spPr>
+        <p:txBody>
+          <a:bodyPr wrap="none">
             <a:spAutoFit/>
           </a:bodyPr>
           <a:lstStyle/>
           <a:p>
             <a:r>
-              <a:rPr lang="en-US" dirty="0">
-                <a:solidFill>
-                  <a:schemeClr val="accent2"/>
-                </a:solidFill>
-              </a:rPr>
-              <a:t>Return value</a:t>
-            </a:r>
-          </a:p>
-        </p:txBody>
-      </p:sp>
-      <p:sp>
-        <p:nvSpPr>
-          <p:cNvPr id="2" name="TextBox 1">
-            <a:extLst>
-              <a:ext uri="{FF2B5EF4-FFF2-40B4-BE49-F238E27FC236}">
-                <a16:creationId xmlns:a16="http://schemas.microsoft.com/office/drawing/2014/main" id="{59E7DBF5-ACAB-4069-ACB8-30E7E70725C3}"/>
-              </a:ext>
-            </a:extLst>
-          </p:cNvPr>
-          <p:cNvSpPr txBox="1"/>
-          <p:nvPr/>
-        </p:nvSpPr>
-        <p:spPr>
-          <a:xfrm>
-            <a:off x="154649" y="22973"/>
-            <a:ext cx="2140673" cy="369332"/>
-          </a:xfrm>
-          <a:prstGeom prst="rect">
-            <a:avLst/>
-          </a:prstGeom>
-          <a:noFill/>
-        </p:spPr>
-        <p:txBody>
-          <a:bodyPr wrap="square" rtlCol="0">
-            <a:spAutoFit/>
-          </a:bodyPr>
-          <a:lstStyle/>
-          <a:p>
-            <a:r>
-              <a:rPr lang="en-US" u="sng" dirty="0">
-                <a:solidFill>
-                  <a:schemeClr val="accent1"/>
-                </a:solidFill>
-              </a:rPr>
-              <a:t>addLists_1.java</a:t>
-            </a:r>
-          </a:p>
-        </p:txBody>
-      </p:sp>
-      <p:sp>
-        <p:nvSpPr>
-          <p:cNvPr id="127" name="TextBox 126">
-            <a:extLst>
-              <a:ext uri="{FF2B5EF4-FFF2-40B4-BE49-F238E27FC236}">
-                <a16:creationId xmlns:a16="http://schemas.microsoft.com/office/drawing/2014/main" id="{D48BBE7A-46EF-4495-8039-1A7CEEEA91BA}"/>
-              </a:ext>
-            </a:extLst>
-          </p:cNvPr>
-          <p:cNvSpPr txBox="1"/>
-          <p:nvPr/>
-        </p:nvSpPr>
-        <p:spPr>
-          <a:xfrm>
-            <a:off x="641760" y="1805108"/>
-            <a:ext cx="1073790" cy="369332"/>
-          </a:xfrm>
-          <a:prstGeom prst="rect">
-            <a:avLst/>
-          </a:prstGeom>
-          <a:noFill/>
-        </p:spPr>
-        <p:txBody>
-          <a:bodyPr wrap="square" rtlCol="0">
-            <a:spAutoFit/>
-          </a:bodyPr>
-          <a:lstStyle/>
-          <a:p>
-            <a:r>
               <a:rPr lang="en-US" dirty="0"/>
-              <a:t>l1 = 3 </a:t>
-            </a:r>
-          </a:p>
-        </p:txBody>
-      </p:sp>
-      <p:sp>
-        <p:nvSpPr>
-          <p:cNvPr id="128" name="TextBox 127">
-            <a:extLst>
-              <a:ext uri="{FF2B5EF4-FFF2-40B4-BE49-F238E27FC236}">
-                <a16:creationId xmlns:a16="http://schemas.microsoft.com/office/drawing/2014/main" id="{05CF8DC5-A04E-46CD-AD9F-9DF33E87A97D}"/>
-              </a:ext>
-            </a:extLst>
-          </p:cNvPr>
-          <p:cNvSpPr txBox="1"/>
-          <p:nvPr/>
-        </p:nvSpPr>
-        <p:spPr>
-          <a:xfrm>
-            <a:off x="651350" y="2082605"/>
-            <a:ext cx="1073790" cy="369332"/>
-          </a:xfrm>
-          <a:prstGeom prst="rect">
-            <a:avLst/>
-          </a:prstGeom>
-          <a:noFill/>
-        </p:spPr>
-        <p:txBody>
-          <a:bodyPr wrap="square" rtlCol="0">
-            <a:spAutoFit/>
-          </a:bodyPr>
-          <a:lstStyle/>
-          <a:p>
-            <a:r>
-              <a:rPr lang="en-US" dirty="0"/>
-              <a:t>l2 = 6</a:t>
-            </a:r>
-          </a:p>
-        </p:txBody>
-      </p:sp>
-      <p:sp>
-        <p:nvSpPr>
-          <p:cNvPr id="129" name="TextBox 128">
-            <a:extLst>
-              <a:ext uri="{FF2B5EF4-FFF2-40B4-BE49-F238E27FC236}">
-                <a16:creationId xmlns:a16="http://schemas.microsoft.com/office/drawing/2014/main" id="{BCED4C02-66D7-42E9-95D7-C64543831050}"/>
-              </a:ext>
-            </a:extLst>
-          </p:cNvPr>
-          <p:cNvSpPr txBox="1"/>
-          <p:nvPr/>
-        </p:nvSpPr>
-        <p:spPr>
-          <a:xfrm>
-            <a:off x="2164087" y="3746082"/>
-            <a:ext cx="1073790" cy="369332"/>
-          </a:xfrm>
-          <a:prstGeom prst="rect">
-            <a:avLst/>
-          </a:prstGeom>
-          <a:noFill/>
-        </p:spPr>
-        <p:txBody>
-          <a:bodyPr wrap="square" rtlCol="0">
-            <a:spAutoFit/>
-          </a:bodyPr>
-          <a:lstStyle/>
-          <a:p>
-            <a:r>
-              <a:rPr lang="en-US" dirty="0"/>
-              <a:t>sum=</a:t>
-            </a:r>
-          </a:p>
-        </p:txBody>
-      </p:sp>
-      <p:sp>
-        <p:nvSpPr>
-          <p:cNvPr id="130" name="TextBox 129">
-            <a:extLst>
-              <a:ext uri="{FF2B5EF4-FFF2-40B4-BE49-F238E27FC236}">
-                <a16:creationId xmlns:a16="http://schemas.microsoft.com/office/drawing/2014/main" id="{239B97B2-D618-44C9-A67D-BC46826D3188}"/>
-              </a:ext>
-            </a:extLst>
-          </p:cNvPr>
-          <p:cNvSpPr txBox="1"/>
-          <p:nvPr/>
-        </p:nvSpPr>
-        <p:spPr>
-          <a:xfrm>
-            <a:off x="2125230" y="3187306"/>
-            <a:ext cx="1073790" cy="369332"/>
-          </a:xfrm>
-          <a:prstGeom prst="rect">
-            <a:avLst/>
-          </a:prstGeom>
-          <a:noFill/>
-        </p:spPr>
-        <p:txBody>
-          <a:bodyPr wrap="square" rtlCol="0">
-            <a:spAutoFit/>
-          </a:bodyPr>
-          <a:lstStyle/>
-          <a:p>
-            <a:r>
-              <a:rPr lang="en-US" dirty="0"/>
-              <a:t>l1 = 6 </a:t>
-            </a:r>
-          </a:p>
-        </p:txBody>
-      </p:sp>
-      <p:sp>
-        <p:nvSpPr>
-          <p:cNvPr id="131" name="TextBox 130">
-            <a:extLst>
-              <a:ext uri="{FF2B5EF4-FFF2-40B4-BE49-F238E27FC236}">
-                <a16:creationId xmlns:a16="http://schemas.microsoft.com/office/drawing/2014/main" id="{38DC89F5-BAE3-4830-BFF3-301B967767FE}"/>
-              </a:ext>
-            </a:extLst>
-          </p:cNvPr>
-          <p:cNvSpPr txBox="1"/>
-          <p:nvPr/>
-        </p:nvSpPr>
-        <p:spPr>
-          <a:xfrm>
-            <a:off x="2134820" y="3464803"/>
-            <a:ext cx="1073790" cy="369332"/>
-          </a:xfrm>
-          <a:prstGeom prst="rect">
-            <a:avLst/>
-          </a:prstGeom>
-          <a:noFill/>
-        </p:spPr>
-        <p:txBody>
-          <a:bodyPr wrap="square" rtlCol="0">
-            <a:spAutoFit/>
-          </a:bodyPr>
-          <a:lstStyle/>
-          <a:p>
-            <a:r>
-              <a:rPr lang="en-US" dirty="0"/>
-              <a:t>l2 = 7</a:t>
-            </a:r>
-          </a:p>
-        </p:txBody>
-      </p:sp>
-      <p:cxnSp>
-        <p:nvCxnSpPr>
-          <p:cNvPr id="132" name="Straight Arrow Connector 131">
-            <a:extLst>
-              <a:ext uri="{FF2B5EF4-FFF2-40B4-BE49-F238E27FC236}">
-                <a16:creationId xmlns:a16="http://schemas.microsoft.com/office/drawing/2014/main" id="{65351030-D55C-4D93-B109-A2F401F81DB3}"/>
-              </a:ext>
-            </a:extLst>
-          </p:cNvPr>
-          <p:cNvCxnSpPr/>
-          <p:nvPr/>
-        </p:nvCxnSpPr>
-        <p:spPr>
-          <a:xfrm>
-            <a:off x="3225562" y="3968333"/>
-            <a:ext cx="587230" cy="359396"/>
-          </a:xfrm>
-          <a:prstGeom prst="straightConnector1">
-            <a:avLst/>
-          </a:prstGeom>
-          <a:ln>
-            <a:tailEnd type="triangle"/>
-          </a:ln>
-        </p:spPr>
-        <p:style>
-          <a:lnRef idx="1">
-            <a:schemeClr val="accent1"/>
-          </a:lnRef>
-          <a:fillRef idx="0">
-            <a:schemeClr val="accent1"/>
-          </a:fillRef>
-          <a:effectRef idx="0">
-            <a:schemeClr val="accent1"/>
-          </a:effectRef>
-          <a:fontRef idx="minor">
-            <a:schemeClr val="tx1"/>
-          </a:fontRef>
-        </p:style>
-      </p:cxnSp>
-      <p:sp>
-        <p:nvSpPr>
-          <p:cNvPr id="133" name="TextBox 132">
-            <a:extLst>
-              <a:ext uri="{FF2B5EF4-FFF2-40B4-BE49-F238E27FC236}">
-                <a16:creationId xmlns:a16="http://schemas.microsoft.com/office/drawing/2014/main" id="{B60BD5FE-9D7F-4A8F-8767-4DB43E494FF4}"/>
-              </a:ext>
-            </a:extLst>
-          </p:cNvPr>
-          <p:cNvSpPr txBox="1"/>
-          <p:nvPr/>
-        </p:nvSpPr>
-        <p:spPr>
-          <a:xfrm>
-            <a:off x="4073893" y="5258608"/>
-            <a:ext cx="1654957" cy="369332"/>
-          </a:xfrm>
-          <a:prstGeom prst="rect">
-            <a:avLst/>
-          </a:prstGeom>
-          <a:noFill/>
-        </p:spPr>
-        <p:txBody>
-          <a:bodyPr wrap="square" rtlCol="0">
-            <a:spAutoFit/>
-          </a:bodyPr>
-          <a:lstStyle/>
-          <a:p>
-            <a:r>
-              <a:rPr lang="en-US" dirty="0"/>
-              <a:t>sum= </a:t>
-            </a:r>
-          </a:p>
-        </p:txBody>
-      </p:sp>
-      <p:sp>
-        <p:nvSpPr>
-          <p:cNvPr id="134" name="TextBox 133">
-            <a:extLst>
-              <a:ext uri="{FF2B5EF4-FFF2-40B4-BE49-F238E27FC236}">
-                <a16:creationId xmlns:a16="http://schemas.microsoft.com/office/drawing/2014/main" id="{84FD143C-8EC6-4119-A0B7-7382722C5178}"/>
-              </a:ext>
-            </a:extLst>
-          </p:cNvPr>
-          <p:cNvSpPr txBox="1"/>
-          <p:nvPr/>
-        </p:nvSpPr>
-        <p:spPr>
-          <a:xfrm>
-            <a:off x="4035037" y="4699832"/>
-            <a:ext cx="1073790" cy="369332"/>
-          </a:xfrm>
-          <a:prstGeom prst="rect">
-            <a:avLst/>
-          </a:prstGeom>
-          <a:noFill/>
-        </p:spPr>
-        <p:txBody>
-          <a:bodyPr wrap="square" rtlCol="0">
-            <a:spAutoFit/>
-          </a:bodyPr>
-          <a:lstStyle/>
-          <a:p>
-            <a:r>
-              <a:rPr lang="en-US" dirty="0"/>
-              <a:t>l1 = 7</a:t>
-            </a:r>
-          </a:p>
-        </p:txBody>
-      </p:sp>
-      <p:sp>
-        <p:nvSpPr>
-          <p:cNvPr id="135" name="TextBox 134">
-            <a:extLst>
-              <a:ext uri="{FF2B5EF4-FFF2-40B4-BE49-F238E27FC236}">
-                <a16:creationId xmlns:a16="http://schemas.microsoft.com/office/drawing/2014/main" id="{79D54BE8-C249-40B0-8ABF-9CE189E80F27}"/>
-              </a:ext>
-            </a:extLst>
-          </p:cNvPr>
-          <p:cNvSpPr txBox="1"/>
-          <p:nvPr/>
-        </p:nvSpPr>
-        <p:spPr>
-          <a:xfrm>
-            <a:off x="4044627" y="4977329"/>
-            <a:ext cx="1073790" cy="369332"/>
-          </a:xfrm>
-          <a:prstGeom prst="rect">
-            <a:avLst/>
-          </a:prstGeom>
-          <a:noFill/>
-        </p:spPr>
-        <p:txBody>
-          <a:bodyPr wrap="square" rtlCol="0">
-            <a:spAutoFit/>
-          </a:bodyPr>
-          <a:lstStyle/>
-          <a:p>
-            <a:r>
-              <a:rPr lang="en-US" dirty="0"/>
-              <a:t>l2 = 9</a:t>
-            </a:r>
-          </a:p>
-        </p:txBody>
-      </p:sp>
-      <p:sp>
-        <p:nvSpPr>
-          <p:cNvPr id="136" name="TextBox 135">
-            <a:extLst>
-              <a:ext uri="{FF2B5EF4-FFF2-40B4-BE49-F238E27FC236}">
-                <a16:creationId xmlns:a16="http://schemas.microsoft.com/office/drawing/2014/main" id="{31B2DA70-82CE-4364-AD9B-C50B1BF7D370}"/>
-              </a:ext>
-            </a:extLst>
-          </p:cNvPr>
-          <p:cNvSpPr txBox="1"/>
-          <p:nvPr/>
-        </p:nvSpPr>
-        <p:spPr>
-          <a:xfrm>
-            <a:off x="4082004" y="5541021"/>
-            <a:ext cx="1073790" cy="369332"/>
-          </a:xfrm>
-          <a:prstGeom prst="rect">
-            <a:avLst/>
-          </a:prstGeom>
-          <a:noFill/>
-        </p:spPr>
-        <p:txBody>
-          <a:bodyPr wrap="square" rtlCol="0">
-            <a:spAutoFit/>
-          </a:bodyPr>
-          <a:lstStyle/>
-          <a:p>
-            <a:r>
-              <a:rPr lang="en-US" dirty="0" err="1"/>
-              <a:t>val</a:t>
-            </a:r>
-            <a:r>
-              <a:rPr lang="en-US" dirty="0"/>
-              <a:t>= 7 + 9</a:t>
-            </a:r>
-          </a:p>
-        </p:txBody>
-      </p:sp>
-      <p:sp>
-        <p:nvSpPr>
-          <p:cNvPr id="137" name="TextBox 136">
-            <a:extLst>
-              <a:ext uri="{FF2B5EF4-FFF2-40B4-BE49-F238E27FC236}">
-                <a16:creationId xmlns:a16="http://schemas.microsoft.com/office/drawing/2014/main" id="{2D5A38E2-DB1F-4472-84E9-BAB2993EC8B4}"/>
-              </a:ext>
-            </a:extLst>
-          </p:cNvPr>
-          <p:cNvSpPr txBox="1"/>
-          <p:nvPr/>
-        </p:nvSpPr>
-        <p:spPr>
-          <a:xfrm>
-            <a:off x="4090114" y="5851025"/>
-            <a:ext cx="1257042" cy="369332"/>
-          </a:xfrm>
-          <a:prstGeom prst="rect">
-            <a:avLst/>
-          </a:prstGeom>
-          <a:noFill/>
-        </p:spPr>
-        <p:txBody>
-          <a:bodyPr wrap="square" rtlCol="0">
-            <a:spAutoFit/>
-          </a:bodyPr>
-          <a:lstStyle/>
-          <a:p>
-            <a:r>
-              <a:rPr lang="en-US" dirty="0" err="1"/>
-              <a:t>sum.sum</a:t>
-            </a:r>
-            <a:r>
-              <a:rPr lang="en-US" dirty="0"/>
-              <a:t> = </a:t>
-            </a:r>
-          </a:p>
-        </p:txBody>
-      </p:sp>
-      <p:sp>
-        <p:nvSpPr>
-          <p:cNvPr id="138" name="TextBox 137">
-            <a:extLst>
-              <a:ext uri="{FF2B5EF4-FFF2-40B4-BE49-F238E27FC236}">
-                <a16:creationId xmlns:a16="http://schemas.microsoft.com/office/drawing/2014/main" id="{35312DA4-F5F6-43BE-9AE7-55168067C52C}"/>
-              </a:ext>
-            </a:extLst>
-          </p:cNvPr>
-          <p:cNvSpPr txBox="1"/>
-          <p:nvPr/>
-        </p:nvSpPr>
-        <p:spPr>
-          <a:xfrm>
-            <a:off x="4082004" y="6161029"/>
-            <a:ext cx="1073790" cy="369332"/>
-          </a:xfrm>
-          <a:prstGeom prst="rect">
-            <a:avLst/>
-          </a:prstGeom>
-          <a:noFill/>
-        </p:spPr>
-        <p:txBody>
-          <a:bodyPr wrap="square" rtlCol="0">
-            <a:spAutoFit/>
-          </a:bodyPr>
-          <a:lstStyle/>
-          <a:p>
-            <a:r>
-              <a:rPr lang="en-US" dirty="0" err="1"/>
-              <a:t>val</a:t>
-            </a:r>
-            <a:r>
-              <a:rPr lang="en-US" dirty="0"/>
-              <a:t>= 7 + 9</a:t>
-            </a:r>
-          </a:p>
-        </p:txBody>
-      </p:sp>
-      <p:sp>
-        <p:nvSpPr>
-          <p:cNvPr id="139" name="Rectangle 138">
-            <a:extLst>
-              <a:ext uri="{FF2B5EF4-FFF2-40B4-BE49-F238E27FC236}">
-                <a16:creationId xmlns:a16="http://schemas.microsoft.com/office/drawing/2014/main" id="{AEA2F379-3D93-41EE-9306-8793C518412A}"/>
+              <a:t>null</a:t>
+            </a:r>
+          </a:p>
+        </p:txBody>
+      </p:sp>
+      <p:sp>
+        <p:nvSpPr>
+          <p:cNvPr id="145" name="Rectangle 144">
+            <a:extLst>
+              <a:ext uri="{FF2B5EF4-FFF2-40B4-BE49-F238E27FC236}">
+                <a16:creationId xmlns:a16="http://schemas.microsoft.com/office/drawing/2014/main" id="{8726F116-F4E8-4AE5-9D6F-5BA19C6026D2}"/>
               </a:ext>
             </a:extLst>
           </p:cNvPr>
@@ -14008,7 +11578,7 @@
         </p:nvSpPr>
         <p:spPr>
           <a:xfrm>
-            <a:off x="5292349" y="5938715"/>
+            <a:off x="5640790" y="4135151"/>
             <a:ext cx="830510" cy="251886"/>
           </a:xfrm>
           <a:prstGeom prst="rect">
@@ -14042,10 +11612,10 @@
       </p:sp>
       <p:sp>
         <p:nvSpPr>
-          <p:cNvPr id="140" name="Rectangle 139">
-            <a:extLst>
-              <a:ext uri="{FF2B5EF4-FFF2-40B4-BE49-F238E27FC236}">
-                <a16:creationId xmlns:a16="http://schemas.microsoft.com/office/drawing/2014/main" id="{530C3AF5-8204-4FCA-87E5-81A9C282092C}"/>
+          <p:cNvPr id="146" name="Rectangle 145">
+            <a:extLst>
+              <a:ext uri="{FF2B5EF4-FFF2-40B4-BE49-F238E27FC236}">
+                <a16:creationId xmlns:a16="http://schemas.microsoft.com/office/drawing/2014/main" id="{93AE9D98-0A20-4BAD-98DA-B998EC4A0D08}"/>
               </a:ext>
             </a:extLst>
           </p:cNvPr>
@@ -14054,7 +11624,7 @@
         </p:nvSpPr>
         <p:spPr>
           <a:xfrm>
-            <a:off x="5278861" y="5938189"/>
+            <a:off x="5627302" y="4134625"/>
             <a:ext cx="486560" cy="251887"/>
           </a:xfrm>
           <a:prstGeom prst="rect">
@@ -14091,10 +11661,10 @@
       </p:sp>
       <p:sp>
         <p:nvSpPr>
-          <p:cNvPr id="141" name="TextBox 140">
-            <a:extLst>
-              <a:ext uri="{FF2B5EF4-FFF2-40B4-BE49-F238E27FC236}">
-                <a16:creationId xmlns:a16="http://schemas.microsoft.com/office/drawing/2014/main" id="{4E54459E-335A-47B0-8390-CF78BD92CAF3}"/>
+          <p:cNvPr id="147" name="TextBox 146">
+            <a:extLst>
+              <a:ext uri="{FF2B5EF4-FFF2-40B4-BE49-F238E27FC236}">
+                <a16:creationId xmlns:a16="http://schemas.microsoft.com/office/drawing/2014/main" id="{C01E98C3-3BBA-4C64-B231-D410988B9B7B}"/>
               </a:ext>
             </a:extLst>
           </p:cNvPr>
@@ -14103,7 +11673,7 @@
         </p:nvSpPr>
         <p:spPr>
           <a:xfrm>
-            <a:off x="5355266" y="5870359"/>
+            <a:off x="5703707" y="4066795"/>
             <a:ext cx="360726" cy="369332"/>
           </a:xfrm>
           <a:prstGeom prst="rect">
@@ -14124,6 +11694,1291 @@
           </a:p>
         </p:txBody>
       </p:sp>
+      <p:sp>
+        <p:nvSpPr>
+          <p:cNvPr id="148" name="TextBox 147">
+            <a:extLst>
+              <a:ext uri="{FF2B5EF4-FFF2-40B4-BE49-F238E27FC236}">
+                <a16:creationId xmlns:a16="http://schemas.microsoft.com/office/drawing/2014/main" id="{6C60731B-4CE6-434E-8608-4EDA816D55EB}"/>
+              </a:ext>
+            </a:extLst>
+          </p:cNvPr>
+          <p:cNvSpPr txBox="1"/>
+          <p:nvPr/>
+        </p:nvSpPr>
+        <p:spPr>
+          <a:xfrm>
+            <a:off x="5579265" y="4360068"/>
+            <a:ext cx="1548186" cy="369332"/>
+          </a:xfrm>
+          <a:prstGeom prst="rect">
+            <a:avLst/>
+          </a:prstGeom>
+          <a:noFill/>
+        </p:spPr>
+        <p:txBody>
+          <a:bodyPr wrap="square" rtlCol="0">
+            <a:spAutoFit/>
+          </a:bodyPr>
+          <a:lstStyle/>
+          <a:p>
+            <a:r>
+              <a:rPr lang="en-US" dirty="0"/>
+              <a:t>carry= 1</a:t>
+            </a:r>
+          </a:p>
+        </p:txBody>
+      </p:sp>
+      <p:sp>
+        <p:nvSpPr>
+          <p:cNvPr id="16" name="Rectangle 15">
+            <a:extLst>
+              <a:ext uri="{FF2B5EF4-FFF2-40B4-BE49-F238E27FC236}">
+                <a16:creationId xmlns:a16="http://schemas.microsoft.com/office/drawing/2014/main" id="{DB9A4520-86E0-49C2-AABD-5F4671EDD705}"/>
+              </a:ext>
+            </a:extLst>
+          </p:cNvPr>
+          <p:cNvSpPr/>
+          <p:nvPr/>
+        </p:nvSpPr>
+        <p:spPr>
+          <a:xfrm>
+            <a:off x="5579265" y="3930748"/>
+            <a:ext cx="2102988" cy="764168"/>
+          </a:xfrm>
+          <a:prstGeom prst="rect">
+            <a:avLst/>
+          </a:prstGeom>
+          <a:noFill/>
+          <a:ln w="38100">
+            <a:solidFill>
+              <a:schemeClr val="accent6">
+                <a:lumMod val="75000"/>
+              </a:schemeClr>
+            </a:solidFill>
+          </a:ln>
+        </p:spPr>
+        <p:style>
+          <a:lnRef idx="2">
+            <a:schemeClr val="accent1">
+              <a:shade val="50000"/>
+            </a:schemeClr>
+          </a:lnRef>
+          <a:fillRef idx="1">
+            <a:schemeClr val="accent1"/>
+          </a:fillRef>
+          <a:effectRef idx="0">
+            <a:schemeClr val="accent1"/>
+          </a:effectRef>
+          <a:fontRef idx="minor">
+            <a:schemeClr val="lt1"/>
+          </a:fontRef>
+        </p:style>
+        <p:txBody>
+          <a:bodyPr rtlCol="0" anchor="ctr"/>
+          <a:lstStyle/>
+          <a:p>
+            <a:pPr algn="ctr"/>
+            <a:endParaRPr lang="en-US"/>
+          </a:p>
+        </p:txBody>
+      </p:sp>
+      <p:sp>
+        <p:nvSpPr>
+          <p:cNvPr id="31" name="TextBox 30">
+            <a:extLst>
+              <a:ext uri="{FF2B5EF4-FFF2-40B4-BE49-F238E27FC236}">
+                <a16:creationId xmlns:a16="http://schemas.microsoft.com/office/drawing/2014/main" id="{78B7F26C-875A-4048-9D1F-49E6360459BD}"/>
+              </a:ext>
+            </a:extLst>
+          </p:cNvPr>
+          <p:cNvSpPr txBox="1"/>
+          <p:nvPr/>
+        </p:nvSpPr>
+        <p:spPr>
+          <a:xfrm>
+            <a:off x="5474428" y="3575849"/>
+            <a:ext cx="1702815" cy="369332"/>
+          </a:xfrm>
+          <a:prstGeom prst="rect">
+            <a:avLst/>
+          </a:prstGeom>
+          <a:noFill/>
+        </p:spPr>
+        <p:txBody>
+          <a:bodyPr wrap="square" rtlCol="0">
+            <a:spAutoFit/>
+          </a:bodyPr>
+          <a:lstStyle/>
+          <a:p>
+            <a:r>
+              <a:rPr lang="en-US" b="1" dirty="0" err="1">
+                <a:solidFill>
+                  <a:schemeClr val="accent6">
+                    <a:lumMod val="75000"/>
+                  </a:schemeClr>
+                </a:solidFill>
+              </a:rPr>
+              <a:t>PartialSum</a:t>
+            </a:r>
+            <a:r>
+              <a:rPr lang="en-US" b="1" dirty="0">
+                <a:solidFill>
+                  <a:schemeClr val="accent6">
+                    <a:lumMod val="75000"/>
+                  </a:schemeClr>
+                </a:solidFill>
+              </a:rPr>
+              <a:t> sum</a:t>
+            </a:r>
+          </a:p>
+        </p:txBody>
+      </p:sp>
+      <p:sp>
+        <p:nvSpPr>
+          <p:cNvPr id="149" name="TextBox 148">
+            <a:extLst>
+              <a:ext uri="{FF2B5EF4-FFF2-40B4-BE49-F238E27FC236}">
+                <a16:creationId xmlns:a16="http://schemas.microsoft.com/office/drawing/2014/main" id="{49BCD8A1-5A76-4569-AFFE-C932E3EADF4A}"/>
+              </a:ext>
+            </a:extLst>
+          </p:cNvPr>
+          <p:cNvSpPr txBox="1"/>
+          <p:nvPr/>
+        </p:nvSpPr>
+        <p:spPr>
+          <a:xfrm>
+            <a:off x="3330893" y="4032410"/>
+            <a:ext cx="1548186" cy="369332"/>
+          </a:xfrm>
+          <a:prstGeom prst="rect">
+            <a:avLst/>
+          </a:prstGeom>
+          <a:noFill/>
+        </p:spPr>
+        <p:txBody>
+          <a:bodyPr wrap="square" rtlCol="0">
+            <a:spAutoFit/>
+          </a:bodyPr>
+          <a:lstStyle/>
+          <a:p>
+            <a:r>
+              <a:rPr lang="en-US" dirty="0"/>
+              <a:t>Val = 1 + 6+7</a:t>
+            </a:r>
+          </a:p>
+        </p:txBody>
+      </p:sp>
+      <p:cxnSp>
+        <p:nvCxnSpPr>
+          <p:cNvPr id="157" name="Straight Arrow Connector 156">
+            <a:extLst>
+              <a:ext uri="{FF2B5EF4-FFF2-40B4-BE49-F238E27FC236}">
+                <a16:creationId xmlns:a16="http://schemas.microsoft.com/office/drawing/2014/main" id="{81AF5345-2F3E-4D6C-8548-0A2FE413741F}"/>
+              </a:ext>
+            </a:extLst>
+          </p:cNvPr>
+          <p:cNvCxnSpPr>
+            <a:cxnSpLocks/>
+          </p:cNvCxnSpPr>
+          <p:nvPr/>
+        </p:nvCxnSpPr>
+        <p:spPr>
+          <a:xfrm flipV="1">
+            <a:off x="4257529" y="4836970"/>
+            <a:ext cx="385892" cy="1"/>
+          </a:xfrm>
+          <a:prstGeom prst="straightConnector1">
+            <a:avLst/>
+          </a:prstGeom>
+          <a:ln w="38100">
+            <a:solidFill>
+              <a:srgbClr val="FF0000"/>
+            </a:solidFill>
+            <a:tailEnd type="triangle"/>
+          </a:ln>
+        </p:spPr>
+        <p:style>
+          <a:lnRef idx="1">
+            <a:schemeClr val="accent1"/>
+          </a:lnRef>
+          <a:fillRef idx="0">
+            <a:schemeClr val="accent1"/>
+          </a:fillRef>
+          <a:effectRef idx="0">
+            <a:schemeClr val="accent1"/>
+          </a:effectRef>
+          <a:fontRef idx="minor">
+            <a:schemeClr val="tx1"/>
+          </a:fontRef>
+        </p:style>
+      </p:cxnSp>
+      <p:sp>
+        <p:nvSpPr>
+          <p:cNvPr id="158" name="Rectangle 157">
+            <a:extLst>
+              <a:ext uri="{FF2B5EF4-FFF2-40B4-BE49-F238E27FC236}">
+                <a16:creationId xmlns:a16="http://schemas.microsoft.com/office/drawing/2014/main" id="{C9F3DCED-7241-4ECB-A449-B1C567E66749}"/>
+              </a:ext>
+            </a:extLst>
+          </p:cNvPr>
+          <p:cNvSpPr/>
+          <p:nvPr/>
+        </p:nvSpPr>
+        <p:spPr>
+          <a:xfrm>
+            <a:off x="4590546" y="4644587"/>
+            <a:ext cx="534121" cy="369332"/>
+          </a:xfrm>
+          <a:prstGeom prst="rect">
+            <a:avLst/>
+          </a:prstGeom>
+        </p:spPr>
+        <p:txBody>
+          <a:bodyPr wrap="none">
+            <a:spAutoFit/>
+          </a:bodyPr>
+          <a:lstStyle/>
+          <a:p>
+            <a:r>
+              <a:rPr lang="en-US" dirty="0"/>
+              <a:t>null</a:t>
+            </a:r>
+          </a:p>
+        </p:txBody>
+      </p:sp>
+      <p:sp>
+        <p:nvSpPr>
+          <p:cNvPr id="159" name="TextBox 158">
+            <a:extLst>
+              <a:ext uri="{FF2B5EF4-FFF2-40B4-BE49-F238E27FC236}">
+                <a16:creationId xmlns:a16="http://schemas.microsoft.com/office/drawing/2014/main" id="{0DD2D96B-7592-4FCC-9E9F-3907DD4D3F26}"/>
+              </a:ext>
+            </a:extLst>
+          </p:cNvPr>
+          <p:cNvSpPr txBox="1"/>
+          <p:nvPr/>
+        </p:nvSpPr>
+        <p:spPr>
+          <a:xfrm>
+            <a:off x="2077285" y="4282503"/>
+            <a:ext cx="1257042" cy="369332"/>
+          </a:xfrm>
+          <a:prstGeom prst="rect">
+            <a:avLst/>
+          </a:prstGeom>
+          <a:noFill/>
+        </p:spPr>
+        <p:txBody>
+          <a:bodyPr wrap="square" rtlCol="0">
+            <a:spAutoFit/>
+          </a:bodyPr>
+          <a:lstStyle/>
+          <a:p>
+            <a:r>
+              <a:rPr lang="en-US" dirty="0" err="1"/>
+              <a:t>sum.sum</a:t>
+            </a:r>
+            <a:r>
+              <a:rPr lang="en-US" dirty="0"/>
+              <a:t> = </a:t>
+            </a:r>
+          </a:p>
+        </p:txBody>
+      </p:sp>
+      <p:sp>
+        <p:nvSpPr>
+          <p:cNvPr id="160" name="TextBox 159">
+            <a:extLst>
+              <a:ext uri="{FF2B5EF4-FFF2-40B4-BE49-F238E27FC236}">
+                <a16:creationId xmlns:a16="http://schemas.microsoft.com/office/drawing/2014/main" id="{3D34AE21-A271-4AD2-9EFB-118450B37361}"/>
+              </a:ext>
+            </a:extLst>
+          </p:cNvPr>
+          <p:cNvSpPr txBox="1"/>
+          <p:nvPr/>
+        </p:nvSpPr>
+        <p:spPr>
+          <a:xfrm>
+            <a:off x="3354911" y="5097441"/>
+            <a:ext cx="1548186" cy="369332"/>
+          </a:xfrm>
+          <a:prstGeom prst="rect">
+            <a:avLst/>
+          </a:prstGeom>
+          <a:noFill/>
+        </p:spPr>
+        <p:txBody>
+          <a:bodyPr wrap="square" rtlCol="0">
+            <a:spAutoFit/>
+          </a:bodyPr>
+          <a:lstStyle/>
+          <a:p>
+            <a:r>
+              <a:rPr lang="en-US" dirty="0"/>
+              <a:t>carry= 1</a:t>
+            </a:r>
+          </a:p>
+        </p:txBody>
+      </p:sp>
+      <p:sp>
+        <p:nvSpPr>
+          <p:cNvPr id="161" name="Rectangle 160">
+            <a:extLst>
+              <a:ext uri="{FF2B5EF4-FFF2-40B4-BE49-F238E27FC236}">
+                <a16:creationId xmlns:a16="http://schemas.microsoft.com/office/drawing/2014/main" id="{6B20D994-2039-45D3-B43F-099E9F22AC08}"/>
+              </a:ext>
+            </a:extLst>
+          </p:cNvPr>
+          <p:cNvSpPr/>
+          <p:nvPr/>
+        </p:nvSpPr>
+        <p:spPr>
+          <a:xfrm>
+            <a:off x="3467888" y="4708571"/>
+            <a:ext cx="830510" cy="251886"/>
+          </a:xfrm>
+          <a:prstGeom prst="rect">
+            <a:avLst/>
+          </a:prstGeom>
+        </p:spPr>
+        <p:style>
+          <a:lnRef idx="2">
+            <a:schemeClr val="accent1">
+              <a:shade val="50000"/>
+            </a:schemeClr>
+          </a:lnRef>
+          <a:fillRef idx="1">
+            <a:schemeClr val="accent1"/>
+          </a:fillRef>
+          <a:effectRef idx="0">
+            <a:schemeClr val="accent1"/>
+          </a:effectRef>
+          <a:fontRef idx="minor">
+            <a:schemeClr val="lt1"/>
+          </a:fontRef>
+        </p:style>
+        <p:txBody>
+          <a:bodyPr rtlCol="0" anchor="ctr"/>
+          <a:lstStyle/>
+          <a:p>
+            <a:pPr algn="ctr"/>
+            <a:endParaRPr lang="en-US"/>
+          </a:p>
+        </p:txBody>
+      </p:sp>
+      <p:sp>
+        <p:nvSpPr>
+          <p:cNvPr id="162" name="Rectangle 161">
+            <a:extLst>
+              <a:ext uri="{FF2B5EF4-FFF2-40B4-BE49-F238E27FC236}">
+                <a16:creationId xmlns:a16="http://schemas.microsoft.com/office/drawing/2014/main" id="{88466154-D40F-438C-9FE9-CD4EE0552C07}"/>
+              </a:ext>
+            </a:extLst>
+          </p:cNvPr>
+          <p:cNvSpPr/>
+          <p:nvPr/>
+        </p:nvSpPr>
+        <p:spPr>
+          <a:xfrm>
+            <a:off x="3445726" y="4703310"/>
+            <a:ext cx="486560" cy="251887"/>
+          </a:xfrm>
+          <a:prstGeom prst="rect">
+            <a:avLst/>
+          </a:prstGeom>
+          <a:solidFill>
+            <a:schemeClr val="bg1"/>
+          </a:solidFill>
+        </p:spPr>
+        <p:style>
+          <a:lnRef idx="2">
+            <a:schemeClr val="accent1">
+              <a:shade val="50000"/>
+            </a:schemeClr>
+          </a:lnRef>
+          <a:fillRef idx="1">
+            <a:schemeClr val="accent1"/>
+          </a:fillRef>
+          <a:effectRef idx="0">
+            <a:schemeClr val="accent1"/>
+          </a:effectRef>
+          <a:fontRef idx="minor">
+            <a:schemeClr val="lt1"/>
+          </a:fontRef>
+        </p:style>
+        <p:txBody>
+          <a:bodyPr rtlCol="0" anchor="ctr"/>
+          <a:lstStyle/>
+          <a:p>
+            <a:pPr algn="ctr"/>
+            <a:endParaRPr lang="en-US"/>
+          </a:p>
+        </p:txBody>
+      </p:sp>
+      <p:sp>
+        <p:nvSpPr>
+          <p:cNvPr id="163" name="TextBox 162">
+            <a:extLst>
+              <a:ext uri="{FF2B5EF4-FFF2-40B4-BE49-F238E27FC236}">
+                <a16:creationId xmlns:a16="http://schemas.microsoft.com/office/drawing/2014/main" id="{901D948D-B090-4F9E-A7D7-A09CD4A49299}"/>
+              </a:ext>
+            </a:extLst>
+          </p:cNvPr>
+          <p:cNvSpPr txBox="1"/>
+          <p:nvPr/>
+        </p:nvSpPr>
+        <p:spPr>
+          <a:xfrm>
+            <a:off x="3506113" y="4652304"/>
+            <a:ext cx="360726" cy="369332"/>
+          </a:xfrm>
+          <a:prstGeom prst="rect">
+            <a:avLst/>
+          </a:prstGeom>
+          <a:noFill/>
+        </p:spPr>
+        <p:txBody>
+          <a:bodyPr wrap="square" rtlCol="0">
+            <a:spAutoFit/>
+          </a:bodyPr>
+          <a:lstStyle/>
+          <a:p>
+            <a:r>
+              <a:rPr lang="en-US" dirty="0"/>
+              <a:t>6</a:t>
+            </a:r>
+          </a:p>
+        </p:txBody>
+      </p:sp>
+      <p:cxnSp>
+        <p:nvCxnSpPr>
+          <p:cNvPr id="164" name="Straight Arrow Connector 163">
+            <a:extLst>
+              <a:ext uri="{FF2B5EF4-FFF2-40B4-BE49-F238E27FC236}">
+                <a16:creationId xmlns:a16="http://schemas.microsoft.com/office/drawing/2014/main" id="{CB8B634C-2D29-40D0-8BD3-01A02080F9E4}"/>
+              </a:ext>
+            </a:extLst>
+          </p:cNvPr>
+          <p:cNvCxnSpPr>
+            <a:cxnSpLocks/>
+          </p:cNvCxnSpPr>
+          <p:nvPr/>
+        </p:nvCxnSpPr>
+        <p:spPr>
+          <a:xfrm flipH="1">
+            <a:off x="2731932" y="4779564"/>
+            <a:ext cx="270662" cy="129103"/>
+          </a:xfrm>
+          <a:prstGeom prst="straightConnector1">
+            <a:avLst/>
+          </a:prstGeom>
+          <a:ln w="38100">
+            <a:solidFill>
+              <a:srgbClr val="FF0000"/>
+            </a:solidFill>
+            <a:tailEnd type="triangle"/>
+          </a:ln>
+        </p:spPr>
+        <p:style>
+          <a:lnRef idx="1">
+            <a:schemeClr val="accent1"/>
+          </a:lnRef>
+          <a:fillRef idx="0">
+            <a:schemeClr val="accent1"/>
+          </a:fillRef>
+          <a:effectRef idx="0">
+            <a:schemeClr val="accent1"/>
+          </a:effectRef>
+          <a:fontRef idx="minor">
+            <a:schemeClr val="tx1"/>
+          </a:fontRef>
+        </p:style>
+      </p:cxnSp>
+      <p:sp>
+        <p:nvSpPr>
+          <p:cNvPr id="165" name="Rectangle 164">
+            <a:extLst>
+              <a:ext uri="{FF2B5EF4-FFF2-40B4-BE49-F238E27FC236}">
+                <a16:creationId xmlns:a16="http://schemas.microsoft.com/office/drawing/2014/main" id="{D4665304-77B5-4E9C-AF75-C1B43012F26A}"/>
+              </a:ext>
+            </a:extLst>
+          </p:cNvPr>
+          <p:cNvSpPr/>
+          <p:nvPr/>
+        </p:nvSpPr>
+        <p:spPr>
+          <a:xfrm>
+            <a:off x="2316544" y="4727408"/>
+            <a:ext cx="755801" cy="249922"/>
+          </a:xfrm>
+          <a:prstGeom prst="rect">
+            <a:avLst/>
+          </a:prstGeom>
+        </p:spPr>
+        <p:style>
+          <a:lnRef idx="2">
+            <a:schemeClr val="accent1">
+              <a:shade val="50000"/>
+            </a:schemeClr>
+          </a:lnRef>
+          <a:fillRef idx="1">
+            <a:schemeClr val="accent1"/>
+          </a:fillRef>
+          <a:effectRef idx="0">
+            <a:schemeClr val="accent1"/>
+          </a:effectRef>
+          <a:fontRef idx="minor">
+            <a:schemeClr val="lt1"/>
+          </a:fontRef>
+        </p:style>
+        <p:txBody>
+          <a:bodyPr rtlCol="0" anchor="ctr"/>
+          <a:lstStyle/>
+          <a:p>
+            <a:pPr algn="ctr"/>
+            <a:endParaRPr lang="en-US"/>
+          </a:p>
+        </p:txBody>
+      </p:sp>
+      <p:sp>
+        <p:nvSpPr>
+          <p:cNvPr id="166" name="Rectangle 165">
+            <a:extLst>
+              <a:ext uri="{FF2B5EF4-FFF2-40B4-BE49-F238E27FC236}">
+                <a16:creationId xmlns:a16="http://schemas.microsoft.com/office/drawing/2014/main" id="{2F39868B-54EA-4C21-8B9C-77A7F6492265}"/>
+              </a:ext>
+            </a:extLst>
+          </p:cNvPr>
+          <p:cNvSpPr/>
+          <p:nvPr/>
+        </p:nvSpPr>
+        <p:spPr>
+          <a:xfrm>
+            <a:off x="2258073" y="4729399"/>
+            <a:ext cx="436551" cy="225721"/>
+          </a:xfrm>
+          <a:prstGeom prst="rect">
+            <a:avLst/>
+          </a:prstGeom>
+          <a:solidFill>
+            <a:schemeClr val="bg1"/>
+          </a:solidFill>
+        </p:spPr>
+        <p:style>
+          <a:lnRef idx="2">
+            <a:schemeClr val="accent1">
+              <a:shade val="50000"/>
+            </a:schemeClr>
+          </a:lnRef>
+          <a:fillRef idx="1">
+            <a:schemeClr val="accent1"/>
+          </a:fillRef>
+          <a:effectRef idx="0">
+            <a:schemeClr val="accent1"/>
+          </a:effectRef>
+          <a:fontRef idx="minor">
+            <a:schemeClr val="lt1"/>
+          </a:fontRef>
+        </p:style>
+        <p:txBody>
+          <a:bodyPr rtlCol="0" anchor="ctr"/>
+          <a:lstStyle/>
+          <a:p>
+            <a:pPr algn="ctr"/>
+            <a:endParaRPr lang="en-US"/>
+          </a:p>
+        </p:txBody>
+      </p:sp>
+      <p:sp>
+        <p:nvSpPr>
+          <p:cNvPr id="167" name="TextBox 166">
+            <a:extLst>
+              <a:ext uri="{FF2B5EF4-FFF2-40B4-BE49-F238E27FC236}">
+                <a16:creationId xmlns:a16="http://schemas.microsoft.com/office/drawing/2014/main" id="{B84654A4-F322-4A00-B718-156AD72615CD}"/>
+              </a:ext>
+            </a:extLst>
+          </p:cNvPr>
+          <p:cNvSpPr txBox="1"/>
+          <p:nvPr/>
+        </p:nvSpPr>
+        <p:spPr>
+          <a:xfrm>
+            <a:off x="2317722" y="4653111"/>
+            <a:ext cx="417165" cy="369332"/>
+          </a:xfrm>
+          <a:prstGeom prst="rect">
+            <a:avLst/>
+          </a:prstGeom>
+          <a:noFill/>
+        </p:spPr>
+        <p:txBody>
+          <a:bodyPr wrap="square" rtlCol="0">
+            <a:spAutoFit/>
+          </a:bodyPr>
+          <a:lstStyle/>
+          <a:p>
+            <a:r>
+              <a:rPr lang="en-US" dirty="0"/>
+              <a:t>4</a:t>
+            </a:r>
+          </a:p>
+        </p:txBody>
+      </p:sp>
+      <p:cxnSp>
+        <p:nvCxnSpPr>
+          <p:cNvPr id="168" name="Straight Arrow Connector 167">
+            <a:extLst>
+              <a:ext uri="{FF2B5EF4-FFF2-40B4-BE49-F238E27FC236}">
+                <a16:creationId xmlns:a16="http://schemas.microsoft.com/office/drawing/2014/main" id="{6398F8C4-243F-4F2B-A818-A703CECFB142}"/>
+              </a:ext>
+            </a:extLst>
+          </p:cNvPr>
+          <p:cNvCxnSpPr>
+            <a:cxnSpLocks/>
+          </p:cNvCxnSpPr>
+          <p:nvPr/>
+        </p:nvCxnSpPr>
+        <p:spPr>
+          <a:xfrm flipV="1">
+            <a:off x="3088304" y="4812542"/>
+            <a:ext cx="385892" cy="1"/>
+          </a:xfrm>
+          <a:prstGeom prst="straightConnector1">
+            <a:avLst/>
+          </a:prstGeom>
+          <a:ln w="38100">
+            <a:solidFill>
+              <a:srgbClr val="FF0000"/>
+            </a:solidFill>
+            <a:tailEnd type="triangle"/>
+          </a:ln>
+        </p:spPr>
+        <p:style>
+          <a:lnRef idx="1">
+            <a:schemeClr val="accent1"/>
+          </a:lnRef>
+          <a:fillRef idx="0">
+            <a:schemeClr val="accent1"/>
+          </a:fillRef>
+          <a:effectRef idx="0">
+            <a:schemeClr val="accent1"/>
+          </a:effectRef>
+          <a:fontRef idx="minor">
+            <a:schemeClr val="tx1"/>
+          </a:fontRef>
+        </p:style>
+      </p:cxnSp>
+      <p:cxnSp>
+        <p:nvCxnSpPr>
+          <p:cNvPr id="169" name="Straight Arrow Connector 168">
+            <a:extLst>
+              <a:ext uri="{FF2B5EF4-FFF2-40B4-BE49-F238E27FC236}">
+                <a16:creationId xmlns:a16="http://schemas.microsoft.com/office/drawing/2014/main" id="{0725C5D5-1A70-4E42-9EA7-19553EE2586F}"/>
+              </a:ext>
+            </a:extLst>
+          </p:cNvPr>
+          <p:cNvCxnSpPr>
+            <a:cxnSpLocks/>
+          </p:cNvCxnSpPr>
+          <p:nvPr/>
+        </p:nvCxnSpPr>
+        <p:spPr>
+          <a:xfrm flipV="1">
+            <a:off x="4669988" y="2598505"/>
+            <a:ext cx="385892" cy="1"/>
+          </a:xfrm>
+          <a:prstGeom prst="straightConnector1">
+            <a:avLst/>
+          </a:prstGeom>
+          <a:ln w="38100">
+            <a:solidFill>
+              <a:srgbClr val="FF0000"/>
+            </a:solidFill>
+            <a:tailEnd type="triangle"/>
+          </a:ln>
+        </p:spPr>
+        <p:style>
+          <a:lnRef idx="1">
+            <a:schemeClr val="accent1"/>
+          </a:lnRef>
+          <a:fillRef idx="0">
+            <a:schemeClr val="accent1"/>
+          </a:fillRef>
+          <a:effectRef idx="0">
+            <a:schemeClr val="accent1"/>
+          </a:effectRef>
+          <a:fontRef idx="minor">
+            <a:schemeClr val="tx1"/>
+          </a:fontRef>
+        </p:style>
+      </p:cxnSp>
+      <p:sp>
+        <p:nvSpPr>
+          <p:cNvPr id="170" name="Rectangle 169">
+            <a:extLst>
+              <a:ext uri="{FF2B5EF4-FFF2-40B4-BE49-F238E27FC236}">
+                <a16:creationId xmlns:a16="http://schemas.microsoft.com/office/drawing/2014/main" id="{E0CFE096-5771-4477-94F2-BF9B24D339BB}"/>
+              </a:ext>
+            </a:extLst>
+          </p:cNvPr>
+          <p:cNvSpPr/>
+          <p:nvPr/>
+        </p:nvSpPr>
+        <p:spPr>
+          <a:xfrm>
+            <a:off x="5003005" y="2406122"/>
+            <a:ext cx="534121" cy="369332"/>
+          </a:xfrm>
+          <a:prstGeom prst="rect">
+            <a:avLst/>
+          </a:prstGeom>
+        </p:spPr>
+        <p:txBody>
+          <a:bodyPr wrap="none">
+            <a:spAutoFit/>
+          </a:bodyPr>
+          <a:lstStyle/>
+          <a:p>
+            <a:r>
+              <a:rPr lang="en-US" dirty="0"/>
+              <a:t>null</a:t>
+            </a:r>
+          </a:p>
+        </p:txBody>
+      </p:sp>
+      <p:sp>
+        <p:nvSpPr>
+          <p:cNvPr id="171" name="Rectangle 170">
+            <a:extLst>
+              <a:ext uri="{FF2B5EF4-FFF2-40B4-BE49-F238E27FC236}">
+                <a16:creationId xmlns:a16="http://schemas.microsoft.com/office/drawing/2014/main" id="{9569C042-4EEE-435F-8077-866E715534FB}"/>
+              </a:ext>
+            </a:extLst>
+          </p:cNvPr>
+          <p:cNvSpPr/>
+          <p:nvPr/>
+        </p:nvSpPr>
+        <p:spPr>
+          <a:xfrm>
+            <a:off x="3880347" y="2470106"/>
+            <a:ext cx="830510" cy="251886"/>
+          </a:xfrm>
+          <a:prstGeom prst="rect">
+            <a:avLst/>
+          </a:prstGeom>
+        </p:spPr>
+        <p:style>
+          <a:lnRef idx="2">
+            <a:schemeClr val="accent1">
+              <a:shade val="50000"/>
+            </a:schemeClr>
+          </a:lnRef>
+          <a:fillRef idx="1">
+            <a:schemeClr val="accent1"/>
+          </a:fillRef>
+          <a:effectRef idx="0">
+            <a:schemeClr val="accent1"/>
+          </a:effectRef>
+          <a:fontRef idx="minor">
+            <a:schemeClr val="lt1"/>
+          </a:fontRef>
+        </p:style>
+        <p:txBody>
+          <a:bodyPr rtlCol="0" anchor="ctr"/>
+          <a:lstStyle/>
+          <a:p>
+            <a:pPr algn="ctr"/>
+            <a:endParaRPr lang="en-US"/>
+          </a:p>
+        </p:txBody>
+      </p:sp>
+      <p:sp>
+        <p:nvSpPr>
+          <p:cNvPr id="172" name="Rectangle 171">
+            <a:extLst>
+              <a:ext uri="{FF2B5EF4-FFF2-40B4-BE49-F238E27FC236}">
+                <a16:creationId xmlns:a16="http://schemas.microsoft.com/office/drawing/2014/main" id="{758253FD-9D89-4494-BA58-30E44C79E209}"/>
+              </a:ext>
+            </a:extLst>
+          </p:cNvPr>
+          <p:cNvSpPr/>
+          <p:nvPr/>
+        </p:nvSpPr>
+        <p:spPr>
+          <a:xfrm>
+            <a:off x="3858185" y="2464845"/>
+            <a:ext cx="486560" cy="251887"/>
+          </a:xfrm>
+          <a:prstGeom prst="rect">
+            <a:avLst/>
+          </a:prstGeom>
+          <a:solidFill>
+            <a:schemeClr val="bg1"/>
+          </a:solidFill>
+        </p:spPr>
+        <p:style>
+          <a:lnRef idx="2">
+            <a:schemeClr val="accent1">
+              <a:shade val="50000"/>
+            </a:schemeClr>
+          </a:lnRef>
+          <a:fillRef idx="1">
+            <a:schemeClr val="accent1"/>
+          </a:fillRef>
+          <a:effectRef idx="0">
+            <a:schemeClr val="accent1"/>
+          </a:effectRef>
+          <a:fontRef idx="minor">
+            <a:schemeClr val="lt1"/>
+          </a:fontRef>
+        </p:style>
+        <p:txBody>
+          <a:bodyPr rtlCol="0" anchor="ctr"/>
+          <a:lstStyle/>
+          <a:p>
+            <a:pPr algn="ctr"/>
+            <a:endParaRPr lang="en-US"/>
+          </a:p>
+        </p:txBody>
+      </p:sp>
+      <p:sp>
+        <p:nvSpPr>
+          <p:cNvPr id="173" name="TextBox 172">
+            <a:extLst>
+              <a:ext uri="{FF2B5EF4-FFF2-40B4-BE49-F238E27FC236}">
+                <a16:creationId xmlns:a16="http://schemas.microsoft.com/office/drawing/2014/main" id="{D4FF03B0-6DC8-40A9-86E2-14C136BD2B48}"/>
+              </a:ext>
+            </a:extLst>
+          </p:cNvPr>
+          <p:cNvSpPr txBox="1"/>
+          <p:nvPr/>
+        </p:nvSpPr>
+        <p:spPr>
+          <a:xfrm>
+            <a:off x="3918572" y="2413839"/>
+            <a:ext cx="360726" cy="369332"/>
+          </a:xfrm>
+          <a:prstGeom prst="rect">
+            <a:avLst/>
+          </a:prstGeom>
+          <a:noFill/>
+        </p:spPr>
+        <p:txBody>
+          <a:bodyPr wrap="square" rtlCol="0">
+            <a:spAutoFit/>
+          </a:bodyPr>
+          <a:lstStyle/>
+          <a:p>
+            <a:r>
+              <a:rPr lang="en-US" dirty="0"/>
+              <a:t>6</a:t>
+            </a:r>
+          </a:p>
+        </p:txBody>
+      </p:sp>
+      <p:cxnSp>
+        <p:nvCxnSpPr>
+          <p:cNvPr id="174" name="Straight Arrow Connector 173">
+            <a:extLst>
+              <a:ext uri="{FF2B5EF4-FFF2-40B4-BE49-F238E27FC236}">
+                <a16:creationId xmlns:a16="http://schemas.microsoft.com/office/drawing/2014/main" id="{A6D83B95-333B-4E23-9780-CF8465797CB1}"/>
+              </a:ext>
+            </a:extLst>
+          </p:cNvPr>
+          <p:cNvCxnSpPr>
+            <a:cxnSpLocks/>
+          </p:cNvCxnSpPr>
+          <p:nvPr/>
+        </p:nvCxnSpPr>
+        <p:spPr>
+          <a:xfrm flipH="1">
+            <a:off x="3144391" y="2541099"/>
+            <a:ext cx="270662" cy="129103"/>
+          </a:xfrm>
+          <a:prstGeom prst="straightConnector1">
+            <a:avLst/>
+          </a:prstGeom>
+          <a:ln w="38100">
+            <a:solidFill>
+              <a:srgbClr val="FF0000"/>
+            </a:solidFill>
+            <a:tailEnd type="triangle"/>
+          </a:ln>
+        </p:spPr>
+        <p:style>
+          <a:lnRef idx="1">
+            <a:schemeClr val="accent1"/>
+          </a:lnRef>
+          <a:fillRef idx="0">
+            <a:schemeClr val="accent1"/>
+          </a:fillRef>
+          <a:effectRef idx="0">
+            <a:schemeClr val="accent1"/>
+          </a:effectRef>
+          <a:fontRef idx="minor">
+            <a:schemeClr val="tx1"/>
+          </a:fontRef>
+        </p:style>
+      </p:cxnSp>
+      <p:sp>
+        <p:nvSpPr>
+          <p:cNvPr id="175" name="Rectangle 174">
+            <a:extLst>
+              <a:ext uri="{FF2B5EF4-FFF2-40B4-BE49-F238E27FC236}">
+                <a16:creationId xmlns:a16="http://schemas.microsoft.com/office/drawing/2014/main" id="{7009FA09-71C9-4A3B-A462-F0982EB2C6E0}"/>
+              </a:ext>
+            </a:extLst>
+          </p:cNvPr>
+          <p:cNvSpPr/>
+          <p:nvPr/>
+        </p:nvSpPr>
+        <p:spPr>
+          <a:xfrm>
+            <a:off x="2729003" y="2488943"/>
+            <a:ext cx="755801" cy="249922"/>
+          </a:xfrm>
+          <a:prstGeom prst="rect">
+            <a:avLst/>
+          </a:prstGeom>
+        </p:spPr>
+        <p:style>
+          <a:lnRef idx="2">
+            <a:schemeClr val="accent1">
+              <a:shade val="50000"/>
+            </a:schemeClr>
+          </a:lnRef>
+          <a:fillRef idx="1">
+            <a:schemeClr val="accent1"/>
+          </a:fillRef>
+          <a:effectRef idx="0">
+            <a:schemeClr val="accent1"/>
+          </a:effectRef>
+          <a:fontRef idx="minor">
+            <a:schemeClr val="lt1"/>
+          </a:fontRef>
+        </p:style>
+        <p:txBody>
+          <a:bodyPr rtlCol="0" anchor="ctr"/>
+          <a:lstStyle/>
+          <a:p>
+            <a:pPr algn="ctr"/>
+            <a:endParaRPr lang="en-US"/>
+          </a:p>
+        </p:txBody>
+      </p:sp>
+      <p:sp>
+        <p:nvSpPr>
+          <p:cNvPr id="176" name="Rectangle 175">
+            <a:extLst>
+              <a:ext uri="{FF2B5EF4-FFF2-40B4-BE49-F238E27FC236}">
+                <a16:creationId xmlns:a16="http://schemas.microsoft.com/office/drawing/2014/main" id="{84DE8727-C558-4033-9033-81CE78EFDB00}"/>
+              </a:ext>
+            </a:extLst>
+          </p:cNvPr>
+          <p:cNvSpPr/>
+          <p:nvPr/>
+        </p:nvSpPr>
+        <p:spPr>
+          <a:xfrm>
+            <a:off x="2670532" y="2490934"/>
+            <a:ext cx="436551" cy="225721"/>
+          </a:xfrm>
+          <a:prstGeom prst="rect">
+            <a:avLst/>
+          </a:prstGeom>
+          <a:solidFill>
+            <a:schemeClr val="bg1"/>
+          </a:solidFill>
+        </p:spPr>
+        <p:style>
+          <a:lnRef idx="2">
+            <a:schemeClr val="accent1">
+              <a:shade val="50000"/>
+            </a:schemeClr>
+          </a:lnRef>
+          <a:fillRef idx="1">
+            <a:schemeClr val="accent1"/>
+          </a:fillRef>
+          <a:effectRef idx="0">
+            <a:schemeClr val="accent1"/>
+          </a:effectRef>
+          <a:fontRef idx="minor">
+            <a:schemeClr val="lt1"/>
+          </a:fontRef>
+        </p:style>
+        <p:txBody>
+          <a:bodyPr rtlCol="0" anchor="ctr"/>
+          <a:lstStyle/>
+          <a:p>
+            <a:pPr algn="ctr"/>
+            <a:endParaRPr lang="en-US"/>
+          </a:p>
+        </p:txBody>
+      </p:sp>
+      <p:sp>
+        <p:nvSpPr>
+          <p:cNvPr id="177" name="TextBox 176">
+            <a:extLst>
+              <a:ext uri="{FF2B5EF4-FFF2-40B4-BE49-F238E27FC236}">
+                <a16:creationId xmlns:a16="http://schemas.microsoft.com/office/drawing/2014/main" id="{514EB21C-560E-4BE3-A9E2-BA027F7E6BD7}"/>
+              </a:ext>
+            </a:extLst>
+          </p:cNvPr>
+          <p:cNvSpPr txBox="1"/>
+          <p:nvPr/>
+        </p:nvSpPr>
+        <p:spPr>
+          <a:xfrm>
+            <a:off x="2730181" y="2414646"/>
+            <a:ext cx="417165" cy="369332"/>
+          </a:xfrm>
+          <a:prstGeom prst="rect">
+            <a:avLst/>
+          </a:prstGeom>
+          <a:noFill/>
+        </p:spPr>
+        <p:txBody>
+          <a:bodyPr wrap="square" rtlCol="0">
+            <a:spAutoFit/>
+          </a:bodyPr>
+          <a:lstStyle/>
+          <a:p>
+            <a:r>
+              <a:rPr lang="en-US" dirty="0"/>
+              <a:t>4</a:t>
+            </a:r>
+          </a:p>
+        </p:txBody>
+      </p:sp>
+      <p:cxnSp>
+        <p:nvCxnSpPr>
+          <p:cNvPr id="178" name="Straight Arrow Connector 177">
+            <a:extLst>
+              <a:ext uri="{FF2B5EF4-FFF2-40B4-BE49-F238E27FC236}">
+                <a16:creationId xmlns:a16="http://schemas.microsoft.com/office/drawing/2014/main" id="{84D1B087-E89B-4933-ADC6-09881D05BF3A}"/>
+              </a:ext>
+            </a:extLst>
+          </p:cNvPr>
+          <p:cNvCxnSpPr>
+            <a:cxnSpLocks/>
+          </p:cNvCxnSpPr>
+          <p:nvPr/>
+        </p:nvCxnSpPr>
+        <p:spPr>
+          <a:xfrm flipV="1">
+            <a:off x="3500763" y="2574077"/>
+            <a:ext cx="385892" cy="1"/>
+          </a:xfrm>
+          <a:prstGeom prst="straightConnector1">
+            <a:avLst/>
+          </a:prstGeom>
+          <a:ln w="38100">
+            <a:solidFill>
+              <a:srgbClr val="FF0000"/>
+            </a:solidFill>
+            <a:tailEnd type="triangle"/>
+          </a:ln>
+        </p:spPr>
+        <p:style>
+          <a:lnRef idx="1">
+            <a:schemeClr val="accent1"/>
+          </a:lnRef>
+          <a:fillRef idx="0">
+            <a:schemeClr val="accent1"/>
+          </a:fillRef>
+          <a:effectRef idx="0">
+            <a:schemeClr val="accent1"/>
+          </a:effectRef>
+          <a:fontRef idx="minor">
+            <a:schemeClr val="tx1"/>
+          </a:fontRef>
+        </p:style>
+      </p:cxnSp>
+      <p:sp>
+        <p:nvSpPr>
+          <p:cNvPr id="179" name="TextBox 178">
+            <a:extLst>
+              <a:ext uri="{FF2B5EF4-FFF2-40B4-BE49-F238E27FC236}">
+                <a16:creationId xmlns:a16="http://schemas.microsoft.com/office/drawing/2014/main" id="{41FDFABA-BF45-4EAF-A5DE-5D3B87494C69}"/>
+              </a:ext>
+            </a:extLst>
+          </p:cNvPr>
+          <p:cNvSpPr txBox="1"/>
+          <p:nvPr/>
+        </p:nvSpPr>
+        <p:spPr>
+          <a:xfrm>
+            <a:off x="2628289" y="2710409"/>
+            <a:ext cx="1548186" cy="369332"/>
+          </a:xfrm>
+          <a:prstGeom prst="rect">
+            <a:avLst/>
+          </a:prstGeom>
+          <a:noFill/>
+        </p:spPr>
+        <p:txBody>
+          <a:bodyPr wrap="square" rtlCol="0">
+            <a:spAutoFit/>
+          </a:bodyPr>
+          <a:lstStyle/>
+          <a:p>
+            <a:r>
+              <a:rPr lang="en-US" dirty="0"/>
+              <a:t>carry= 1</a:t>
+            </a:r>
+          </a:p>
+        </p:txBody>
+      </p:sp>
+      <p:sp>
+        <p:nvSpPr>
+          <p:cNvPr id="180" name="Rectangle 179">
+            <a:extLst>
+              <a:ext uri="{FF2B5EF4-FFF2-40B4-BE49-F238E27FC236}">
+                <a16:creationId xmlns:a16="http://schemas.microsoft.com/office/drawing/2014/main" id="{AB58388C-9C6F-470F-BDF8-E63BADDC4037}"/>
+              </a:ext>
+            </a:extLst>
+          </p:cNvPr>
+          <p:cNvSpPr/>
+          <p:nvPr/>
+        </p:nvSpPr>
+        <p:spPr>
+          <a:xfrm>
+            <a:off x="2607868" y="2363884"/>
+            <a:ext cx="2924589" cy="678876"/>
+          </a:xfrm>
+          <a:prstGeom prst="rect">
+            <a:avLst/>
+          </a:prstGeom>
+          <a:noFill/>
+          <a:ln w="38100">
+            <a:solidFill>
+              <a:schemeClr val="accent6">
+                <a:lumMod val="75000"/>
+              </a:schemeClr>
+            </a:solidFill>
+          </a:ln>
+        </p:spPr>
+        <p:style>
+          <a:lnRef idx="2">
+            <a:schemeClr val="accent1">
+              <a:shade val="50000"/>
+            </a:schemeClr>
+          </a:lnRef>
+          <a:fillRef idx="1">
+            <a:schemeClr val="accent1"/>
+          </a:fillRef>
+          <a:effectRef idx="0">
+            <a:schemeClr val="accent1"/>
+          </a:effectRef>
+          <a:fontRef idx="minor">
+            <a:schemeClr val="lt1"/>
+          </a:fontRef>
+        </p:style>
+        <p:txBody>
+          <a:bodyPr rtlCol="0" anchor="ctr"/>
+          <a:lstStyle/>
+          <a:p>
+            <a:pPr algn="ctr"/>
+            <a:endParaRPr lang="en-US"/>
+          </a:p>
+        </p:txBody>
+      </p:sp>
+      <p:sp>
+        <p:nvSpPr>
+          <p:cNvPr id="181" name="TextBox 180">
+            <a:extLst>
+              <a:ext uri="{FF2B5EF4-FFF2-40B4-BE49-F238E27FC236}">
+                <a16:creationId xmlns:a16="http://schemas.microsoft.com/office/drawing/2014/main" id="{203AF311-7CCC-41EE-9852-588A46CE1F29}"/>
+              </a:ext>
+            </a:extLst>
+          </p:cNvPr>
+          <p:cNvSpPr txBox="1"/>
+          <p:nvPr/>
+        </p:nvSpPr>
+        <p:spPr>
+          <a:xfrm>
+            <a:off x="2526304" y="1993258"/>
+            <a:ext cx="1702815" cy="369332"/>
+          </a:xfrm>
+          <a:prstGeom prst="rect">
+            <a:avLst/>
+          </a:prstGeom>
+          <a:noFill/>
+        </p:spPr>
+        <p:txBody>
+          <a:bodyPr wrap="square" rtlCol="0">
+            <a:spAutoFit/>
+          </a:bodyPr>
+          <a:lstStyle/>
+          <a:p>
+            <a:r>
+              <a:rPr lang="en-US" b="1" dirty="0" err="1">
+                <a:solidFill>
+                  <a:schemeClr val="accent6">
+                    <a:lumMod val="75000"/>
+                  </a:schemeClr>
+                </a:solidFill>
+              </a:rPr>
+              <a:t>PartialSum</a:t>
+            </a:r>
+            <a:r>
+              <a:rPr lang="en-US" b="1" dirty="0">
+                <a:solidFill>
+                  <a:schemeClr val="accent6">
+                    <a:lumMod val="75000"/>
+                  </a:schemeClr>
+                </a:solidFill>
+              </a:rPr>
+              <a:t> sum</a:t>
+            </a:r>
+          </a:p>
+        </p:txBody>
+      </p:sp>
+      <p:cxnSp>
+        <p:nvCxnSpPr>
+          <p:cNvPr id="182" name="Straight Arrow Connector 181">
+            <a:extLst>
+              <a:ext uri="{FF2B5EF4-FFF2-40B4-BE49-F238E27FC236}">
+                <a16:creationId xmlns:a16="http://schemas.microsoft.com/office/drawing/2014/main" id="{B0C405C0-E6F5-435C-8C5C-CE2F08D8D739}"/>
+              </a:ext>
+            </a:extLst>
+          </p:cNvPr>
+          <p:cNvCxnSpPr>
+            <a:cxnSpLocks/>
+          </p:cNvCxnSpPr>
+          <p:nvPr/>
+        </p:nvCxnSpPr>
+        <p:spPr>
+          <a:xfrm flipH="1" flipV="1">
+            <a:off x="1423874" y="2522092"/>
+            <a:ext cx="1752189" cy="742134"/>
+          </a:xfrm>
+          <a:prstGeom prst="straightConnector1">
+            <a:avLst/>
+          </a:prstGeom>
+          <a:ln>
+            <a:solidFill>
+              <a:srgbClr val="FF0000"/>
+            </a:solidFill>
+            <a:tailEnd type="triangle"/>
+          </a:ln>
+        </p:spPr>
+        <p:style>
+          <a:lnRef idx="1">
+            <a:schemeClr val="accent1"/>
+          </a:lnRef>
+          <a:fillRef idx="0">
+            <a:schemeClr val="accent1"/>
+          </a:fillRef>
+          <a:effectRef idx="0">
+            <a:schemeClr val="accent1"/>
+          </a:effectRef>
+          <a:fontRef idx="minor">
+            <a:schemeClr val="tx1"/>
+          </a:fontRef>
+        </p:style>
+      </p:cxnSp>
     </p:spTree>
     <p:extLst>
       <p:ext uri="{BB962C8B-B14F-4D97-AF65-F5344CB8AC3E}">

--- a/Cracking_the_coding_interview/Java/src_explanation/2.5.Sum.pptx
+++ b/Cracking_the_coding_interview/Java/src_explanation/2.5.Sum.pptx
@@ -11863,8 +11863,12 @@
           <a:lstStyle/>
           <a:p>
             <a:r>
+              <a:rPr lang="en-US" dirty="0" err="1"/>
+              <a:t>val</a:t>
+            </a:r>
+            <a:r>
               <a:rPr lang="en-US" dirty="0"/>
-              <a:t>Val = 1 + 6+7</a:t>
+              <a:t> = 1 + 6+7</a:t>
             </a:r>
           </a:p>
         </p:txBody>
@@ -11961,7 +11965,7 @@
         </p:nvSpPr>
         <p:spPr>
           <a:xfrm>
-            <a:off x="2077285" y="4282503"/>
+            <a:off x="1087725" y="4659449"/>
             <a:ext cx="1257042" cy="369332"/>
           </a:xfrm>
           <a:prstGeom prst="rect">
@@ -12979,6 +12983,45 @@
           </a:fontRef>
         </p:style>
       </p:cxnSp>
+      <p:sp>
+        <p:nvSpPr>
+          <p:cNvPr id="183" name="TextBox 182">
+            <a:extLst>
+              <a:ext uri="{FF2B5EF4-FFF2-40B4-BE49-F238E27FC236}">
+                <a16:creationId xmlns:a16="http://schemas.microsoft.com/office/drawing/2014/main" id="{6A95CF1D-AA1E-49B6-83D1-FD85CE0F69AA}"/>
+              </a:ext>
+            </a:extLst>
+          </p:cNvPr>
+          <p:cNvSpPr txBox="1"/>
+          <p:nvPr/>
+        </p:nvSpPr>
+        <p:spPr>
+          <a:xfrm>
+            <a:off x="659117" y="2606251"/>
+            <a:ext cx="1548186" cy="369332"/>
+          </a:xfrm>
+          <a:prstGeom prst="rect">
+            <a:avLst/>
+          </a:prstGeom>
+          <a:noFill/>
+        </p:spPr>
+        <p:txBody>
+          <a:bodyPr wrap="square" rtlCol="0">
+            <a:spAutoFit/>
+          </a:bodyPr>
+          <a:lstStyle/>
+          <a:p>
+            <a:r>
+              <a:rPr lang="en-US" dirty="0" err="1"/>
+              <a:t>val</a:t>
+            </a:r>
+            <a:r>
+              <a:rPr lang="en-US" dirty="0"/>
+              <a:t> = 1 +3+6</a:t>
+            </a:r>
+          </a:p>
+        </p:txBody>
+      </p:sp>
     </p:spTree>
     <p:extLst>
       <p:ext uri="{BB962C8B-B14F-4D97-AF65-F5344CB8AC3E}">

--- a/Cracking_the_coding_interview/Java/src_explanation/2.5.Sum.pptx
+++ b/Cracking_the_coding_interview/Java/src_explanation/2.5.Sum.pptx
@@ -10736,8 +10736,8 @@
         </p:nvCxnSpPr>
         <p:spPr>
           <a:xfrm>
-            <a:off x="1533217" y="2714814"/>
-            <a:ext cx="1696179" cy="714186"/>
+            <a:off x="1570783" y="2665909"/>
+            <a:ext cx="3699282" cy="1720603"/>
           </a:xfrm>
           <a:prstGeom prst="straightConnector1">
             <a:avLst/>
@@ -10777,7 +10777,7 @@
         </p:nvCxnSpPr>
         <p:spPr>
           <a:xfrm flipV="1">
-            <a:off x="7439820" y="6090711"/>
+            <a:off x="10900873" y="6090711"/>
             <a:ext cx="385892" cy="1"/>
           </a:xfrm>
           <a:prstGeom prst="straightConnector1">
@@ -10819,7 +10819,7 @@
         </p:nvSpPr>
         <p:spPr>
           <a:xfrm>
-            <a:off x="7803910" y="5879466"/>
+            <a:off x="11264963" y="5879466"/>
             <a:ext cx="534121" cy="369332"/>
           </a:xfrm>
           <a:prstGeom prst="rect">
@@ -10962,7 +10962,7 @@
         </p:nvSpPr>
         <p:spPr>
           <a:xfrm>
-            <a:off x="3346565" y="3508940"/>
+            <a:off x="5311476" y="4442392"/>
             <a:ext cx="1073790" cy="369332"/>
           </a:xfrm>
           <a:prstGeom prst="rect">
@@ -10997,7 +10997,7 @@
         </p:nvSpPr>
         <p:spPr>
           <a:xfrm>
-            <a:off x="3359958" y="3011582"/>
+            <a:off x="5334116" y="3925515"/>
             <a:ext cx="1073790" cy="369332"/>
           </a:xfrm>
           <a:prstGeom prst="rect">
@@ -11032,7 +11032,7 @@
         </p:nvSpPr>
         <p:spPr>
           <a:xfrm>
-            <a:off x="3359958" y="3257681"/>
+            <a:off x="5325498" y="4180631"/>
             <a:ext cx="1073790" cy="369332"/>
           </a:xfrm>
           <a:prstGeom prst="rect">
@@ -11048,7 +11048,7 @@
           <a:p>
             <a:r>
               <a:rPr lang="en-US" dirty="0"/>
-              <a:t>l2 = 7</a:t>
+              <a:t>l2 = 8</a:t>
             </a:r>
           </a:p>
         </p:txBody>
@@ -11069,8 +11069,8 @@
         </p:nvCxnSpPr>
         <p:spPr>
           <a:xfrm>
-            <a:off x="4085887" y="3924038"/>
-            <a:ext cx="1035756" cy="403691"/>
+            <a:off x="6056380" y="4625571"/>
+            <a:ext cx="2532148" cy="1198782"/>
           </a:xfrm>
           <a:prstGeom prst="straightConnector1">
             <a:avLst/>
@@ -11108,7 +11108,7 @@
         </p:nvSpPr>
         <p:spPr>
           <a:xfrm>
-            <a:off x="5382744" y="5258608"/>
+            <a:off x="8843797" y="5258608"/>
             <a:ext cx="1654957" cy="369332"/>
           </a:xfrm>
           <a:prstGeom prst="rect">
@@ -11143,7 +11143,7 @@
         </p:nvSpPr>
         <p:spPr>
           <a:xfrm>
-            <a:off x="5343888" y="4699832"/>
+            <a:off x="8804941" y="4699832"/>
             <a:ext cx="1073790" cy="369332"/>
           </a:xfrm>
           <a:prstGeom prst="rect">
@@ -11178,7 +11178,7 @@
         </p:nvSpPr>
         <p:spPr>
           <a:xfrm>
-            <a:off x="5353478" y="4977329"/>
+            <a:off x="8814531" y="4977329"/>
             <a:ext cx="1073790" cy="369332"/>
           </a:xfrm>
           <a:prstGeom prst="rect">
@@ -11213,7 +11213,7 @@
         </p:nvSpPr>
         <p:spPr>
           <a:xfrm>
-            <a:off x="5390855" y="5541021"/>
+            <a:off x="8851908" y="5541021"/>
             <a:ext cx="1073790" cy="369332"/>
           </a:xfrm>
           <a:prstGeom prst="rect">
@@ -11252,7 +11252,7 @@
         </p:nvSpPr>
         <p:spPr>
           <a:xfrm>
-            <a:off x="5398965" y="5851025"/>
+            <a:off x="8860018" y="5851025"/>
             <a:ext cx="1257042" cy="369332"/>
           </a:xfrm>
           <a:prstGeom prst="rect">
@@ -11291,7 +11291,7 @@
         </p:nvSpPr>
         <p:spPr>
           <a:xfrm>
-            <a:off x="5390855" y="6161029"/>
+            <a:off x="8851908" y="6161029"/>
             <a:ext cx="1548186" cy="369332"/>
           </a:xfrm>
           <a:prstGeom prst="rect">
@@ -11326,7 +11326,7 @@
         </p:nvSpPr>
         <p:spPr>
           <a:xfrm>
-            <a:off x="6601200" y="5938715"/>
+            <a:off x="10062253" y="5938715"/>
             <a:ext cx="830510" cy="251886"/>
           </a:xfrm>
           <a:prstGeom prst="rect">
@@ -11372,7 +11372,7 @@
         </p:nvSpPr>
         <p:spPr>
           <a:xfrm>
-            <a:off x="6587712" y="5938189"/>
+            <a:off x="10048765" y="5938189"/>
             <a:ext cx="486560" cy="251887"/>
           </a:xfrm>
           <a:prstGeom prst="rect">
@@ -11421,7 +11421,7 @@
         </p:nvSpPr>
         <p:spPr>
           <a:xfrm>
-            <a:off x="6664117" y="5870359"/>
+            <a:off x="10125170" y="5870359"/>
             <a:ext cx="360726" cy="369332"/>
           </a:xfrm>
           <a:prstGeom prst="rect">
@@ -11458,8 +11458,8 @@
         </p:nvCxnSpPr>
         <p:spPr>
           <a:xfrm flipH="1" flipV="1">
-            <a:off x="4129004" y="3721068"/>
-            <a:ext cx="1403454" cy="537998"/>
+            <a:off x="6159215" y="4557741"/>
+            <a:ext cx="2536601" cy="1204274"/>
           </a:xfrm>
           <a:prstGeom prst="straightConnector1">
             <a:avLst/>
@@ -11502,7 +11502,7 @@
         </p:nvCxnSpPr>
         <p:spPr>
           <a:xfrm flipV="1">
-            <a:off x="6479410" y="4287147"/>
+            <a:off x="9299526" y="4287147"/>
             <a:ext cx="385892" cy="1"/>
           </a:xfrm>
           <a:prstGeom prst="straightConnector1">
@@ -11544,7 +11544,7 @@
         </p:nvSpPr>
         <p:spPr>
           <a:xfrm>
-            <a:off x="6843500" y="4075902"/>
+            <a:off x="9663616" y="4075902"/>
             <a:ext cx="534121" cy="369332"/>
           </a:xfrm>
           <a:prstGeom prst="rect">
@@ -11578,7 +11578,7 @@
         </p:nvSpPr>
         <p:spPr>
           <a:xfrm>
-            <a:off x="5640790" y="4135151"/>
+            <a:off x="8460906" y="4135151"/>
             <a:ext cx="830510" cy="251886"/>
           </a:xfrm>
           <a:prstGeom prst="rect">
@@ -11624,7 +11624,7 @@
         </p:nvSpPr>
         <p:spPr>
           <a:xfrm>
-            <a:off x="5627302" y="4134625"/>
+            <a:off x="8447418" y="4134625"/>
             <a:ext cx="486560" cy="251887"/>
           </a:xfrm>
           <a:prstGeom prst="rect">
@@ -11673,7 +11673,7 @@
         </p:nvSpPr>
         <p:spPr>
           <a:xfrm>
-            <a:off x="5703707" y="4066795"/>
+            <a:off x="8523823" y="4066795"/>
             <a:ext cx="360726" cy="369332"/>
           </a:xfrm>
           <a:prstGeom prst="rect">
@@ -11708,7 +11708,7 @@
         </p:nvSpPr>
         <p:spPr>
           <a:xfrm>
-            <a:off x="5579265" y="4360068"/>
+            <a:off x="8399381" y="4360068"/>
             <a:ext cx="1548186" cy="369332"/>
           </a:xfrm>
           <a:prstGeom prst="rect">
@@ -11743,7 +11743,7 @@
         </p:nvSpPr>
         <p:spPr>
           <a:xfrm>
-            <a:off x="5579265" y="3930748"/>
+            <a:off x="8399381" y="3930748"/>
             <a:ext cx="2102988" cy="764168"/>
           </a:xfrm>
           <a:prstGeom prst="rect">
@@ -11797,7 +11797,7 @@
         </p:nvSpPr>
         <p:spPr>
           <a:xfrm>
-            <a:off x="5474428" y="3575849"/>
+            <a:off x="8294544" y="3575849"/>
             <a:ext cx="1702815" cy="369332"/>
           </a:xfrm>
           <a:prstGeom prst="rect">
@@ -11848,7 +11848,7 @@
         </p:nvSpPr>
         <p:spPr>
           <a:xfrm>
-            <a:off x="3330893" y="4032410"/>
+            <a:off x="5322630" y="4656256"/>
             <a:ext cx="1548186" cy="369332"/>
           </a:xfrm>
           <a:prstGeom prst="rect">
@@ -11868,7 +11868,7 @@
             </a:r>
             <a:r>
               <a:rPr lang="en-US" dirty="0"/>
-              <a:t> = 1 + 6+7</a:t>
+              <a:t> = 1 + 6+8</a:t>
             </a:r>
           </a:p>
         </p:txBody>
@@ -11889,7 +11889,7 @@
         </p:nvCxnSpPr>
         <p:spPr>
           <a:xfrm flipV="1">
-            <a:off x="4257529" y="4836970"/>
+            <a:off x="7110450" y="5556595"/>
             <a:ext cx="385892" cy="1"/>
           </a:xfrm>
           <a:prstGeom prst="straightConnector1">
@@ -11931,7 +11931,7 @@
         </p:nvSpPr>
         <p:spPr>
           <a:xfrm>
-            <a:off x="4590546" y="4644587"/>
+            <a:off x="7470532" y="5410229"/>
             <a:ext cx="534121" cy="369332"/>
           </a:xfrm>
           <a:prstGeom prst="rect">
@@ -11965,7 +11965,7 @@
         </p:nvSpPr>
         <p:spPr>
           <a:xfrm>
-            <a:off x="1087725" y="4659449"/>
+            <a:off x="3939383" y="5371929"/>
             <a:ext cx="1257042" cy="369332"/>
           </a:xfrm>
           <a:prstGeom prst="rect">
@@ -12004,8 +12004,8 @@
         </p:nvSpPr>
         <p:spPr>
           <a:xfrm>
-            <a:off x="3354911" y="5097441"/>
-            <a:ext cx="1548186" cy="369332"/>
+            <a:off x="5332536" y="5095104"/>
+            <a:ext cx="938440" cy="369332"/>
           </a:xfrm>
           <a:prstGeom prst="rect">
             <a:avLst/>
@@ -12039,7 +12039,7 @@
         </p:nvSpPr>
         <p:spPr>
           <a:xfrm>
-            <a:off x="3467888" y="4708571"/>
+            <a:off x="6320809" y="5428196"/>
             <a:ext cx="830510" cy="251886"/>
           </a:xfrm>
           <a:prstGeom prst="rect">
@@ -12085,7 +12085,7 @@
         </p:nvSpPr>
         <p:spPr>
           <a:xfrm>
-            <a:off x="3445726" y="4703310"/>
+            <a:off x="6298647" y="5422935"/>
             <a:ext cx="486560" cy="251887"/>
           </a:xfrm>
           <a:prstGeom prst="rect">
@@ -12134,7 +12134,7 @@
         </p:nvSpPr>
         <p:spPr>
           <a:xfrm>
-            <a:off x="3506113" y="4652304"/>
+            <a:off x="6366875" y="5377218"/>
             <a:ext cx="360726" cy="369332"/>
           </a:xfrm>
           <a:prstGeom prst="rect">
@@ -12171,7 +12171,7 @@
         </p:nvCxnSpPr>
         <p:spPr>
           <a:xfrm flipH="1">
-            <a:off x="2731932" y="4779564"/>
+            <a:off x="5584853" y="5499189"/>
             <a:ext cx="270662" cy="129103"/>
           </a:xfrm>
           <a:prstGeom prst="straightConnector1">
@@ -12213,7 +12213,7 @@
         </p:nvSpPr>
         <p:spPr>
           <a:xfrm>
-            <a:off x="2316544" y="4727408"/>
+            <a:off x="5169465" y="5447033"/>
             <a:ext cx="755801" cy="249922"/>
           </a:xfrm>
           <a:prstGeom prst="rect">
@@ -12259,7 +12259,7 @@
         </p:nvSpPr>
         <p:spPr>
           <a:xfrm>
-            <a:off x="2258073" y="4729399"/>
+            <a:off x="5110994" y="5449024"/>
             <a:ext cx="436551" cy="225721"/>
           </a:xfrm>
           <a:prstGeom prst="rect">
@@ -12308,7 +12308,7 @@
         </p:nvSpPr>
         <p:spPr>
           <a:xfrm>
-            <a:off x="2317722" y="4653111"/>
+            <a:off x="5129485" y="5379074"/>
             <a:ext cx="417165" cy="369332"/>
           </a:xfrm>
           <a:prstGeom prst="rect">
@@ -12324,7 +12324,7 @@
           <a:p>
             <a:r>
               <a:rPr lang="en-US" dirty="0"/>
-              <a:t>4</a:t>
+              <a:t>5</a:t>
             </a:r>
           </a:p>
         </p:txBody>
@@ -12345,7 +12345,7 @@
         </p:nvCxnSpPr>
         <p:spPr>
           <a:xfrm flipV="1">
-            <a:off x="3088304" y="4812542"/>
+            <a:off x="5940565" y="5571994"/>
             <a:ext cx="385892" cy="1"/>
           </a:xfrm>
           <a:prstGeom prst="straightConnector1">
@@ -12389,7 +12389,7 @@
         </p:nvCxnSpPr>
         <p:spPr>
           <a:xfrm flipV="1">
-            <a:off x="4669988" y="2598505"/>
+            <a:off x="6507339" y="3145442"/>
             <a:ext cx="385892" cy="1"/>
           </a:xfrm>
           <a:prstGeom prst="straightConnector1">
@@ -12431,7 +12431,7 @@
         </p:nvSpPr>
         <p:spPr>
           <a:xfrm>
-            <a:off x="5003005" y="2406122"/>
+            <a:off x="6840356" y="2953059"/>
             <a:ext cx="534121" cy="369332"/>
           </a:xfrm>
           <a:prstGeom prst="rect">
@@ -12465,7 +12465,7 @@
         </p:nvSpPr>
         <p:spPr>
           <a:xfrm>
-            <a:off x="3880347" y="2470106"/>
+            <a:off x="5717698" y="3017043"/>
             <a:ext cx="830510" cy="251886"/>
           </a:xfrm>
           <a:prstGeom prst="rect">
@@ -12511,7 +12511,7 @@
         </p:nvSpPr>
         <p:spPr>
           <a:xfrm>
-            <a:off x="3858185" y="2464845"/>
+            <a:off x="5695536" y="3011782"/>
             <a:ext cx="486560" cy="251887"/>
           </a:xfrm>
           <a:prstGeom prst="rect">
@@ -12560,7 +12560,7 @@
         </p:nvSpPr>
         <p:spPr>
           <a:xfrm>
-            <a:off x="3918572" y="2413839"/>
+            <a:off x="5755923" y="2960776"/>
             <a:ext cx="360726" cy="369332"/>
           </a:xfrm>
           <a:prstGeom prst="rect">
@@ -12597,7 +12597,7 @@
         </p:nvCxnSpPr>
         <p:spPr>
           <a:xfrm flipH="1">
-            <a:off x="3144391" y="2541099"/>
+            <a:off x="4981742" y="3088036"/>
             <a:ext cx="270662" cy="129103"/>
           </a:xfrm>
           <a:prstGeom prst="straightConnector1">
@@ -12639,7 +12639,7 @@
         </p:nvSpPr>
         <p:spPr>
           <a:xfrm>
-            <a:off x="2729003" y="2488943"/>
+            <a:off x="4566354" y="3035880"/>
             <a:ext cx="755801" cy="249922"/>
           </a:xfrm>
           <a:prstGeom prst="rect">
@@ -12685,7 +12685,7 @@
         </p:nvSpPr>
         <p:spPr>
           <a:xfrm>
-            <a:off x="2670532" y="2490934"/>
+            <a:off x="4507883" y="3037871"/>
             <a:ext cx="436551" cy="225721"/>
           </a:xfrm>
           <a:prstGeom prst="rect">
@@ -12734,7 +12734,7 @@
         </p:nvSpPr>
         <p:spPr>
           <a:xfrm>
-            <a:off x="2730181" y="2414646"/>
+            <a:off x="4567532" y="2961583"/>
             <a:ext cx="417165" cy="369332"/>
           </a:xfrm>
           <a:prstGeom prst="rect">
@@ -12750,7 +12750,7 @@
           <a:p>
             <a:r>
               <a:rPr lang="en-US" dirty="0"/>
-              <a:t>4</a:t>
+              <a:t>5</a:t>
             </a:r>
           </a:p>
         </p:txBody>
@@ -12771,7 +12771,7 @@
         </p:nvCxnSpPr>
         <p:spPr>
           <a:xfrm flipV="1">
-            <a:off x="3500763" y="2574077"/>
+            <a:off x="5338114" y="3121014"/>
             <a:ext cx="385892" cy="1"/>
           </a:xfrm>
           <a:prstGeom prst="straightConnector1">
@@ -12813,7 +12813,7 @@
         </p:nvSpPr>
         <p:spPr>
           <a:xfrm>
-            <a:off x="2628289" y="2710409"/>
+            <a:off x="4465640" y="3257346"/>
             <a:ext cx="1548186" cy="369332"/>
           </a:xfrm>
           <a:prstGeom prst="rect">
@@ -12848,7 +12848,7 @@
         </p:nvSpPr>
         <p:spPr>
           <a:xfrm>
-            <a:off x="2607868" y="2363884"/>
+            <a:off x="4445219" y="2910821"/>
             <a:ext cx="2924589" cy="678876"/>
           </a:xfrm>
           <a:prstGeom prst="rect">
@@ -12902,7 +12902,7 @@
         </p:nvSpPr>
         <p:spPr>
           <a:xfrm>
-            <a:off x="2526304" y="1993258"/>
+            <a:off x="4363655" y="2540195"/>
             <a:ext cx="1702815" cy="369332"/>
           </a:xfrm>
           <a:prstGeom prst="rect">
@@ -12955,8 +12955,8 @@
         </p:nvCxnSpPr>
         <p:spPr>
           <a:xfrm flipH="1" flipV="1">
-            <a:off x="1423874" y="2522092"/>
-            <a:ext cx="1752189" cy="742134"/>
+            <a:off x="1531818" y="2562102"/>
+            <a:ext cx="3797451" cy="1618529"/>
           </a:xfrm>
           <a:prstGeom prst="straightConnector1">
             <a:avLst/>
@@ -13018,6 +13018,1501 @@
             <a:r>
               <a:rPr lang="en-US" dirty="0"/>
               <a:t> = 1 +3+6</a:t>
+            </a:r>
+          </a:p>
+        </p:txBody>
+      </p:sp>
+      <p:sp>
+        <p:nvSpPr>
+          <p:cNvPr id="184" name="TextBox 183">
+            <a:extLst>
+              <a:ext uri="{FF2B5EF4-FFF2-40B4-BE49-F238E27FC236}">
+                <a16:creationId xmlns:a16="http://schemas.microsoft.com/office/drawing/2014/main" id="{18DD73C1-EAC2-4805-93FA-6C954AB033BB}"/>
+              </a:ext>
+            </a:extLst>
+          </p:cNvPr>
+          <p:cNvSpPr txBox="1"/>
+          <p:nvPr/>
+        </p:nvSpPr>
+        <p:spPr>
+          <a:xfrm>
+            <a:off x="666805" y="3230424"/>
+            <a:ext cx="1548186" cy="369332"/>
+          </a:xfrm>
+          <a:prstGeom prst="rect">
+            <a:avLst/>
+          </a:prstGeom>
+          <a:noFill/>
+        </p:spPr>
+        <p:txBody>
+          <a:bodyPr wrap="square" rtlCol="0">
+            <a:spAutoFit/>
+          </a:bodyPr>
+          <a:lstStyle/>
+          <a:p>
+            <a:r>
+              <a:rPr lang="en-US" dirty="0"/>
+              <a:t>carry= 1</a:t>
+            </a:r>
+          </a:p>
+        </p:txBody>
+      </p:sp>
+      <p:sp>
+        <p:nvSpPr>
+          <p:cNvPr id="186" name="Rectangle 185">
+            <a:extLst>
+              <a:ext uri="{FF2B5EF4-FFF2-40B4-BE49-F238E27FC236}">
+                <a16:creationId xmlns:a16="http://schemas.microsoft.com/office/drawing/2014/main" id="{2EDDDCF6-6B8F-491D-B51D-C10BD5375F7A}"/>
+              </a:ext>
+            </a:extLst>
+          </p:cNvPr>
+          <p:cNvSpPr/>
+          <p:nvPr/>
+        </p:nvSpPr>
+        <p:spPr>
+          <a:xfrm>
+            <a:off x="3429813" y="3579121"/>
+            <a:ext cx="534121" cy="369332"/>
+          </a:xfrm>
+          <a:prstGeom prst="rect">
+            <a:avLst/>
+          </a:prstGeom>
+        </p:spPr>
+        <p:txBody>
+          <a:bodyPr wrap="none">
+            <a:spAutoFit/>
+          </a:bodyPr>
+          <a:lstStyle/>
+          <a:p>
+            <a:r>
+              <a:rPr lang="en-US" dirty="0"/>
+              <a:t>null</a:t>
+            </a:r>
+          </a:p>
+        </p:txBody>
+      </p:sp>
+      <p:sp>
+        <p:nvSpPr>
+          <p:cNvPr id="187" name="TextBox 186">
+            <a:extLst>
+              <a:ext uri="{FF2B5EF4-FFF2-40B4-BE49-F238E27FC236}">
+                <a16:creationId xmlns:a16="http://schemas.microsoft.com/office/drawing/2014/main" id="{A3763491-3CEA-405D-A612-BBCE13241D31}"/>
+              </a:ext>
+            </a:extLst>
+          </p:cNvPr>
+          <p:cNvSpPr txBox="1"/>
+          <p:nvPr/>
+        </p:nvSpPr>
+        <p:spPr>
+          <a:xfrm>
+            <a:off x="32899" y="3529306"/>
+            <a:ext cx="1257042" cy="369332"/>
+          </a:xfrm>
+          <a:prstGeom prst="rect">
+            <a:avLst/>
+          </a:prstGeom>
+          <a:noFill/>
+        </p:spPr>
+        <p:txBody>
+          <a:bodyPr wrap="square" rtlCol="0">
+            <a:spAutoFit/>
+          </a:bodyPr>
+          <a:lstStyle/>
+          <a:p>
+            <a:r>
+              <a:rPr lang="en-US" dirty="0" err="1"/>
+              <a:t>sum.sum</a:t>
+            </a:r>
+            <a:r>
+              <a:rPr lang="en-US" dirty="0"/>
+              <a:t> = </a:t>
+            </a:r>
+          </a:p>
+        </p:txBody>
+      </p:sp>
+      <p:sp>
+        <p:nvSpPr>
+          <p:cNvPr id="188" name="Rectangle 187">
+            <a:extLst>
+              <a:ext uri="{FF2B5EF4-FFF2-40B4-BE49-F238E27FC236}">
+                <a16:creationId xmlns:a16="http://schemas.microsoft.com/office/drawing/2014/main" id="{AB1A52DF-2D94-4C09-BF2C-5B0FC870FAE0}"/>
+              </a:ext>
+            </a:extLst>
+          </p:cNvPr>
+          <p:cNvSpPr/>
+          <p:nvPr/>
+        </p:nvSpPr>
+        <p:spPr>
+          <a:xfrm>
+            <a:off x="1922183" y="3592193"/>
+            <a:ext cx="617648" cy="251886"/>
+          </a:xfrm>
+          <a:prstGeom prst="rect">
+            <a:avLst/>
+          </a:prstGeom>
+        </p:spPr>
+        <p:style>
+          <a:lnRef idx="2">
+            <a:schemeClr val="accent1">
+              <a:shade val="50000"/>
+            </a:schemeClr>
+          </a:lnRef>
+          <a:fillRef idx="1">
+            <a:schemeClr val="accent1"/>
+          </a:fillRef>
+          <a:effectRef idx="0">
+            <a:schemeClr val="accent1"/>
+          </a:effectRef>
+          <a:fontRef idx="minor">
+            <a:schemeClr val="lt1"/>
+          </a:fontRef>
+        </p:style>
+        <p:txBody>
+          <a:bodyPr rtlCol="0" anchor="ctr"/>
+          <a:lstStyle/>
+          <a:p>
+            <a:pPr algn="ctr"/>
+            <a:endParaRPr lang="en-US"/>
+          </a:p>
+        </p:txBody>
+      </p:sp>
+      <p:sp>
+        <p:nvSpPr>
+          <p:cNvPr id="189" name="Rectangle 188">
+            <a:extLst>
+              <a:ext uri="{FF2B5EF4-FFF2-40B4-BE49-F238E27FC236}">
+                <a16:creationId xmlns:a16="http://schemas.microsoft.com/office/drawing/2014/main" id="{96DE291C-A1F5-4123-ABC5-916B9D3EAA67}"/>
+              </a:ext>
+            </a:extLst>
+          </p:cNvPr>
+          <p:cNvSpPr/>
+          <p:nvPr/>
+        </p:nvSpPr>
+        <p:spPr>
+          <a:xfrm>
+            <a:off x="1876825" y="3596106"/>
+            <a:ext cx="486560" cy="251887"/>
+          </a:xfrm>
+          <a:prstGeom prst="rect">
+            <a:avLst/>
+          </a:prstGeom>
+          <a:solidFill>
+            <a:schemeClr val="bg1"/>
+          </a:solidFill>
+        </p:spPr>
+        <p:style>
+          <a:lnRef idx="2">
+            <a:schemeClr val="accent1">
+              <a:shade val="50000"/>
+            </a:schemeClr>
+          </a:lnRef>
+          <a:fillRef idx="1">
+            <a:schemeClr val="accent1"/>
+          </a:fillRef>
+          <a:effectRef idx="0">
+            <a:schemeClr val="accent1"/>
+          </a:effectRef>
+          <a:fontRef idx="minor">
+            <a:schemeClr val="lt1"/>
+          </a:fontRef>
+        </p:style>
+        <p:txBody>
+          <a:bodyPr rtlCol="0" anchor="ctr"/>
+          <a:lstStyle/>
+          <a:p>
+            <a:pPr algn="ctr"/>
+            <a:endParaRPr lang="en-US"/>
+          </a:p>
+        </p:txBody>
+      </p:sp>
+      <p:sp>
+        <p:nvSpPr>
+          <p:cNvPr id="190" name="TextBox 189">
+            <a:extLst>
+              <a:ext uri="{FF2B5EF4-FFF2-40B4-BE49-F238E27FC236}">
+                <a16:creationId xmlns:a16="http://schemas.microsoft.com/office/drawing/2014/main" id="{5D68BC45-9522-4212-B3CA-4ED7996F30CB}"/>
+              </a:ext>
+            </a:extLst>
+          </p:cNvPr>
+          <p:cNvSpPr txBox="1"/>
+          <p:nvPr/>
+        </p:nvSpPr>
+        <p:spPr>
+          <a:xfrm>
+            <a:off x="1968249" y="3541215"/>
+            <a:ext cx="360726" cy="369332"/>
+          </a:xfrm>
+          <a:prstGeom prst="rect">
+            <a:avLst/>
+          </a:prstGeom>
+          <a:noFill/>
+        </p:spPr>
+        <p:txBody>
+          <a:bodyPr wrap="square" rtlCol="0">
+            <a:spAutoFit/>
+          </a:bodyPr>
+          <a:lstStyle/>
+          <a:p>
+            <a:r>
+              <a:rPr lang="en-US" dirty="0"/>
+              <a:t>5</a:t>
+            </a:r>
+          </a:p>
+        </p:txBody>
+      </p:sp>
+      <p:sp>
+        <p:nvSpPr>
+          <p:cNvPr id="192" name="Rectangle 191">
+            <a:extLst>
+              <a:ext uri="{FF2B5EF4-FFF2-40B4-BE49-F238E27FC236}">
+                <a16:creationId xmlns:a16="http://schemas.microsoft.com/office/drawing/2014/main" id="{A1A69258-041A-4BA9-9E58-49A75B35BD66}"/>
+              </a:ext>
+            </a:extLst>
+          </p:cNvPr>
+          <p:cNvSpPr/>
+          <p:nvPr/>
+        </p:nvSpPr>
+        <p:spPr>
+          <a:xfrm>
+            <a:off x="1195981" y="3602898"/>
+            <a:ext cx="571362" cy="249922"/>
+          </a:xfrm>
+          <a:prstGeom prst="rect">
+            <a:avLst/>
+          </a:prstGeom>
+        </p:spPr>
+        <p:style>
+          <a:lnRef idx="2">
+            <a:schemeClr val="accent1">
+              <a:shade val="50000"/>
+            </a:schemeClr>
+          </a:lnRef>
+          <a:fillRef idx="1">
+            <a:schemeClr val="accent1"/>
+          </a:fillRef>
+          <a:effectRef idx="0">
+            <a:schemeClr val="accent1"/>
+          </a:effectRef>
+          <a:fontRef idx="minor">
+            <a:schemeClr val="lt1"/>
+          </a:fontRef>
+        </p:style>
+        <p:txBody>
+          <a:bodyPr rtlCol="0" anchor="ctr"/>
+          <a:lstStyle/>
+          <a:p>
+            <a:pPr algn="ctr"/>
+            <a:endParaRPr lang="en-US"/>
+          </a:p>
+        </p:txBody>
+      </p:sp>
+      <p:sp>
+        <p:nvSpPr>
+          <p:cNvPr id="193" name="Rectangle 192">
+            <a:extLst>
+              <a:ext uri="{FF2B5EF4-FFF2-40B4-BE49-F238E27FC236}">
+                <a16:creationId xmlns:a16="http://schemas.microsoft.com/office/drawing/2014/main" id="{23FA4F41-97ED-4AE1-85BC-EE558C2A7A23}"/>
+              </a:ext>
+            </a:extLst>
+          </p:cNvPr>
+          <p:cNvSpPr/>
+          <p:nvPr/>
+        </p:nvSpPr>
+        <p:spPr>
+          <a:xfrm>
+            <a:off x="1191092" y="3613293"/>
+            <a:ext cx="436551" cy="225721"/>
+          </a:xfrm>
+          <a:prstGeom prst="rect">
+            <a:avLst/>
+          </a:prstGeom>
+          <a:solidFill>
+            <a:schemeClr val="bg1"/>
+          </a:solidFill>
+        </p:spPr>
+        <p:style>
+          <a:lnRef idx="2">
+            <a:schemeClr val="accent1">
+              <a:shade val="50000"/>
+            </a:schemeClr>
+          </a:lnRef>
+          <a:fillRef idx="1">
+            <a:schemeClr val="accent1"/>
+          </a:fillRef>
+          <a:effectRef idx="0">
+            <a:schemeClr val="accent1"/>
+          </a:effectRef>
+          <a:fontRef idx="minor">
+            <a:schemeClr val="lt1"/>
+          </a:fontRef>
+        </p:style>
+        <p:txBody>
+          <a:bodyPr rtlCol="0" anchor="ctr"/>
+          <a:lstStyle/>
+          <a:p>
+            <a:pPr algn="ctr"/>
+            <a:endParaRPr lang="en-US"/>
+          </a:p>
+        </p:txBody>
+      </p:sp>
+      <p:sp>
+        <p:nvSpPr>
+          <p:cNvPr id="194" name="TextBox 193">
+            <a:extLst>
+              <a:ext uri="{FF2B5EF4-FFF2-40B4-BE49-F238E27FC236}">
+                <a16:creationId xmlns:a16="http://schemas.microsoft.com/office/drawing/2014/main" id="{170A0876-4B66-4FE8-A99D-E9FC57370E71}"/>
+              </a:ext>
+            </a:extLst>
+          </p:cNvPr>
+          <p:cNvSpPr txBox="1"/>
+          <p:nvPr/>
+        </p:nvSpPr>
+        <p:spPr>
+          <a:xfrm>
+            <a:off x="1210478" y="3543193"/>
+            <a:ext cx="417165" cy="369332"/>
+          </a:xfrm>
+          <a:prstGeom prst="rect">
+            <a:avLst/>
+          </a:prstGeom>
+          <a:noFill/>
+        </p:spPr>
+        <p:txBody>
+          <a:bodyPr wrap="square" rtlCol="0">
+            <a:spAutoFit/>
+          </a:bodyPr>
+          <a:lstStyle/>
+          <a:p>
+            <a:r>
+              <a:rPr lang="en-US" dirty="0"/>
+              <a:t>0</a:t>
+            </a:r>
+          </a:p>
+        </p:txBody>
+      </p:sp>
+      <p:cxnSp>
+        <p:nvCxnSpPr>
+          <p:cNvPr id="195" name="Straight Arrow Connector 194">
+            <a:extLst>
+              <a:ext uri="{FF2B5EF4-FFF2-40B4-BE49-F238E27FC236}">
+                <a16:creationId xmlns:a16="http://schemas.microsoft.com/office/drawing/2014/main" id="{3A4FBFA4-D3BC-4D77-A306-9F23F32A705C}"/>
+              </a:ext>
+            </a:extLst>
+          </p:cNvPr>
+          <p:cNvCxnSpPr>
+            <a:cxnSpLocks/>
+          </p:cNvCxnSpPr>
+          <p:nvPr/>
+        </p:nvCxnSpPr>
+        <p:spPr>
+          <a:xfrm flipV="1">
+            <a:off x="1772888" y="3743789"/>
+            <a:ext cx="187808" cy="1"/>
+          </a:xfrm>
+          <a:prstGeom prst="straightConnector1">
+            <a:avLst/>
+          </a:prstGeom>
+          <a:ln w="38100">
+            <a:solidFill>
+              <a:srgbClr val="FF0000"/>
+            </a:solidFill>
+            <a:tailEnd type="triangle"/>
+          </a:ln>
+        </p:spPr>
+        <p:style>
+          <a:lnRef idx="1">
+            <a:schemeClr val="accent1"/>
+          </a:lnRef>
+          <a:fillRef idx="0">
+            <a:schemeClr val="accent1"/>
+          </a:fillRef>
+          <a:effectRef idx="0">
+            <a:schemeClr val="accent1"/>
+          </a:effectRef>
+          <a:fontRef idx="minor">
+            <a:schemeClr val="tx1"/>
+          </a:fontRef>
+        </p:style>
+      </p:cxnSp>
+      <p:sp>
+        <p:nvSpPr>
+          <p:cNvPr id="216" name="Rectangle 215">
+            <a:extLst>
+              <a:ext uri="{FF2B5EF4-FFF2-40B4-BE49-F238E27FC236}">
+                <a16:creationId xmlns:a16="http://schemas.microsoft.com/office/drawing/2014/main" id="{7F4F90B7-6004-49CD-B9B9-D85F071B2158}"/>
+              </a:ext>
+            </a:extLst>
+          </p:cNvPr>
+          <p:cNvSpPr/>
+          <p:nvPr/>
+        </p:nvSpPr>
+        <p:spPr>
+          <a:xfrm>
+            <a:off x="2682515" y="3609197"/>
+            <a:ext cx="617648" cy="251886"/>
+          </a:xfrm>
+          <a:prstGeom prst="rect">
+            <a:avLst/>
+          </a:prstGeom>
+        </p:spPr>
+        <p:style>
+          <a:lnRef idx="2">
+            <a:schemeClr val="accent1">
+              <a:shade val="50000"/>
+            </a:schemeClr>
+          </a:lnRef>
+          <a:fillRef idx="1">
+            <a:schemeClr val="accent1"/>
+          </a:fillRef>
+          <a:effectRef idx="0">
+            <a:schemeClr val="accent1"/>
+          </a:effectRef>
+          <a:fontRef idx="minor">
+            <a:schemeClr val="lt1"/>
+          </a:fontRef>
+        </p:style>
+        <p:txBody>
+          <a:bodyPr rtlCol="0" anchor="ctr"/>
+          <a:lstStyle/>
+          <a:p>
+            <a:pPr algn="ctr"/>
+            <a:endParaRPr lang="en-US"/>
+          </a:p>
+        </p:txBody>
+      </p:sp>
+      <p:sp>
+        <p:nvSpPr>
+          <p:cNvPr id="217" name="Rectangle 216">
+            <a:extLst>
+              <a:ext uri="{FF2B5EF4-FFF2-40B4-BE49-F238E27FC236}">
+                <a16:creationId xmlns:a16="http://schemas.microsoft.com/office/drawing/2014/main" id="{2C16EB1C-60AB-487A-93FD-56A822BD6A0B}"/>
+              </a:ext>
+            </a:extLst>
+          </p:cNvPr>
+          <p:cNvSpPr/>
+          <p:nvPr/>
+        </p:nvSpPr>
+        <p:spPr>
+          <a:xfrm>
+            <a:off x="2637157" y="3613110"/>
+            <a:ext cx="486560" cy="251887"/>
+          </a:xfrm>
+          <a:prstGeom prst="rect">
+            <a:avLst/>
+          </a:prstGeom>
+          <a:solidFill>
+            <a:schemeClr val="bg1"/>
+          </a:solidFill>
+        </p:spPr>
+        <p:style>
+          <a:lnRef idx="2">
+            <a:schemeClr val="accent1">
+              <a:shade val="50000"/>
+            </a:schemeClr>
+          </a:lnRef>
+          <a:fillRef idx="1">
+            <a:schemeClr val="accent1"/>
+          </a:fillRef>
+          <a:effectRef idx="0">
+            <a:schemeClr val="accent1"/>
+          </a:effectRef>
+          <a:fontRef idx="minor">
+            <a:schemeClr val="lt1"/>
+          </a:fontRef>
+        </p:style>
+        <p:txBody>
+          <a:bodyPr rtlCol="0" anchor="ctr"/>
+          <a:lstStyle/>
+          <a:p>
+            <a:pPr algn="ctr"/>
+            <a:endParaRPr lang="en-US"/>
+          </a:p>
+        </p:txBody>
+      </p:sp>
+      <p:sp>
+        <p:nvSpPr>
+          <p:cNvPr id="218" name="TextBox 217">
+            <a:extLst>
+              <a:ext uri="{FF2B5EF4-FFF2-40B4-BE49-F238E27FC236}">
+                <a16:creationId xmlns:a16="http://schemas.microsoft.com/office/drawing/2014/main" id="{CE75453D-E273-45DF-8859-F5AF9E8F159B}"/>
+              </a:ext>
+            </a:extLst>
+          </p:cNvPr>
+          <p:cNvSpPr txBox="1"/>
+          <p:nvPr/>
+        </p:nvSpPr>
+        <p:spPr>
+          <a:xfrm>
+            <a:off x="2728581" y="3558219"/>
+            <a:ext cx="360726" cy="369332"/>
+          </a:xfrm>
+          <a:prstGeom prst="rect">
+            <a:avLst/>
+          </a:prstGeom>
+          <a:noFill/>
+        </p:spPr>
+        <p:txBody>
+          <a:bodyPr wrap="square" rtlCol="0">
+            <a:spAutoFit/>
+          </a:bodyPr>
+          <a:lstStyle/>
+          <a:p>
+            <a:r>
+              <a:rPr lang="en-US" dirty="0"/>
+              <a:t>6</a:t>
+            </a:r>
+          </a:p>
+        </p:txBody>
+      </p:sp>
+      <p:cxnSp>
+        <p:nvCxnSpPr>
+          <p:cNvPr id="219" name="Straight Arrow Connector 218">
+            <a:extLst>
+              <a:ext uri="{FF2B5EF4-FFF2-40B4-BE49-F238E27FC236}">
+                <a16:creationId xmlns:a16="http://schemas.microsoft.com/office/drawing/2014/main" id="{5F5755E9-0344-456D-A7B0-E3F8D41A5DB5}"/>
+              </a:ext>
+            </a:extLst>
+          </p:cNvPr>
+          <p:cNvCxnSpPr>
+            <a:cxnSpLocks/>
+          </p:cNvCxnSpPr>
+          <p:nvPr/>
+        </p:nvCxnSpPr>
+        <p:spPr>
+          <a:xfrm flipV="1">
+            <a:off x="2533220" y="3760793"/>
+            <a:ext cx="187808" cy="1"/>
+          </a:xfrm>
+          <a:prstGeom prst="straightConnector1">
+            <a:avLst/>
+          </a:prstGeom>
+          <a:ln w="38100">
+            <a:solidFill>
+              <a:srgbClr val="FF0000"/>
+            </a:solidFill>
+            <a:tailEnd type="triangle"/>
+          </a:ln>
+        </p:spPr>
+        <p:style>
+          <a:lnRef idx="1">
+            <a:schemeClr val="accent1"/>
+          </a:lnRef>
+          <a:fillRef idx="0">
+            <a:schemeClr val="accent1"/>
+          </a:fillRef>
+          <a:effectRef idx="0">
+            <a:schemeClr val="accent1"/>
+          </a:effectRef>
+          <a:fontRef idx="minor">
+            <a:schemeClr val="tx1"/>
+          </a:fontRef>
+        </p:style>
+      </p:cxnSp>
+      <p:cxnSp>
+        <p:nvCxnSpPr>
+          <p:cNvPr id="220" name="Straight Arrow Connector 219">
+            <a:extLst>
+              <a:ext uri="{FF2B5EF4-FFF2-40B4-BE49-F238E27FC236}">
+                <a16:creationId xmlns:a16="http://schemas.microsoft.com/office/drawing/2014/main" id="{650D3F83-FF77-407C-B10A-DA406310B6E8}"/>
+              </a:ext>
+            </a:extLst>
+          </p:cNvPr>
+          <p:cNvCxnSpPr>
+            <a:cxnSpLocks/>
+          </p:cNvCxnSpPr>
+          <p:nvPr/>
+        </p:nvCxnSpPr>
+        <p:spPr>
+          <a:xfrm flipV="1">
+            <a:off x="3307716" y="3760667"/>
+            <a:ext cx="187808" cy="1"/>
+          </a:xfrm>
+          <a:prstGeom prst="straightConnector1">
+            <a:avLst/>
+          </a:prstGeom>
+          <a:ln w="38100">
+            <a:solidFill>
+              <a:srgbClr val="FF0000"/>
+            </a:solidFill>
+            <a:tailEnd type="triangle"/>
+          </a:ln>
+        </p:spPr>
+        <p:style>
+          <a:lnRef idx="1">
+            <a:schemeClr val="accent1"/>
+          </a:lnRef>
+          <a:fillRef idx="0">
+            <a:schemeClr val="accent1"/>
+          </a:fillRef>
+          <a:effectRef idx="0">
+            <a:schemeClr val="accent1"/>
+          </a:effectRef>
+          <a:fontRef idx="minor">
+            <a:schemeClr val="tx1"/>
+          </a:fontRef>
+        </p:style>
+      </p:cxnSp>
+      <p:sp>
+        <p:nvSpPr>
+          <p:cNvPr id="221" name="Speech Bubble: Oval 220">
+            <a:extLst>
+              <a:ext uri="{FF2B5EF4-FFF2-40B4-BE49-F238E27FC236}">
+                <a16:creationId xmlns:a16="http://schemas.microsoft.com/office/drawing/2014/main" id="{B232DECC-53D8-4C75-951D-1E32454AD062}"/>
+              </a:ext>
+            </a:extLst>
+          </p:cNvPr>
+          <p:cNvSpPr/>
+          <p:nvPr/>
+        </p:nvSpPr>
+        <p:spPr>
+          <a:xfrm>
+            <a:off x="1842835" y="1719881"/>
+            <a:ext cx="4428141" cy="564538"/>
+          </a:xfrm>
+          <a:prstGeom prst="wedgeEllipseCallout">
+            <a:avLst>
+              <a:gd name="adj1" fmla="val 59302"/>
+              <a:gd name="adj2" fmla="val 49895"/>
+            </a:avLst>
+          </a:prstGeom>
+          <a:noFill/>
+          <a:ln>
+            <a:solidFill>
+              <a:srgbClr val="FFFF00"/>
+            </a:solidFill>
+          </a:ln>
+        </p:spPr>
+        <p:style>
+          <a:lnRef idx="2">
+            <a:schemeClr val="accent1">
+              <a:shade val="50000"/>
+            </a:schemeClr>
+          </a:lnRef>
+          <a:fillRef idx="1">
+            <a:schemeClr val="accent1"/>
+          </a:fillRef>
+          <a:effectRef idx="0">
+            <a:schemeClr val="accent1"/>
+          </a:effectRef>
+          <a:fontRef idx="minor">
+            <a:schemeClr val="lt1"/>
+          </a:fontRef>
+        </p:style>
+        <p:txBody>
+          <a:bodyPr rtlCol="0" anchor="ctr"/>
+          <a:lstStyle/>
+          <a:p>
+            <a:pPr algn="ctr"/>
+            <a:endParaRPr lang="en-US"/>
+          </a:p>
+        </p:txBody>
+      </p:sp>
+      <p:sp>
+        <p:nvSpPr>
+          <p:cNvPr id="234" name="TextBox 233">
+            <a:extLst>
+              <a:ext uri="{FF2B5EF4-FFF2-40B4-BE49-F238E27FC236}">
+                <a16:creationId xmlns:a16="http://schemas.microsoft.com/office/drawing/2014/main" id="{4216FE87-E7FE-4DE1-9964-A636F112D762}"/>
+              </a:ext>
+            </a:extLst>
+          </p:cNvPr>
+          <p:cNvSpPr txBox="1"/>
+          <p:nvPr/>
+        </p:nvSpPr>
+        <p:spPr>
+          <a:xfrm>
+            <a:off x="2749770" y="1462114"/>
+            <a:ext cx="1702815" cy="369332"/>
+          </a:xfrm>
+          <a:prstGeom prst="rect">
+            <a:avLst/>
+          </a:prstGeom>
+          <a:noFill/>
+        </p:spPr>
+        <p:txBody>
+          <a:bodyPr wrap="square" rtlCol="0">
+            <a:spAutoFit/>
+          </a:bodyPr>
+          <a:lstStyle/>
+          <a:p>
+            <a:r>
+              <a:rPr lang="en-US" b="1" dirty="0">
+                <a:solidFill>
+                  <a:schemeClr val="accent6">
+                    <a:lumMod val="75000"/>
+                  </a:schemeClr>
+                </a:solidFill>
+              </a:rPr>
+              <a:t>result</a:t>
+            </a:r>
+          </a:p>
+        </p:txBody>
+      </p:sp>
+      <p:sp>
+        <p:nvSpPr>
+          <p:cNvPr id="235" name="Rectangle 234">
+            <a:extLst>
+              <a:ext uri="{FF2B5EF4-FFF2-40B4-BE49-F238E27FC236}">
+                <a16:creationId xmlns:a16="http://schemas.microsoft.com/office/drawing/2014/main" id="{DCD7600A-6893-4B9B-9974-99D1DC3EE85C}"/>
+              </a:ext>
+            </a:extLst>
+          </p:cNvPr>
+          <p:cNvSpPr/>
+          <p:nvPr/>
+        </p:nvSpPr>
+        <p:spPr>
+          <a:xfrm>
+            <a:off x="5470837" y="1859987"/>
+            <a:ext cx="534121" cy="369332"/>
+          </a:xfrm>
+          <a:prstGeom prst="rect">
+            <a:avLst/>
+          </a:prstGeom>
+        </p:spPr>
+        <p:txBody>
+          <a:bodyPr wrap="none">
+            <a:spAutoFit/>
+          </a:bodyPr>
+          <a:lstStyle/>
+          <a:p>
+            <a:r>
+              <a:rPr lang="en-US" dirty="0"/>
+              <a:t>null</a:t>
+            </a:r>
+          </a:p>
+        </p:txBody>
+      </p:sp>
+      <p:sp>
+        <p:nvSpPr>
+          <p:cNvPr id="236" name="Rectangle 235">
+            <a:extLst>
+              <a:ext uri="{FF2B5EF4-FFF2-40B4-BE49-F238E27FC236}">
+                <a16:creationId xmlns:a16="http://schemas.microsoft.com/office/drawing/2014/main" id="{7A09C620-F5A8-418B-A1CC-CB28BCCC34BB}"/>
+              </a:ext>
+            </a:extLst>
+          </p:cNvPr>
+          <p:cNvSpPr/>
+          <p:nvPr/>
+        </p:nvSpPr>
+        <p:spPr>
+          <a:xfrm>
+            <a:off x="3963207" y="1873059"/>
+            <a:ext cx="617648" cy="251886"/>
+          </a:xfrm>
+          <a:prstGeom prst="rect">
+            <a:avLst/>
+          </a:prstGeom>
+        </p:spPr>
+        <p:style>
+          <a:lnRef idx="2">
+            <a:schemeClr val="accent1">
+              <a:shade val="50000"/>
+            </a:schemeClr>
+          </a:lnRef>
+          <a:fillRef idx="1">
+            <a:schemeClr val="accent1"/>
+          </a:fillRef>
+          <a:effectRef idx="0">
+            <a:schemeClr val="accent1"/>
+          </a:effectRef>
+          <a:fontRef idx="minor">
+            <a:schemeClr val="lt1"/>
+          </a:fontRef>
+        </p:style>
+        <p:txBody>
+          <a:bodyPr rtlCol="0" anchor="ctr"/>
+          <a:lstStyle/>
+          <a:p>
+            <a:pPr algn="ctr"/>
+            <a:endParaRPr lang="en-US"/>
+          </a:p>
+        </p:txBody>
+      </p:sp>
+      <p:sp>
+        <p:nvSpPr>
+          <p:cNvPr id="237" name="Rectangle 236">
+            <a:extLst>
+              <a:ext uri="{FF2B5EF4-FFF2-40B4-BE49-F238E27FC236}">
+                <a16:creationId xmlns:a16="http://schemas.microsoft.com/office/drawing/2014/main" id="{5BA53503-8904-4FB5-B187-CB3151716328}"/>
+              </a:ext>
+            </a:extLst>
+          </p:cNvPr>
+          <p:cNvSpPr/>
+          <p:nvPr/>
+        </p:nvSpPr>
+        <p:spPr>
+          <a:xfrm>
+            <a:off x="3917849" y="1876972"/>
+            <a:ext cx="486560" cy="251887"/>
+          </a:xfrm>
+          <a:prstGeom prst="rect">
+            <a:avLst/>
+          </a:prstGeom>
+          <a:solidFill>
+            <a:schemeClr val="bg1"/>
+          </a:solidFill>
+        </p:spPr>
+        <p:style>
+          <a:lnRef idx="2">
+            <a:schemeClr val="accent1">
+              <a:shade val="50000"/>
+            </a:schemeClr>
+          </a:lnRef>
+          <a:fillRef idx="1">
+            <a:schemeClr val="accent1"/>
+          </a:fillRef>
+          <a:effectRef idx="0">
+            <a:schemeClr val="accent1"/>
+          </a:effectRef>
+          <a:fontRef idx="minor">
+            <a:schemeClr val="lt1"/>
+          </a:fontRef>
+        </p:style>
+        <p:txBody>
+          <a:bodyPr rtlCol="0" anchor="ctr"/>
+          <a:lstStyle/>
+          <a:p>
+            <a:pPr algn="ctr"/>
+            <a:endParaRPr lang="en-US"/>
+          </a:p>
+        </p:txBody>
+      </p:sp>
+      <p:sp>
+        <p:nvSpPr>
+          <p:cNvPr id="238" name="TextBox 237">
+            <a:extLst>
+              <a:ext uri="{FF2B5EF4-FFF2-40B4-BE49-F238E27FC236}">
+                <a16:creationId xmlns:a16="http://schemas.microsoft.com/office/drawing/2014/main" id="{8AA47BB8-CFAA-40D0-AD95-41D9B5738DDE}"/>
+              </a:ext>
+            </a:extLst>
+          </p:cNvPr>
+          <p:cNvSpPr txBox="1"/>
+          <p:nvPr/>
+        </p:nvSpPr>
+        <p:spPr>
+          <a:xfrm>
+            <a:off x="4009273" y="1822081"/>
+            <a:ext cx="360726" cy="369332"/>
+          </a:xfrm>
+          <a:prstGeom prst="rect">
+            <a:avLst/>
+          </a:prstGeom>
+          <a:noFill/>
+        </p:spPr>
+        <p:txBody>
+          <a:bodyPr wrap="square" rtlCol="0">
+            <a:spAutoFit/>
+          </a:bodyPr>
+          <a:lstStyle/>
+          <a:p>
+            <a:r>
+              <a:rPr lang="en-US" dirty="0"/>
+              <a:t>5</a:t>
+            </a:r>
+          </a:p>
+        </p:txBody>
+      </p:sp>
+      <p:sp>
+        <p:nvSpPr>
+          <p:cNvPr id="239" name="Rectangle 238">
+            <a:extLst>
+              <a:ext uri="{FF2B5EF4-FFF2-40B4-BE49-F238E27FC236}">
+                <a16:creationId xmlns:a16="http://schemas.microsoft.com/office/drawing/2014/main" id="{CA1E29BA-4C87-49FA-8C81-F163F20B9264}"/>
+              </a:ext>
+            </a:extLst>
+          </p:cNvPr>
+          <p:cNvSpPr/>
+          <p:nvPr/>
+        </p:nvSpPr>
+        <p:spPr>
+          <a:xfrm>
+            <a:off x="3237005" y="1883764"/>
+            <a:ext cx="571362" cy="249922"/>
+          </a:xfrm>
+          <a:prstGeom prst="rect">
+            <a:avLst/>
+          </a:prstGeom>
+        </p:spPr>
+        <p:style>
+          <a:lnRef idx="2">
+            <a:schemeClr val="accent1">
+              <a:shade val="50000"/>
+            </a:schemeClr>
+          </a:lnRef>
+          <a:fillRef idx="1">
+            <a:schemeClr val="accent1"/>
+          </a:fillRef>
+          <a:effectRef idx="0">
+            <a:schemeClr val="accent1"/>
+          </a:effectRef>
+          <a:fontRef idx="minor">
+            <a:schemeClr val="lt1"/>
+          </a:fontRef>
+        </p:style>
+        <p:txBody>
+          <a:bodyPr rtlCol="0" anchor="ctr"/>
+          <a:lstStyle/>
+          <a:p>
+            <a:pPr algn="ctr"/>
+            <a:endParaRPr lang="en-US"/>
+          </a:p>
+        </p:txBody>
+      </p:sp>
+      <p:sp>
+        <p:nvSpPr>
+          <p:cNvPr id="240" name="Rectangle 239">
+            <a:extLst>
+              <a:ext uri="{FF2B5EF4-FFF2-40B4-BE49-F238E27FC236}">
+                <a16:creationId xmlns:a16="http://schemas.microsoft.com/office/drawing/2014/main" id="{B52F779B-4BD6-46E8-9808-43B44F2D4BFB}"/>
+              </a:ext>
+            </a:extLst>
+          </p:cNvPr>
+          <p:cNvSpPr/>
+          <p:nvPr/>
+        </p:nvSpPr>
+        <p:spPr>
+          <a:xfrm>
+            <a:off x="3232116" y="1894159"/>
+            <a:ext cx="436551" cy="225721"/>
+          </a:xfrm>
+          <a:prstGeom prst="rect">
+            <a:avLst/>
+          </a:prstGeom>
+          <a:solidFill>
+            <a:schemeClr val="bg1"/>
+          </a:solidFill>
+        </p:spPr>
+        <p:style>
+          <a:lnRef idx="2">
+            <a:schemeClr val="accent1">
+              <a:shade val="50000"/>
+            </a:schemeClr>
+          </a:lnRef>
+          <a:fillRef idx="1">
+            <a:schemeClr val="accent1"/>
+          </a:fillRef>
+          <a:effectRef idx="0">
+            <a:schemeClr val="accent1"/>
+          </a:effectRef>
+          <a:fontRef idx="minor">
+            <a:schemeClr val="lt1"/>
+          </a:fontRef>
+        </p:style>
+        <p:txBody>
+          <a:bodyPr rtlCol="0" anchor="ctr"/>
+          <a:lstStyle/>
+          <a:p>
+            <a:pPr algn="ctr"/>
+            <a:endParaRPr lang="en-US"/>
+          </a:p>
+        </p:txBody>
+      </p:sp>
+      <p:sp>
+        <p:nvSpPr>
+          <p:cNvPr id="241" name="TextBox 240">
+            <a:extLst>
+              <a:ext uri="{FF2B5EF4-FFF2-40B4-BE49-F238E27FC236}">
+                <a16:creationId xmlns:a16="http://schemas.microsoft.com/office/drawing/2014/main" id="{8F806235-A013-4221-926B-F057DD1966E9}"/>
+              </a:ext>
+            </a:extLst>
+          </p:cNvPr>
+          <p:cNvSpPr txBox="1"/>
+          <p:nvPr/>
+        </p:nvSpPr>
+        <p:spPr>
+          <a:xfrm>
+            <a:off x="3251502" y="1824059"/>
+            <a:ext cx="417165" cy="369332"/>
+          </a:xfrm>
+          <a:prstGeom prst="rect">
+            <a:avLst/>
+          </a:prstGeom>
+          <a:noFill/>
+        </p:spPr>
+        <p:txBody>
+          <a:bodyPr wrap="square" rtlCol="0">
+            <a:spAutoFit/>
+          </a:bodyPr>
+          <a:lstStyle/>
+          <a:p>
+            <a:r>
+              <a:rPr lang="en-US" dirty="0"/>
+              <a:t>0</a:t>
+            </a:r>
+          </a:p>
+        </p:txBody>
+      </p:sp>
+      <p:cxnSp>
+        <p:nvCxnSpPr>
+          <p:cNvPr id="242" name="Straight Arrow Connector 241">
+            <a:extLst>
+              <a:ext uri="{FF2B5EF4-FFF2-40B4-BE49-F238E27FC236}">
+                <a16:creationId xmlns:a16="http://schemas.microsoft.com/office/drawing/2014/main" id="{8E1A9038-D781-46B2-BC2F-24CA1D0073BE}"/>
+              </a:ext>
+            </a:extLst>
+          </p:cNvPr>
+          <p:cNvCxnSpPr>
+            <a:cxnSpLocks/>
+          </p:cNvCxnSpPr>
+          <p:nvPr/>
+        </p:nvCxnSpPr>
+        <p:spPr>
+          <a:xfrm flipV="1">
+            <a:off x="3813912" y="2024655"/>
+            <a:ext cx="187808" cy="1"/>
+          </a:xfrm>
+          <a:prstGeom prst="straightConnector1">
+            <a:avLst/>
+          </a:prstGeom>
+          <a:ln w="38100">
+            <a:solidFill>
+              <a:srgbClr val="FF0000"/>
+            </a:solidFill>
+            <a:tailEnd type="triangle"/>
+          </a:ln>
+        </p:spPr>
+        <p:style>
+          <a:lnRef idx="1">
+            <a:schemeClr val="accent1"/>
+          </a:lnRef>
+          <a:fillRef idx="0">
+            <a:schemeClr val="accent1"/>
+          </a:fillRef>
+          <a:effectRef idx="0">
+            <a:schemeClr val="accent1"/>
+          </a:effectRef>
+          <a:fontRef idx="minor">
+            <a:schemeClr val="tx1"/>
+          </a:fontRef>
+        </p:style>
+      </p:cxnSp>
+      <p:sp>
+        <p:nvSpPr>
+          <p:cNvPr id="243" name="Rectangle 242">
+            <a:extLst>
+              <a:ext uri="{FF2B5EF4-FFF2-40B4-BE49-F238E27FC236}">
+                <a16:creationId xmlns:a16="http://schemas.microsoft.com/office/drawing/2014/main" id="{1187376F-E727-4A14-8C0E-A756906699EF}"/>
+              </a:ext>
+            </a:extLst>
+          </p:cNvPr>
+          <p:cNvSpPr/>
+          <p:nvPr/>
+        </p:nvSpPr>
+        <p:spPr>
+          <a:xfrm>
+            <a:off x="4723539" y="1890063"/>
+            <a:ext cx="617648" cy="251886"/>
+          </a:xfrm>
+          <a:prstGeom prst="rect">
+            <a:avLst/>
+          </a:prstGeom>
+        </p:spPr>
+        <p:style>
+          <a:lnRef idx="2">
+            <a:schemeClr val="accent1">
+              <a:shade val="50000"/>
+            </a:schemeClr>
+          </a:lnRef>
+          <a:fillRef idx="1">
+            <a:schemeClr val="accent1"/>
+          </a:fillRef>
+          <a:effectRef idx="0">
+            <a:schemeClr val="accent1"/>
+          </a:effectRef>
+          <a:fontRef idx="minor">
+            <a:schemeClr val="lt1"/>
+          </a:fontRef>
+        </p:style>
+        <p:txBody>
+          <a:bodyPr rtlCol="0" anchor="ctr"/>
+          <a:lstStyle/>
+          <a:p>
+            <a:pPr algn="ctr"/>
+            <a:endParaRPr lang="en-US"/>
+          </a:p>
+        </p:txBody>
+      </p:sp>
+      <p:sp>
+        <p:nvSpPr>
+          <p:cNvPr id="244" name="Rectangle 243">
+            <a:extLst>
+              <a:ext uri="{FF2B5EF4-FFF2-40B4-BE49-F238E27FC236}">
+                <a16:creationId xmlns:a16="http://schemas.microsoft.com/office/drawing/2014/main" id="{C2BAF962-E47C-4D0A-8AC7-C4959A001EA9}"/>
+              </a:ext>
+            </a:extLst>
+          </p:cNvPr>
+          <p:cNvSpPr/>
+          <p:nvPr/>
+        </p:nvSpPr>
+        <p:spPr>
+          <a:xfrm>
+            <a:off x="4678181" y="1893976"/>
+            <a:ext cx="486560" cy="251887"/>
+          </a:xfrm>
+          <a:prstGeom prst="rect">
+            <a:avLst/>
+          </a:prstGeom>
+          <a:solidFill>
+            <a:schemeClr val="bg1"/>
+          </a:solidFill>
+        </p:spPr>
+        <p:style>
+          <a:lnRef idx="2">
+            <a:schemeClr val="accent1">
+              <a:shade val="50000"/>
+            </a:schemeClr>
+          </a:lnRef>
+          <a:fillRef idx="1">
+            <a:schemeClr val="accent1"/>
+          </a:fillRef>
+          <a:effectRef idx="0">
+            <a:schemeClr val="accent1"/>
+          </a:effectRef>
+          <a:fontRef idx="minor">
+            <a:schemeClr val="lt1"/>
+          </a:fontRef>
+        </p:style>
+        <p:txBody>
+          <a:bodyPr rtlCol="0" anchor="ctr"/>
+          <a:lstStyle/>
+          <a:p>
+            <a:pPr algn="ctr"/>
+            <a:endParaRPr lang="en-US"/>
+          </a:p>
+        </p:txBody>
+      </p:sp>
+      <p:sp>
+        <p:nvSpPr>
+          <p:cNvPr id="245" name="TextBox 244">
+            <a:extLst>
+              <a:ext uri="{FF2B5EF4-FFF2-40B4-BE49-F238E27FC236}">
+                <a16:creationId xmlns:a16="http://schemas.microsoft.com/office/drawing/2014/main" id="{5E41506E-13DE-4262-8CA1-F2769E15C0D0}"/>
+              </a:ext>
+            </a:extLst>
+          </p:cNvPr>
+          <p:cNvSpPr txBox="1"/>
+          <p:nvPr/>
+        </p:nvSpPr>
+        <p:spPr>
+          <a:xfrm>
+            <a:off x="4769605" y="1839085"/>
+            <a:ext cx="360726" cy="369332"/>
+          </a:xfrm>
+          <a:prstGeom prst="rect">
+            <a:avLst/>
+          </a:prstGeom>
+          <a:noFill/>
+        </p:spPr>
+        <p:txBody>
+          <a:bodyPr wrap="square" rtlCol="0">
+            <a:spAutoFit/>
+          </a:bodyPr>
+          <a:lstStyle/>
+          <a:p>
+            <a:r>
+              <a:rPr lang="en-US" dirty="0"/>
+              <a:t>6</a:t>
+            </a:r>
+          </a:p>
+        </p:txBody>
+      </p:sp>
+      <p:cxnSp>
+        <p:nvCxnSpPr>
+          <p:cNvPr id="246" name="Straight Arrow Connector 245">
+            <a:extLst>
+              <a:ext uri="{FF2B5EF4-FFF2-40B4-BE49-F238E27FC236}">
+                <a16:creationId xmlns:a16="http://schemas.microsoft.com/office/drawing/2014/main" id="{30007822-BD3F-4701-B618-03F3711BB443}"/>
+              </a:ext>
+            </a:extLst>
+          </p:cNvPr>
+          <p:cNvCxnSpPr>
+            <a:cxnSpLocks/>
+          </p:cNvCxnSpPr>
+          <p:nvPr/>
+        </p:nvCxnSpPr>
+        <p:spPr>
+          <a:xfrm flipV="1">
+            <a:off x="4574244" y="2041659"/>
+            <a:ext cx="187808" cy="1"/>
+          </a:xfrm>
+          <a:prstGeom prst="straightConnector1">
+            <a:avLst/>
+          </a:prstGeom>
+          <a:ln w="38100">
+            <a:solidFill>
+              <a:srgbClr val="FF0000"/>
+            </a:solidFill>
+            <a:tailEnd type="triangle"/>
+          </a:ln>
+        </p:spPr>
+        <p:style>
+          <a:lnRef idx="1">
+            <a:schemeClr val="accent1"/>
+          </a:lnRef>
+          <a:fillRef idx="0">
+            <a:schemeClr val="accent1"/>
+          </a:fillRef>
+          <a:effectRef idx="0">
+            <a:schemeClr val="accent1"/>
+          </a:effectRef>
+          <a:fontRef idx="minor">
+            <a:schemeClr val="tx1"/>
+          </a:fontRef>
+        </p:style>
+      </p:cxnSp>
+      <p:cxnSp>
+        <p:nvCxnSpPr>
+          <p:cNvPr id="247" name="Straight Arrow Connector 246">
+            <a:extLst>
+              <a:ext uri="{FF2B5EF4-FFF2-40B4-BE49-F238E27FC236}">
+                <a16:creationId xmlns:a16="http://schemas.microsoft.com/office/drawing/2014/main" id="{9A58CC9E-C095-4183-80E1-5703A8306F7D}"/>
+              </a:ext>
+            </a:extLst>
+          </p:cNvPr>
+          <p:cNvCxnSpPr>
+            <a:cxnSpLocks/>
+          </p:cNvCxnSpPr>
+          <p:nvPr/>
+        </p:nvCxnSpPr>
+        <p:spPr>
+          <a:xfrm flipV="1">
+            <a:off x="5348740" y="2041533"/>
+            <a:ext cx="187808" cy="1"/>
+          </a:xfrm>
+          <a:prstGeom prst="straightConnector1">
+            <a:avLst/>
+          </a:prstGeom>
+          <a:ln w="38100">
+            <a:solidFill>
+              <a:srgbClr val="FF0000"/>
+            </a:solidFill>
+            <a:tailEnd type="triangle"/>
+          </a:ln>
+        </p:spPr>
+        <p:style>
+          <a:lnRef idx="1">
+            <a:schemeClr val="accent1"/>
+          </a:lnRef>
+          <a:fillRef idx="0">
+            <a:schemeClr val="accent1"/>
+          </a:fillRef>
+          <a:effectRef idx="0">
+            <a:schemeClr val="accent1"/>
+          </a:effectRef>
+          <a:fontRef idx="minor">
+            <a:schemeClr val="tx1"/>
+          </a:fontRef>
+        </p:style>
+      </p:cxnSp>
+      <p:sp>
+        <p:nvSpPr>
+          <p:cNvPr id="248" name="Rectangle 247">
+            <a:extLst>
+              <a:ext uri="{FF2B5EF4-FFF2-40B4-BE49-F238E27FC236}">
+                <a16:creationId xmlns:a16="http://schemas.microsoft.com/office/drawing/2014/main" id="{5A56FE27-4672-4956-AD45-96D40C44641D}"/>
+              </a:ext>
+            </a:extLst>
+          </p:cNvPr>
+          <p:cNvSpPr/>
+          <p:nvPr/>
+        </p:nvSpPr>
+        <p:spPr>
+          <a:xfrm>
+            <a:off x="2466300" y="1883764"/>
+            <a:ext cx="571362" cy="249922"/>
+          </a:xfrm>
+          <a:prstGeom prst="rect">
+            <a:avLst/>
+          </a:prstGeom>
+        </p:spPr>
+        <p:style>
+          <a:lnRef idx="2">
+            <a:schemeClr val="accent1">
+              <a:shade val="50000"/>
+            </a:schemeClr>
+          </a:lnRef>
+          <a:fillRef idx="1">
+            <a:schemeClr val="accent1"/>
+          </a:fillRef>
+          <a:effectRef idx="0">
+            <a:schemeClr val="accent1"/>
+          </a:effectRef>
+          <a:fontRef idx="minor">
+            <a:schemeClr val="lt1"/>
+          </a:fontRef>
+        </p:style>
+        <p:txBody>
+          <a:bodyPr rtlCol="0" anchor="ctr"/>
+          <a:lstStyle/>
+          <a:p>
+            <a:pPr algn="ctr"/>
+            <a:endParaRPr lang="en-US"/>
+          </a:p>
+        </p:txBody>
+      </p:sp>
+      <p:sp>
+        <p:nvSpPr>
+          <p:cNvPr id="249" name="Rectangle 248">
+            <a:extLst>
+              <a:ext uri="{FF2B5EF4-FFF2-40B4-BE49-F238E27FC236}">
+                <a16:creationId xmlns:a16="http://schemas.microsoft.com/office/drawing/2014/main" id="{BD0DDA24-AE99-4AB2-B704-98C32CCBC658}"/>
+              </a:ext>
+            </a:extLst>
+          </p:cNvPr>
+          <p:cNvSpPr/>
+          <p:nvPr/>
+        </p:nvSpPr>
+        <p:spPr>
+          <a:xfrm>
+            <a:off x="2461411" y="1894159"/>
+            <a:ext cx="436551" cy="225721"/>
+          </a:xfrm>
+          <a:prstGeom prst="rect">
+            <a:avLst/>
+          </a:prstGeom>
+          <a:solidFill>
+            <a:schemeClr val="bg1"/>
+          </a:solidFill>
+        </p:spPr>
+        <p:style>
+          <a:lnRef idx="2">
+            <a:schemeClr val="accent1">
+              <a:shade val="50000"/>
+            </a:schemeClr>
+          </a:lnRef>
+          <a:fillRef idx="1">
+            <a:schemeClr val="accent1"/>
+          </a:fillRef>
+          <a:effectRef idx="0">
+            <a:schemeClr val="accent1"/>
+          </a:effectRef>
+          <a:fontRef idx="minor">
+            <a:schemeClr val="lt1"/>
+          </a:fontRef>
+        </p:style>
+        <p:txBody>
+          <a:bodyPr rtlCol="0" anchor="ctr"/>
+          <a:lstStyle/>
+          <a:p>
+            <a:pPr algn="ctr"/>
+            <a:endParaRPr lang="en-US"/>
+          </a:p>
+        </p:txBody>
+      </p:sp>
+      <p:sp>
+        <p:nvSpPr>
+          <p:cNvPr id="250" name="TextBox 249">
+            <a:extLst>
+              <a:ext uri="{FF2B5EF4-FFF2-40B4-BE49-F238E27FC236}">
+                <a16:creationId xmlns:a16="http://schemas.microsoft.com/office/drawing/2014/main" id="{F57D3B7E-B145-47FC-A472-B552E708C1F5}"/>
+              </a:ext>
+            </a:extLst>
+          </p:cNvPr>
+          <p:cNvSpPr txBox="1"/>
+          <p:nvPr/>
+        </p:nvSpPr>
+        <p:spPr>
+          <a:xfrm>
+            <a:off x="2480797" y="1824059"/>
+            <a:ext cx="417165" cy="369332"/>
+          </a:xfrm>
+          <a:prstGeom prst="rect">
+            <a:avLst/>
+          </a:prstGeom>
+          <a:noFill/>
+        </p:spPr>
+        <p:txBody>
+          <a:bodyPr wrap="square" rtlCol="0">
+            <a:spAutoFit/>
+          </a:bodyPr>
+          <a:lstStyle/>
+          <a:p>
+            <a:r>
+              <a:rPr lang="en-US" dirty="0"/>
+              <a:t>1</a:t>
+            </a:r>
+          </a:p>
+        </p:txBody>
+      </p:sp>
+      <p:cxnSp>
+        <p:nvCxnSpPr>
+          <p:cNvPr id="251" name="Straight Arrow Connector 250">
+            <a:extLst>
+              <a:ext uri="{FF2B5EF4-FFF2-40B4-BE49-F238E27FC236}">
+                <a16:creationId xmlns:a16="http://schemas.microsoft.com/office/drawing/2014/main" id="{0B4F8C25-C4BD-41D7-8A65-C85A5CE0C8B8}"/>
+              </a:ext>
+            </a:extLst>
+          </p:cNvPr>
+          <p:cNvCxnSpPr>
+            <a:cxnSpLocks/>
+          </p:cNvCxnSpPr>
+          <p:nvPr/>
+        </p:nvCxnSpPr>
+        <p:spPr>
+          <a:xfrm flipV="1">
+            <a:off x="3043207" y="2024655"/>
+            <a:ext cx="187808" cy="1"/>
+          </a:xfrm>
+          <a:prstGeom prst="straightConnector1">
+            <a:avLst/>
+          </a:prstGeom>
+          <a:ln w="38100">
+            <a:solidFill>
+              <a:srgbClr val="FF0000"/>
+            </a:solidFill>
+            <a:tailEnd type="triangle"/>
+          </a:ln>
+        </p:spPr>
+        <p:style>
+          <a:lnRef idx="1">
+            <a:schemeClr val="accent1"/>
+          </a:lnRef>
+          <a:fillRef idx="0">
+            <a:schemeClr val="accent1"/>
+          </a:fillRef>
+          <a:effectRef idx="0">
+            <a:schemeClr val="accent1"/>
+          </a:effectRef>
+          <a:fontRef idx="minor">
+            <a:schemeClr val="tx1"/>
+          </a:fontRef>
+        </p:style>
+      </p:cxnSp>
+      <p:sp>
+        <p:nvSpPr>
+          <p:cNvPr id="252" name="TextBox 251">
+            <a:extLst>
+              <a:ext uri="{FF2B5EF4-FFF2-40B4-BE49-F238E27FC236}">
+                <a16:creationId xmlns:a16="http://schemas.microsoft.com/office/drawing/2014/main" id="{88B2D4E1-F91D-4C32-82A1-01E9CE330103}"/>
+              </a:ext>
+            </a:extLst>
+          </p:cNvPr>
+          <p:cNvSpPr txBox="1"/>
+          <p:nvPr/>
+        </p:nvSpPr>
+        <p:spPr>
+          <a:xfrm>
+            <a:off x="6785559" y="1994738"/>
+            <a:ext cx="1073790" cy="646331"/>
+          </a:xfrm>
+          <a:prstGeom prst="rect">
+            <a:avLst/>
+          </a:prstGeom>
+          <a:noFill/>
+        </p:spPr>
+        <p:txBody>
+          <a:bodyPr wrap="square" rtlCol="0">
+            <a:spAutoFit/>
+          </a:bodyPr>
+          <a:lstStyle/>
+          <a:p>
+            <a:r>
+              <a:rPr lang="en-US" dirty="0">
+                <a:solidFill>
+                  <a:schemeClr val="accent2"/>
+                </a:solidFill>
+              </a:rPr>
+              <a:t>Return value!</a:t>
             </a:r>
           </a:p>
         </p:txBody>

--- a/Cracking_the_coding_interview/Java/src_explanation/2.5.Sum.pptx
+++ b/Cracking_the_coding_interview/Java/src_explanation/2.5.Sum.pptx
@@ -5,9 +5,7 @@
     <p:sldMasterId id="2147483648" r:id="rId1"/>
   </p:sldMasterIdLst>
   <p:sldIdLst>
-    <p:sldId id="256" r:id="rId2"/>
-    <p:sldId id="257" r:id="rId3"/>
-    <p:sldId id="258" r:id="rId4"/>
+    <p:sldId id="258" r:id="rId2"/>
   </p:sldIdLst>
   <p:sldSz cx="12192000" cy="6858000"/>
   <p:notesSz cx="6858000" cy="9144000"/>
@@ -261,7 +259,7 @@
           <a:p>
             <a:fld id="{F2C5855B-BEA3-4118-8F65-D523281D98FB}" type="datetimeFigureOut">
               <a:rPr lang="en-US" smtClean="0"/>
-              <a:t>5/10/2018</a:t>
+              <a:t>5/15/2018</a:t>
             </a:fld>
             <a:endParaRPr lang="en-US"/>
           </a:p>
@@ -459,7 +457,7 @@
           <a:p>
             <a:fld id="{F2C5855B-BEA3-4118-8F65-D523281D98FB}" type="datetimeFigureOut">
               <a:rPr lang="en-US" smtClean="0"/>
-              <a:t>5/10/2018</a:t>
+              <a:t>5/15/2018</a:t>
             </a:fld>
             <a:endParaRPr lang="en-US"/>
           </a:p>
@@ -667,7 +665,7 @@
           <a:p>
             <a:fld id="{F2C5855B-BEA3-4118-8F65-D523281D98FB}" type="datetimeFigureOut">
               <a:rPr lang="en-US" smtClean="0"/>
-              <a:t>5/10/2018</a:t>
+              <a:t>5/15/2018</a:t>
             </a:fld>
             <a:endParaRPr lang="en-US"/>
           </a:p>
@@ -865,7 +863,7 @@
           <a:p>
             <a:fld id="{F2C5855B-BEA3-4118-8F65-D523281D98FB}" type="datetimeFigureOut">
               <a:rPr lang="en-US" smtClean="0"/>
-              <a:t>5/10/2018</a:t>
+              <a:t>5/15/2018</a:t>
             </a:fld>
             <a:endParaRPr lang="en-US"/>
           </a:p>
@@ -1140,7 +1138,7 @@
           <a:p>
             <a:fld id="{F2C5855B-BEA3-4118-8F65-D523281D98FB}" type="datetimeFigureOut">
               <a:rPr lang="en-US" smtClean="0"/>
-              <a:t>5/10/2018</a:t>
+              <a:t>5/15/2018</a:t>
             </a:fld>
             <a:endParaRPr lang="en-US"/>
           </a:p>
@@ -1405,7 +1403,7 @@
           <a:p>
             <a:fld id="{F2C5855B-BEA3-4118-8F65-D523281D98FB}" type="datetimeFigureOut">
               <a:rPr lang="en-US" smtClean="0"/>
-              <a:t>5/10/2018</a:t>
+              <a:t>5/15/2018</a:t>
             </a:fld>
             <a:endParaRPr lang="en-US"/>
           </a:p>
@@ -1817,7 +1815,7 @@
           <a:p>
             <a:fld id="{F2C5855B-BEA3-4118-8F65-D523281D98FB}" type="datetimeFigureOut">
               <a:rPr lang="en-US" smtClean="0"/>
-              <a:t>5/10/2018</a:t>
+              <a:t>5/15/2018</a:t>
             </a:fld>
             <a:endParaRPr lang="en-US"/>
           </a:p>
@@ -1958,7 +1956,7 @@
           <a:p>
             <a:fld id="{F2C5855B-BEA3-4118-8F65-D523281D98FB}" type="datetimeFigureOut">
               <a:rPr lang="en-US" smtClean="0"/>
-              <a:t>5/10/2018</a:t>
+              <a:t>5/15/2018</a:t>
             </a:fld>
             <a:endParaRPr lang="en-US"/>
           </a:p>
@@ -2071,7 +2069,7 @@
           <a:p>
             <a:fld id="{F2C5855B-BEA3-4118-8F65-D523281D98FB}" type="datetimeFigureOut">
               <a:rPr lang="en-US" smtClean="0"/>
-              <a:t>5/10/2018</a:t>
+              <a:t>5/15/2018</a:t>
             </a:fld>
             <a:endParaRPr lang="en-US"/>
           </a:p>
@@ -2382,7 +2380,7 @@
           <a:p>
             <a:fld id="{F2C5855B-BEA3-4118-8F65-D523281D98FB}" type="datetimeFigureOut">
               <a:rPr lang="en-US" smtClean="0"/>
-              <a:t>5/10/2018</a:t>
+              <a:t>5/15/2018</a:t>
             </a:fld>
             <a:endParaRPr lang="en-US"/>
           </a:p>
@@ -2670,7 +2668,7 @@
           <a:p>
             <a:fld id="{F2C5855B-BEA3-4118-8F65-D523281D98FB}" type="datetimeFigureOut">
               <a:rPr lang="en-US" smtClean="0"/>
-              <a:t>5/10/2018</a:t>
+              <a:t>5/15/2018</a:t>
             </a:fld>
             <a:endParaRPr lang="en-US"/>
           </a:p>
@@ -2911,7 +2909,7 @@
           <a:p>
             <a:fld id="{F2C5855B-BEA3-4118-8F65-D523281D98FB}" type="datetimeFigureOut">
               <a:rPr lang="en-US" smtClean="0"/>
-              <a:t>5/10/2018</a:t>
+              <a:t>5/15/2018</a:t>
             </a:fld>
             <a:endParaRPr lang="en-US"/>
           </a:p>
@@ -3330,6311 +3328,6 @@
       </p:grpSpPr>
       <p:sp>
         <p:nvSpPr>
-          <p:cNvPr id="74" name="Rectangle 73">
-            <a:extLst>
-              <a:ext uri="{FF2B5EF4-FFF2-40B4-BE49-F238E27FC236}">
-                <a16:creationId xmlns:a16="http://schemas.microsoft.com/office/drawing/2014/main" id="{A3C3B531-483A-421E-96DD-6B01A2DB1E13}"/>
-              </a:ext>
-            </a:extLst>
-          </p:cNvPr>
-          <p:cNvSpPr/>
-          <p:nvPr/>
-        </p:nvSpPr>
-        <p:spPr>
-          <a:xfrm>
-            <a:off x="6806755" y="5346975"/>
-            <a:ext cx="830510" cy="251886"/>
-          </a:xfrm>
-          <a:prstGeom prst="rect">
-            <a:avLst/>
-          </a:prstGeom>
-        </p:spPr>
-        <p:style>
-          <a:lnRef idx="2">
-            <a:schemeClr val="accent1">
-              <a:shade val="50000"/>
-            </a:schemeClr>
-          </a:lnRef>
-          <a:fillRef idx="1">
-            <a:schemeClr val="accent1"/>
-          </a:fillRef>
-          <a:effectRef idx="0">
-            <a:schemeClr val="accent1"/>
-          </a:effectRef>
-          <a:fontRef idx="minor">
-            <a:schemeClr val="lt1"/>
-          </a:fontRef>
-        </p:style>
-        <p:txBody>
-          <a:bodyPr rtlCol="0" anchor="ctr"/>
-          <a:lstStyle/>
-          <a:p>
-            <a:pPr algn="ctr"/>
-            <a:endParaRPr lang="en-US"/>
-          </a:p>
-        </p:txBody>
-      </p:sp>
-      <p:sp>
-        <p:nvSpPr>
-          <p:cNvPr id="52" name="Rectangle 51">
-            <a:extLst>
-              <a:ext uri="{FF2B5EF4-FFF2-40B4-BE49-F238E27FC236}">
-                <a16:creationId xmlns:a16="http://schemas.microsoft.com/office/drawing/2014/main" id="{CA5449E0-2589-4587-A840-897583BC860E}"/>
-              </a:ext>
-            </a:extLst>
-          </p:cNvPr>
-          <p:cNvSpPr/>
-          <p:nvPr/>
-        </p:nvSpPr>
-        <p:spPr>
-          <a:xfrm>
-            <a:off x="1569648" y="2324974"/>
-            <a:ext cx="830510" cy="251886"/>
-          </a:xfrm>
-          <a:prstGeom prst="rect">
-            <a:avLst/>
-          </a:prstGeom>
-        </p:spPr>
-        <p:style>
-          <a:lnRef idx="2">
-            <a:schemeClr val="accent1">
-              <a:shade val="50000"/>
-            </a:schemeClr>
-          </a:lnRef>
-          <a:fillRef idx="1">
-            <a:schemeClr val="accent1"/>
-          </a:fillRef>
-          <a:effectRef idx="0">
-            <a:schemeClr val="accent1"/>
-          </a:effectRef>
-          <a:fontRef idx="minor">
-            <a:schemeClr val="lt1"/>
-          </a:fontRef>
-        </p:style>
-        <p:txBody>
-          <a:bodyPr rtlCol="0" anchor="ctr"/>
-          <a:lstStyle/>
-          <a:p>
-            <a:pPr algn="ctr"/>
-            <a:endParaRPr lang="en-US"/>
-          </a:p>
-        </p:txBody>
-      </p:sp>
-      <p:sp>
-        <p:nvSpPr>
-          <p:cNvPr id="55" name="Rectangle 54">
-            <a:extLst>
-              <a:ext uri="{FF2B5EF4-FFF2-40B4-BE49-F238E27FC236}">
-                <a16:creationId xmlns:a16="http://schemas.microsoft.com/office/drawing/2014/main" id="{809A14C8-B89A-47B5-A5A3-35853D6E3249}"/>
-              </a:ext>
-            </a:extLst>
-          </p:cNvPr>
-          <p:cNvSpPr/>
-          <p:nvPr/>
-        </p:nvSpPr>
-        <p:spPr>
-          <a:xfrm>
-            <a:off x="1556160" y="2324448"/>
-            <a:ext cx="486560" cy="251887"/>
-          </a:xfrm>
-          <a:prstGeom prst="rect">
-            <a:avLst/>
-          </a:prstGeom>
-          <a:solidFill>
-            <a:schemeClr val="bg1"/>
-          </a:solidFill>
-        </p:spPr>
-        <p:style>
-          <a:lnRef idx="2">
-            <a:schemeClr val="accent1">
-              <a:shade val="50000"/>
-            </a:schemeClr>
-          </a:lnRef>
-          <a:fillRef idx="1">
-            <a:schemeClr val="accent1"/>
-          </a:fillRef>
-          <a:effectRef idx="0">
-            <a:schemeClr val="accent1"/>
-          </a:effectRef>
-          <a:fontRef idx="minor">
-            <a:schemeClr val="lt1"/>
-          </a:fontRef>
-        </p:style>
-        <p:txBody>
-          <a:bodyPr rtlCol="0" anchor="ctr"/>
-          <a:lstStyle/>
-          <a:p>
-            <a:pPr algn="ctr"/>
-            <a:endParaRPr lang="en-US"/>
-          </a:p>
-        </p:txBody>
-      </p:sp>
-      <p:sp>
-        <p:nvSpPr>
-          <p:cNvPr id="4" name="TextBox 3">
-            <a:extLst>
-              <a:ext uri="{FF2B5EF4-FFF2-40B4-BE49-F238E27FC236}">
-                <a16:creationId xmlns:a16="http://schemas.microsoft.com/office/drawing/2014/main" id="{E56007F4-8A63-4E8E-9ED5-2F18F45D0E8E}"/>
-              </a:ext>
-            </a:extLst>
-          </p:cNvPr>
-          <p:cNvSpPr txBox="1"/>
-          <p:nvPr/>
-        </p:nvSpPr>
-        <p:spPr>
-          <a:xfrm>
-            <a:off x="696286" y="528506"/>
-            <a:ext cx="587230" cy="369332"/>
-          </a:xfrm>
-          <a:prstGeom prst="rect">
-            <a:avLst/>
-          </a:prstGeom>
-          <a:noFill/>
-        </p:spPr>
-        <p:txBody>
-          <a:bodyPr wrap="square" rtlCol="0">
-            <a:spAutoFit/>
-          </a:bodyPr>
-          <a:lstStyle/>
-          <a:p>
-            <a:r>
-              <a:rPr lang="en-US" dirty="0"/>
-              <a:t>L1 =</a:t>
-            </a:r>
-          </a:p>
-        </p:txBody>
-      </p:sp>
-      <p:sp>
-        <p:nvSpPr>
-          <p:cNvPr id="5" name="Rectangle 4">
-            <a:extLst>
-              <a:ext uri="{FF2B5EF4-FFF2-40B4-BE49-F238E27FC236}">
-                <a16:creationId xmlns:a16="http://schemas.microsoft.com/office/drawing/2014/main" id="{9379515D-13DE-4B62-8C65-93BBEC8FEE77}"/>
-              </a:ext>
-            </a:extLst>
-          </p:cNvPr>
-          <p:cNvSpPr/>
-          <p:nvPr/>
-        </p:nvSpPr>
-        <p:spPr>
-          <a:xfrm>
-            <a:off x="1300295" y="587229"/>
-            <a:ext cx="830510" cy="251886"/>
-          </a:xfrm>
-          <a:prstGeom prst="rect">
-            <a:avLst/>
-          </a:prstGeom>
-        </p:spPr>
-        <p:style>
-          <a:lnRef idx="2">
-            <a:schemeClr val="accent1">
-              <a:shade val="50000"/>
-            </a:schemeClr>
-          </a:lnRef>
-          <a:fillRef idx="1">
-            <a:schemeClr val="accent1"/>
-          </a:fillRef>
-          <a:effectRef idx="0">
-            <a:schemeClr val="accent1"/>
-          </a:effectRef>
-          <a:fontRef idx="minor">
-            <a:schemeClr val="lt1"/>
-          </a:fontRef>
-        </p:style>
-        <p:txBody>
-          <a:bodyPr rtlCol="0" anchor="ctr"/>
-          <a:lstStyle/>
-          <a:p>
-            <a:pPr algn="ctr"/>
-            <a:endParaRPr lang="en-US"/>
-          </a:p>
-        </p:txBody>
-      </p:sp>
-      <p:sp>
-        <p:nvSpPr>
-          <p:cNvPr id="7" name="Rectangle 6">
-            <a:extLst>
-              <a:ext uri="{FF2B5EF4-FFF2-40B4-BE49-F238E27FC236}">
-                <a16:creationId xmlns:a16="http://schemas.microsoft.com/office/drawing/2014/main" id="{0E857B63-3306-4F1B-8F40-62E08809A625}"/>
-              </a:ext>
-            </a:extLst>
-          </p:cNvPr>
-          <p:cNvSpPr/>
-          <p:nvPr/>
-        </p:nvSpPr>
-        <p:spPr>
-          <a:xfrm>
-            <a:off x="1300295" y="587228"/>
-            <a:ext cx="486560" cy="251887"/>
-          </a:xfrm>
-          <a:prstGeom prst="rect">
-            <a:avLst/>
-          </a:prstGeom>
-          <a:solidFill>
-            <a:schemeClr val="bg1"/>
-          </a:solidFill>
-        </p:spPr>
-        <p:style>
-          <a:lnRef idx="2">
-            <a:schemeClr val="accent1">
-              <a:shade val="50000"/>
-            </a:schemeClr>
-          </a:lnRef>
-          <a:fillRef idx="1">
-            <a:schemeClr val="accent1"/>
-          </a:fillRef>
-          <a:effectRef idx="0">
-            <a:schemeClr val="accent1"/>
-          </a:effectRef>
-          <a:fontRef idx="minor">
-            <a:schemeClr val="lt1"/>
-          </a:fontRef>
-        </p:style>
-        <p:txBody>
-          <a:bodyPr rtlCol="0" anchor="ctr"/>
-          <a:lstStyle/>
-          <a:p>
-            <a:pPr algn="ctr"/>
-            <a:endParaRPr lang="en-US"/>
-          </a:p>
-        </p:txBody>
-      </p:sp>
-      <p:sp>
-        <p:nvSpPr>
-          <p:cNvPr id="8" name="TextBox 7">
-            <a:extLst>
-              <a:ext uri="{FF2B5EF4-FFF2-40B4-BE49-F238E27FC236}">
-                <a16:creationId xmlns:a16="http://schemas.microsoft.com/office/drawing/2014/main" id="{D11DB7BB-8030-4929-9CFB-3439DBA3EF60}"/>
-              </a:ext>
-            </a:extLst>
-          </p:cNvPr>
-          <p:cNvSpPr txBox="1"/>
-          <p:nvPr/>
-        </p:nvSpPr>
-        <p:spPr>
-          <a:xfrm>
-            <a:off x="1354824" y="528506"/>
-            <a:ext cx="360726" cy="369332"/>
-          </a:xfrm>
-          <a:prstGeom prst="rect">
-            <a:avLst/>
-          </a:prstGeom>
-          <a:noFill/>
-        </p:spPr>
-        <p:txBody>
-          <a:bodyPr wrap="square" rtlCol="0">
-            <a:spAutoFit/>
-          </a:bodyPr>
-          <a:lstStyle/>
-          <a:p>
-            <a:r>
-              <a:rPr lang="en-US" dirty="0"/>
-              <a:t>7</a:t>
-            </a:r>
-          </a:p>
-        </p:txBody>
-      </p:sp>
-      <p:cxnSp>
-        <p:nvCxnSpPr>
-          <p:cNvPr id="10" name="Straight Arrow Connector 9">
-            <a:extLst>
-              <a:ext uri="{FF2B5EF4-FFF2-40B4-BE49-F238E27FC236}">
-                <a16:creationId xmlns:a16="http://schemas.microsoft.com/office/drawing/2014/main" id="{C4CB82AA-3986-4C50-BA16-5BD66AB638FA}"/>
-              </a:ext>
-            </a:extLst>
-          </p:cNvPr>
-          <p:cNvCxnSpPr>
-            <a:stCxn id="5" idx="3"/>
-          </p:cNvCxnSpPr>
-          <p:nvPr/>
-        </p:nvCxnSpPr>
-        <p:spPr>
-          <a:xfrm flipV="1">
-            <a:off x="2130805" y="713171"/>
-            <a:ext cx="385892" cy="1"/>
-          </a:xfrm>
-          <a:prstGeom prst="straightConnector1">
-            <a:avLst/>
-          </a:prstGeom>
-          <a:ln w="38100">
-            <a:tailEnd type="triangle"/>
-          </a:ln>
-        </p:spPr>
-        <p:style>
-          <a:lnRef idx="1">
-            <a:schemeClr val="accent1"/>
-          </a:lnRef>
-          <a:fillRef idx="0">
-            <a:schemeClr val="accent1"/>
-          </a:fillRef>
-          <a:effectRef idx="0">
-            <a:schemeClr val="accent1"/>
-          </a:effectRef>
-          <a:fontRef idx="minor">
-            <a:schemeClr val="tx1"/>
-          </a:fontRef>
-        </p:style>
-      </p:cxnSp>
-      <p:sp>
-        <p:nvSpPr>
-          <p:cNvPr id="11" name="Rectangle 10">
-            <a:extLst>
-              <a:ext uri="{FF2B5EF4-FFF2-40B4-BE49-F238E27FC236}">
-                <a16:creationId xmlns:a16="http://schemas.microsoft.com/office/drawing/2014/main" id="{486F0556-9E7F-4A0B-BCE8-3BC55A9D7076}"/>
-              </a:ext>
-            </a:extLst>
-          </p:cNvPr>
-          <p:cNvSpPr/>
-          <p:nvPr/>
-        </p:nvSpPr>
-        <p:spPr>
-          <a:xfrm>
-            <a:off x="2516697" y="583142"/>
-            <a:ext cx="830510" cy="251886"/>
-          </a:xfrm>
-          <a:prstGeom prst="rect">
-            <a:avLst/>
-          </a:prstGeom>
-        </p:spPr>
-        <p:style>
-          <a:lnRef idx="2">
-            <a:schemeClr val="accent1">
-              <a:shade val="50000"/>
-            </a:schemeClr>
-          </a:lnRef>
-          <a:fillRef idx="1">
-            <a:schemeClr val="accent1"/>
-          </a:fillRef>
-          <a:effectRef idx="0">
-            <a:schemeClr val="accent1"/>
-          </a:effectRef>
-          <a:fontRef idx="minor">
-            <a:schemeClr val="lt1"/>
-          </a:fontRef>
-        </p:style>
-        <p:txBody>
-          <a:bodyPr rtlCol="0" anchor="ctr"/>
-          <a:lstStyle/>
-          <a:p>
-            <a:pPr algn="ctr"/>
-            <a:endParaRPr lang="en-US"/>
-          </a:p>
-        </p:txBody>
-      </p:sp>
-      <p:sp>
-        <p:nvSpPr>
-          <p:cNvPr id="12" name="Rectangle 11">
-            <a:extLst>
-              <a:ext uri="{FF2B5EF4-FFF2-40B4-BE49-F238E27FC236}">
-                <a16:creationId xmlns:a16="http://schemas.microsoft.com/office/drawing/2014/main" id="{3B219EC5-90CA-4188-A6E7-88AF84A60F14}"/>
-              </a:ext>
-            </a:extLst>
-          </p:cNvPr>
-          <p:cNvSpPr/>
-          <p:nvPr/>
-        </p:nvSpPr>
-        <p:spPr>
-          <a:xfrm>
-            <a:off x="2516697" y="583141"/>
-            <a:ext cx="486560" cy="251887"/>
-          </a:xfrm>
-          <a:prstGeom prst="rect">
-            <a:avLst/>
-          </a:prstGeom>
-          <a:solidFill>
-            <a:schemeClr val="bg1"/>
-          </a:solidFill>
-        </p:spPr>
-        <p:style>
-          <a:lnRef idx="2">
-            <a:schemeClr val="accent1">
-              <a:shade val="50000"/>
-            </a:schemeClr>
-          </a:lnRef>
-          <a:fillRef idx="1">
-            <a:schemeClr val="accent1"/>
-          </a:fillRef>
-          <a:effectRef idx="0">
-            <a:schemeClr val="accent1"/>
-          </a:effectRef>
-          <a:fontRef idx="minor">
-            <a:schemeClr val="lt1"/>
-          </a:fontRef>
-        </p:style>
-        <p:txBody>
-          <a:bodyPr rtlCol="0" anchor="ctr"/>
-          <a:lstStyle/>
-          <a:p>
-            <a:pPr algn="ctr"/>
-            <a:endParaRPr lang="en-US"/>
-          </a:p>
-        </p:txBody>
-      </p:sp>
-      <p:cxnSp>
-        <p:nvCxnSpPr>
-          <p:cNvPr id="13" name="Straight Arrow Connector 12">
-            <a:extLst>
-              <a:ext uri="{FF2B5EF4-FFF2-40B4-BE49-F238E27FC236}">
-                <a16:creationId xmlns:a16="http://schemas.microsoft.com/office/drawing/2014/main" id="{9D3CD2CA-EFC8-45A9-B048-029C1C5BA9F4}"/>
-              </a:ext>
-            </a:extLst>
-          </p:cNvPr>
-          <p:cNvCxnSpPr>
-            <a:stCxn id="11" idx="3"/>
-          </p:cNvCxnSpPr>
-          <p:nvPr/>
-        </p:nvCxnSpPr>
-        <p:spPr>
-          <a:xfrm flipV="1">
-            <a:off x="3347207" y="709084"/>
-            <a:ext cx="385892" cy="1"/>
-          </a:xfrm>
-          <a:prstGeom prst="straightConnector1">
-            <a:avLst/>
-          </a:prstGeom>
-          <a:ln w="38100">
-            <a:tailEnd type="triangle"/>
-          </a:ln>
-        </p:spPr>
-        <p:style>
-          <a:lnRef idx="1">
-            <a:schemeClr val="accent1"/>
-          </a:lnRef>
-          <a:fillRef idx="0">
-            <a:schemeClr val="accent1"/>
-          </a:fillRef>
-          <a:effectRef idx="0">
-            <a:schemeClr val="accent1"/>
-          </a:effectRef>
-          <a:fontRef idx="minor">
-            <a:schemeClr val="tx1"/>
-          </a:fontRef>
-        </p:style>
-      </p:cxnSp>
-      <p:sp>
-        <p:nvSpPr>
-          <p:cNvPr id="14" name="Rectangle 13">
-            <a:extLst>
-              <a:ext uri="{FF2B5EF4-FFF2-40B4-BE49-F238E27FC236}">
-                <a16:creationId xmlns:a16="http://schemas.microsoft.com/office/drawing/2014/main" id="{A00FE79F-A846-4778-923F-149986AAB4DF}"/>
-              </a:ext>
-            </a:extLst>
-          </p:cNvPr>
-          <p:cNvSpPr/>
-          <p:nvPr/>
-        </p:nvSpPr>
-        <p:spPr>
-          <a:xfrm>
-            <a:off x="3741486" y="583142"/>
-            <a:ext cx="830510" cy="251886"/>
-          </a:xfrm>
-          <a:prstGeom prst="rect">
-            <a:avLst/>
-          </a:prstGeom>
-        </p:spPr>
-        <p:style>
-          <a:lnRef idx="2">
-            <a:schemeClr val="accent1">
-              <a:shade val="50000"/>
-            </a:schemeClr>
-          </a:lnRef>
-          <a:fillRef idx="1">
-            <a:schemeClr val="accent1"/>
-          </a:fillRef>
-          <a:effectRef idx="0">
-            <a:schemeClr val="accent1"/>
-          </a:effectRef>
-          <a:fontRef idx="minor">
-            <a:schemeClr val="lt1"/>
-          </a:fontRef>
-        </p:style>
-        <p:txBody>
-          <a:bodyPr rtlCol="0" anchor="ctr"/>
-          <a:lstStyle/>
-          <a:p>
-            <a:pPr algn="ctr"/>
-            <a:endParaRPr lang="en-US"/>
-          </a:p>
-        </p:txBody>
-      </p:sp>
-      <p:sp>
-        <p:nvSpPr>
-          <p:cNvPr id="15" name="Rectangle 14">
-            <a:extLst>
-              <a:ext uri="{FF2B5EF4-FFF2-40B4-BE49-F238E27FC236}">
-                <a16:creationId xmlns:a16="http://schemas.microsoft.com/office/drawing/2014/main" id="{183881A5-B389-4692-BF96-675C42B20E74}"/>
-              </a:ext>
-            </a:extLst>
-          </p:cNvPr>
-          <p:cNvSpPr/>
-          <p:nvPr/>
-        </p:nvSpPr>
-        <p:spPr>
-          <a:xfrm>
-            <a:off x="3741486" y="583141"/>
-            <a:ext cx="486560" cy="251887"/>
-          </a:xfrm>
-          <a:prstGeom prst="rect">
-            <a:avLst/>
-          </a:prstGeom>
-          <a:solidFill>
-            <a:schemeClr val="bg1"/>
-          </a:solidFill>
-        </p:spPr>
-        <p:style>
-          <a:lnRef idx="2">
-            <a:schemeClr val="accent1">
-              <a:shade val="50000"/>
-            </a:schemeClr>
-          </a:lnRef>
-          <a:fillRef idx="1">
-            <a:schemeClr val="accent1"/>
-          </a:fillRef>
-          <a:effectRef idx="0">
-            <a:schemeClr val="accent1"/>
-          </a:effectRef>
-          <a:fontRef idx="minor">
-            <a:schemeClr val="lt1"/>
-          </a:fontRef>
-        </p:style>
-        <p:txBody>
-          <a:bodyPr rtlCol="0" anchor="ctr"/>
-          <a:lstStyle/>
-          <a:p>
-            <a:pPr algn="ctr"/>
-            <a:endParaRPr lang="en-US"/>
-          </a:p>
-        </p:txBody>
-      </p:sp>
-      <p:sp>
-        <p:nvSpPr>
-          <p:cNvPr id="17" name="TextBox 16">
-            <a:extLst>
-              <a:ext uri="{FF2B5EF4-FFF2-40B4-BE49-F238E27FC236}">
-                <a16:creationId xmlns:a16="http://schemas.microsoft.com/office/drawing/2014/main" id="{55F234FA-0D1F-4E23-A1FD-F5282088CD8A}"/>
-              </a:ext>
-            </a:extLst>
-          </p:cNvPr>
-          <p:cNvSpPr txBox="1"/>
-          <p:nvPr/>
-        </p:nvSpPr>
-        <p:spPr>
-          <a:xfrm>
-            <a:off x="2588002" y="524418"/>
-            <a:ext cx="360726" cy="369332"/>
-          </a:xfrm>
-          <a:prstGeom prst="rect">
-            <a:avLst/>
-          </a:prstGeom>
-          <a:noFill/>
-        </p:spPr>
-        <p:txBody>
-          <a:bodyPr wrap="square" rtlCol="0">
-            <a:spAutoFit/>
-          </a:bodyPr>
-          <a:lstStyle/>
-          <a:p>
-            <a:r>
-              <a:rPr lang="en-US" dirty="0"/>
-              <a:t>6</a:t>
-            </a:r>
-          </a:p>
-        </p:txBody>
-      </p:sp>
-      <p:sp>
-        <p:nvSpPr>
-          <p:cNvPr id="18" name="TextBox 17">
-            <a:extLst>
-              <a:ext uri="{FF2B5EF4-FFF2-40B4-BE49-F238E27FC236}">
-                <a16:creationId xmlns:a16="http://schemas.microsoft.com/office/drawing/2014/main" id="{19112EF1-2F5A-4BAF-B9F8-58FBFDE0E353}"/>
-              </a:ext>
-            </a:extLst>
-          </p:cNvPr>
-          <p:cNvSpPr txBox="1"/>
-          <p:nvPr/>
-        </p:nvSpPr>
-        <p:spPr>
-          <a:xfrm>
-            <a:off x="3812792" y="524418"/>
-            <a:ext cx="360726" cy="369332"/>
-          </a:xfrm>
-          <a:prstGeom prst="rect">
-            <a:avLst/>
-          </a:prstGeom>
-          <a:noFill/>
-        </p:spPr>
-        <p:txBody>
-          <a:bodyPr wrap="square" rtlCol="0">
-            <a:spAutoFit/>
-          </a:bodyPr>
-          <a:lstStyle/>
-          <a:p>
-            <a:r>
-              <a:rPr lang="en-US" dirty="0"/>
-              <a:t>3</a:t>
-            </a:r>
-          </a:p>
-        </p:txBody>
-      </p:sp>
-      <p:sp>
-        <p:nvSpPr>
-          <p:cNvPr id="19" name="TextBox 18">
-            <a:extLst>
-              <a:ext uri="{FF2B5EF4-FFF2-40B4-BE49-F238E27FC236}">
-                <a16:creationId xmlns:a16="http://schemas.microsoft.com/office/drawing/2014/main" id="{FABB3F7E-E2BD-4A2F-8A8D-CF919EF471D7}"/>
-              </a:ext>
-            </a:extLst>
-          </p:cNvPr>
-          <p:cNvSpPr txBox="1"/>
-          <p:nvPr/>
-        </p:nvSpPr>
-        <p:spPr>
-          <a:xfrm>
-            <a:off x="696286" y="1027867"/>
-            <a:ext cx="587230" cy="369332"/>
-          </a:xfrm>
-          <a:prstGeom prst="rect">
-            <a:avLst/>
-          </a:prstGeom>
-          <a:noFill/>
-        </p:spPr>
-        <p:txBody>
-          <a:bodyPr wrap="square" rtlCol="0">
-            <a:spAutoFit/>
-          </a:bodyPr>
-          <a:lstStyle/>
-          <a:p>
-            <a:r>
-              <a:rPr lang="en-US" dirty="0"/>
-              <a:t>L2 =</a:t>
-            </a:r>
-          </a:p>
-        </p:txBody>
-      </p:sp>
-      <p:sp>
-        <p:nvSpPr>
-          <p:cNvPr id="20" name="Rectangle 19">
-            <a:extLst>
-              <a:ext uri="{FF2B5EF4-FFF2-40B4-BE49-F238E27FC236}">
-                <a16:creationId xmlns:a16="http://schemas.microsoft.com/office/drawing/2014/main" id="{1312680F-273E-46B9-94AA-537AFBE19BEE}"/>
-              </a:ext>
-            </a:extLst>
-          </p:cNvPr>
-          <p:cNvSpPr/>
-          <p:nvPr/>
-        </p:nvSpPr>
-        <p:spPr>
-          <a:xfrm>
-            <a:off x="1300295" y="1086590"/>
-            <a:ext cx="830510" cy="251886"/>
-          </a:xfrm>
-          <a:prstGeom prst="rect">
-            <a:avLst/>
-          </a:prstGeom>
-        </p:spPr>
-        <p:style>
-          <a:lnRef idx="2">
-            <a:schemeClr val="accent1">
-              <a:shade val="50000"/>
-            </a:schemeClr>
-          </a:lnRef>
-          <a:fillRef idx="1">
-            <a:schemeClr val="accent1"/>
-          </a:fillRef>
-          <a:effectRef idx="0">
-            <a:schemeClr val="accent1"/>
-          </a:effectRef>
-          <a:fontRef idx="minor">
-            <a:schemeClr val="lt1"/>
-          </a:fontRef>
-        </p:style>
-        <p:txBody>
-          <a:bodyPr rtlCol="0" anchor="ctr"/>
-          <a:lstStyle/>
-          <a:p>
-            <a:pPr algn="ctr"/>
-            <a:endParaRPr lang="en-US"/>
-          </a:p>
-        </p:txBody>
-      </p:sp>
-      <p:sp>
-        <p:nvSpPr>
-          <p:cNvPr id="21" name="Rectangle 20">
-            <a:extLst>
-              <a:ext uri="{FF2B5EF4-FFF2-40B4-BE49-F238E27FC236}">
-                <a16:creationId xmlns:a16="http://schemas.microsoft.com/office/drawing/2014/main" id="{2F327973-D152-46C1-A548-26CB5E9532D1}"/>
-              </a:ext>
-            </a:extLst>
-          </p:cNvPr>
-          <p:cNvSpPr/>
-          <p:nvPr/>
-        </p:nvSpPr>
-        <p:spPr>
-          <a:xfrm>
-            <a:off x="1300295" y="1086589"/>
-            <a:ext cx="486560" cy="251887"/>
-          </a:xfrm>
-          <a:prstGeom prst="rect">
-            <a:avLst/>
-          </a:prstGeom>
-          <a:solidFill>
-            <a:schemeClr val="bg1"/>
-          </a:solidFill>
-        </p:spPr>
-        <p:style>
-          <a:lnRef idx="2">
-            <a:schemeClr val="accent1">
-              <a:shade val="50000"/>
-            </a:schemeClr>
-          </a:lnRef>
-          <a:fillRef idx="1">
-            <a:schemeClr val="accent1"/>
-          </a:fillRef>
-          <a:effectRef idx="0">
-            <a:schemeClr val="accent1"/>
-          </a:effectRef>
-          <a:fontRef idx="minor">
-            <a:schemeClr val="lt1"/>
-          </a:fontRef>
-        </p:style>
-        <p:txBody>
-          <a:bodyPr rtlCol="0" anchor="ctr"/>
-          <a:lstStyle/>
-          <a:p>
-            <a:pPr algn="ctr"/>
-            <a:endParaRPr lang="en-US"/>
-          </a:p>
-        </p:txBody>
-      </p:sp>
-      <p:sp>
-        <p:nvSpPr>
-          <p:cNvPr id="22" name="TextBox 21">
-            <a:extLst>
-              <a:ext uri="{FF2B5EF4-FFF2-40B4-BE49-F238E27FC236}">
-                <a16:creationId xmlns:a16="http://schemas.microsoft.com/office/drawing/2014/main" id="{0201F769-0AB6-43A2-95AF-A7E55EED585D}"/>
-              </a:ext>
-            </a:extLst>
-          </p:cNvPr>
-          <p:cNvSpPr txBox="1"/>
-          <p:nvPr/>
-        </p:nvSpPr>
-        <p:spPr>
-          <a:xfrm>
-            <a:off x="1354824" y="1027867"/>
-            <a:ext cx="360726" cy="369332"/>
-          </a:xfrm>
-          <a:prstGeom prst="rect">
-            <a:avLst/>
-          </a:prstGeom>
-          <a:noFill/>
-        </p:spPr>
-        <p:txBody>
-          <a:bodyPr wrap="square" rtlCol="0">
-            <a:spAutoFit/>
-          </a:bodyPr>
-          <a:lstStyle/>
-          <a:p>
-            <a:r>
-              <a:rPr lang="en-US" dirty="0"/>
-              <a:t>9</a:t>
-            </a:r>
-          </a:p>
-        </p:txBody>
-      </p:sp>
-      <p:cxnSp>
-        <p:nvCxnSpPr>
-          <p:cNvPr id="23" name="Straight Arrow Connector 22">
-            <a:extLst>
-              <a:ext uri="{FF2B5EF4-FFF2-40B4-BE49-F238E27FC236}">
-                <a16:creationId xmlns:a16="http://schemas.microsoft.com/office/drawing/2014/main" id="{AF9A0E18-8BA4-4E5A-BBFB-FE77B813249E}"/>
-              </a:ext>
-            </a:extLst>
-          </p:cNvPr>
-          <p:cNvCxnSpPr>
-            <a:stCxn id="20" idx="3"/>
-          </p:cNvCxnSpPr>
-          <p:nvPr/>
-        </p:nvCxnSpPr>
-        <p:spPr>
-          <a:xfrm flipV="1">
-            <a:off x="2130805" y="1212532"/>
-            <a:ext cx="385892" cy="1"/>
-          </a:xfrm>
-          <a:prstGeom prst="straightConnector1">
-            <a:avLst/>
-          </a:prstGeom>
-          <a:ln w="38100">
-            <a:tailEnd type="triangle"/>
-          </a:ln>
-        </p:spPr>
-        <p:style>
-          <a:lnRef idx="1">
-            <a:schemeClr val="accent1"/>
-          </a:lnRef>
-          <a:fillRef idx="0">
-            <a:schemeClr val="accent1"/>
-          </a:fillRef>
-          <a:effectRef idx="0">
-            <a:schemeClr val="accent1"/>
-          </a:effectRef>
-          <a:fontRef idx="minor">
-            <a:schemeClr val="tx1"/>
-          </a:fontRef>
-        </p:style>
-      </p:cxnSp>
-      <p:sp>
-        <p:nvSpPr>
-          <p:cNvPr id="24" name="Rectangle 23">
-            <a:extLst>
-              <a:ext uri="{FF2B5EF4-FFF2-40B4-BE49-F238E27FC236}">
-                <a16:creationId xmlns:a16="http://schemas.microsoft.com/office/drawing/2014/main" id="{BDA050AC-C0F6-47F7-B9CD-F8B7BB029ED3}"/>
-              </a:ext>
-            </a:extLst>
-          </p:cNvPr>
-          <p:cNvSpPr/>
-          <p:nvPr/>
-        </p:nvSpPr>
-        <p:spPr>
-          <a:xfrm>
-            <a:off x="2516697" y="1082503"/>
-            <a:ext cx="830510" cy="251886"/>
-          </a:xfrm>
-          <a:prstGeom prst="rect">
-            <a:avLst/>
-          </a:prstGeom>
-        </p:spPr>
-        <p:style>
-          <a:lnRef idx="2">
-            <a:schemeClr val="accent1">
-              <a:shade val="50000"/>
-            </a:schemeClr>
-          </a:lnRef>
-          <a:fillRef idx="1">
-            <a:schemeClr val="accent1"/>
-          </a:fillRef>
-          <a:effectRef idx="0">
-            <a:schemeClr val="accent1"/>
-          </a:effectRef>
-          <a:fontRef idx="minor">
-            <a:schemeClr val="lt1"/>
-          </a:fontRef>
-        </p:style>
-        <p:txBody>
-          <a:bodyPr rtlCol="0" anchor="ctr"/>
-          <a:lstStyle/>
-          <a:p>
-            <a:pPr algn="ctr"/>
-            <a:endParaRPr lang="en-US"/>
-          </a:p>
-        </p:txBody>
-      </p:sp>
-      <p:sp>
-        <p:nvSpPr>
-          <p:cNvPr id="25" name="Rectangle 24">
-            <a:extLst>
-              <a:ext uri="{FF2B5EF4-FFF2-40B4-BE49-F238E27FC236}">
-                <a16:creationId xmlns:a16="http://schemas.microsoft.com/office/drawing/2014/main" id="{D388F6F2-38C8-429C-B048-5F0E7059825B}"/>
-              </a:ext>
-            </a:extLst>
-          </p:cNvPr>
-          <p:cNvSpPr/>
-          <p:nvPr/>
-        </p:nvSpPr>
-        <p:spPr>
-          <a:xfrm>
-            <a:off x="2516697" y="1082502"/>
-            <a:ext cx="486560" cy="251887"/>
-          </a:xfrm>
-          <a:prstGeom prst="rect">
-            <a:avLst/>
-          </a:prstGeom>
-          <a:solidFill>
-            <a:schemeClr val="bg1"/>
-          </a:solidFill>
-        </p:spPr>
-        <p:style>
-          <a:lnRef idx="2">
-            <a:schemeClr val="accent1">
-              <a:shade val="50000"/>
-            </a:schemeClr>
-          </a:lnRef>
-          <a:fillRef idx="1">
-            <a:schemeClr val="accent1"/>
-          </a:fillRef>
-          <a:effectRef idx="0">
-            <a:schemeClr val="accent1"/>
-          </a:effectRef>
-          <a:fontRef idx="minor">
-            <a:schemeClr val="lt1"/>
-          </a:fontRef>
-        </p:style>
-        <p:txBody>
-          <a:bodyPr rtlCol="0" anchor="ctr"/>
-          <a:lstStyle/>
-          <a:p>
-            <a:pPr algn="ctr"/>
-            <a:endParaRPr lang="en-US"/>
-          </a:p>
-        </p:txBody>
-      </p:sp>
-      <p:cxnSp>
-        <p:nvCxnSpPr>
-          <p:cNvPr id="26" name="Straight Arrow Connector 25">
-            <a:extLst>
-              <a:ext uri="{FF2B5EF4-FFF2-40B4-BE49-F238E27FC236}">
-                <a16:creationId xmlns:a16="http://schemas.microsoft.com/office/drawing/2014/main" id="{FC72185A-1D88-4FC0-9360-CAEACFC68A4B}"/>
-              </a:ext>
-            </a:extLst>
-          </p:cNvPr>
-          <p:cNvCxnSpPr>
-            <a:stCxn id="24" idx="3"/>
-          </p:cNvCxnSpPr>
-          <p:nvPr/>
-        </p:nvCxnSpPr>
-        <p:spPr>
-          <a:xfrm flipV="1">
-            <a:off x="3347207" y="1208445"/>
-            <a:ext cx="385892" cy="1"/>
-          </a:xfrm>
-          <a:prstGeom prst="straightConnector1">
-            <a:avLst/>
-          </a:prstGeom>
-          <a:ln w="38100">
-            <a:tailEnd type="triangle"/>
-          </a:ln>
-        </p:spPr>
-        <p:style>
-          <a:lnRef idx="1">
-            <a:schemeClr val="accent1"/>
-          </a:lnRef>
-          <a:fillRef idx="0">
-            <a:schemeClr val="accent1"/>
-          </a:fillRef>
-          <a:effectRef idx="0">
-            <a:schemeClr val="accent1"/>
-          </a:effectRef>
-          <a:fontRef idx="minor">
-            <a:schemeClr val="tx1"/>
-          </a:fontRef>
-        </p:style>
-      </p:cxnSp>
-      <p:sp>
-        <p:nvSpPr>
-          <p:cNvPr id="27" name="Rectangle 26">
-            <a:extLst>
-              <a:ext uri="{FF2B5EF4-FFF2-40B4-BE49-F238E27FC236}">
-                <a16:creationId xmlns:a16="http://schemas.microsoft.com/office/drawing/2014/main" id="{8DD968F2-22AE-4C1D-87DF-AF081D69E120}"/>
-              </a:ext>
-            </a:extLst>
-          </p:cNvPr>
-          <p:cNvSpPr/>
-          <p:nvPr/>
-        </p:nvSpPr>
-        <p:spPr>
-          <a:xfrm>
-            <a:off x="3741486" y="1082503"/>
-            <a:ext cx="830510" cy="251886"/>
-          </a:xfrm>
-          <a:prstGeom prst="rect">
-            <a:avLst/>
-          </a:prstGeom>
-        </p:spPr>
-        <p:style>
-          <a:lnRef idx="2">
-            <a:schemeClr val="accent1">
-              <a:shade val="50000"/>
-            </a:schemeClr>
-          </a:lnRef>
-          <a:fillRef idx="1">
-            <a:schemeClr val="accent1"/>
-          </a:fillRef>
-          <a:effectRef idx="0">
-            <a:schemeClr val="accent1"/>
-          </a:effectRef>
-          <a:fontRef idx="minor">
-            <a:schemeClr val="lt1"/>
-          </a:fontRef>
-        </p:style>
-        <p:txBody>
-          <a:bodyPr rtlCol="0" anchor="ctr"/>
-          <a:lstStyle/>
-          <a:p>
-            <a:pPr algn="ctr"/>
-            <a:endParaRPr lang="en-US"/>
-          </a:p>
-        </p:txBody>
-      </p:sp>
-      <p:sp>
-        <p:nvSpPr>
-          <p:cNvPr id="28" name="Rectangle 27">
-            <a:extLst>
-              <a:ext uri="{FF2B5EF4-FFF2-40B4-BE49-F238E27FC236}">
-                <a16:creationId xmlns:a16="http://schemas.microsoft.com/office/drawing/2014/main" id="{F9CB71D3-F7C8-4D9E-A5C6-1E291662DC0C}"/>
-              </a:ext>
-            </a:extLst>
-          </p:cNvPr>
-          <p:cNvSpPr/>
-          <p:nvPr/>
-        </p:nvSpPr>
-        <p:spPr>
-          <a:xfrm>
-            <a:off x="3741486" y="1082502"/>
-            <a:ext cx="486560" cy="251887"/>
-          </a:xfrm>
-          <a:prstGeom prst="rect">
-            <a:avLst/>
-          </a:prstGeom>
-          <a:solidFill>
-            <a:schemeClr val="bg1"/>
-          </a:solidFill>
-        </p:spPr>
-        <p:style>
-          <a:lnRef idx="2">
-            <a:schemeClr val="accent1">
-              <a:shade val="50000"/>
-            </a:schemeClr>
-          </a:lnRef>
-          <a:fillRef idx="1">
-            <a:schemeClr val="accent1"/>
-          </a:fillRef>
-          <a:effectRef idx="0">
-            <a:schemeClr val="accent1"/>
-          </a:effectRef>
-          <a:fontRef idx="minor">
-            <a:schemeClr val="lt1"/>
-          </a:fontRef>
-        </p:style>
-        <p:txBody>
-          <a:bodyPr rtlCol="0" anchor="ctr"/>
-          <a:lstStyle/>
-          <a:p>
-            <a:pPr algn="ctr"/>
-            <a:endParaRPr lang="en-US"/>
-          </a:p>
-        </p:txBody>
-      </p:sp>
-      <p:sp>
-        <p:nvSpPr>
-          <p:cNvPr id="29" name="TextBox 28">
-            <a:extLst>
-              <a:ext uri="{FF2B5EF4-FFF2-40B4-BE49-F238E27FC236}">
-                <a16:creationId xmlns:a16="http://schemas.microsoft.com/office/drawing/2014/main" id="{3914F26F-37A5-423C-B935-37048CC16F9A}"/>
-              </a:ext>
-            </a:extLst>
-          </p:cNvPr>
-          <p:cNvSpPr txBox="1"/>
-          <p:nvPr/>
-        </p:nvSpPr>
-        <p:spPr>
-          <a:xfrm>
-            <a:off x="2588002" y="1023779"/>
-            <a:ext cx="360726" cy="369332"/>
-          </a:xfrm>
-          <a:prstGeom prst="rect">
-            <a:avLst/>
-          </a:prstGeom>
-          <a:noFill/>
-        </p:spPr>
-        <p:txBody>
-          <a:bodyPr wrap="square" rtlCol="0">
-            <a:spAutoFit/>
-          </a:bodyPr>
-          <a:lstStyle/>
-          <a:p>
-            <a:r>
-              <a:rPr lang="en-US" dirty="0"/>
-              <a:t>8</a:t>
-            </a:r>
-          </a:p>
-        </p:txBody>
-      </p:sp>
-      <p:sp>
-        <p:nvSpPr>
-          <p:cNvPr id="30" name="TextBox 29">
-            <a:extLst>
-              <a:ext uri="{FF2B5EF4-FFF2-40B4-BE49-F238E27FC236}">
-                <a16:creationId xmlns:a16="http://schemas.microsoft.com/office/drawing/2014/main" id="{470673C7-DB52-4F0F-9852-4A45FD6C91C8}"/>
-              </a:ext>
-            </a:extLst>
-          </p:cNvPr>
-          <p:cNvSpPr txBox="1"/>
-          <p:nvPr/>
-        </p:nvSpPr>
-        <p:spPr>
-          <a:xfrm>
-            <a:off x="3812792" y="1023779"/>
-            <a:ext cx="360726" cy="369332"/>
-          </a:xfrm>
-          <a:prstGeom prst="rect">
-            <a:avLst/>
-          </a:prstGeom>
-          <a:noFill/>
-        </p:spPr>
-        <p:txBody>
-          <a:bodyPr wrap="square" rtlCol="0">
-            <a:spAutoFit/>
-          </a:bodyPr>
-          <a:lstStyle/>
-          <a:p>
-            <a:r>
-              <a:rPr lang="en-US" dirty="0"/>
-              <a:t>6</a:t>
-            </a:r>
-          </a:p>
-        </p:txBody>
-      </p:sp>
-      <p:sp>
-        <p:nvSpPr>
-          <p:cNvPr id="43" name="TextBox 42">
-            <a:extLst>
-              <a:ext uri="{FF2B5EF4-FFF2-40B4-BE49-F238E27FC236}">
-                <a16:creationId xmlns:a16="http://schemas.microsoft.com/office/drawing/2014/main" id="{C96E9F3C-1DC4-42E6-9ABA-4F5ABEBDF050}"/>
-              </a:ext>
-            </a:extLst>
-          </p:cNvPr>
-          <p:cNvSpPr txBox="1"/>
-          <p:nvPr/>
-        </p:nvSpPr>
-        <p:spPr>
-          <a:xfrm>
-            <a:off x="713065" y="1417713"/>
-            <a:ext cx="1073790" cy="369332"/>
-          </a:xfrm>
-          <a:prstGeom prst="rect">
-            <a:avLst/>
-          </a:prstGeom>
-          <a:noFill/>
-        </p:spPr>
-        <p:txBody>
-          <a:bodyPr wrap="square" rtlCol="0">
-            <a:spAutoFit/>
-          </a:bodyPr>
-          <a:lstStyle/>
-          <a:p>
-            <a:r>
-              <a:rPr lang="en-US" dirty="0"/>
-              <a:t>carry = 0</a:t>
-            </a:r>
-          </a:p>
-        </p:txBody>
-      </p:sp>
-      <p:sp>
-        <p:nvSpPr>
-          <p:cNvPr id="44" name="TextBox 43">
-            <a:extLst>
-              <a:ext uri="{FF2B5EF4-FFF2-40B4-BE49-F238E27FC236}">
-                <a16:creationId xmlns:a16="http://schemas.microsoft.com/office/drawing/2014/main" id="{C3C43FC2-5801-4E2A-AB9C-2CD36AC1A00B}"/>
-              </a:ext>
-            </a:extLst>
-          </p:cNvPr>
-          <p:cNvSpPr txBox="1"/>
-          <p:nvPr/>
-        </p:nvSpPr>
-        <p:spPr>
-          <a:xfrm>
-            <a:off x="713065" y="1791131"/>
-            <a:ext cx="1073790" cy="369332"/>
-          </a:xfrm>
-          <a:prstGeom prst="rect">
-            <a:avLst/>
-          </a:prstGeom>
-          <a:noFill/>
-        </p:spPr>
-        <p:txBody>
-          <a:bodyPr wrap="square" rtlCol="0">
-            <a:spAutoFit/>
-          </a:bodyPr>
-          <a:lstStyle/>
-          <a:p>
-            <a:r>
-              <a:rPr lang="en-US" dirty="0"/>
-              <a:t>carry = 0</a:t>
-            </a:r>
-          </a:p>
-        </p:txBody>
-      </p:sp>
-      <p:cxnSp>
-        <p:nvCxnSpPr>
-          <p:cNvPr id="46" name="Straight Connector 45">
-            <a:extLst>
-              <a:ext uri="{FF2B5EF4-FFF2-40B4-BE49-F238E27FC236}">
-                <a16:creationId xmlns:a16="http://schemas.microsoft.com/office/drawing/2014/main" id="{71CEFB26-6F31-4275-A2AA-BDC7B63E1249}"/>
-              </a:ext>
-            </a:extLst>
-          </p:cNvPr>
-          <p:cNvCxnSpPr/>
-          <p:nvPr/>
-        </p:nvCxnSpPr>
-        <p:spPr>
-          <a:xfrm>
-            <a:off x="213423" y="1754414"/>
-            <a:ext cx="5109883" cy="0"/>
-          </a:xfrm>
-          <a:prstGeom prst="line">
-            <a:avLst/>
-          </a:prstGeom>
-        </p:spPr>
-        <p:style>
-          <a:lnRef idx="1">
-            <a:schemeClr val="accent1"/>
-          </a:lnRef>
-          <a:fillRef idx="0">
-            <a:schemeClr val="accent1"/>
-          </a:fillRef>
-          <a:effectRef idx="0">
-            <a:schemeClr val="accent1"/>
-          </a:effectRef>
-          <a:fontRef idx="minor">
-            <a:schemeClr val="tx1"/>
-          </a:fontRef>
-        </p:style>
-      </p:cxnSp>
-      <p:sp>
-        <p:nvSpPr>
-          <p:cNvPr id="47" name="TextBox 46">
-            <a:extLst>
-              <a:ext uri="{FF2B5EF4-FFF2-40B4-BE49-F238E27FC236}">
-                <a16:creationId xmlns:a16="http://schemas.microsoft.com/office/drawing/2014/main" id="{74C43B89-6FBB-471B-A5B8-F5610194DE95}"/>
-              </a:ext>
-            </a:extLst>
-          </p:cNvPr>
-          <p:cNvSpPr txBox="1"/>
-          <p:nvPr/>
-        </p:nvSpPr>
-        <p:spPr>
-          <a:xfrm>
-            <a:off x="696285" y="2014472"/>
-            <a:ext cx="1820411" cy="369332"/>
-          </a:xfrm>
-          <a:prstGeom prst="rect">
-            <a:avLst/>
-          </a:prstGeom>
-          <a:noFill/>
-        </p:spPr>
-        <p:txBody>
-          <a:bodyPr wrap="square" rtlCol="0">
-            <a:spAutoFit/>
-          </a:bodyPr>
-          <a:lstStyle/>
-          <a:p>
-            <a:r>
-              <a:rPr lang="en-US" dirty="0"/>
-              <a:t>value = 0+7+9</a:t>
-            </a:r>
-          </a:p>
-        </p:txBody>
-      </p:sp>
-      <p:sp>
-        <p:nvSpPr>
-          <p:cNvPr id="48" name="TextBox 47">
-            <a:extLst>
-              <a:ext uri="{FF2B5EF4-FFF2-40B4-BE49-F238E27FC236}">
-                <a16:creationId xmlns:a16="http://schemas.microsoft.com/office/drawing/2014/main" id="{4A14B906-FFC7-4387-9AB7-6C6B49CF87B9}"/>
-              </a:ext>
-            </a:extLst>
-          </p:cNvPr>
-          <p:cNvSpPr txBox="1"/>
-          <p:nvPr/>
-        </p:nvSpPr>
-        <p:spPr>
-          <a:xfrm>
-            <a:off x="713065" y="2517678"/>
-            <a:ext cx="1073790" cy="369332"/>
-          </a:xfrm>
-          <a:prstGeom prst="rect">
-            <a:avLst/>
-          </a:prstGeom>
-          <a:noFill/>
-        </p:spPr>
-        <p:txBody>
-          <a:bodyPr wrap="square" rtlCol="0">
-            <a:spAutoFit/>
-          </a:bodyPr>
-          <a:lstStyle/>
-          <a:p>
-            <a:r>
-              <a:rPr lang="en-US" dirty="0"/>
-              <a:t>more = </a:t>
-            </a:r>
-          </a:p>
-        </p:txBody>
-      </p:sp>
-      <p:cxnSp>
-        <p:nvCxnSpPr>
-          <p:cNvPr id="50" name="Straight Arrow Connector 49">
-            <a:extLst>
-              <a:ext uri="{FF2B5EF4-FFF2-40B4-BE49-F238E27FC236}">
-                <a16:creationId xmlns:a16="http://schemas.microsoft.com/office/drawing/2014/main" id="{5A5D1A78-E532-4569-B16C-632620F392F5}"/>
-              </a:ext>
-            </a:extLst>
-          </p:cNvPr>
-          <p:cNvCxnSpPr/>
-          <p:nvPr/>
-        </p:nvCxnSpPr>
-        <p:spPr>
-          <a:xfrm>
-            <a:off x="1691288" y="2775707"/>
-            <a:ext cx="587230" cy="359396"/>
-          </a:xfrm>
-          <a:prstGeom prst="straightConnector1">
-            <a:avLst/>
-          </a:prstGeom>
-          <a:ln>
-            <a:tailEnd type="triangle"/>
-          </a:ln>
-        </p:spPr>
-        <p:style>
-          <a:lnRef idx="1">
-            <a:schemeClr val="accent1"/>
-          </a:lnRef>
-          <a:fillRef idx="0">
-            <a:schemeClr val="accent1"/>
-          </a:fillRef>
-          <a:effectRef idx="0">
-            <a:schemeClr val="accent1"/>
-          </a:effectRef>
-          <a:fontRef idx="minor">
-            <a:schemeClr val="tx1"/>
-          </a:fontRef>
-        </p:style>
-      </p:cxnSp>
-      <p:sp>
-        <p:nvSpPr>
-          <p:cNvPr id="51" name="TextBox 50">
-            <a:extLst>
-              <a:ext uri="{FF2B5EF4-FFF2-40B4-BE49-F238E27FC236}">
-                <a16:creationId xmlns:a16="http://schemas.microsoft.com/office/drawing/2014/main" id="{8BCF8C97-D92F-4F6E-8EBA-FF47F9F5EF20}"/>
-              </a:ext>
-            </a:extLst>
-          </p:cNvPr>
-          <p:cNvSpPr txBox="1"/>
-          <p:nvPr/>
-        </p:nvSpPr>
-        <p:spPr>
-          <a:xfrm>
-            <a:off x="696285" y="2276097"/>
-            <a:ext cx="1073790" cy="369332"/>
-          </a:xfrm>
-          <a:prstGeom prst="rect">
-            <a:avLst/>
-          </a:prstGeom>
-          <a:noFill/>
-        </p:spPr>
-        <p:txBody>
-          <a:bodyPr wrap="square" rtlCol="0">
-            <a:spAutoFit/>
-          </a:bodyPr>
-          <a:lstStyle/>
-          <a:p>
-            <a:r>
-              <a:rPr lang="en-US" dirty="0"/>
-              <a:t>result = </a:t>
-            </a:r>
-          </a:p>
-        </p:txBody>
-      </p:sp>
-      <p:sp>
-        <p:nvSpPr>
-          <p:cNvPr id="53" name="TextBox 52">
-            <a:extLst>
-              <a:ext uri="{FF2B5EF4-FFF2-40B4-BE49-F238E27FC236}">
-                <a16:creationId xmlns:a16="http://schemas.microsoft.com/office/drawing/2014/main" id="{B3038876-56CD-49E4-82B3-475666EBAF08}"/>
-              </a:ext>
-            </a:extLst>
-          </p:cNvPr>
-          <p:cNvSpPr txBox="1"/>
-          <p:nvPr/>
-        </p:nvSpPr>
-        <p:spPr>
-          <a:xfrm>
-            <a:off x="1632565" y="2256618"/>
-            <a:ext cx="360726" cy="369332"/>
-          </a:xfrm>
-          <a:prstGeom prst="rect">
-            <a:avLst/>
-          </a:prstGeom>
-          <a:noFill/>
-        </p:spPr>
-        <p:txBody>
-          <a:bodyPr wrap="square" rtlCol="0">
-            <a:spAutoFit/>
-          </a:bodyPr>
-          <a:lstStyle/>
-          <a:p>
-            <a:r>
-              <a:rPr lang="en-US" dirty="0"/>
-              <a:t>6</a:t>
-            </a:r>
-          </a:p>
-        </p:txBody>
-      </p:sp>
-      <p:sp>
-        <p:nvSpPr>
-          <p:cNvPr id="56" name="Rectangle 55">
-            <a:extLst>
-              <a:ext uri="{FF2B5EF4-FFF2-40B4-BE49-F238E27FC236}">
-                <a16:creationId xmlns:a16="http://schemas.microsoft.com/office/drawing/2014/main" id="{C2687FDC-DBA8-4A86-A7B4-BB27E11B47AD}"/>
-              </a:ext>
-            </a:extLst>
-          </p:cNvPr>
-          <p:cNvSpPr/>
-          <p:nvPr/>
-        </p:nvSpPr>
-        <p:spPr>
-          <a:xfrm>
-            <a:off x="3227459" y="3612210"/>
-            <a:ext cx="830510" cy="251886"/>
-          </a:xfrm>
-          <a:prstGeom prst="rect">
-            <a:avLst/>
-          </a:prstGeom>
-        </p:spPr>
-        <p:style>
-          <a:lnRef idx="2">
-            <a:schemeClr val="accent1">
-              <a:shade val="50000"/>
-            </a:schemeClr>
-          </a:lnRef>
-          <a:fillRef idx="1">
-            <a:schemeClr val="accent1"/>
-          </a:fillRef>
-          <a:effectRef idx="0">
-            <a:schemeClr val="accent1"/>
-          </a:effectRef>
-          <a:fontRef idx="minor">
-            <a:schemeClr val="lt1"/>
-          </a:fontRef>
-        </p:style>
-        <p:txBody>
-          <a:bodyPr rtlCol="0" anchor="ctr"/>
-          <a:lstStyle/>
-          <a:p>
-            <a:pPr algn="ctr"/>
-            <a:endParaRPr lang="en-US"/>
-          </a:p>
-        </p:txBody>
-      </p:sp>
-      <p:sp>
-        <p:nvSpPr>
-          <p:cNvPr id="57" name="Rectangle 56">
-            <a:extLst>
-              <a:ext uri="{FF2B5EF4-FFF2-40B4-BE49-F238E27FC236}">
-                <a16:creationId xmlns:a16="http://schemas.microsoft.com/office/drawing/2014/main" id="{3F38F5B1-7528-4C21-8EC2-463677315D96}"/>
-              </a:ext>
-            </a:extLst>
-          </p:cNvPr>
-          <p:cNvSpPr/>
-          <p:nvPr/>
-        </p:nvSpPr>
-        <p:spPr>
-          <a:xfrm>
-            <a:off x="3213971" y="3611684"/>
-            <a:ext cx="486560" cy="251887"/>
-          </a:xfrm>
-          <a:prstGeom prst="rect">
-            <a:avLst/>
-          </a:prstGeom>
-          <a:solidFill>
-            <a:schemeClr val="bg1"/>
-          </a:solidFill>
-        </p:spPr>
-        <p:style>
-          <a:lnRef idx="2">
-            <a:schemeClr val="accent1">
-              <a:shade val="50000"/>
-            </a:schemeClr>
-          </a:lnRef>
-          <a:fillRef idx="1">
-            <a:schemeClr val="accent1"/>
-          </a:fillRef>
-          <a:effectRef idx="0">
-            <a:schemeClr val="accent1"/>
-          </a:effectRef>
-          <a:fontRef idx="minor">
-            <a:schemeClr val="lt1"/>
-          </a:fontRef>
-        </p:style>
-        <p:txBody>
-          <a:bodyPr rtlCol="0" anchor="ctr"/>
-          <a:lstStyle/>
-          <a:p>
-            <a:pPr algn="ctr"/>
-            <a:endParaRPr lang="en-US" dirty="0"/>
-          </a:p>
-        </p:txBody>
-      </p:sp>
-      <p:sp>
-        <p:nvSpPr>
-          <p:cNvPr id="58" name="TextBox 57">
-            <a:extLst>
-              <a:ext uri="{FF2B5EF4-FFF2-40B4-BE49-F238E27FC236}">
-                <a16:creationId xmlns:a16="http://schemas.microsoft.com/office/drawing/2014/main" id="{D96BF140-720B-4AC7-83CF-9FBF4502AD72}"/>
-              </a:ext>
-            </a:extLst>
-          </p:cNvPr>
-          <p:cNvSpPr txBox="1"/>
-          <p:nvPr/>
-        </p:nvSpPr>
-        <p:spPr>
-          <a:xfrm>
-            <a:off x="2370876" y="3078367"/>
-            <a:ext cx="1073790" cy="369332"/>
-          </a:xfrm>
-          <a:prstGeom prst="rect">
-            <a:avLst/>
-          </a:prstGeom>
-          <a:noFill/>
-        </p:spPr>
-        <p:txBody>
-          <a:bodyPr wrap="square" rtlCol="0">
-            <a:spAutoFit/>
-          </a:bodyPr>
-          <a:lstStyle/>
-          <a:p>
-            <a:r>
-              <a:rPr lang="en-US" dirty="0"/>
-              <a:t>carry = 1</a:t>
-            </a:r>
-          </a:p>
-        </p:txBody>
-      </p:sp>
-      <p:sp>
-        <p:nvSpPr>
-          <p:cNvPr id="59" name="TextBox 58">
-            <a:extLst>
-              <a:ext uri="{FF2B5EF4-FFF2-40B4-BE49-F238E27FC236}">
-                <a16:creationId xmlns:a16="http://schemas.microsoft.com/office/drawing/2014/main" id="{8172514F-BA22-4EF0-95F1-6F91CE6F9C63}"/>
-              </a:ext>
-            </a:extLst>
-          </p:cNvPr>
-          <p:cNvSpPr txBox="1"/>
-          <p:nvPr/>
-        </p:nvSpPr>
-        <p:spPr>
-          <a:xfrm>
-            <a:off x="2354096" y="3301708"/>
-            <a:ext cx="1820411" cy="369332"/>
-          </a:xfrm>
-          <a:prstGeom prst="rect">
-            <a:avLst/>
-          </a:prstGeom>
-          <a:noFill/>
-        </p:spPr>
-        <p:txBody>
-          <a:bodyPr wrap="square" rtlCol="0">
-            <a:spAutoFit/>
-          </a:bodyPr>
-          <a:lstStyle/>
-          <a:p>
-            <a:r>
-              <a:rPr lang="en-US" dirty="0"/>
-              <a:t>value = 1+6+8</a:t>
-            </a:r>
-          </a:p>
-        </p:txBody>
-      </p:sp>
-      <p:sp>
-        <p:nvSpPr>
-          <p:cNvPr id="60" name="TextBox 59">
-            <a:extLst>
-              <a:ext uri="{FF2B5EF4-FFF2-40B4-BE49-F238E27FC236}">
-                <a16:creationId xmlns:a16="http://schemas.microsoft.com/office/drawing/2014/main" id="{06C53FFB-6369-4CD6-8157-A2673662B0CA}"/>
-              </a:ext>
-            </a:extLst>
-          </p:cNvPr>
-          <p:cNvSpPr txBox="1"/>
-          <p:nvPr/>
-        </p:nvSpPr>
-        <p:spPr>
-          <a:xfrm>
-            <a:off x="2370876" y="3804914"/>
-            <a:ext cx="1073790" cy="369332"/>
-          </a:xfrm>
-          <a:prstGeom prst="rect">
-            <a:avLst/>
-          </a:prstGeom>
-          <a:noFill/>
-        </p:spPr>
-        <p:txBody>
-          <a:bodyPr wrap="square" rtlCol="0">
-            <a:spAutoFit/>
-          </a:bodyPr>
-          <a:lstStyle/>
-          <a:p>
-            <a:r>
-              <a:rPr lang="en-US" dirty="0"/>
-              <a:t>more = </a:t>
-            </a:r>
-          </a:p>
-        </p:txBody>
-      </p:sp>
-      <p:sp>
-        <p:nvSpPr>
-          <p:cNvPr id="61" name="TextBox 60">
-            <a:extLst>
-              <a:ext uri="{FF2B5EF4-FFF2-40B4-BE49-F238E27FC236}">
-                <a16:creationId xmlns:a16="http://schemas.microsoft.com/office/drawing/2014/main" id="{F368AFDF-1197-4F45-BA23-EB7CA757620C}"/>
-              </a:ext>
-            </a:extLst>
-          </p:cNvPr>
-          <p:cNvSpPr txBox="1"/>
-          <p:nvPr/>
-        </p:nvSpPr>
-        <p:spPr>
-          <a:xfrm>
-            <a:off x="2354096" y="3563333"/>
-            <a:ext cx="1073790" cy="369332"/>
-          </a:xfrm>
-          <a:prstGeom prst="rect">
-            <a:avLst/>
-          </a:prstGeom>
-          <a:noFill/>
-        </p:spPr>
-        <p:txBody>
-          <a:bodyPr wrap="square" rtlCol="0">
-            <a:spAutoFit/>
-          </a:bodyPr>
-          <a:lstStyle/>
-          <a:p>
-            <a:r>
-              <a:rPr lang="en-US" dirty="0"/>
-              <a:t>result = </a:t>
-            </a:r>
-          </a:p>
-        </p:txBody>
-      </p:sp>
-      <p:sp>
-        <p:nvSpPr>
-          <p:cNvPr id="63" name="TextBox 62">
-            <a:extLst>
-              <a:ext uri="{FF2B5EF4-FFF2-40B4-BE49-F238E27FC236}">
-                <a16:creationId xmlns:a16="http://schemas.microsoft.com/office/drawing/2014/main" id="{B49C7F24-B00B-4048-89C9-E9D3405CE122}"/>
-              </a:ext>
-            </a:extLst>
-          </p:cNvPr>
-          <p:cNvSpPr txBox="1"/>
-          <p:nvPr/>
-        </p:nvSpPr>
-        <p:spPr>
-          <a:xfrm>
-            <a:off x="3281988" y="3552961"/>
-            <a:ext cx="360726" cy="369332"/>
-          </a:xfrm>
-          <a:prstGeom prst="rect">
-            <a:avLst/>
-          </a:prstGeom>
-          <a:noFill/>
-        </p:spPr>
-        <p:txBody>
-          <a:bodyPr wrap="square" rtlCol="0">
-            <a:spAutoFit/>
-          </a:bodyPr>
-          <a:lstStyle/>
-          <a:p>
-            <a:r>
-              <a:rPr lang="en-US" dirty="0"/>
-              <a:t>5</a:t>
-            </a:r>
-          </a:p>
-        </p:txBody>
-      </p:sp>
-      <p:cxnSp>
-        <p:nvCxnSpPr>
-          <p:cNvPr id="64" name="Straight Arrow Connector 63">
-            <a:extLst>
-              <a:ext uri="{FF2B5EF4-FFF2-40B4-BE49-F238E27FC236}">
-                <a16:creationId xmlns:a16="http://schemas.microsoft.com/office/drawing/2014/main" id="{7BAAC896-22AE-437E-9C86-1C4B313202A1}"/>
-              </a:ext>
-            </a:extLst>
-          </p:cNvPr>
-          <p:cNvCxnSpPr/>
-          <p:nvPr/>
-        </p:nvCxnSpPr>
-        <p:spPr>
-          <a:xfrm>
-            <a:off x="3405925" y="4048299"/>
-            <a:ext cx="587230" cy="359396"/>
-          </a:xfrm>
-          <a:prstGeom prst="straightConnector1">
-            <a:avLst/>
-          </a:prstGeom>
-          <a:ln>
-            <a:tailEnd type="triangle"/>
-          </a:ln>
-        </p:spPr>
-        <p:style>
-          <a:lnRef idx="1">
-            <a:schemeClr val="accent1"/>
-          </a:lnRef>
-          <a:fillRef idx="0">
-            <a:schemeClr val="accent1"/>
-          </a:fillRef>
-          <a:effectRef idx="0">
-            <a:schemeClr val="accent1"/>
-          </a:effectRef>
-          <a:fontRef idx="minor">
-            <a:schemeClr val="tx1"/>
-          </a:fontRef>
-        </p:style>
-      </p:cxnSp>
-      <p:sp>
-        <p:nvSpPr>
-          <p:cNvPr id="65" name="Rectangle 64">
-            <a:extLst>
-              <a:ext uri="{FF2B5EF4-FFF2-40B4-BE49-F238E27FC236}">
-                <a16:creationId xmlns:a16="http://schemas.microsoft.com/office/drawing/2014/main" id="{440E7B86-5B61-440A-A420-D0ECBD584C57}"/>
-              </a:ext>
-            </a:extLst>
-          </p:cNvPr>
-          <p:cNvSpPr/>
-          <p:nvPr/>
-        </p:nvSpPr>
-        <p:spPr>
-          <a:xfrm>
-            <a:off x="4953367" y="4541550"/>
-            <a:ext cx="830510" cy="251886"/>
-          </a:xfrm>
-          <a:prstGeom prst="rect">
-            <a:avLst/>
-          </a:prstGeom>
-        </p:spPr>
-        <p:style>
-          <a:lnRef idx="2">
-            <a:schemeClr val="accent1">
-              <a:shade val="50000"/>
-            </a:schemeClr>
-          </a:lnRef>
-          <a:fillRef idx="1">
-            <a:schemeClr val="accent1"/>
-          </a:fillRef>
-          <a:effectRef idx="0">
-            <a:schemeClr val="accent1"/>
-          </a:effectRef>
-          <a:fontRef idx="minor">
-            <a:schemeClr val="lt1"/>
-          </a:fontRef>
-        </p:style>
-        <p:txBody>
-          <a:bodyPr rtlCol="0" anchor="ctr"/>
-          <a:lstStyle/>
-          <a:p>
-            <a:pPr algn="ctr"/>
-            <a:endParaRPr lang="en-US"/>
-          </a:p>
-        </p:txBody>
-      </p:sp>
-      <p:sp>
-        <p:nvSpPr>
-          <p:cNvPr id="66" name="Rectangle 65">
-            <a:extLst>
-              <a:ext uri="{FF2B5EF4-FFF2-40B4-BE49-F238E27FC236}">
-                <a16:creationId xmlns:a16="http://schemas.microsoft.com/office/drawing/2014/main" id="{7113B4DF-7B5D-469E-8C72-FAD5D641AA33}"/>
-              </a:ext>
-            </a:extLst>
-          </p:cNvPr>
-          <p:cNvSpPr/>
-          <p:nvPr/>
-        </p:nvSpPr>
-        <p:spPr>
-          <a:xfrm>
-            <a:off x="4939879" y="4541024"/>
-            <a:ext cx="486560" cy="251887"/>
-          </a:xfrm>
-          <a:prstGeom prst="rect">
-            <a:avLst/>
-          </a:prstGeom>
-          <a:solidFill>
-            <a:schemeClr val="bg1"/>
-          </a:solidFill>
-        </p:spPr>
-        <p:style>
-          <a:lnRef idx="2">
-            <a:schemeClr val="accent1">
-              <a:shade val="50000"/>
-            </a:schemeClr>
-          </a:lnRef>
-          <a:fillRef idx="1">
-            <a:schemeClr val="accent1"/>
-          </a:fillRef>
-          <a:effectRef idx="0">
-            <a:schemeClr val="accent1"/>
-          </a:effectRef>
-          <a:fontRef idx="minor">
-            <a:schemeClr val="lt1"/>
-          </a:fontRef>
-        </p:style>
-        <p:txBody>
-          <a:bodyPr rtlCol="0" anchor="ctr"/>
-          <a:lstStyle/>
-          <a:p>
-            <a:pPr algn="ctr"/>
-            <a:endParaRPr lang="en-US" dirty="0"/>
-          </a:p>
-        </p:txBody>
-      </p:sp>
-      <p:sp>
-        <p:nvSpPr>
-          <p:cNvPr id="67" name="TextBox 66">
-            <a:extLst>
-              <a:ext uri="{FF2B5EF4-FFF2-40B4-BE49-F238E27FC236}">
-                <a16:creationId xmlns:a16="http://schemas.microsoft.com/office/drawing/2014/main" id="{03F7A44C-FE05-45D3-B21A-5FFB373FADEC}"/>
-              </a:ext>
-            </a:extLst>
-          </p:cNvPr>
-          <p:cNvSpPr txBox="1"/>
-          <p:nvPr/>
-        </p:nvSpPr>
-        <p:spPr>
-          <a:xfrm>
-            <a:off x="4096784" y="4007707"/>
-            <a:ext cx="1073790" cy="369332"/>
-          </a:xfrm>
-          <a:prstGeom prst="rect">
-            <a:avLst/>
-          </a:prstGeom>
-          <a:noFill/>
-        </p:spPr>
-        <p:txBody>
-          <a:bodyPr wrap="square" rtlCol="0">
-            <a:spAutoFit/>
-          </a:bodyPr>
-          <a:lstStyle/>
-          <a:p>
-            <a:r>
-              <a:rPr lang="en-US" dirty="0"/>
-              <a:t>carry = 1</a:t>
-            </a:r>
-          </a:p>
-        </p:txBody>
-      </p:sp>
-      <p:sp>
-        <p:nvSpPr>
-          <p:cNvPr id="68" name="TextBox 67">
-            <a:extLst>
-              <a:ext uri="{FF2B5EF4-FFF2-40B4-BE49-F238E27FC236}">
-                <a16:creationId xmlns:a16="http://schemas.microsoft.com/office/drawing/2014/main" id="{3EC09A72-7F6B-4B2D-BDDA-12A22BCAC1D8}"/>
-              </a:ext>
-            </a:extLst>
-          </p:cNvPr>
-          <p:cNvSpPr txBox="1"/>
-          <p:nvPr/>
-        </p:nvSpPr>
-        <p:spPr>
-          <a:xfrm>
-            <a:off x="4080004" y="4231048"/>
-            <a:ext cx="1820411" cy="369332"/>
-          </a:xfrm>
-          <a:prstGeom prst="rect">
-            <a:avLst/>
-          </a:prstGeom>
-          <a:noFill/>
-        </p:spPr>
-        <p:txBody>
-          <a:bodyPr wrap="square" rtlCol="0">
-            <a:spAutoFit/>
-          </a:bodyPr>
-          <a:lstStyle/>
-          <a:p>
-            <a:r>
-              <a:rPr lang="en-US" dirty="0"/>
-              <a:t>value = 1+3+6</a:t>
-            </a:r>
-          </a:p>
-        </p:txBody>
-      </p:sp>
-      <p:sp>
-        <p:nvSpPr>
-          <p:cNvPr id="69" name="TextBox 68">
-            <a:extLst>
-              <a:ext uri="{FF2B5EF4-FFF2-40B4-BE49-F238E27FC236}">
-                <a16:creationId xmlns:a16="http://schemas.microsoft.com/office/drawing/2014/main" id="{90502E44-0F5F-458D-A36F-0326A138ADAF}"/>
-              </a:ext>
-            </a:extLst>
-          </p:cNvPr>
-          <p:cNvSpPr txBox="1"/>
-          <p:nvPr/>
-        </p:nvSpPr>
-        <p:spPr>
-          <a:xfrm>
-            <a:off x="4096784" y="4734254"/>
-            <a:ext cx="1073790" cy="369332"/>
-          </a:xfrm>
-          <a:prstGeom prst="rect">
-            <a:avLst/>
-          </a:prstGeom>
-          <a:noFill/>
-        </p:spPr>
-        <p:txBody>
-          <a:bodyPr wrap="square" rtlCol="0">
-            <a:spAutoFit/>
-          </a:bodyPr>
-          <a:lstStyle/>
-          <a:p>
-            <a:r>
-              <a:rPr lang="en-US" dirty="0"/>
-              <a:t>more = </a:t>
-            </a:r>
-          </a:p>
-        </p:txBody>
-      </p:sp>
-      <p:sp>
-        <p:nvSpPr>
-          <p:cNvPr id="70" name="TextBox 69">
-            <a:extLst>
-              <a:ext uri="{FF2B5EF4-FFF2-40B4-BE49-F238E27FC236}">
-                <a16:creationId xmlns:a16="http://schemas.microsoft.com/office/drawing/2014/main" id="{7599CF48-9B59-4EC0-A798-333D092E1760}"/>
-              </a:ext>
-            </a:extLst>
-          </p:cNvPr>
-          <p:cNvSpPr txBox="1"/>
-          <p:nvPr/>
-        </p:nvSpPr>
-        <p:spPr>
-          <a:xfrm>
-            <a:off x="4080004" y="4492673"/>
-            <a:ext cx="1073790" cy="369332"/>
-          </a:xfrm>
-          <a:prstGeom prst="rect">
-            <a:avLst/>
-          </a:prstGeom>
-          <a:noFill/>
-        </p:spPr>
-        <p:txBody>
-          <a:bodyPr wrap="square" rtlCol="0">
-            <a:spAutoFit/>
-          </a:bodyPr>
-          <a:lstStyle/>
-          <a:p>
-            <a:r>
-              <a:rPr lang="en-US" dirty="0"/>
-              <a:t>result = </a:t>
-            </a:r>
-          </a:p>
-        </p:txBody>
-      </p:sp>
-      <p:sp>
-        <p:nvSpPr>
-          <p:cNvPr id="71" name="TextBox 70">
-            <a:extLst>
-              <a:ext uri="{FF2B5EF4-FFF2-40B4-BE49-F238E27FC236}">
-                <a16:creationId xmlns:a16="http://schemas.microsoft.com/office/drawing/2014/main" id="{78730E64-BC9D-4AFD-92A1-B0EA2FC82CE0}"/>
-              </a:ext>
-            </a:extLst>
-          </p:cNvPr>
-          <p:cNvSpPr txBox="1"/>
-          <p:nvPr/>
-        </p:nvSpPr>
-        <p:spPr>
-          <a:xfrm>
-            <a:off x="5007896" y="4482301"/>
-            <a:ext cx="360726" cy="369332"/>
-          </a:xfrm>
-          <a:prstGeom prst="rect">
-            <a:avLst/>
-          </a:prstGeom>
-          <a:noFill/>
-        </p:spPr>
-        <p:txBody>
-          <a:bodyPr wrap="square" rtlCol="0">
-            <a:spAutoFit/>
-          </a:bodyPr>
-          <a:lstStyle/>
-          <a:p>
-            <a:r>
-              <a:rPr lang="en-US" dirty="0"/>
-              <a:t>0</a:t>
-            </a:r>
-          </a:p>
-        </p:txBody>
-      </p:sp>
-      <p:cxnSp>
-        <p:nvCxnSpPr>
-          <p:cNvPr id="72" name="Straight Arrow Connector 71">
-            <a:extLst>
-              <a:ext uri="{FF2B5EF4-FFF2-40B4-BE49-F238E27FC236}">
-                <a16:creationId xmlns:a16="http://schemas.microsoft.com/office/drawing/2014/main" id="{C59AE4BD-329D-498E-8E89-05DFF051F54A}"/>
-              </a:ext>
-            </a:extLst>
-          </p:cNvPr>
-          <p:cNvCxnSpPr/>
-          <p:nvPr/>
-        </p:nvCxnSpPr>
-        <p:spPr>
-          <a:xfrm>
-            <a:off x="5183159" y="4980690"/>
-            <a:ext cx="587230" cy="359396"/>
-          </a:xfrm>
-          <a:prstGeom prst="straightConnector1">
-            <a:avLst/>
-          </a:prstGeom>
-          <a:ln>
-            <a:tailEnd type="triangle"/>
-          </a:ln>
-        </p:spPr>
-        <p:style>
-          <a:lnRef idx="1">
-            <a:schemeClr val="accent1"/>
-          </a:lnRef>
-          <a:fillRef idx="0">
-            <a:schemeClr val="accent1"/>
-          </a:fillRef>
-          <a:effectRef idx="0">
-            <a:schemeClr val="accent1"/>
-          </a:effectRef>
-          <a:fontRef idx="minor">
-            <a:schemeClr val="tx1"/>
-          </a:fontRef>
-        </p:style>
-      </p:cxnSp>
-      <p:sp>
-        <p:nvSpPr>
-          <p:cNvPr id="73" name="TextBox 72">
-            <a:extLst>
-              <a:ext uri="{FF2B5EF4-FFF2-40B4-BE49-F238E27FC236}">
-                <a16:creationId xmlns:a16="http://schemas.microsoft.com/office/drawing/2014/main" id="{B7E15487-F738-4215-B859-7323B2EC0893}"/>
-              </a:ext>
-            </a:extLst>
-          </p:cNvPr>
-          <p:cNvSpPr txBox="1"/>
-          <p:nvPr/>
-        </p:nvSpPr>
-        <p:spPr>
-          <a:xfrm>
-            <a:off x="5900415" y="4870509"/>
-            <a:ext cx="1073790" cy="369332"/>
-          </a:xfrm>
-          <a:prstGeom prst="rect">
-            <a:avLst/>
-          </a:prstGeom>
-          <a:noFill/>
-        </p:spPr>
-        <p:txBody>
-          <a:bodyPr wrap="square" rtlCol="0">
-            <a:spAutoFit/>
-          </a:bodyPr>
-          <a:lstStyle/>
-          <a:p>
-            <a:r>
-              <a:rPr lang="en-US" dirty="0"/>
-              <a:t>carry = 1</a:t>
-            </a:r>
-          </a:p>
-        </p:txBody>
-      </p:sp>
-      <p:sp>
-        <p:nvSpPr>
-          <p:cNvPr id="75" name="TextBox 74">
-            <a:extLst>
-              <a:ext uri="{FF2B5EF4-FFF2-40B4-BE49-F238E27FC236}">
-                <a16:creationId xmlns:a16="http://schemas.microsoft.com/office/drawing/2014/main" id="{12E62825-BF33-4627-99D0-3F916B879075}"/>
-              </a:ext>
-            </a:extLst>
-          </p:cNvPr>
-          <p:cNvSpPr txBox="1"/>
-          <p:nvPr/>
-        </p:nvSpPr>
-        <p:spPr>
-          <a:xfrm>
-            <a:off x="5933392" y="5298098"/>
-            <a:ext cx="1073790" cy="369332"/>
-          </a:xfrm>
-          <a:prstGeom prst="rect">
-            <a:avLst/>
-          </a:prstGeom>
-          <a:noFill/>
-        </p:spPr>
-        <p:txBody>
-          <a:bodyPr wrap="square" rtlCol="0">
-            <a:spAutoFit/>
-          </a:bodyPr>
-          <a:lstStyle/>
-          <a:p>
-            <a:r>
-              <a:rPr lang="en-US" dirty="0"/>
-              <a:t>result = </a:t>
-            </a:r>
-          </a:p>
-        </p:txBody>
-      </p:sp>
-      <p:sp>
-        <p:nvSpPr>
-          <p:cNvPr id="77" name="Rectangle 76">
-            <a:extLst>
-              <a:ext uri="{FF2B5EF4-FFF2-40B4-BE49-F238E27FC236}">
-                <a16:creationId xmlns:a16="http://schemas.microsoft.com/office/drawing/2014/main" id="{8D9577C5-B262-4B8A-B1D7-484BB26EC2BE}"/>
-              </a:ext>
-            </a:extLst>
-          </p:cNvPr>
-          <p:cNvSpPr/>
-          <p:nvPr/>
-        </p:nvSpPr>
-        <p:spPr>
-          <a:xfrm>
-            <a:off x="6807614" y="5346975"/>
-            <a:ext cx="486560" cy="251887"/>
-          </a:xfrm>
-          <a:prstGeom prst="rect">
-            <a:avLst/>
-          </a:prstGeom>
-          <a:solidFill>
-            <a:schemeClr val="bg1"/>
-          </a:solidFill>
-        </p:spPr>
-        <p:style>
-          <a:lnRef idx="2">
-            <a:schemeClr val="accent1">
-              <a:shade val="50000"/>
-            </a:schemeClr>
-          </a:lnRef>
-          <a:fillRef idx="1">
-            <a:schemeClr val="accent1"/>
-          </a:fillRef>
-          <a:effectRef idx="0">
-            <a:schemeClr val="accent1"/>
-          </a:effectRef>
-          <a:fontRef idx="minor">
-            <a:schemeClr val="lt1"/>
-          </a:fontRef>
-        </p:style>
-        <p:txBody>
-          <a:bodyPr rtlCol="0" anchor="ctr"/>
-          <a:lstStyle/>
-          <a:p>
-            <a:pPr algn="ctr"/>
-            <a:endParaRPr lang="en-US" dirty="0"/>
-          </a:p>
-        </p:txBody>
-      </p:sp>
-      <p:sp>
-        <p:nvSpPr>
-          <p:cNvPr id="76" name="TextBox 75">
-            <a:extLst>
-              <a:ext uri="{FF2B5EF4-FFF2-40B4-BE49-F238E27FC236}">
-                <a16:creationId xmlns:a16="http://schemas.microsoft.com/office/drawing/2014/main" id="{1A9E093A-37D4-41ED-9773-3A6C71BBEF26}"/>
-              </a:ext>
-            </a:extLst>
-          </p:cNvPr>
-          <p:cNvSpPr txBox="1"/>
-          <p:nvPr/>
-        </p:nvSpPr>
-        <p:spPr>
-          <a:xfrm>
-            <a:off x="6885540" y="5298098"/>
-            <a:ext cx="360726" cy="369332"/>
-          </a:xfrm>
-          <a:prstGeom prst="rect">
-            <a:avLst/>
-          </a:prstGeom>
-          <a:noFill/>
-        </p:spPr>
-        <p:txBody>
-          <a:bodyPr wrap="square" rtlCol="0">
-            <a:spAutoFit/>
-          </a:bodyPr>
-          <a:lstStyle/>
-          <a:p>
-            <a:r>
-              <a:rPr lang="en-US" dirty="0"/>
-              <a:t>1</a:t>
-            </a:r>
-          </a:p>
-        </p:txBody>
-      </p:sp>
-      <p:sp>
-        <p:nvSpPr>
-          <p:cNvPr id="78" name="Rectangle 77">
-            <a:extLst>
-              <a:ext uri="{FF2B5EF4-FFF2-40B4-BE49-F238E27FC236}">
-                <a16:creationId xmlns:a16="http://schemas.microsoft.com/office/drawing/2014/main" id="{09B64BDF-F168-4C58-A5D2-8592D911D263}"/>
-              </a:ext>
-            </a:extLst>
-          </p:cNvPr>
-          <p:cNvSpPr/>
-          <p:nvPr/>
-        </p:nvSpPr>
-        <p:spPr>
-          <a:xfrm>
-            <a:off x="5949612" y="5517048"/>
-            <a:ext cx="851708" cy="369332"/>
-          </a:xfrm>
-          <a:prstGeom prst="rect">
-            <a:avLst/>
-          </a:prstGeom>
-        </p:spPr>
-        <p:txBody>
-          <a:bodyPr wrap="none">
-            <a:spAutoFit/>
-          </a:bodyPr>
-          <a:lstStyle/>
-          <a:p>
-            <a:r>
-              <a:rPr lang="en-US" dirty="0"/>
-              <a:t>more =</a:t>
-            </a:r>
-          </a:p>
-        </p:txBody>
-      </p:sp>
-      <p:sp>
-        <p:nvSpPr>
-          <p:cNvPr id="79" name="TextBox 78">
-            <a:extLst>
-              <a:ext uri="{FF2B5EF4-FFF2-40B4-BE49-F238E27FC236}">
-                <a16:creationId xmlns:a16="http://schemas.microsoft.com/office/drawing/2014/main" id="{2D119663-2402-4559-B26C-C9DBEC164E50}"/>
-              </a:ext>
-            </a:extLst>
-          </p:cNvPr>
-          <p:cNvSpPr txBox="1"/>
-          <p:nvPr/>
-        </p:nvSpPr>
-        <p:spPr>
-          <a:xfrm>
-            <a:off x="5900415" y="5103586"/>
-            <a:ext cx="1073790" cy="369332"/>
-          </a:xfrm>
-          <a:prstGeom prst="rect">
-            <a:avLst/>
-          </a:prstGeom>
-          <a:noFill/>
-        </p:spPr>
-        <p:txBody>
-          <a:bodyPr wrap="square" rtlCol="0">
-            <a:spAutoFit/>
-          </a:bodyPr>
-          <a:lstStyle/>
-          <a:p>
-            <a:r>
-              <a:rPr lang="en-US" dirty="0"/>
-              <a:t>value = 1</a:t>
-            </a:r>
-          </a:p>
-        </p:txBody>
-      </p:sp>
-      <p:cxnSp>
-        <p:nvCxnSpPr>
-          <p:cNvPr id="80" name="Straight Arrow Connector 79">
-            <a:extLst>
-              <a:ext uri="{FF2B5EF4-FFF2-40B4-BE49-F238E27FC236}">
-                <a16:creationId xmlns:a16="http://schemas.microsoft.com/office/drawing/2014/main" id="{D379949F-13AF-4718-A158-950E7FDB1371}"/>
-              </a:ext>
-            </a:extLst>
-          </p:cNvPr>
-          <p:cNvCxnSpPr/>
-          <p:nvPr/>
-        </p:nvCxnSpPr>
-        <p:spPr>
-          <a:xfrm>
-            <a:off x="6817540" y="5725687"/>
-            <a:ext cx="587230" cy="359396"/>
-          </a:xfrm>
-          <a:prstGeom prst="straightConnector1">
-            <a:avLst/>
-          </a:prstGeom>
-          <a:ln>
-            <a:tailEnd type="triangle"/>
-          </a:ln>
-        </p:spPr>
-        <p:style>
-          <a:lnRef idx="1">
-            <a:schemeClr val="accent1"/>
-          </a:lnRef>
-          <a:fillRef idx="0">
-            <a:schemeClr val="accent1"/>
-          </a:fillRef>
-          <a:effectRef idx="0">
-            <a:schemeClr val="accent1"/>
-          </a:effectRef>
-          <a:fontRef idx="minor">
-            <a:schemeClr val="tx1"/>
-          </a:fontRef>
-        </p:style>
-      </p:cxnSp>
-      <p:cxnSp>
-        <p:nvCxnSpPr>
-          <p:cNvPr id="81" name="Straight Arrow Connector 80">
-            <a:extLst>
-              <a:ext uri="{FF2B5EF4-FFF2-40B4-BE49-F238E27FC236}">
-                <a16:creationId xmlns:a16="http://schemas.microsoft.com/office/drawing/2014/main" id="{4F941847-3F63-44FE-855D-2D73A06C05AB}"/>
-              </a:ext>
-            </a:extLst>
-          </p:cNvPr>
-          <p:cNvCxnSpPr>
-            <a:cxnSpLocks/>
-          </p:cNvCxnSpPr>
-          <p:nvPr/>
-        </p:nvCxnSpPr>
-        <p:spPr>
-          <a:xfrm flipH="1" flipV="1">
-            <a:off x="7525786" y="5667143"/>
-            <a:ext cx="642313" cy="438473"/>
-          </a:xfrm>
-          <a:prstGeom prst="straightConnector1">
-            <a:avLst/>
-          </a:prstGeom>
-          <a:ln>
-            <a:solidFill>
-              <a:srgbClr val="FF0000"/>
-            </a:solidFill>
-            <a:tailEnd type="triangle"/>
-          </a:ln>
-        </p:spPr>
-        <p:style>
-          <a:lnRef idx="1">
-            <a:schemeClr val="accent1"/>
-          </a:lnRef>
-          <a:fillRef idx="0">
-            <a:schemeClr val="accent1"/>
-          </a:fillRef>
-          <a:effectRef idx="0">
-            <a:schemeClr val="accent1"/>
-          </a:effectRef>
-          <a:fontRef idx="minor">
-            <a:schemeClr val="tx1"/>
-          </a:fontRef>
-        </p:style>
-      </p:cxnSp>
-      <p:sp>
-        <p:nvSpPr>
-          <p:cNvPr id="84" name="Rectangle 83">
-            <a:extLst>
-              <a:ext uri="{FF2B5EF4-FFF2-40B4-BE49-F238E27FC236}">
-                <a16:creationId xmlns:a16="http://schemas.microsoft.com/office/drawing/2014/main" id="{8DDA9CBB-BA79-483C-B7CB-8A3A5CDD9039}"/>
-              </a:ext>
-            </a:extLst>
-          </p:cNvPr>
-          <p:cNvSpPr/>
-          <p:nvPr/>
-        </p:nvSpPr>
-        <p:spPr>
-          <a:xfrm>
-            <a:off x="8040857" y="6085083"/>
-            <a:ext cx="534121" cy="369332"/>
-          </a:xfrm>
-          <a:prstGeom prst="rect">
-            <a:avLst/>
-          </a:prstGeom>
-        </p:spPr>
-        <p:txBody>
-          <a:bodyPr wrap="none">
-            <a:spAutoFit/>
-          </a:bodyPr>
-          <a:lstStyle/>
-          <a:p>
-            <a:r>
-              <a:rPr lang="en-US" dirty="0">
-                <a:solidFill>
-                  <a:srgbClr val="FF0000"/>
-                </a:solidFill>
-              </a:rPr>
-              <a:t>null</a:t>
-            </a:r>
-          </a:p>
-        </p:txBody>
-      </p:sp>
-      <p:cxnSp>
-        <p:nvCxnSpPr>
-          <p:cNvPr id="85" name="Straight Arrow Connector 84">
-            <a:extLst>
-              <a:ext uri="{FF2B5EF4-FFF2-40B4-BE49-F238E27FC236}">
-                <a16:creationId xmlns:a16="http://schemas.microsoft.com/office/drawing/2014/main" id="{9145C044-5E4B-4673-91A5-ED08A3A5B06F}"/>
-              </a:ext>
-            </a:extLst>
-          </p:cNvPr>
-          <p:cNvCxnSpPr/>
-          <p:nvPr/>
-        </p:nvCxnSpPr>
-        <p:spPr>
-          <a:xfrm flipV="1">
-            <a:off x="7573438" y="5471877"/>
-            <a:ext cx="385892" cy="1"/>
-          </a:xfrm>
-          <a:prstGeom prst="straightConnector1">
-            <a:avLst/>
-          </a:prstGeom>
-          <a:ln w="38100">
-            <a:solidFill>
-              <a:srgbClr val="FF0000"/>
-            </a:solidFill>
-            <a:tailEnd type="triangle"/>
-          </a:ln>
-        </p:spPr>
-        <p:style>
-          <a:lnRef idx="1">
-            <a:schemeClr val="accent1"/>
-          </a:lnRef>
-          <a:fillRef idx="0">
-            <a:schemeClr val="accent1"/>
-          </a:fillRef>
-          <a:effectRef idx="0">
-            <a:schemeClr val="accent1"/>
-          </a:effectRef>
-          <a:fontRef idx="minor">
-            <a:schemeClr val="tx1"/>
-          </a:fontRef>
-        </p:style>
-      </p:cxnSp>
-      <p:sp>
-        <p:nvSpPr>
-          <p:cNvPr id="86" name="Rectangle 85">
-            <a:extLst>
-              <a:ext uri="{FF2B5EF4-FFF2-40B4-BE49-F238E27FC236}">
-                <a16:creationId xmlns:a16="http://schemas.microsoft.com/office/drawing/2014/main" id="{020DFCFD-89B4-45FA-BDD7-C16ECE174E4B}"/>
-              </a:ext>
-            </a:extLst>
-          </p:cNvPr>
-          <p:cNvSpPr/>
-          <p:nvPr/>
-        </p:nvSpPr>
-        <p:spPr>
-          <a:xfrm>
-            <a:off x="7959330" y="5298098"/>
-            <a:ext cx="534121" cy="369332"/>
-          </a:xfrm>
-          <a:prstGeom prst="rect">
-            <a:avLst/>
-          </a:prstGeom>
-        </p:spPr>
-        <p:txBody>
-          <a:bodyPr wrap="none">
-            <a:spAutoFit/>
-          </a:bodyPr>
-          <a:lstStyle/>
-          <a:p>
-            <a:r>
-              <a:rPr lang="en-US" dirty="0"/>
-              <a:t>null</a:t>
-            </a:r>
-          </a:p>
-        </p:txBody>
-      </p:sp>
-      <p:cxnSp>
-        <p:nvCxnSpPr>
-          <p:cNvPr id="87" name="Straight Arrow Connector 86">
-            <a:extLst>
-              <a:ext uri="{FF2B5EF4-FFF2-40B4-BE49-F238E27FC236}">
-                <a16:creationId xmlns:a16="http://schemas.microsoft.com/office/drawing/2014/main" id="{C88DD4D9-CF8A-422E-97D1-FC7A9115DCC7}"/>
-              </a:ext>
-            </a:extLst>
-          </p:cNvPr>
-          <p:cNvCxnSpPr>
-            <a:cxnSpLocks/>
-            <a:stCxn id="79" idx="1"/>
-          </p:cNvCxnSpPr>
-          <p:nvPr/>
-        </p:nvCxnSpPr>
-        <p:spPr>
-          <a:xfrm flipH="1" flipV="1">
-            <a:off x="5362489" y="4908504"/>
-            <a:ext cx="537926" cy="379748"/>
-          </a:xfrm>
-          <a:prstGeom prst="straightConnector1">
-            <a:avLst/>
-          </a:prstGeom>
-          <a:ln>
-            <a:solidFill>
-              <a:srgbClr val="FF0000"/>
-            </a:solidFill>
-            <a:tailEnd type="triangle"/>
-          </a:ln>
-        </p:spPr>
-        <p:style>
-          <a:lnRef idx="1">
-            <a:schemeClr val="accent1"/>
-          </a:lnRef>
-          <a:fillRef idx="0">
-            <a:schemeClr val="accent1"/>
-          </a:fillRef>
-          <a:effectRef idx="0">
-            <a:schemeClr val="accent1"/>
-          </a:effectRef>
-          <a:fontRef idx="minor">
-            <a:schemeClr val="tx1"/>
-          </a:fontRef>
-        </p:style>
-      </p:cxnSp>
-      <p:sp>
-        <p:nvSpPr>
-          <p:cNvPr id="90" name="Rectangle 89">
-            <a:extLst>
-              <a:ext uri="{FF2B5EF4-FFF2-40B4-BE49-F238E27FC236}">
-                <a16:creationId xmlns:a16="http://schemas.microsoft.com/office/drawing/2014/main" id="{E731DB20-9113-417D-8F25-9BAF4546DDED}"/>
-              </a:ext>
-            </a:extLst>
-          </p:cNvPr>
-          <p:cNvSpPr/>
-          <p:nvPr/>
-        </p:nvSpPr>
-        <p:spPr>
-          <a:xfrm>
-            <a:off x="5476256" y="4722035"/>
-            <a:ext cx="718658" cy="369332"/>
-          </a:xfrm>
-          <a:prstGeom prst="rect">
-            <a:avLst/>
-          </a:prstGeom>
-        </p:spPr>
-        <p:txBody>
-          <a:bodyPr wrap="none">
-            <a:spAutoFit/>
-          </a:bodyPr>
-          <a:lstStyle/>
-          <a:p>
-            <a:r>
-              <a:rPr lang="en-US" dirty="0">
-                <a:solidFill>
-                  <a:srgbClr val="FF0000"/>
-                </a:solidFill>
-              </a:rPr>
-              <a:t>result</a:t>
-            </a:r>
-          </a:p>
-        </p:txBody>
-      </p:sp>
-      <p:cxnSp>
-        <p:nvCxnSpPr>
-          <p:cNvPr id="91" name="Straight Arrow Connector 90">
-            <a:extLst>
-              <a:ext uri="{FF2B5EF4-FFF2-40B4-BE49-F238E27FC236}">
-                <a16:creationId xmlns:a16="http://schemas.microsoft.com/office/drawing/2014/main" id="{531F533F-7C00-454F-941C-4D652484B12D}"/>
-              </a:ext>
-            </a:extLst>
-          </p:cNvPr>
-          <p:cNvCxnSpPr/>
-          <p:nvPr/>
-        </p:nvCxnSpPr>
-        <p:spPr>
-          <a:xfrm flipV="1">
-            <a:off x="5710108" y="4664501"/>
-            <a:ext cx="385892" cy="1"/>
-          </a:xfrm>
-          <a:prstGeom prst="straightConnector1">
-            <a:avLst/>
-          </a:prstGeom>
-          <a:ln w="38100">
-            <a:solidFill>
-              <a:srgbClr val="FF0000"/>
-            </a:solidFill>
-            <a:tailEnd type="triangle"/>
-          </a:ln>
-        </p:spPr>
-        <p:style>
-          <a:lnRef idx="1">
-            <a:schemeClr val="accent1"/>
-          </a:lnRef>
-          <a:fillRef idx="0">
-            <a:schemeClr val="accent1"/>
-          </a:fillRef>
-          <a:effectRef idx="0">
-            <a:schemeClr val="accent1"/>
-          </a:effectRef>
-          <a:fontRef idx="minor">
-            <a:schemeClr val="tx1"/>
-          </a:fontRef>
-        </p:style>
-      </p:cxnSp>
-      <p:sp>
-        <p:nvSpPr>
-          <p:cNvPr id="92" name="Rectangle 91">
-            <a:extLst>
-              <a:ext uri="{FF2B5EF4-FFF2-40B4-BE49-F238E27FC236}">
-                <a16:creationId xmlns:a16="http://schemas.microsoft.com/office/drawing/2014/main" id="{EFFADAB9-A2B1-45FA-9C1A-EEFC67CD555F}"/>
-              </a:ext>
-            </a:extLst>
-          </p:cNvPr>
-          <p:cNvSpPr/>
-          <p:nvPr/>
-        </p:nvSpPr>
-        <p:spPr>
-          <a:xfrm>
-            <a:off x="6093691" y="4515770"/>
-            <a:ext cx="830510" cy="251886"/>
-          </a:xfrm>
-          <a:prstGeom prst="rect">
-            <a:avLst/>
-          </a:prstGeom>
-        </p:spPr>
-        <p:style>
-          <a:lnRef idx="2">
-            <a:schemeClr val="accent1">
-              <a:shade val="50000"/>
-            </a:schemeClr>
-          </a:lnRef>
-          <a:fillRef idx="1">
-            <a:schemeClr val="accent1"/>
-          </a:fillRef>
-          <a:effectRef idx="0">
-            <a:schemeClr val="accent1"/>
-          </a:effectRef>
-          <a:fontRef idx="minor">
-            <a:schemeClr val="lt1"/>
-          </a:fontRef>
-        </p:style>
-        <p:txBody>
-          <a:bodyPr rtlCol="0" anchor="ctr"/>
-          <a:lstStyle/>
-          <a:p>
-            <a:pPr algn="ctr"/>
-            <a:endParaRPr lang="en-US"/>
-          </a:p>
-        </p:txBody>
-      </p:sp>
-      <p:sp>
-        <p:nvSpPr>
-          <p:cNvPr id="93" name="Rectangle 92">
-            <a:extLst>
-              <a:ext uri="{FF2B5EF4-FFF2-40B4-BE49-F238E27FC236}">
-                <a16:creationId xmlns:a16="http://schemas.microsoft.com/office/drawing/2014/main" id="{45C027E4-9F71-4C87-B8DD-B3073FE2BA47}"/>
-              </a:ext>
-            </a:extLst>
-          </p:cNvPr>
-          <p:cNvSpPr/>
-          <p:nvPr/>
-        </p:nvSpPr>
-        <p:spPr>
-          <a:xfrm>
-            <a:off x="6094550" y="4515770"/>
-            <a:ext cx="486560" cy="251887"/>
-          </a:xfrm>
-          <a:prstGeom prst="rect">
-            <a:avLst/>
-          </a:prstGeom>
-          <a:solidFill>
-            <a:schemeClr val="bg1"/>
-          </a:solidFill>
-        </p:spPr>
-        <p:style>
-          <a:lnRef idx="2">
-            <a:schemeClr val="accent1">
-              <a:shade val="50000"/>
-            </a:schemeClr>
-          </a:lnRef>
-          <a:fillRef idx="1">
-            <a:schemeClr val="accent1"/>
-          </a:fillRef>
-          <a:effectRef idx="0">
-            <a:schemeClr val="accent1"/>
-          </a:effectRef>
-          <a:fontRef idx="minor">
-            <a:schemeClr val="lt1"/>
-          </a:fontRef>
-        </p:style>
-        <p:txBody>
-          <a:bodyPr rtlCol="0" anchor="ctr"/>
-          <a:lstStyle/>
-          <a:p>
-            <a:pPr algn="ctr"/>
-            <a:endParaRPr lang="en-US" dirty="0"/>
-          </a:p>
-        </p:txBody>
-      </p:sp>
-      <p:cxnSp>
-        <p:nvCxnSpPr>
-          <p:cNvPr id="94" name="Straight Arrow Connector 93">
-            <a:extLst>
-              <a:ext uri="{FF2B5EF4-FFF2-40B4-BE49-F238E27FC236}">
-                <a16:creationId xmlns:a16="http://schemas.microsoft.com/office/drawing/2014/main" id="{39B86602-F090-4A64-BED2-BDE70477DFA7}"/>
-              </a:ext>
-            </a:extLst>
-          </p:cNvPr>
-          <p:cNvCxnSpPr/>
-          <p:nvPr/>
-        </p:nvCxnSpPr>
-        <p:spPr>
-          <a:xfrm flipV="1">
-            <a:off x="6860374" y="4640672"/>
-            <a:ext cx="385892" cy="1"/>
-          </a:xfrm>
-          <a:prstGeom prst="straightConnector1">
-            <a:avLst/>
-          </a:prstGeom>
-          <a:ln w="38100">
-            <a:solidFill>
-              <a:srgbClr val="FF0000"/>
-            </a:solidFill>
-            <a:tailEnd type="triangle"/>
-          </a:ln>
-        </p:spPr>
-        <p:style>
-          <a:lnRef idx="1">
-            <a:schemeClr val="accent1"/>
-          </a:lnRef>
-          <a:fillRef idx="0">
-            <a:schemeClr val="accent1"/>
-          </a:fillRef>
-          <a:effectRef idx="0">
-            <a:schemeClr val="accent1"/>
-          </a:effectRef>
-          <a:fontRef idx="minor">
-            <a:schemeClr val="tx1"/>
-          </a:fontRef>
-        </p:style>
-      </p:cxnSp>
-      <p:sp>
-        <p:nvSpPr>
-          <p:cNvPr id="95" name="Rectangle 94">
-            <a:extLst>
-              <a:ext uri="{FF2B5EF4-FFF2-40B4-BE49-F238E27FC236}">
-                <a16:creationId xmlns:a16="http://schemas.microsoft.com/office/drawing/2014/main" id="{64743BDC-3ED2-47AB-91C6-1088B59835EB}"/>
-              </a:ext>
-            </a:extLst>
-          </p:cNvPr>
-          <p:cNvSpPr/>
-          <p:nvPr/>
-        </p:nvSpPr>
-        <p:spPr>
-          <a:xfrm>
-            <a:off x="7246266" y="4466893"/>
-            <a:ext cx="534121" cy="369332"/>
-          </a:xfrm>
-          <a:prstGeom prst="rect">
-            <a:avLst/>
-          </a:prstGeom>
-        </p:spPr>
-        <p:txBody>
-          <a:bodyPr wrap="none">
-            <a:spAutoFit/>
-          </a:bodyPr>
-          <a:lstStyle/>
-          <a:p>
-            <a:r>
-              <a:rPr lang="en-US" dirty="0"/>
-              <a:t>null</a:t>
-            </a:r>
-          </a:p>
-        </p:txBody>
-      </p:sp>
-      <p:sp>
-        <p:nvSpPr>
-          <p:cNvPr id="96" name="TextBox 95">
-            <a:extLst>
-              <a:ext uri="{FF2B5EF4-FFF2-40B4-BE49-F238E27FC236}">
-                <a16:creationId xmlns:a16="http://schemas.microsoft.com/office/drawing/2014/main" id="{55A89BF4-07A5-44A9-88D0-C91F47A4846E}"/>
-              </a:ext>
-            </a:extLst>
-          </p:cNvPr>
-          <p:cNvSpPr txBox="1"/>
-          <p:nvPr/>
-        </p:nvSpPr>
-        <p:spPr>
-          <a:xfrm>
-            <a:off x="6199055" y="4466893"/>
-            <a:ext cx="360726" cy="369332"/>
-          </a:xfrm>
-          <a:prstGeom prst="rect">
-            <a:avLst/>
-          </a:prstGeom>
-          <a:noFill/>
-        </p:spPr>
-        <p:txBody>
-          <a:bodyPr wrap="square" rtlCol="0">
-            <a:spAutoFit/>
-          </a:bodyPr>
-          <a:lstStyle/>
-          <a:p>
-            <a:r>
-              <a:rPr lang="en-US" dirty="0"/>
-              <a:t>1</a:t>
-            </a:r>
-          </a:p>
-        </p:txBody>
-      </p:sp>
-      <p:cxnSp>
-        <p:nvCxnSpPr>
-          <p:cNvPr id="97" name="Straight Arrow Connector 96">
-            <a:extLst>
-              <a:ext uri="{FF2B5EF4-FFF2-40B4-BE49-F238E27FC236}">
-                <a16:creationId xmlns:a16="http://schemas.microsoft.com/office/drawing/2014/main" id="{5A2E3FBD-FB92-4D2D-8859-1C73E4D0E8A5}"/>
-              </a:ext>
-            </a:extLst>
-          </p:cNvPr>
-          <p:cNvCxnSpPr>
-            <a:cxnSpLocks/>
-          </p:cNvCxnSpPr>
-          <p:nvPr/>
-        </p:nvCxnSpPr>
-        <p:spPr>
-          <a:xfrm flipH="1" flipV="1">
-            <a:off x="3579804" y="3970136"/>
-            <a:ext cx="537926" cy="379748"/>
-          </a:xfrm>
-          <a:prstGeom prst="straightConnector1">
-            <a:avLst/>
-          </a:prstGeom>
-          <a:ln>
-            <a:solidFill>
-              <a:srgbClr val="FF0000"/>
-            </a:solidFill>
-            <a:tailEnd type="triangle"/>
-          </a:ln>
-        </p:spPr>
-        <p:style>
-          <a:lnRef idx="1">
-            <a:schemeClr val="accent1"/>
-          </a:lnRef>
-          <a:fillRef idx="0">
-            <a:schemeClr val="accent1"/>
-          </a:fillRef>
-          <a:effectRef idx="0">
-            <a:schemeClr val="accent1"/>
-          </a:effectRef>
-          <a:fontRef idx="minor">
-            <a:schemeClr val="tx1"/>
-          </a:fontRef>
-        </p:style>
-      </p:cxnSp>
-      <p:sp>
-        <p:nvSpPr>
-          <p:cNvPr id="98" name="Rectangle 97">
-            <a:extLst>
-              <a:ext uri="{FF2B5EF4-FFF2-40B4-BE49-F238E27FC236}">
-                <a16:creationId xmlns:a16="http://schemas.microsoft.com/office/drawing/2014/main" id="{045727AA-7215-472E-9661-B46CA14733BD}"/>
-              </a:ext>
-            </a:extLst>
-          </p:cNvPr>
-          <p:cNvSpPr/>
-          <p:nvPr/>
-        </p:nvSpPr>
-        <p:spPr>
-          <a:xfrm>
-            <a:off x="3693571" y="3783667"/>
-            <a:ext cx="718658" cy="369332"/>
-          </a:xfrm>
-          <a:prstGeom prst="rect">
-            <a:avLst/>
-          </a:prstGeom>
-        </p:spPr>
-        <p:txBody>
-          <a:bodyPr wrap="none">
-            <a:spAutoFit/>
-          </a:bodyPr>
-          <a:lstStyle/>
-          <a:p>
-            <a:r>
-              <a:rPr lang="en-US" dirty="0">
-                <a:solidFill>
-                  <a:srgbClr val="FF0000"/>
-                </a:solidFill>
-              </a:rPr>
-              <a:t>result</a:t>
-            </a:r>
-          </a:p>
-        </p:txBody>
-      </p:sp>
-      <p:cxnSp>
-        <p:nvCxnSpPr>
-          <p:cNvPr id="99" name="Straight Arrow Connector 98">
-            <a:extLst>
-              <a:ext uri="{FF2B5EF4-FFF2-40B4-BE49-F238E27FC236}">
-                <a16:creationId xmlns:a16="http://schemas.microsoft.com/office/drawing/2014/main" id="{ACAEDC03-50A4-451F-A94F-6AC1FC6A114F}"/>
-              </a:ext>
-            </a:extLst>
-          </p:cNvPr>
-          <p:cNvCxnSpPr>
-            <a:cxnSpLocks/>
-          </p:cNvCxnSpPr>
-          <p:nvPr/>
-        </p:nvCxnSpPr>
-        <p:spPr>
-          <a:xfrm flipH="1" flipV="1">
-            <a:off x="1882535" y="2720030"/>
-            <a:ext cx="537926" cy="379748"/>
-          </a:xfrm>
-          <a:prstGeom prst="straightConnector1">
-            <a:avLst/>
-          </a:prstGeom>
-          <a:ln>
-            <a:solidFill>
-              <a:srgbClr val="FF0000"/>
-            </a:solidFill>
-            <a:tailEnd type="triangle"/>
-          </a:ln>
-        </p:spPr>
-        <p:style>
-          <a:lnRef idx="1">
-            <a:schemeClr val="accent1"/>
-          </a:lnRef>
-          <a:fillRef idx="0">
-            <a:schemeClr val="accent1"/>
-          </a:fillRef>
-          <a:effectRef idx="0">
-            <a:schemeClr val="accent1"/>
-          </a:effectRef>
-          <a:fontRef idx="minor">
-            <a:schemeClr val="tx1"/>
-          </a:fontRef>
-        </p:style>
-      </p:cxnSp>
-      <p:sp>
-        <p:nvSpPr>
-          <p:cNvPr id="100" name="Rectangle 99">
-            <a:extLst>
-              <a:ext uri="{FF2B5EF4-FFF2-40B4-BE49-F238E27FC236}">
-                <a16:creationId xmlns:a16="http://schemas.microsoft.com/office/drawing/2014/main" id="{8822BCC4-77D1-4580-98DB-EA6D326CEFC2}"/>
-              </a:ext>
-            </a:extLst>
-          </p:cNvPr>
-          <p:cNvSpPr/>
-          <p:nvPr/>
-        </p:nvSpPr>
-        <p:spPr>
-          <a:xfrm>
-            <a:off x="1996302" y="2533561"/>
-            <a:ext cx="718658" cy="369332"/>
-          </a:xfrm>
-          <a:prstGeom prst="rect">
-            <a:avLst/>
-          </a:prstGeom>
-        </p:spPr>
-        <p:txBody>
-          <a:bodyPr wrap="none">
-            <a:spAutoFit/>
-          </a:bodyPr>
-          <a:lstStyle/>
-          <a:p>
-            <a:r>
-              <a:rPr lang="en-US" dirty="0">
-                <a:solidFill>
-                  <a:srgbClr val="FF0000"/>
-                </a:solidFill>
-              </a:rPr>
-              <a:t>result</a:t>
-            </a:r>
-          </a:p>
-        </p:txBody>
-      </p:sp>
-      <p:sp>
-        <p:nvSpPr>
-          <p:cNvPr id="101" name="Rectangle 100">
-            <a:extLst>
-              <a:ext uri="{FF2B5EF4-FFF2-40B4-BE49-F238E27FC236}">
-                <a16:creationId xmlns:a16="http://schemas.microsoft.com/office/drawing/2014/main" id="{61D09B61-3139-4545-9990-E48D5F270300}"/>
-              </a:ext>
-            </a:extLst>
-          </p:cNvPr>
-          <p:cNvSpPr/>
-          <p:nvPr/>
-        </p:nvSpPr>
-        <p:spPr>
-          <a:xfrm>
-            <a:off x="4406229" y="3637990"/>
-            <a:ext cx="830510" cy="251886"/>
-          </a:xfrm>
-          <a:prstGeom prst="rect">
-            <a:avLst/>
-          </a:prstGeom>
-        </p:spPr>
-        <p:style>
-          <a:lnRef idx="2">
-            <a:schemeClr val="accent1">
-              <a:shade val="50000"/>
-            </a:schemeClr>
-          </a:lnRef>
-          <a:fillRef idx="1">
-            <a:schemeClr val="accent1"/>
-          </a:fillRef>
-          <a:effectRef idx="0">
-            <a:schemeClr val="accent1"/>
-          </a:effectRef>
-          <a:fontRef idx="minor">
-            <a:schemeClr val="lt1"/>
-          </a:fontRef>
-        </p:style>
-        <p:txBody>
-          <a:bodyPr rtlCol="0" anchor="ctr"/>
-          <a:lstStyle/>
-          <a:p>
-            <a:pPr algn="ctr"/>
-            <a:endParaRPr lang="en-US"/>
-          </a:p>
-        </p:txBody>
-      </p:sp>
-      <p:sp>
-        <p:nvSpPr>
-          <p:cNvPr id="102" name="Rectangle 101">
-            <a:extLst>
-              <a:ext uri="{FF2B5EF4-FFF2-40B4-BE49-F238E27FC236}">
-                <a16:creationId xmlns:a16="http://schemas.microsoft.com/office/drawing/2014/main" id="{A68C8B4A-7447-4D27-A3CB-F7AAAAAC1AA1}"/>
-              </a:ext>
-            </a:extLst>
-          </p:cNvPr>
-          <p:cNvSpPr/>
-          <p:nvPr/>
-        </p:nvSpPr>
-        <p:spPr>
-          <a:xfrm>
-            <a:off x="4392741" y="3637464"/>
-            <a:ext cx="486560" cy="251887"/>
-          </a:xfrm>
-          <a:prstGeom prst="rect">
-            <a:avLst/>
-          </a:prstGeom>
-          <a:solidFill>
-            <a:schemeClr val="bg1"/>
-          </a:solidFill>
-        </p:spPr>
-        <p:style>
-          <a:lnRef idx="2">
-            <a:schemeClr val="accent1">
-              <a:shade val="50000"/>
-            </a:schemeClr>
-          </a:lnRef>
-          <a:fillRef idx="1">
-            <a:schemeClr val="accent1"/>
-          </a:fillRef>
-          <a:effectRef idx="0">
-            <a:schemeClr val="accent1"/>
-          </a:effectRef>
-          <a:fontRef idx="minor">
-            <a:schemeClr val="lt1"/>
-          </a:fontRef>
-        </p:style>
-        <p:txBody>
-          <a:bodyPr rtlCol="0" anchor="ctr"/>
-          <a:lstStyle/>
-          <a:p>
-            <a:pPr algn="ctr"/>
-            <a:endParaRPr lang="en-US" dirty="0"/>
-          </a:p>
-        </p:txBody>
-      </p:sp>
-      <p:cxnSp>
-        <p:nvCxnSpPr>
-          <p:cNvPr id="103" name="Straight Arrow Connector 102">
-            <a:extLst>
-              <a:ext uri="{FF2B5EF4-FFF2-40B4-BE49-F238E27FC236}">
-                <a16:creationId xmlns:a16="http://schemas.microsoft.com/office/drawing/2014/main" id="{62D8DD85-22B8-498A-AE13-E6E40E72599F}"/>
-              </a:ext>
-            </a:extLst>
-          </p:cNvPr>
-          <p:cNvCxnSpPr/>
-          <p:nvPr/>
-        </p:nvCxnSpPr>
-        <p:spPr>
-          <a:xfrm flipV="1">
-            <a:off x="5162970" y="3760941"/>
-            <a:ext cx="385892" cy="1"/>
-          </a:xfrm>
-          <a:prstGeom prst="straightConnector1">
-            <a:avLst/>
-          </a:prstGeom>
-          <a:ln w="38100">
-            <a:solidFill>
-              <a:srgbClr val="FF0000"/>
-            </a:solidFill>
-            <a:tailEnd type="triangle"/>
-          </a:ln>
-        </p:spPr>
-        <p:style>
-          <a:lnRef idx="1">
-            <a:schemeClr val="accent1"/>
-          </a:lnRef>
-          <a:fillRef idx="0">
-            <a:schemeClr val="accent1"/>
-          </a:fillRef>
-          <a:effectRef idx="0">
-            <a:schemeClr val="accent1"/>
-          </a:effectRef>
-          <a:fontRef idx="minor">
-            <a:schemeClr val="tx1"/>
-          </a:fontRef>
-        </p:style>
-      </p:cxnSp>
-      <p:sp>
-        <p:nvSpPr>
-          <p:cNvPr id="104" name="Rectangle 103">
-            <a:extLst>
-              <a:ext uri="{FF2B5EF4-FFF2-40B4-BE49-F238E27FC236}">
-                <a16:creationId xmlns:a16="http://schemas.microsoft.com/office/drawing/2014/main" id="{02801BFB-318B-45E6-822F-D39A566A2B92}"/>
-              </a:ext>
-            </a:extLst>
-          </p:cNvPr>
-          <p:cNvSpPr/>
-          <p:nvPr/>
-        </p:nvSpPr>
-        <p:spPr>
-          <a:xfrm>
-            <a:off x="5546553" y="3612210"/>
-            <a:ext cx="830510" cy="251886"/>
-          </a:xfrm>
-          <a:prstGeom prst="rect">
-            <a:avLst/>
-          </a:prstGeom>
-        </p:spPr>
-        <p:style>
-          <a:lnRef idx="2">
-            <a:schemeClr val="accent1">
-              <a:shade val="50000"/>
-            </a:schemeClr>
-          </a:lnRef>
-          <a:fillRef idx="1">
-            <a:schemeClr val="accent1"/>
-          </a:fillRef>
-          <a:effectRef idx="0">
-            <a:schemeClr val="accent1"/>
-          </a:effectRef>
-          <a:fontRef idx="minor">
-            <a:schemeClr val="lt1"/>
-          </a:fontRef>
-        </p:style>
-        <p:txBody>
-          <a:bodyPr rtlCol="0" anchor="ctr"/>
-          <a:lstStyle/>
-          <a:p>
-            <a:pPr algn="ctr"/>
-            <a:endParaRPr lang="en-US"/>
-          </a:p>
-        </p:txBody>
-      </p:sp>
-      <p:sp>
-        <p:nvSpPr>
-          <p:cNvPr id="105" name="Rectangle 104">
-            <a:extLst>
-              <a:ext uri="{FF2B5EF4-FFF2-40B4-BE49-F238E27FC236}">
-                <a16:creationId xmlns:a16="http://schemas.microsoft.com/office/drawing/2014/main" id="{88AE08C7-90AE-4163-BEAB-EC2006E214AB}"/>
-              </a:ext>
-            </a:extLst>
-          </p:cNvPr>
-          <p:cNvSpPr/>
-          <p:nvPr/>
-        </p:nvSpPr>
-        <p:spPr>
-          <a:xfrm>
-            <a:off x="5547412" y="3612210"/>
-            <a:ext cx="486560" cy="251887"/>
-          </a:xfrm>
-          <a:prstGeom prst="rect">
-            <a:avLst/>
-          </a:prstGeom>
-          <a:solidFill>
-            <a:schemeClr val="bg1"/>
-          </a:solidFill>
-        </p:spPr>
-        <p:style>
-          <a:lnRef idx="2">
-            <a:schemeClr val="accent1">
-              <a:shade val="50000"/>
-            </a:schemeClr>
-          </a:lnRef>
-          <a:fillRef idx="1">
-            <a:schemeClr val="accent1"/>
-          </a:fillRef>
-          <a:effectRef idx="0">
-            <a:schemeClr val="accent1"/>
-          </a:effectRef>
-          <a:fontRef idx="minor">
-            <a:schemeClr val="lt1"/>
-          </a:fontRef>
-        </p:style>
-        <p:txBody>
-          <a:bodyPr rtlCol="0" anchor="ctr"/>
-          <a:lstStyle/>
-          <a:p>
-            <a:pPr algn="ctr"/>
-            <a:endParaRPr lang="en-US" dirty="0"/>
-          </a:p>
-        </p:txBody>
-      </p:sp>
-      <p:cxnSp>
-        <p:nvCxnSpPr>
-          <p:cNvPr id="106" name="Straight Arrow Connector 105">
-            <a:extLst>
-              <a:ext uri="{FF2B5EF4-FFF2-40B4-BE49-F238E27FC236}">
-                <a16:creationId xmlns:a16="http://schemas.microsoft.com/office/drawing/2014/main" id="{54F02A01-0C3A-4021-970F-DE2BD0439B8B}"/>
-              </a:ext>
-            </a:extLst>
-          </p:cNvPr>
-          <p:cNvCxnSpPr/>
-          <p:nvPr/>
-        </p:nvCxnSpPr>
-        <p:spPr>
-          <a:xfrm flipV="1">
-            <a:off x="6313236" y="3737112"/>
-            <a:ext cx="385892" cy="1"/>
-          </a:xfrm>
-          <a:prstGeom prst="straightConnector1">
-            <a:avLst/>
-          </a:prstGeom>
-          <a:ln w="38100">
-            <a:solidFill>
-              <a:srgbClr val="FF0000"/>
-            </a:solidFill>
-            <a:tailEnd type="triangle"/>
-          </a:ln>
-        </p:spPr>
-        <p:style>
-          <a:lnRef idx="1">
-            <a:schemeClr val="accent1"/>
-          </a:lnRef>
-          <a:fillRef idx="0">
-            <a:schemeClr val="accent1"/>
-          </a:fillRef>
-          <a:effectRef idx="0">
-            <a:schemeClr val="accent1"/>
-          </a:effectRef>
-          <a:fontRef idx="minor">
-            <a:schemeClr val="tx1"/>
-          </a:fontRef>
-        </p:style>
-      </p:cxnSp>
-      <p:sp>
-        <p:nvSpPr>
-          <p:cNvPr id="107" name="Rectangle 106">
-            <a:extLst>
-              <a:ext uri="{FF2B5EF4-FFF2-40B4-BE49-F238E27FC236}">
-                <a16:creationId xmlns:a16="http://schemas.microsoft.com/office/drawing/2014/main" id="{42C7F973-6FF5-46D8-8261-B84770E78D89}"/>
-              </a:ext>
-            </a:extLst>
-          </p:cNvPr>
-          <p:cNvSpPr/>
-          <p:nvPr/>
-        </p:nvSpPr>
-        <p:spPr>
-          <a:xfrm>
-            <a:off x="6674904" y="3552961"/>
-            <a:ext cx="534121" cy="369332"/>
-          </a:xfrm>
-          <a:prstGeom prst="rect">
-            <a:avLst/>
-          </a:prstGeom>
-        </p:spPr>
-        <p:txBody>
-          <a:bodyPr wrap="none">
-            <a:spAutoFit/>
-          </a:bodyPr>
-          <a:lstStyle/>
-          <a:p>
-            <a:r>
-              <a:rPr lang="en-US" dirty="0"/>
-              <a:t>null</a:t>
-            </a:r>
-          </a:p>
-        </p:txBody>
-      </p:sp>
-      <p:sp>
-        <p:nvSpPr>
-          <p:cNvPr id="108" name="TextBox 107">
-            <a:extLst>
-              <a:ext uri="{FF2B5EF4-FFF2-40B4-BE49-F238E27FC236}">
-                <a16:creationId xmlns:a16="http://schemas.microsoft.com/office/drawing/2014/main" id="{4D4FBA39-F4C9-46C2-B703-699D614385DD}"/>
-              </a:ext>
-            </a:extLst>
-          </p:cNvPr>
-          <p:cNvSpPr txBox="1"/>
-          <p:nvPr/>
-        </p:nvSpPr>
-        <p:spPr>
-          <a:xfrm>
-            <a:off x="4487662" y="3561416"/>
-            <a:ext cx="360726" cy="369332"/>
-          </a:xfrm>
-          <a:prstGeom prst="rect">
-            <a:avLst/>
-          </a:prstGeom>
-          <a:noFill/>
-        </p:spPr>
-        <p:txBody>
-          <a:bodyPr wrap="square" rtlCol="0">
-            <a:spAutoFit/>
-          </a:bodyPr>
-          <a:lstStyle/>
-          <a:p>
-            <a:r>
-              <a:rPr lang="en-US" dirty="0"/>
-              <a:t>0</a:t>
-            </a:r>
-          </a:p>
-        </p:txBody>
-      </p:sp>
-      <p:sp>
-        <p:nvSpPr>
-          <p:cNvPr id="109" name="TextBox 108">
-            <a:extLst>
-              <a:ext uri="{FF2B5EF4-FFF2-40B4-BE49-F238E27FC236}">
-                <a16:creationId xmlns:a16="http://schemas.microsoft.com/office/drawing/2014/main" id="{629F4CA0-C1AB-41AF-B341-F5476357CEF6}"/>
-              </a:ext>
-            </a:extLst>
-          </p:cNvPr>
-          <p:cNvSpPr txBox="1"/>
-          <p:nvPr/>
-        </p:nvSpPr>
-        <p:spPr>
-          <a:xfrm>
-            <a:off x="5621381" y="3561597"/>
-            <a:ext cx="360726" cy="369332"/>
-          </a:xfrm>
-          <a:prstGeom prst="rect">
-            <a:avLst/>
-          </a:prstGeom>
-          <a:noFill/>
-        </p:spPr>
-        <p:txBody>
-          <a:bodyPr wrap="square" rtlCol="0">
-            <a:spAutoFit/>
-          </a:bodyPr>
-          <a:lstStyle/>
-          <a:p>
-            <a:r>
-              <a:rPr lang="en-US" dirty="0"/>
-              <a:t>1</a:t>
-            </a:r>
-          </a:p>
-        </p:txBody>
-      </p:sp>
-      <p:cxnSp>
-        <p:nvCxnSpPr>
-          <p:cNvPr id="110" name="Straight Arrow Connector 109">
-            <a:extLst>
-              <a:ext uri="{FF2B5EF4-FFF2-40B4-BE49-F238E27FC236}">
-                <a16:creationId xmlns:a16="http://schemas.microsoft.com/office/drawing/2014/main" id="{FD95C950-B760-4424-8971-7E648739B569}"/>
-              </a:ext>
-            </a:extLst>
-          </p:cNvPr>
-          <p:cNvCxnSpPr/>
-          <p:nvPr/>
-        </p:nvCxnSpPr>
-        <p:spPr>
-          <a:xfrm flipV="1">
-            <a:off x="4024044" y="3775168"/>
-            <a:ext cx="385892" cy="1"/>
-          </a:xfrm>
-          <a:prstGeom prst="straightConnector1">
-            <a:avLst/>
-          </a:prstGeom>
-          <a:ln w="38100">
-            <a:solidFill>
-              <a:srgbClr val="FF0000"/>
-            </a:solidFill>
-            <a:tailEnd type="triangle"/>
-          </a:ln>
-        </p:spPr>
-        <p:style>
-          <a:lnRef idx="1">
-            <a:schemeClr val="accent1"/>
-          </a:lnRef>
-          <a:fillRef idx="0">
-            <a:schemeClr val="accent1"/>
-          </a:fillRef>
-          <a:effectRef idx="0">
-            <a:schemeClr val="accent1"/>
-          </a:effectRef>
-          <a:fontRef idx="minor">
-            <a:schemeClr val="tx1"/>
-          </a:fontRef>
-        </p:style>
-      </p:cxnSp>
-      <p:sp>
-        <p:nvSpPr>
-          <p:cNvPr id="111" name="Rectangle 110">
-            <a:extLst>
-              <a:ext uri="{FF2B5EF4-FFF2-40B4-BE49-F238E27FC236}">
-                <a16:creationId xmlns:a16="http://schemas.microsoft.com/office/drawing/2014/main" id="{91622704-D611-476F-B2A6-E916BBCFA604}"/>
-              </a:ext>
-            </a:extLst>
-          </p:cNvPr>
-          <p:cNvSpPr/>
-          <p:nvPr/>
-        </p:nvSpPr>
-        <p:spPr>
-          <a:xfrm>
-            <a:off x="2680184" y="2306098"/>
-            <a:ext cx="830510" cy="251886"/>
-          </a:xfrm>
-          <a:prstGeom prst="rect">
-            <a:avLst/>
-          </a:prstGeom>
-        </p:spPr>
-        <p:style>
-          <a:lnRef idx="2">
-            <a:schemeClr val="accent1">
-              <a:shade val="50000"/>
-            </a:schemeClr>
-          </a:lnRef>
-          <a:fillRef idx="1">
-            <a:schemeClr val="accent1"/>
-          </a:fillRef>
-          <a:effectRef idx="0">
-            <a:schemeClr val="accent1"/>
-          </a:effectRef>
-          <a:fontRef idx="minor">
-            <a:schemeClr val="lt1"/>
-          </a:fontRef>
-        </p:style>
-        <p:txBody>
-          <a:bodyPr rtlCol="0" anchor="ctr"/>
-          <a:lstStyle/>
-          <a:p>
-            <a:pPr algn="ctr"/>
-            <a:endParaRPr lang="en-US"/>
-          </a:p>
-        </p:txBody>
-      </p:sp>
-      <p:sp>
-        <p:nvSpPr>
-          <p:cNvPr id="112" name="Rectangle 111">
-            <a:extLst>
-              <a:ext uri="{FF2B5EF4-FFF2-40B4-BE49-F238E27FC236}">
-                <a16:creationId xmlns:a16="http://schemas.microsoft.com/office/drawing/2014/main" id="{2A77AEA3-80F9-4CAB-A879-C5E973712682}"/>
-              </a:ext>
-            </a:extLst>
-          </p:cNvPr>
-          <p:cNvSpPr/>
-          <p:nvPr/>
-        </p:nvSpPr>
-        <p:spPr>
-          <a:xfrm>
-            <a:off x="2666696" y="2305572"/>
-            <a:ext cx="486560" cy="251887"/>
-          </a:xfrm>
-          <a:prstGeom prst="rect">
-            <a:avLst/>
-          </a:prstGeom>
-          <a:solidFill>
-            <a:schemeClr val="bg1"/>
-          </a:solidFill>
-        </p:spPr>
-        <p:style>
-          <a:lnRef idx="2">
-            <a:schemeClr val="accent1">
-              <a:shade val="50000"/>
-            </a:schemeClr>
-          </a:lnRef>
-          <a:fillRef idx="1">
-            <a:schemeClr val="accent1"/>
-          </a:fillRef>
-          <a:effectRef idx="0">
-            <a:schemeClr val="accent1"/>
-          </a:effectRef>
-          <a:fontRef idx="minor">
-            <a:schemeClr val="lt1"/>
-          </a:fontRef>
-        </p:style>
-        <p:txBody>
-          <a:bodyPr rtlCol="0" anchor="ctr"/>
-          <a:lstStyle/>
-          <a:p>
-            <a:pPr algn="ctr"/>
-            <a:endParaRPr lang="en-US" dirty="0"/>
-          </a:p>
-        </p:txBody>
-      </p:sp>
-      <p:sp>
-        <p:nvSpPr>
-          <p:cNvPr id="113" name="TextBox 112">
-            <a:extLst>
-              <a:ext uri="{FF2B5EF4-FFF2-40B4-BE49-F238E27FC236}">
-                <a16:creationId xmlns:a16="http://schemas.microsoft.com/office/drawing/2014/main" id="{FE921610-376F-4C3B-B776-F86F5CB816FE}"/>
-              </a:ext>
-            </a:extLst>
-          </p:cNvPr>
-          <p:cNvSpPr txBox="1"/>
-          <p:nvPr/>
-        </p:nvSpPr>
-        <p:spPr>
-          <a:xfrm>
-            <a:off x="2734713" y="2246849"/>
-            <a:ext cx="360726" cy="369332"/>
-          </a:xfrm>
-          <a:prstGeom prst="rect">
-            <a:avLst/>
-          </a:prstGeom>
-          <a:noFill/>
-        </p:spPr>
-        <p:txBody>
-          <a:bodyPr wrap="square" rtlCol="0">
-            <a:spAutoFit/>
-          </a:bodyPr>
-          <a:lstStyle/>
-          <a:p>
-            <a:r>
-              <a:rPr lang="en-US" dirty="0"/>
-              <a:t>5</a:t>
-            </a:r>
-          </a:p>
-        </p:txBody>
-      </p:sp>
-      <p:sp>
-        <p:nvSpPr>
-          <p:cNvPr id="114" name="Rectangle 113">
-            <a:extLst>
-              <a:ext uri="{FF2B5EF4-FFF2-40B4-BE49-F238E27FC236}">
-                <a16:creationId xmlns:a16="http://schemas.microsoft.com/office/drawing/2014/main" id="{FC1029B8-5C50-489E-A9FD-562608166681}"/>
-              </a:ext>
-            </a:extLst>
-          </p:cNvPr>
-          <p:cNvSpPr/>
-          <p:nvPr/>
-        </p:nvSpPr>
-        <p:spPr>
-          <a:xfrm>
-            <a:off x="3858954" y="2331878"/>
-            <a:ext cx="830510" cy="251886"/>
-          </a:xfrm>
-          <a:prstGeom prst="rect">
-            <a:avLst/>
-          </a:prstGeom>
-        </p:spPr>
-        <p:style>
-          <a:lnRef idx="2">
-            <a:schemeClr val="accent1">
-              <a:shade val="50000"/>
-            </a:schemeClr>
-          </a:lnRef>
-          <a:fillRef idx="1">
-            <a:schemeClr val="accent1"/>
-          </a:fillRef>
-          <a:effectRef idx="0">
-            <a:schemeClr val="accent1"/>
-          </a:effectRef>
-          <a:fontRef idx="minor">
-            <a:schemeClr val="lt1"/>
-          </a:fontRef>
-        </p:style>
-        <p:txBody>
-          <a:bodyPr rtlCol="0" anchor="ctr"/>
-          <a:lstStyle/>
-          <a:p>
-            <a:pPr algn="ctr"/>
-            <a:endParaRPr lang="en-US"/>
-          </a:p>
-        </p:txBody>
-      </p:sp>
-      <p:sp>
-        <p:nvSpPr>
-          <p:cNvPr id="115" name="Rectangle 114">
-            <a:extLst>
-              <a:ext uri="{FF2B5EF4-FFF2-40B4-BE49-F238E27FC236}">
-                <a16:creationId xmlns:a16="http://schemas.microsoft.com/office/drawing/2014/main" id="{3AE8E817-A5CC-4B57-8D8A-98A1B82BD09A}"/>
-              </a:ext>
-            </a:extLst>
-          </p:cNvPr>
-          <p:cNvSpPr/>
-          <p:nvPr/>
-        </p:nvSpPr>
-        <p:spPr>
-          <a:xfrm>
-            <a:off x="3845466" y="2331352"/>
-            <a:ext cx="486560" cy="251887"/>
-          </a:xfrm>
-          <a:prstGeom prst="rect">
-            <a:avLst/>
-          </a:prstGeom>
-          <a:solidFill>
-            <a:schemeClr val="bg1"/>
-          </a:solidFill>
-        </p:spPr>
-        <p:style>
-          <a:lnRef idx="2">
-            <a:schemeClr val="accent1">
-              <a:shade val="50000"/>
-            </a:schemeClr>
-          </a:lnRef>
-          <a:fillRef idx="1">
-            <a:schemeClr val="accent1"/>
-          </a:fillRef>
-          <a:effectRef idx="0">
-            <a:schemeClr val="accent1"/>
-          </a:effectRef>
-          <a:fontRef idx="minor">
-            <a:schemeClr val="lt1"/>
-          </a:fontRef>
-        </p:style>
-        <p:txBody>
-          <a:bodyPr rtlCol="0" anchor="ctr"/>
-          <a:lstStyle/>
-          <a:p>
-            <a:pPr algn="ctr"/>
-            <a:endParaRPr lang="en-US" dirty="0"/>
-          </a:p>
-        </p:txBody>
-      </p:sp>
-      <p:cxnSp>
-        <p:nvCxnSpPr>
-          <p:cNvPr id="116" name="Straight Arrow Connector 115">
-            <a:extLst>
-              <a:ext uri="{FF2B5EF4-FFF2-40B4-BE49-F238E27FC236}">
-                <a16:creationId xmlns:a16="http://schemas.microsoft.com/office/drawing/2014/main" id="{0D3C2657-16D9-4C22-AEC9-40D04E4B9E44}"/>
-              </a:ext>
-            </a:extLst>
-          </p:cNvPr>
-          <p:cNvCxnSpPr/>
-          <p:nvPr/>
-        </p:nvCxnSpPr>
-        <p:spPr>
-          <a:xfrm flipV="1">
-            <a:off x="4615695" y="2454829"/>
-            <a:ext cx="385892" cy="1"/>
-          </a:xfrm>
-          <a:prstGeom prst="straightConnector1">
-            <a:avLst/>
-          </a:prstGeom>
-          <a:ln w="38100">
-            <a:solidFill>
-              <a:srgbClr val="FF0000"/>
-            </a:solidFill>
-            <a:tailEnd type="triangle"/>
-          </a:ln>
-        </p:spPr>
-        <p:style>
-          <a:lnRef idx="1">
-            <a:schemeClr val="accent1"/>
-          </a:lnRef>
-          <a:fillRef idx="0">
-            <a:schemeClr val="accent1"/>
-          </a:fillRef>
-          <a:effectRef idx="0">
-            <a:schemeClr val="accent1"/>
-          </a:effectRef>
-          <a:fontRef idx="minor">
-            <a:schemeClr val="tx1"/>
-          </a:fontRef>
-        </p:style>
-      </p:cxnSp>
-      <p:sp>
-        <p:nvSpPr>
-          <p:cNvPr id="117" name="Rectangle 116">
-            <a:extLst>
-              <a:ext uri="{FF2B5EF4-FFF2-40B4-BE49-F238E27FC236}">
-                <a16:creationId xmlns:a16="http://schemas.microsoft.com/office/drawing/2014/main" id="{12458CB9-A16B-4D50-9B34-0E8BF7BB34B4}"/>
-              </a:ext>
-            </a:extLst>
-          </p:cNvPr>
-          <p:cNvSpPr/>
-          <p:nvPr/>
-        </p:nvSpPr>
-        <p:spPr>
-          <a:xfrm>
-            <a:off x="4999278" y="2306098"/>
-            <a:ext cx="830510" cy="251886"/>
-          </a:xfrm>
-          <a:prstGeom prst="rect">
-            <a:avLst/>
-          </a:prstGeom>
-        </p:spPr>
-        <p:style>
-          <a:lnRef idx="2">
-            <a:schemeClr val="accent1">
-              <a:shade val="50000"/>
-            </a:schemeClr>
-          </a:lnRef>
-          <a:fillRef idx="1">
-            <a:schemeClr val="accent1"/>
-          </a:fillRef>
-          <a:effectRef idx="0">
-            <a:schemeClr val="accent1"/>
-          </a:effectRef>
-          <a:fontRef idx="minor">
-            <a:schemeClr val="lt1"/>
-          </a:fontRef>
-        </p:style>
-        <p:txBody>
-          <a:bodyPr rtlCol="0" anchor="ctr"/>
-          <a:lstStyle/>
-          <a:p>
-            <a:pPr algn="ctr"/>
-            <a:endParaRPr lang="en-US"/>
-          </a:p>
-        </p:txBody>
-      </p:sp>
-      <p:sp>
-        <p:nvSpPr>
-          <p:cNvPr id="118" name="Rectangle 117">
-            <a:extLst>
-              <a:ext uri="{FF2B5EF4-FFF2-40B4-BE49-F238E27FC236}">
-                <a16:creationId xmlns:a16="http://schemas.microsoft.com/office/drawing/2014/main" id="{851EE099-9D4F-4849-A15F-922AD25FDB4D}"/>
-              </a:ext>
-            </a:extLst>
-          </p:cNvPr>
-          <p:cNvSpPr/>
-          <p:nvPr/>
-        </p:nvSpPr>
-        <p:spPr>
-          <a:xfrm>
-            <a:off x="5000137" y="2306098"/>
-            <a:ext cx="486560" cy="251887"/>
-          </a:xfrm>
-          <a:prstGeom prst="rect">
-            <a:avLst/>
-          </a:prstGeom>
-          <a:solidFill>
-            <a:schemeClr val="bg1"/>
-          </a:solidFill>
-        </p:spPr>
-        <p:style>
-          <a:lnRef idx="2">
-            <a:schemeClr val="accent1">
-              <a:shade val="50000"/>
-            </a:schemeClr>
-          </a:lnRef>
-          <a:fillRef idx="1">
-            <a:schemeClr val="accent1"/>
-          </a:fillRef>
-          <a:effectRef idx="0">
-            <a:schemeClr val="accent1"/>
-          </a:effectRef>
-          <a:fontRef idx="minor">
-            <a:schemeClr val="lt1"/>
-          </a:fontRef>
-        </p:style>
-        <p:txBody>
-          <a:bodyPr rtlCol="0" anchor="ctr"/>
-          <a:lstStyle/>
-          <a:p>
-            <a:pPr algn="ctr"/>
-            <a:endParaRPr lang="en-US" dirty="0"/>
-          </a:p>
-        </p:txBody>
-      </p:sp>
-      <p:cxnSp>
-        <p:nvCxnSpPr>
-          <p:cNvPr id="119" name="Straight Arrow Connector 118">
-            <a:extLst>
-              <a:ext uri="{FF2B5EF4-FFF2-40B4-BE49-F238E27FC236}">
-                <a16:creationId xmlns:a16="http://schemas.microsoft.com/office/drawing/2014/main" id="{3D719E83-0ECF-4EA6-9E5E-75D1C5FE9DED}"/>
-              </a:ext>
-            </a:extLst>
-          </p:cNvPr>
-          <p:cNvCxnSpPr/>
-          <p:nvPr/>
-        </p:nvCxnSpPr>
-        <p:spPr>
-          <a:xfrm flipV="1">
-            <a:off x="5765961" y="2431000"/>
-            <a:ext cx="385892" cy="1"/>
-          </a:xfrm>
-          <a:prstGeom prst="straightConnector1">
-            <a:avLst/>
-          </a:prstGeom>
-          <a:ln w="38100">
-            <a:solidFill>
-              <a:srgbClr val="FF0000"/>
-            </a:solidFill>
-            <a:tailEnd type="triangle"/>
-          </a:ln>
-        </p:spPr>
-        <p:style>
-          <a:lnRef idx="1">
-            <a:schemeClr val="accent1"/>
-          </a:lnRef>
-          <a:fillRef idx="0">
-            <a:schemeClr val="accent1"/>
-          </a:fillRef>
-          <a:effectRef idx="0">
-            <a:schemeClr val="accent1"/>
-          </a:effectRef>
-          <a:fontRef idx="minor">
-            <a:schemeClr val="tx1"/>
-          </a:fontRef>
-        </p:style>
-      </p:cxnSp>
-      <p:sp>
-        <p:nvSpPr>
-          <p:cNvPr id="120" name="Rectangle 119">
-            <a:extLst>
-              <a:ext uri="{FF2B5EF4-FFF2-40B4-BE49-F238E27FC236}">
-                <a16:creationId xmlns:a16="http://schemas.microsoft.com/office/drawing/2014/main" id="{C7D002F5-3B81-4C14-9F14-7F10D1645032}"/>
-              </a:ext>
-            </a:extLst>
-          </p:cNvPr>
-          <p:cNvSpPr/>
-          <p:nvPr/>
-        </p:nvSpPr>
-        <p:spPr>
-          <a:xfrm>
-            <a:off x="6127629" y="2246849"/>
-            <a:ext cx="534121" cy="369332"/>
-          </a:xfrm>
-          <a:prstGeom prst="rect">
-            <a:avLst/>
-          </a:prstGeom>
-        </p:spPr>
-        <p:txBody>
-          <a:bodyPr wrap="none">
-            <a:spAutoFit/>
-          </a:bodyPr>
-          <a:lstStyle/>
-          <a:p>
-            <a:r>
-              <a:rPr lang="en-US" dirty="0"/>
-              <a:t>null</a:t>
-            </a:r>
-          </a:p>
-        </p:txBody>
-      </p:sp>
-      <p:sp>
-        <p:nvSpPr>
-          <p:cNvPr id="121" name="TextBox 120">
-            <a:extLst>
-              <a:ext uri="{FF2B5EF4-FFF2-40B4-BE49-F238E27FC236}">
-                <a16:creationId xmlns:a16="http://schemas.microsoft.com/office/drawing/2014/main" id="{D83195D4-5D6C-4F2C-A8C2-F78DEA40DA16}"/>
-              </a:ext>
-            </a:extLst>
-          </p:cNvPr>
-          <p:cNvSpPr txBox="1"/>
-          <p:nvPr/>
-        </p:nvSpPr>
-        <p:spPr>
-          <a:xfrm>
-            <a:off x="3940387" y="2255304"/>
-            <a:ext cx="360726" cy="369332"/>
-          </a:xfrm>
-          <a:prstGeom prst="rect">
-            <a:avLst/>
-          </a:prstGeom>
-          <a:noFill/>
-        </p:spPr>
-        <p:txBody>
-          <a:bodyPr wrap="square" rtlCol="0">
-            <a:spAutoFit/>
-          </a:bodyPr>
-          <a:lstStyle/>
-          <a:p>
-            <a:r>
-              <a:rPr lang="en-US" dirty="0"/>
-              <a:t>0</a:t>
-            </a:r>
-          </a:p>
-        </p:txBody>
-      </p:sp>
-      <p:sp>
-        <p:nvSpPr>
-          <p:cNvPr id="122" name="TextBox 121">
-            <a:extLst>
-              <a:ext uri="{FF2B5EF4-FFF2-40B4-BE49-F238E27FC236}">
-                <a16:creationId xmlns:a16="http://schemas.microsoft.com/office/drawing/2014/main" id="{09431E14-67E4-4C64-84C1-A87FFD3D653B}"/>
-              </a:ext>
-            </a:extLst>
-          </p:cNvPr>
-          <p:cNvSpPr txBox="1"/>
-          <p:nvPr/>
-        </p:nvSpPr>
-        <p:spPr>
-          <a:xfrm>
-            <a:off x="5074106" y="2255485"/>
-            <a:ext cx="360726" cy="369332"/>
-          </a:xfrm>
-          <a:prstGeom prst="rect">
-            <a:avLst/>
-          </a:prstGeom>
-          <a:noFill/>
-        </p:spPr>
-        <p:txBody>
-          <a:bodyPr wrap="square" rtlCol="0">
-            <a:spAutoFit/>
-          </a:bodyPr>
-          <a:lstStyle/>
-          <a:p>
-            <a:r>
-              <a:rPr lang="en-US" dirty="0"/>
-              <a:t>1</a:t>
-            </a:r>
-          </a:p>
-        </p:txBody>
-      </p:sp>
-      <p:cxnSp>
-        <p:nvCxnSpPr>
-          <p:cNvPr id="123" name="Straight Arrow Connector 122">
-            <a:extLst>
-              <a:ext uri="{FF2B5EF4-FFF2-40B4-BE49-F238E27FC236}">
-                <a16:creationId xmlns:a16="http://schemas.microsoft.com/office/drawing/2014/main" id="{CF2319AE-47D0-4478-9840-B6DA064DA765}"/>
-              </a:ext>
-            </a:extLst>
-          </p:cNvPr>
-          <p:cNvCxnSpPr/>
-          <p:nvPr/>
-        </p:nvCxnSpPr>
-        <p:spPr>
-          <a:xfrm flipV="1">
-            <a:off x="3476769" y="2469056"/>
-            <a:ext cx="385892" cy="1"/>
-          </a:xfrm>
-          <a:prstGeom prst="straightConnector1">
-            <a:avLst/>
-          </a:prstGeom>
-          <a:ln w="38100">
-            <a:solidFill>
-              <a:srgbClr val="FF0000"/>
-            </a:solidFill>
-            <a:tailEnd type="triangle"/>
-          </a:ln>
-        </p:spPr>
-        <p:style>
-          <a:lnRef idx="1">
-            <a:schemeClr val="accent1"/>
-          </a:lnRef>
-          <a:fillRef idx="0">
-            <a:schemeClr val="accent1"/>
-          </a:fillRef>
-          <a:effectRef idx="0">
-            <a:schemeClr val="accent1"/>
-          </a:effectRef>
-          <a:fontRef idx="minor">
-            <a:schemeClr val="tx1"/>
-          </a:fontRef>
-        </p:style>
-      </p:cxnSp>
-      <p:cxnSp>
-        <p:nvCxnSpPr>
-          <p:cNvPr id="124" name="Straight Arrow Connector 123">
-            <a:extLst>
-              <a:ext uri="{FF2B5EF4-FFF2-40B4-BE49-F238E27FC236}">
-                <a16:creationId xmlns:a16="http://schemas.microsoft.com/office/drawing/2014/main" id="{2BCC73FF-1DFA-462B-BB3A-D536D8351B2D}"/>
-              </a:ext>
-            </a:extLst>
-          </p:cNvPr>
-          <p:cNvCxnSpPr/>
-          <p:nvPr/>
-        </p:nvCxnSpPr>
-        <p:spPr>
-          <a:xfrm flipV="1">
-            <a:off x="2295322" y="2435867"/>
-            <a:ext cx="385892" cy="1"/>
-          </a:xfrm>
-          <a:prstGeom prst="straightConnector1">
-            <a:avLst/>
-          </a:prstGeom>
-          <a:ln w="38100">
-            <a:solidFill>
-              <a:srgbClr val="FF0000"/>
-            </a:solidFill>
-            <a:tailEnd type="triangle"/>
-          </a:ln>
-        </p:spPr>
-        <p:style>
-          <a:lnRef idx="1">
-            <a:schemeClr val="accent1"/>
-          </a:lnRef>
-          <a:fillRef idx="0">
-            <a:schemeClr val="accent1"/>
-          </a:fillRef>
-          <a:effectRef idx="0">
-            <a:schemeClr val="accent1"/>
-          </a:effectRef>
-          <a:fontRef idx="minor">
-            <a:schemeClr val="tx1"/>
-          </a:fontRef>
-        </p:style>
-      </p:cxnSp>
-      <p:sp>
-        <p:nvSpPr>
-          <p:cNvPr id="125" name="TextBox 124">
-            <a:extLst>
-              <a:ext uri="{FF2B5EF4-FFF2-40B4-BE49-F238E27FC236}">
-                <a16:creationId xmlns:a16="http://schemas.microsoft.com/office/drawing/2014/main" id="{90EF5076-B36B-4AD0-9391-7C29674CFEA3}"/>
-              </a:ext>
-            </a:extLst>
-          </p:cNvPr>
-          <p:cNvSpPr txBox="1"/>
-          <p:nvPr/>
-        </p:nvSpPr>
-        <p:spPr>
-          <a:xfrm>
-            <a:off x="7119796" y="2431000"/>
-            <a:ext cx="1073790" cy="646331"/>
-          </a:xfrm>
-          <a:prstGeom prst="rect">
-            <a:avLst/>
-          </a:prstGeom>
-          <a:noFill/>
-        </p:spPr>
-        <p:txBody>
-          <a:bodyPr wrap="square" rtlCol="0">
-            <a:spAutoFit/>
-          </a:bodyPr>
-          <a:lstStyle/>
-          <a:p>
-            <a:r>
-              <a:rPr lang="en-US" dirty="0">
-                <a:solidFill>
-                  <a:schemeClr val="accent2"/>
-                </a:solidFill>
-              </a:rPr>
-              <a:t>Return value!</a:t>
-            </a:r>
-          </a:p>
-        </p:txBody>
-      </p:sp>
-      <p:sp>
-        <p:nvSpPr>
-          <p:cNvPr id="126" name="Speech Bubble: Oval 125">
-            <a:extLst>
-              <a:ext uri="{FF2B5EF4-FFF2-40B4-BE49-F238E27FC236}">
-                <a16:creationId xmlns:a16="http://schemas.microsoft.com/office/drawing/2014/main" id="{9C532645-9E86-41E5-9252-257F1FE26C3B}"/>
-              </a:ext>
-            </a:extLst>
-          </p:cNvPr>
-          <p:cNvSpPr/>
-          <p:nvPr/>
-        </p:nvSpPr>
-        <p:spPr>
-          <a:xfrm>
-            <a:off x="1471227" y="2167040"/>
-            <a:ext cx="5109883" cy="564538"/>
-          </a:xfrm>
-          <a:prstGeom prst="wedgeEllipseCallout">
-            <a:avLst>
-              <a:gd name="adj1" fmla="val 59302"/>
-              <a:gd name="adj2" fmla="val 49895"/>
-            </a:avLst>
-          </a:prstGeom>
-          <a:noFill/>
-          <a:ln>
-            <a:solidFill>
-              <a:srgbClr val="FFFF00"/>
-            </a:solidFill>
-          </a:ln>
-        </p:spPr>
-        <p:style>
-          <a:lnRef idx="2">
-            <a:schemeClr val="accent1">
-              <a:shade val="50000"/>
-            </a:schemeClr>
-          </a:lnRef>
-          <a:fillRef idx="1">
-            <a:schemeClr val="accent1"/>
-          </a:fillRef>
-          <a:effectRef idx="0">
-            <a:schemeClr val="accent1"/>
-          </a:effectRef>
-          <a:fontRef idx="minor">
-            <a:schemeClr val="lt1"/>
-          </a:fontRef>
-        </p:style>
-        <p:txBody>
-          <a:bodyPr rtlCol="0" anchor="ctr"/>
-          <a:lstStyle/>
-          <a:p>
-            <a:pPr algn="ctr"/>
-            <a:endParaRPr lang="en-US"/>
-          </a:p>
-        </p:txBody>
-      </p:sp>
-      <p:sp>
-        <p:nvSpPr>
-          <p:cNvPr id="2" name="TextBox 1">
-            <a:extLst>
-              <a:ext uri="{FF2B5EF4-FFF2-40B4-BE49-F238E27FC236}">
-                <a16:creationId xmlns:a16="http://schemas.microsoft.com/office/drawing/2014/main" id="{59E7DBF5-ACAB-4069-ACB8-30E7E70725C3}"/>
-              </a:ext>
-            </a:extLst>
-          </p:cNvPr>
-          <p:cNvSpPr txBox="1"/>
-          <p:nvPr/>
-        </p:nvSpPr>
-        <p:spPr>
-          <a:xfrm>
-            <a:off x="154649" y="22973"/>
-            <a:ext cx="2140673" cy="369332"/>
-          </a:xfrm>
-          <a:prstGeom prst="rect">
-            <a:avLst/>
-          </a:prstGeom>
-          <a:noFill/>
-        </p:spPr>
-        <p:txBody>
-          <a:bodyPr wrap="square" rtlCol="0">
-            <a:spAutoFit/>
-          </a:bodyPr>
-          <a:lstStyle/>
-          <a:p>
-            <a:r>
-              <a:rPr lang="en-US" u="sng" dirty="0">
-                <a:solidFill>
-                  <a:schemeClr val="accent1"/>
-                </a:solidFill>
-              </a:rPr>
-              <a:t>addLists_1.java</a:t>
-            </a:r>
-          </a:p>
-        </p:txBody>
-      </p:sp>
-    </p:spTree>
-    <p:extLst>
-      <p:ext uri="{BB962C8B-B14F-4D97-AF65-F5344CB8AC3E}">
-        <p14:creationId xmlns:p14="http://schemas.microsoft.com/office/powerpoint/2010/main" val="3210125308"/>
-      </p:ext>
-    </p:extLst>
-  </p:cSld>
-  <p:clrMapOvr>
-    <a:masterClrMapping/>
-  </p:clrMapOvr>
-</p:sld>
-</file>
-
-<file path=ppt/slides/slide2.xml><?xml version="1.0" encoding="utf-8"?>
-<p:sld xmlns:a="http://schemas.openxmlformats.org/drawingml/2006/main" xmlns:r="http://schemas.openxmlformats.org/officeDocument/2006/relationships" xmlns:p="http://schemas.openxmlformats.org/presentationml/2006/main">
-  <p:cSld>
-    <p:spTree>
-      <p:nvGrpSpPr>
-        <p:cNvPr id="1" name=""/>
-        <p:cNvGrpSpPr/>
-        <p:nvPr/>
-      </p:nvGrpSpPr>
-      <p:grpSpPr>
-        <a:xfrm>
-          <a:off x="0" y="0"/>
-          <a:ext cx="0" cy="0"/>
-          <a:chOff x="0" y="0"/>
-          <a:chExt cx="0" cy="0"/>
-        </a:xfrm>
-      </p:grpSpPr>
-      <p:sp>
-        <p:nvSpPr>
-          <p:cNvPr id="4" name="TextBox 3">
-            <a:extLst>
-              <a:ext uri="{FF2B5EF4-FFF2-40B4-BE49-F238E27FC236}">
-                <a16:creationId xmlns:a16="http://schemas.microsoft.com/office/drawing/2014/main" id="{E56007F4-8A63-4E8E-9ED5-2F18F45D0E8E}"/>
-              </a:ext>
-            </a:extLst>
-          </p:cNvPr>
-          <p:cNvSpPr txBox="1"/>
-          <p:nvPr/>
-        </p:nvSpPr>
-        <p:spPr>
-          <a:xfrm>
-            <a:off x="696286" y="528506"/>
-            <a:ext cx="587230" cy="369332"/>
-          </a:xfrm>
-          <a:prstGeom prst="rect">
-            <a:avLst/>
-          </a:prstGeom>
-          <a:noFill/>
-        </p:spPr>
-        <p:txBody>
-          <a:bodyPr wrap="square" rtlCol="0">
-            <a:spAutoFit/>
-          </a:bodyPr>
-          <a:lstStyle/>
-          <a:p>
-            <a:r>
-              <a:rPr lang="en-US" dirty="0"/>
-              <a:t>L1 =</a:t>
-            </a:r>
-          </a:p>
-        </p:txBody>
-      </p:sp>
-      <p:sp>
-        <p:nvSpPr>
-          <p:cNvPr id="5" name="Rectangle 4">
-            <a:extLst>
-              <a:ext uri="{FF2B5EF4-FFF2-40B4-BE49-F238E27FC236}">
-                <a16:creationId xmlns:a16="http://schemas.microsoft.com/office/drawing/2014/main" id="{9379515D-13DE-4B62-8C65-93BBEC8FEE77}"/>
-              </a:ext>
-            </a:extLst>
-          </p:cNvPr>
-          <p:cNvSpPr/>
-          <p:nvPr/>
-        </p:nvSpPr>
-        <p:spPr>
-          <a:xfrm>
-            <a:off x="1300295" y="587229"/>
-            <a:ext cx="830510" cy="251886"/>
-          </a:xfrm>
-          <a:prstGeom prst="rect">
-            <a:avLst/>
-          </a:prstGeom>
-        </p:spPr>
-        <p:style>
-          <a:lnRef idx="2">
-            <a:schemeClr val="accent1">
-              <a:shade val="50000"/>
-            </a:schemeClr>
-          </a:lnRef>
-          <a:fillRef idx="1">
-            <a:schemeClr val="accent1"/>
-          </a:fillRef>
-          <a:effectRef idx="0">
-            <a:schemeClr val="accent1"/>
-          </a:effectRef>
-          <a:fontRef idx="minor">
-            <a:schemeClr val="lt1"/>
-          </a:fontRef>
-        </p:style>
-        <p:txBody>
-          <a:bodyPr rtlCol="0" anchor="ctr"/>
-          <a:lstStyle/>
-          <a:p>
-            <a:pPr algn="ctr"/>
-            <a:endParaRPr lang="en-US"/>
-          </a:p>
-        </p:txBody>
-      </p:sp>
-      <p:sp>
-        <p:nvSpPr>
-          <p:cNvPr id="7" name="Rectangle 6">
-            <a:extLst>
-              <a:ext uri="{FF2B5EF4-FFF2-40B4-BE49-F238E27FC236}">
-                <a16:creationId xmlns:a16="http://schemas.microsoft.com/office/drawing/2014/main" id="{0E857B63-3306-4F1B-8F40-62E08809A625}"/>
-              </a:ext>
-            </a:extLst>
-          </p:cNvPr>
-          <p:cNvSpPr/>
-          <p:nvPr/>
-        </p:nvSpPr>
-        <p:spPr>
-          <a:xfrm>
-            <a:off x="1300295" y="587228"/>
-            <a:ext cx="486560" cy="251887"/>
-          </a:xfrm>
-          <a:prstGeom prst="rect">
-            <a:avLst/>
-          </a:prstGeom>
-          <a:solidFill>
-            <a:schemeClr val="bg1"/>
-          </a:solidFill>
-        </p:spPr>
-        <p:style>
-          <a:lnRef idx="2">
-            <a:schemeClr val="accent1">
-              <a:shade val="50000"/>
-            </a:schemeClr>
-          </a:lnRef>
-          <a:fillRef idx="1">
-            <a:schemeClr val="accent1"/>
-          </a:fillRef>
-          <a:effectRef idx="0">
-            <a:schemeClr val="accent1"/>
-          </a:effectRef>
-          <a:fontRef idx="minor">
-            <a:schemeClr val="lt1"/>
-          </a:fontRef>
-        </p:style>
-        <p:txBody>
-          <a:bodyPr rtlCol="0" anchor="ctr"/>
-          <a:lstStyle/>
-          <a:p>
-            <a:pPr algn="ctr"/>
-            <a:endParaRPr lang="en-US"/>
-          </a:p>
-        </p:txBody>
-      </p:sp>
-      <p:sp>
-        <p:nvSpPr>
-          <p:cNvPr id="8" name="TextBox 7">
-            <a:extLst>
-              <a:ext uri="{FF2B5EF4-FFF2-40B4-BE49-F238E27FC236}">
-                <a16:creationId xmlns:a16="http://schemas.microsoft.com/office/drawing/2014/main" id="{D11DB7BB-8030-4929-9CFB-3439DBA3EF60}"/>
-              </a:ext>
-            </a:extLst>
-          </p:cNvPr>
-          <p:cNvSpPr txBox="1"/>
-          <p:nvPr/>
-        </p:nvSpPr>
-        <p:spPr>
-          <a:xfrm>
-            <a:off x="1354824" y="528506"/>
-            <a:ext cx="360726" cy="369332"/>
-          </a:xfrm>
-          <a:prstGeom prst="rect">
-            <a:avLst/>
-          </a:prstGeom>
-          <a:noFill/>
-        </p:spPr>
-        <p:txBody>
-          <a:bodyPr wrap="square" rtlCol="0">
-            <a:spAutoFit/>
-          </a:bodyPr>
-          <a:lstStyle/>
-          <a:p>
-            <a:r>
-              <a:rPr lang="en-US" dirty="0"/>
-              <a:t>7</a:t>
-            </a:r>
-          </a:p>
-        </p:txBody>
-      </p:sp>
-      <p:cxnSp>
-        <p:nvCxnSpPr>
-          <p:cNvPr id="10" name="Straight Arrow Connector 9">
-            <a:extLst>
-              <a:ext uri="{FF2B5EF4-FFF2-40B4-BE49-F238E27FC236}">
-                <a16:creationId xmlns:a16="http://schemas.microsoft.com/office/drawing/2014/main" id="{C4CB82AA-3986-4C50-BA16-5BD66AB638FA}"/>
-              </a:ext>
-            </a:extLst>
-          </p:cNvPr>
-          <p:cNvCxnSpPr>
-            <a:stCxn id="5" idx="3"/>
-          </p:cNvCxnSpPr>
-          <p:nvPr/>
-        </p:nvCxnSpPr>
-        <p:spPr>
-          <a:xfrm flipV="1">
-            <a:off x="2130805" y="713171"/>
-            <a:ext cx="385892" cy="1"/>
-          </a:xfrm>
-          <a:prstGeom prst="straightConnector1">
-            <a:avLst/>
-          </a:prstGeom>
-          <a:ln w="38100">
-            <a:tailEnd type="triangle"/>
-          </a:ln>
-        </p:spPr>
-        <p:style>
-          <a:lnRef idx="1">
-            <a:schemeClr val="accent1"/>
-          </a:lnRef>
-          <a:fillRef idx="0">
-            <a:schemeClr val="accent1"/>
-          </a:fillRef>
-          <a:effectRef idx="0">
-            <a:schemeClr val="accent1"/>
-          </a:effectRef>
-          <a:fontRef idx="minor">
-            <a:schemeClr val="tx1"/>
-          </a:fontRef>
-        </p:style>
-      </p:cxnSp>
-      <p:sp>
-        <p:nvSpPr>
-          <p:cNvPr id="11" name="Rectangle 10">
-            <a:extLst>
-              <a:ext uri="{FF2B5EF4-FFF2-40B4-BE49-F238E27FC236}">
-                <a16:creationId xmlns:a16="http://schemas.microsoft.com/office/drawing/2014/main" id="{486F0556-9E7F-4A0B-BCE8-3BC55A9D7076}"/>
-              </a:ext>
-            </a:extLst>
-          </p:cNvPr>
-          <p:cNvSpPr/>
-          <p:nvPr/>
-        </p:nvSpPr>
-        <p:spPr>
-          <a:xfrm>
-            <a:off x="2516697" y="583142"/>
-            <a:ext cx="830510" cy="251886"/>
-          </a:xfrm>
-          <a:prstGeom prst="rect">
-            <a:avLst/>
-          </a:prstGeom>
-        </p:spPr>
-        <p:style>
-          <a:lnRef idx="2">
-            <a:schemeClr val="accent1">
-              <a:shade val="50000"/>
-            </a:schemeClr>
-          </a:lnRef>
-          <a:fillRef idx="1">
-            <a:schemeClr val="accent1"/>
-          </a:fillRef>
-          <a:effectRef idx="0">
-            <a:schemeClr val="accent1"/>
-          </a:effectRef>
-          <a:fontRef idx="minor">
-            <a:schemeClr val="lt1"/>
-          </a:fontRef>
-        </p:style>
-        <p:txBody>
-          <a:bodyPr rtlCol="0" anchor="ctr"/>
-          <a:lstStyle/>
-          <a:p>
-            <a:pPr algn="ctr"/>
-            <a:endParaRPr lang="en-US"/>
-          </a:p>
-        </p:txBody>
-      </p:sp>
-      <p:sp>
-        <p:nvSpPr>
-          <p:cNvPr id="12" name="Rectangle 11">
-            <a:extLst>
-              <a:ext uri="{FF2B5EF4-FFF2-40B4-BE49-F238E27FC236}">
-                <a16:creationId xmlns:a16="http://schemas.microsoft.com/office/drawing/2014/main" id="{3B219EC5-90CA-4188-A6E7-88AF84A60F14}"/>
-              </a:ext>
-            </a:extLst>
-          </p:cNvPr>
-          <p:cNvSpPr/>
-          <p:nvPr/>
-        </p:nvSpPr>
-        <p:spPr>
-          <a:xfrm>
-            <a:off x="2516697" y="583141"/>
-            <a:ext cx="486560" cy="251887"/>
-          </a:xfrm>
-          <a:prstGeom prst="rect">
-            <a:avLst/>
-          </a:prstGeom>
-          <a:solidFill>
-            <a:schemeClr val="bg1"/>
-          </a:solidFill>
-        </p:spPr>
-        <p:style>
-          <a:lnRef idx="2">
-            <a:schemeClr val="accent1">
-              <a:shade val="50000"/>
-            </a:schemeClr>
-          </a:lnRef>
-          <a:fillRef idx="1">
-            <a:schemeClr val="accent1"/>
-          </a:fillRef>
-          <a:effectRef idx="0">
-            <a:schemeClr val="accent1"/>
-          </a:effectRef>
-          <a:fontRef idx="minor">
-            <a:schemeClr val="lt1"/>
-          </a:fontRef>
-        </p:style>
-        <p:txBody>
-          <a:bodyPr rtlCol="0" anchor="ctr"/>
-          <a:lstStyle/>
-          <a:p>
-            <a:pPr algn="ctr"/>
-            <a:endParaRPr lang="en-US"/>
-          </a:p>
-        </p:txBody>
-      </p:sp>
-      <p:cxnSp>
-        <p:nvCxnSpPr>
-          <p:cNvPr id="13" name="Straight Arrow Connector 12">
-            <a:extLst>
-              <a:ext uri="{FF2B5EF4-FFF2-40B4-BE49-F238E27FC236}">
-                <a16:creationId xmlns:a16="http://schemas.microsoft.com/office/drawing/2014/main" id="{9D3CD2CA-EFC8-45A9-B048-029C1C5BA9F4}"/>
-              </a:ext>
-            </a:extLst>
-          </p:cNvPr>
-          <p:cNvCxnSpPr>
-            <a:stCxn id="11" idx="3"/>
-          </p:cNvCxnSpPr>
-          <p:nvPr/>
-        </p:nvCxnSpPr>
-        <p:spPr>
-          <a:xfrm flipV="1">
-            <a:off x="3347207" y="709084"/>
-            <a:ext cx="385892" cy="1"/>
-          </a:xfrm>
-          <a:prstGeom prst="straightConnector1">
-            <a:avLst/>
-          </a:prstGeom>
-          <a:ln w="38100">
-            <a:tailEnd type="triangle"/>
-          </a:ln>
-        </p:spPr>
-        <p:style>
-          <a:lnRef idx="1">
-            <a:schemeClr val="accent1"/>
-          </a:lnRef>
-          <a:fillRef idx="0">
-            <a:schemeClr val="accent1"/>
-          </a:fillRef>
-          <a:effectRef idx="0">
-            <a:schemeClr val="accent1"/>
-          </a:effectRef>
-          <a:fontRef idx="minor">
-            <a:schemeClr val="tx1"/>
-          </a:fontRef>
-        </p:style>
-      </p:cxnSp>
-      <p:sp>
-        <p:nvSpPr>
-          <p:cNvPr id="14" name="Rectangle 13">
-            <a:extLst>
-              <a:ext uri="{FF2B5EF4-FFF2-40B4-BE49-F238E27FC236}">
-                <a16:creationId xmlns:a16="http://schemas.microsoft.com/office/drawing/2014/main" id="{A00FE79F-A846-4778-923F-149986AAB4DF}"/>
-              </a:ext>
-            </a:extLst>
-          </p:cNvPr>
-          <p:cNvSpPr/>
-          <p:nvPr/>
-        </p:nvSpPr>
-        <p:spPr>
-          <a:xfrm>
-            <a:off x="3741486" y="583142"/>
-            <a:ext cx="830510" cy="251886"/>
-          </a:xfrm>
-          <a:prstGeom prst="rect">
-            <a:avLst/>
-          </a:prstGeom>
-        </p:spPr>
-        <p:style>
-          <a:lnRef idx="2">
-            <a:schemeClr val="accent1">
-              <a:shade val="50000"/>
-            </a:schemeClr>
-          </a:lnRef>
-          <a:fillRef idx="1">
-            <a:schemeClr val="accent1"/>
-          </a:fillRef>
-          <a:effectRef idx="0">
-            <a:schemeClr val="accent1"/>
-          </a:effectRef>
-          <a:fontRef idx="minor">
-            <a:schemeClr val="lt1"/>
-          </a:fontRef>
-        </p:style>
-        <p:txBody>
-          <a:bodyPr rtlCol="0" anchor="ctr"/>
-          <a:lstStyle/>
-          <a:p>
-            <a:pPr algn="ctr"/>
-            <a:endParaRPr lang="en-US"/>
-          </a:p>
-        </p:txBody>
-      </p:sp>
-      <p:sp>
-        <p:nvSpPr>
-          <p:cNvPr id="15" name="Rectangle 14">
-            <a:extLst>
-              <a:ext uri="{FF2B5EF4-FFF2-40B4-BE49-F238E27FC236}">
-                <a16:creationId xmlns:a16="http://schemas.microsoft.com/office/drawing/2014/main" id="{183881A5-B389-4692-BF96-675C42B20E74}"/>
-              </a:ext>
-            </a:extLst>
-          </p:cNvPr>
-          <p:cNvSpPr/>
-          <p:nvPr/>
-        </p:nvSpPr>
-        <p:spPr>
-          <a:xfrm>
-            <a:off x="3741486" y="583141"/>
-            <a:ext cx="486560" cy="251887"/>
-          </a:xfrm>
-          <a:prstGeom prst="rect">
-            <a:avLst/>
-          </a:prstGeom>
-          <a:solidFill>
-            <a:schemeClr val="bg1"/>
-          </a:solidFill>
-        </p:spPr>
-        <p:style>
-          <a:lnRef idx="2">
-            <a:schemeClr val="accent1">
-              <a:shade val="50000"/>
-            </a:schemeClr>
-          </a:lnRef>
-          <a:fillRef idx="1">
-            <a:schemeClr val="accent1"/>
-          </a:fillRef>
-          <a:effectRef idx="0">
-            <a:schemeClr val="accent1"/>
-          </a:effectRef>
-          <a:fontRef idx="minor">
-            <a:schemeClr val="lt1"/>
-          </a:fontRef>
-        </p:style>
-        <p:txBody>
-          <a:bodyPr rtlCol="0" anchor="ctr"/>
-          <a:lstStyle/>
-          <a:p>
-            <a:pPr algn="ctr"/>
-            <a:endParaRPr lang="en-US"/>
-          </a:p>
-        </p:txBody>
-      </p:sp>
-      <p:sp>
-        <p:nvSpPr>
-          <p:cNvPr id="17" name="TextBox 16">
-            <a:extLst>
-              <a:ext uri="{FF2B5EF4-FFF2-40B4-BE49-F238E27FC236}">
-                <a16:creationId xmlns:a16="http://schemas.microsoft.com/office/drawing/2014/main" id="{55F234FA-0D1F-4E23-A1FD-F5282088CD8A}"/>
-              </a:ext>
-            </a:extLst>
-          </p:cNvPr>
-          <p:cNvSpPr txBox="1"/>
-          <p:nvPr/>
-        </p:nvSpPr>
-        <p:spPr>
-          <a:xfrm>
-            <a:off x="2588002" y="524418"/>
-            <a:ext cx="360726" cy="369332"/>
-          </a:xfrm>
-          <a:prstGeom prst="rect">
-            <a:avLst/>
-          </a:prstGeom>
-          <a:noFill/>
-        </p:spPr>
-        <p:txBody>
-          <a:bodyPr wrap="square" rtlCol="0">
-            <a:spAutoFit/>
-          </a:bodyPr>
-          <a:lstStyle/>
-          <a:p>
-            <a:r>
-              <a:rPr lang="en-US" dirty="0"/>
-              <a:t>6</a:t>
-            </a:r>
-          </a:p>
-        </p:txBody>
-      </p:sp>
-      <p:sp>
-        <p:nvSpPr>
-          <p:cNvPr id="18" name="TextBox 17">
-            <a:extLst>
-              <a:ext uri="{FF2B5EF4-FFF2-40B4-BE49-F238E27FC236}">
-                <a16:creationId xmlns:a16="http://schemas.microsoft.com/office/drawing/2014/main" id="{19112EF1-2F5A-4BAF-B9F8-58FBFDE0E353}"/>
-              </a:ext>
-            </a:extLst>
-          </p:cNvPr>
-          <p:cNvSpPr txBox="1"/>
-          <p:nvPr/>
-        </p:nvSpPr>
-        <p:spPr>
-          <a:xfrm>
-            <a:off x="3812792" y="524418"/>
-            <a:ext cx="360726" cy="369332"/>
-          </a:xfrm>
-          <a:prstGeom prst="rect">
-            <a:avLst/>
-          </a:prstGeom>
-          <a:noFill/>
-        </p:spPr>
-        <p:txBody>
-          <a:bodyPr wrap="square" rtlCol="0">
-            <a:spAutoFit/>
-          </a:bodyPr>
-          <a:lstStyle/>
-          <a:p>
-            <a:r>
-              <a:rPr lang="en-US" dirty="0"/>
-              <a:t>3</a:t>
-            </a:r>
-          </a:p>
-        </p:txBody>
-      </p:sp>
-      <p:sp>
-        <p:nvSpPr>
-          <p:cNvPr id="2" name="TextBox 1">
-            <a:extLst>
-              <a:ext uri="{FF2B5EF4-FFF2-40B4-BE49-F238E27FC236}">
-                <a16:creationId xmlns:a16="http://schemas.microsoft.com/office/drawing/2014/main" id="{59E7DBF5-ACAB-4069-ACB8-30E7E70725C3}"/>
-              </a:ext>
-            </a:extLst>
-          </p:cNvPr>
-          <p:cNvSpPr txBox="1"/>
-          <p:nvPr/>
-        </p:nvSpPr>
-        <p:spPr>
-          <a:xfrm>
-            <a:off x="154649" y="22973"/>
-            <a:ext cx="2794079" cy="369332"/>
-          </a:xfrm>
-          <a:prstGeom prst="rect">
-            <a:avLst/>
-          </a:prstGeom>
-          <a:noFill/>
-        </p:spPr>
-        <p:txBody>
-          <a:bodyPr wrap="square" rtlCol="0">
-            <a:spAutoFit/>
-          </a:bodyPr>
-          <a:lstStyle/>
-          <a:p>
-            <a:r>
-              <a:rPr lang="en-US" u="sng" dirty="0">
-                <a:solidFill>
-                  <a:schemeClr val="accent1"/>
-                </a:solidFill>
-              </a:rPr>
-              <a:t>linkedListToInt_1.java</a:t>
-            </a:r>
-          </a:p>
-        </p:txBody>
-      </p:sp>
-      <p:sp>
-        <p:nvSpPr>
-          <p:cNvPr id="3" name="Rectangle 2">
-            <a:extLst>
-              <a:ext uri="{FF2B5EF4-FFF2-40B4-BE49-F238E27FC236}">
-                <a16:creationId xmlns:a16="http://schemas.microsoft.com/office/drawing/2014/main" id="{FC58458B-DE8E-483C-BC0E-A07586D5301D}"/>
-              </a:ext>
-            </a:extLst>
-          </p:cNvPr>
-          <p:cNvSpPr/>
-          <p:nvPr/>
-        </p:nvSpPr>
-        <p:spPr>
-          <a:xfrm>
-            <a:off x="696286" y="1289185"/>
-            <a:ext cx="907428" cy="369332"/>
-          </a:xfrm>
-          <a:prstGeom prst="rect">
-            <a:avLst/>
-          </a:prstGeom>
-        </p:spPr>
-        <p:txBody>
-          <a:bodyPr wrap="none">
-            <a:spAutoFit/>
-          </a:bodyPr>
-          <a:lstStyle/>
-          <a:p>
-            <a:r>
-              <a:rPr lang="en-US" dirty="0"/>
-              <a:t>value = </a:t>
-            </a:r>
-          </a:p>
-        </p:txBody>
-      </p:sp>
-      <p:sp>
-        <p:nvSpPr>
-          <p:cNvPr id="127" name="Rectangle 126">
-            <a:extLst>
-              <a:ext uri="{FF2B5EF4-FFF2-40B4-BE49-F238E27FC236}">
-                <a16:creationId xmlns:a16="http://schemas.microsoft.com/office/drawing/2014/main" id="{CD2C9005-431F-4D57-BAA7-9AC31E0A09F9}"/>
-              </a:ext>
-            </a:extLst>
-          </p:cNvPr>
-          <p:cNvSpPr/>
-          <p:nvPr/>
-        </p:nvSpPr>
-        <p:spPr>
-          <a:xfrm>
-            <a:off x="1828770" y="2129415"/>
-            <a:ext cx="907428" cy="369332"/>
-          </a:xfrm>
-          <a:prstGeom prst="rect">
-            <a:avLst/>
-          </a:prstGeom>
-        </p:spPr>
-        <p:txBody>
-          <a:bodyPr wrap="none">
-            <a:spAutoFit/>
-          </a:bodyPr>
-          <a:lstStyle/>
-          <a:p>
-            <a:r>
-              <a:rPr lang="en-US" dirty="0"/>
-              <a:t>value = </a:t>
-            </a:r>
-          </a:p>
-        </p:txBody>
-      </p:sp>
-      <p:cxnSp>
-        <p:nvCxnSpPr>
-          <p:cNvPr id="128" name="Straight Arrow Connector 127">
-            <a:extLst>
-              <a:ext uri="{FF2B5EF4-FFF2-40B4-BE49-F238E27FC236}">
-                <a16:creationId xmlns:a16="http://schemas.microsoft.com/office/drawing/2014/main" id="{1C84C61C-BCD5-447A-AF96-9DF715238E1A}"/>
-              </a:ext>
-            </a:extLst>
-          </p:cNvPr>
-          <p:cNvCxnSpPr/>
-          <p:nvPr/>
-        </p:nvCxnSpPr>
-        <p:spPr>
-          <a:xfrm>
-            <a:off x="1324966" y="1626986"/>
-            <a:ext cx="587230" cy="359396"/>
-          </a:xfrm>
-          <a:prstGeom prst="straightConnector1">
-            <a:avLst/>
-          </a:prstGeom>
-          <a:ln>
-            <a:tailEnd type="triangle"/>
-          </a:ln>
-        </p:spPr>
-        <p:style>
-          <a:lnRef idx="1">
-            <a:schemeClr val="accent1"/>
-          </a:lnRef>
-          <a:fillRef idx="0">
-            <a:schemeClr val="accent1"/>
-          </a:fillRef>
-          <a:effectRef idx="0">
-            <a:schemeClr val="accent1"/>
-          </a:effectRef>
-          <a:fontRef idx="minor">
-            <a:schemeClr val="tx1"/>
-          </a:fontRef>
-        </p:style>
-      </p:cxnSp>
-      <p:sp>
-        <p:nvSpPr>
-          <p:cNvPr id="129" name="Rectangle 128">
-            <a:extLst>
-              <a:ext uri="{FF2B5EF4-FFF2-40B4-BE49-F238E27FC236}">
-                <a16:creationId xmlns:a16="http://schemas.microsoft.com/office/drawing/2014/main" id="{F1E89E2E-7315-408B-9CAE-C8D0B4632B81}"/>
-              </a:ext>
-            </a:extLst>
-          </p:cNvPr>
-          <p:cNvSpPr/>
-          <p:nvPr/>
-        </p:nvSpPr>
-        <p:spPr>
-          <a:xfrm>
-            <a:off x="664726" y="969144"/>
-            <a:ext cx="1945084" cy="369332"/>
-          </a:xfrm>
-          <a:prstGeom prst="rect">
-            <a:avLst/>
-          </a:prstGeom>
-        </p:spPr>
-        <p:txBody>
-          <a:bodyPr wrap="none">
-            <a:spAutoFit/>
-          </a:bodyPr>
-          <a:lstStyle/>
-          <a:p>
-            <a:r>
-              <a:rPr lang="en-US" dirty="0" err="1"/>
-              <a:t>node.next.data</a:t>
-            </a:r>
-            <a:r>
-              <a:rPr lang="en-US" dirty="0"/>
-              <a:t> = 6</a:t>
-            </a:r>
-          </a:p>
-        </p:txBody>
-      </p:sp>
-      <p:sp>
-        <p:nvSpPr>
-          <p:cNvPr id="130" name="Rectangle 129">
-            <a:extLst>
-              <a:ext uri="{FF2B5EF4-FFF2-40B4-BE49-F238E27FC236}">
-                <a16:creationId xmlns:a16="http://schemas.microsoft.com/office/drawing/2014/main" id="{84EB4004-082B-4A61-BDC4-C0A076B07CB4}"/>
-              </a:ext>
-            </a:extLst>
-          </p:cNvPr>
-          <p:cNvSpPr/>
-          <p:nvPr/>
-        </p:nvSpPr>
-        <p:spPr>
-          <a:xfrm>
-            <a:off x="1786854" y="1869356"/>
-            <a:ext cx="2386663" cy="369332"/>
-          </a:xfrm>
-          <a:prstGeom prst="rect">
-            <a:avLst/>
-          </a:prstGeom>
-        </p:spPr>
-        <p:txBody>
-          <a:bodyPr wrap="square">
-            <a:spAutoFit/>
-          </a:bodyPr>
-          <a:lstStyle/>
-          <a:p>
-            <a:r>
-              <a:rPr lang="en-US" dirty="0" err="1"/>
-              <a:t>node.next.data</a:t>
-            </a:r>
-            <a:r>
-              <a:rPr lang="en-US" dirty="0"/>
-              <a:t> = 3</a:t>
-            </a:r>
-          </a:p>
-        </p:txBody>
-      </p:sp>
-      <p:sp>
-        <p:nvSpPr>
-          <p:cNvPr id="131" name="Rectangle 130">
-            <a:extLst>
-              <a:ext uri="{FF2B5EF4-FFF2-40B4-BE49-F238E27FC236}">
-                <a16:creationId xmlns:a16="http://schemas.microsoft.com/office/drawing/2014/main" id="{432833AF-17CA-40AE-91E8-DA6FEC6CF246}"/>
-              </a:ext>
-            </a:extLst>
-          </p:cNvPr>
-          <p:cNvSpPr/>
-          <p:nvPr/>
-        </p:nvSpPr>
-        <p:spPr>
-          <a:xfrm>
-            <a:off x="3037065" y="2860151"/>
-            <a:ext cx="1024448" cy="369332"/>
-          </a:xfrm>
-          <a:prstGeom prst="rect">
-            <a:avLst/>
-          </a:prstGeom>
-        </p:spPr>
-        <p:txBody>
-          <a:bodyPr wrap="none">
-            <a:spAutoFit/>
-          </a:bodyPr>
-          <a:lstStyle/>
-          <a:p>
-            <a:r>
-              <a:rPr lang="en-US" dirty="0"/>
-              <a:t>value = 0</a:t>
-            </a:r>
-          </a:p>
-        </p:txBody>
-      </p:sp>
-      <p:sp>
-        <p:nvSpPr>
-          <p:cNvPr id="132" name="Rectangle 131">
-            <a:extLst>
-              <a:ext uri="{FF2B5EF4-FFF2-40B4-BE49-F238E27FC236}">
-                <a16:creationId xmlns:a16="http://schemas.microsoft.com/office/drawing/2014/main" id="{6D42AEEA-D852-4182-8499-1A014C34723D}"/>
-              </a:ext>
-            </a:extLst>
-          </p:cNvPr>
-          <p:cNvSpPr/>
-          <p:nvPr/>
-        </p:nvSpPr>
-        <p:spPr>
-          <a:xfrm>
-            <a:off x="3011647" y="2676097"/>
-            <a:ext cx="1476558" cy="369332"/>
-          </a:xfrm>
-          <a:prstGeom prst="rect">
-            <a:avLst/>
-          </a:prstGeom>
-        </p:spPr>
-        <p:txBody>
-          <a:bodyPr wrap="none">
-            <a:spAutoFit/>
-          </a:bodyPr>
-          <a:lstStyle/>
-          <a:p>
-            <a:r>
-              <a:rPr lang="en-US" dirty="0" err="1"/>
-              <a:t>node.data</a:t>
-            </a:r>
-            <a:r>
-              <a:rPr lang="en-US" dirty="0"/>
-              <a:t> = 3</a:t>
-            </a:r>
-          </a:p>
-        </p:txBody>
-      </p:sp>
-      <p:cxnSp>
-        <p:nvCxnSpPr>
-          <p:cNvPr id="133" name="Straight Arrow Connector 132">
-            <a:extLst>
-              <a:ext uri="{FF2B5EF4-FFF2-40B4-BE49-F238E27FC236}">
-                <a16:creationId xmlns:a16="http://schemas.microsoft.com/office/drawing/2014/main" id="{9A145B50-11C3-4B33-87B4-1A6E172755B8}"/>
-              </a:ext>
-            </a:extLst>
-          </p:cNvPr>
-          <p:cNvCxnSpPr/>
-          <p:nvPr/>
-        </p:nvCxnSpPr>
-        <p:spPr>
-          <a:xfrm>
-            <a:off x="2339674" y="2471388"/>
-            <a:ext cx="587230" cy="359396"/>
-          </a:xfrm>
-          <a:prstGeom prst="straightConnector1">
-            <a:avLst/>
-          </a:prstGeom>
-          <a:ln>
-            <a:tailEnd type="triangle"/>
-          </a:ln>
-        </p:spPr>
-        <p:style>
-          <a:lnRef idx="1">
-            <a:schemeClr val="accent1"/>
-          </a:lnRef>
-          <a:fillRef idx="0">
-            <a:schemeClr val="accent1"/>
-          </a:fillRef>
-          <a:effectRef idx="0">
-            <a:schemeClr val="accent1"/>
-          </a:effectRef>
-          <a:fontRef idx="minor">
-            <a:schemeClr val="tx1"/>
-          </a:fontRef>
-        </p:style>
-      </p:cxnSp>
-      <p:cxnSp>
-        <p:nvCxnSpPr>
-          <p:cNvPr id="134" name="Straight Arrow Connector 133">
-            <a:extLst>
-              <a:ext uri="{FF2B5EF4-FFF2-40B4-BE49-F238E27FC236}">
-                <a16:creationId xmlns:a16="http://schemas.microsoft.com/office/drawing/2014/main" id="{256FC432-6B2E-4E73-94B0-EE4081989375}"/>
-              </a:ext>
-            </a:extLst>
-          </p:cNvPr>
-          <p:cNvCxnSpPr>
-            <a:cxnSpLocks/>
-          </p:cNvCxnSpPr>
-          <p:nvPr/>
-        </p:nvCxnSpPr>
-        <p:spPr>
-          <a:xfrm flipH="1" flipV="1">
-            <a:off x="2759977" y="2351699"/>
-            <a:ext cx="537926" cy="379748"/>
-          </a:xfrm>
-          <a:prstGeom prst="straightConnector1">
-            <a:avLst/>
-          </a:prstGeom>
-          <a:ln>
-            <a:solidFill>
-              <a:srgbClr val="FF0000"/>
-            </a:solidFill>
-            <a:tailEnd type="triangle"/>
-          </a:ln>
-        </p:spPr>
-        <p:style>
-          <a:lnRef idx="1">
-            <a:schemeClr val="accent1"/>
-          </a:lnRef>
-          <a:fillRef idx="0">
-            <a:schemeClr val="accent1"/>
-          </a:fillRef>
-          <a:effectRef idx="0">
-            <a:schemeClr val="accent1"/>
-          </a:effectRef>
-          <a:fontRef idx="minor">
-            <a:schemeClr val="tx1"/>
-          </a:fontRef>
-        </p:style>
-      </p:cxnSp>
-      <p:sp>
-        <p:nvSpPr>
-          <p:cNvPr id="135" name="Rectangle 134">
-            <a:extLst>
-              <a:ext uri="{FF2B5EF4-FFF2-40B4-BE49-F238E27FC236}">
-                <a16:creationId xmlns:a16="http://schemas.microsoft.com/office/drawing/2014/main" id="{7E0A03A4-C02D-49F8-8B0D-821DC250AEF9}"/>
-              </a:ext>
-            </a:extLst>
-          </p:cNvPr>
-          <p:cNvSpPr/>
-          <p:nvPr/>
-        </p:nvSpPr>
-        <p:spPr>
-          <a:xfrm>
-            <a:off x="3122308" y="2250260"/>
-            <a:ext cx="1024639" cy="369332"/>
-          </a:xfrm>
-          <a:prstGeom prst="rect">
-            <a:avLst/>
-          </a:prstGeom>
-        </p:spPr>
-        <p:txBody>
-          <a:bodyPr wrap="none">
-            <a:spAutoFit/>
-          </a:bodyPr>
-          <a:lstStyle/>
-          <a:p>
-            <a:r>
-              <a:rPr lang="en-US" dirty="0">
-                <a:solidFill>
-                  <a:srgbClr val="FF0000"/>
-                </a:solidFill>
-              </a:rPr>
-              <a:t>10*(3+0)</a:t>
-            </a:r>
-          </a:p>
-        </p:txBody>
-      </p:sp>
-      <p:cxnSp>
-        <p:nvCxnSpPr>
-          <p:cNvPr id="136" name="Straight Arrow Connector 135">
-            <a:extLst>
-              <a:ext uri="{FF2B5EF4-FFF2-40B4-BE49-F238E27FC236}">
-                <a16:creationId xmlns:a16="http://schemas.microsoft.com/office/drawing/2014/main" id="{AA6990E1-8BDC-4AB0-B0BD-0528F2432B3A}"/>
-              </a:ext>
-            </a:extLst>
-          </p:cNvPr>
-          <p:cNvCxnSpPr>
-            <a:cxnSpLocks/>
-          </p:cNvCxnSpPr>
-          <p:nvPr/>
-        </p:nvCxnSpPr>
-        <p:spPr>
-          <a:xfrm flipH="1" flipV="1">
-            <a:off x="1715550" y="1580846"/>
-            <a:ext cx="537926" cy="379748"/>
-          </a:xfrm>
-          <a:prstGeom prst="straightConnector1">
-            <a:avLst/>
-          </a:prstGeom>
-          <a:ln>
-            <a:solidFill>
-              <a:srgbClr val="FF0000"/>
-            </a:solidFill>
-            <a:tailEnd type="triangle"/>
-          </a:ln>
-        </p:spPr>
-        <p:style>
-          <a:lnRef idx="1">
-            <a:schemeClr val="accent1"/>
-          </a:lnRef>
-          <a:fillRef idx="0">
-            <a:schemeClr val="accent1"/>
-          </a:fillRef>
-          <a:effectRef idx="0">
-            <a:schemeClr val="accent1"/>
-          </a:effectRef>
-          <a:fontRef idx="minor">
-            <a:schemeClr val="tx1"/>
-          </a:fontRef>
-        </p:style>
-      </p:cxnSp>
-      <p:sp>
-        <p:nvSpPr>
-          <p:cNvPr id="137" name="Rectangle 136">
-            <a:extLst>
-              <a:ext uri="{FF2B5EF4-FFF2-40B4-BE49-F238E27FC236}">
-                <a16:creationId xmlns:a16="http://schemas.microsoft.com/office/drawing/2014/main" id="{726EBD7F-5F2D-4A09-AD2D-5D72C9994460}"/>
-              </a:ext>
-            </a:extLst>
-          </p:cNvPr>
-          <p:cNvSpPr/>
-          <p:nvPr/>
-        </p:nvSpPr>
-        <p:spPr>
-          <a:xfrm>
-            <a:off x="2065602" y="1504112"/>
-            <a:ext cx="1141659" cy="369332"/>
-          </a:xfrm>
-          <a:prstGeom prst="rect">
-            <a:avLst/>
-          </a:prstGeom>
-        </p:spPr>
-        <p:txBody>
-          <a:bodyPr wrap="none">
-            <a:spAutoFit/>
-          </a:bodyPr>
-          <a:lstStyle/>
-          <a:p>
-            <a:r>
-              <a:rPr lang="en-US" dirty="0">
-                <a:solidFill>
-                  <a:srgbClr val="FF0000"/>
-                </a:solidFill>
-              </a:rPr>
-              <a:t>10*(30+6)</a:t>
-            </a:r>
-          </a:p>
-        </p:txBody>
-      </p:sp>
-      <p:sp>
-        <p:nvSpPr>
-          <p:cNvPr id="138" name="Rectangle 137">
-            <a:extLst>
-              <a:ext uri="{FF2B5EF4-FFF2-40B4-BE49-F238E27FC236}">
-                <a16:creationId xmlns:a16="http://schemas.microsoft.com/office/drawing/2014/main" id="{8F9A3376-76E5-4AAC-84BB-7C3C894647D6}"/>
-              </a:ext>
-            </a:extLst>
-          </p:cNvPr>
-          <p:cNvSpPr/>
-          <p:nvPr/>
-        </p:nvSpPr>
-        <p:spPr>
-          <a:xfrm>
-            <a:off x="3332489" y="1181801"/>
-            <a:ext cx="936475" cy="369332"/>
-          </a:xfrm>
-          <a:prstGeom prst="rect">
-            <a:avLst/>
-          </a:prstGeom>
-        </p:spPr>
-        <p:txBody>
-          <a:bodyPr wrap="none">
-            <a:spAutoFit/>
-          </a:bodyPr>
-          <a:lstStyle/>
-          <a:p>
-            <a:r>
-              <a:rPr lang="en-US" dirty="0">
-                <a:solidFill>
-                  <a:srgbClr val="FF0000"/>
-                </a:solidFill>
-              </a:rPr>
-              <a:t>360+7 =</a:t>
-            </a:r>
-          </a:p>
-        </p:txBody>
-      </p:sp>
-      <p:sp>
-        <p:nvSpPr>
-          <p:cNvPr id="139" name="TextBox 138">
-            <a:extLst>
-              <a:ext uri="{FF2B5EF4-FFF2-40B4-BE49-F238E27FC236}">
-                <a16:creationId xmlns:a16="http://schemas.microsoft.com/office/drawing/2014/main" id="{9B24D22A-124F-4F98-8E32-4CC9A7F68E99}"/>
-              </a:ext>
-            </a:extLst>
-          </p:cNvPr>
-          <p:cNvSpPr txBox="1"/>
-          <p:nvPr/>
-        </p:nvSpPr>
-        <p:spPr>
-          <a:xfrm>
-            <a:off x="4399141" y="1076837"/>
-            <a:ext cx="1073790" cy="646331"/>
-          </a:xfrm>
-          <a:prstGeom prst="rect">
-            <a:avLst/>
-          </a:prstGeom>
-          <a:noFill/>
-        </p:spPr>
-        <p:txBody>
-          <a:bodyPr wrap="square" rtlCol="0">
-            <a:spAutoFit/>
-          </a:bodyPr>
-          <a:lstStyle/>
-          <a:p>
-            <a:r>
-              <a:rPr lang="en-US" dirty="0">
-                <a:solidFill>
-                  <a:schemeClr val="accent2"/>
-                </a:solidFill>
-              </a:rPr>
-              <a:t>Return value!</a:t>
-            </a:r>
-          </a:p>
-        </p:txBody>
-      </p:sp>
-      <p:sp>
-        <p:nvSpPr>
-          <p:cNvPr id="55" name="TextBox 54">
-            <a:extLst>
-              <a:ext uri="{FF2B5EF4-FFF2-40B4-BE49-F238E27FC236}">
-                <a16:creationId xmlns:a16="http://schemas.microsoft.com/office/drawing/2014/main" id="{05501D80-89CA-4A1C-91B1-0FD3D9AEC408}"/>
-              </a:ext>
-            </a:extLst>
-          </p:cNvPr>
-          <p:cNvSpPr txBox="1"/>
-          <p:nvPr/>
-        </p:nvSpPr>
-        <p:spPr>
-          <a:xfrm>
-            <a:off x="781720" y="3629420"/>
-            <a:ext cx="587230" cy="369332"/>
-          </a:xfrm>
-          <a:prstGeom prst="rect">
-            <a:avLst/>
-          </a:prstGeom>
-          <a:noFill/>
-        </p:spPr>
-        <p:txBody>
-          <a:bodyPr wrap="square" rtlCol="0">
-            <a:spAutoFit/>
-          </a:bodyPr>
-          <a:lstStyle/>
-          <a:p>
-            <a:r>
-              <a:rPr lang="en-US" dirty="0"/>
-              <a:t>L1 =</a:t>
-            </a:r>
-          </a:p>
-        </p:txBody>
-      </p:sp>
-      <p:sp>
-        <p:nvSpPr>
-          <p:cNvPr id="56" name="Rectangle 55">
-            <a:extLst>
-              <a:ext uri="{FF2B5EF4-FFF2-40B4-BE49-F238E27FC236}">
-                <a16:creationId xmlns:a16="http://schemas.microsoft.com/office/drawing/2014/main" id="{971CB365-AA79-4E77-8A9E-1631736A412C}"/>
-              </a:ext>
-            </a:extLst>
-          </p:cNvPr>
-          <p:cNvSpPr/>
-          <p:nvPr/>
-        </p:nvSpPr>
-        <p:spPr>
-          <a:xfrm>
-            <a:off x="1385729" y="3688143"/>
-            <a:ext cx="830510" cy="251886"/>
-          </a:xfrm>
-          <a:prstGeom prst="rect">
-            <a:avLst/>
-          </a:prstGeom>
-        </p:spPr>
-        <p:style>
-          <a:lnRef idx="2">
-            <a:schemeClr val="accent1">
-              <a:shade val="50000"/>
-            </a:schemeClr>
-          </a:lnRef>
-          <a:fillRef idx="1">
-            <a:schemeClr val="accent1"/>
-          </a:fillRef>
-          <a:effectRef idx="0">
-            <a:schemeClr val="accent1"/>
-          </a:effectRef>
-          <a:fontRef idx="minor">
-            <a:schemeClr val="lt1"/>
-          </a:fontRef>
-        </p:style>
-        <p:txBody>
-          <a:bodyPr rtlCol="0" anchor="ctr"/>
-          <a:lstStyle/>
-          <a:p>
-            <a:pPr algn="ctr"/>
-            <a:endParaRPr lang="en-US"/>
-          </a:p>
-        </p:txBody>
-      </p:sp>
-      <p:sp>
-        <p:nvSpPr>
-          <p:cNvPr id="57" name="Rectangle 56">
-            <a:extLst>
-              <a:ext uri="{FF2B5EF4-FFF2-40B4-BE49-F238E27FC236}">
-                <a16:creationId xmlns:a16="http://schemas.microsoft.com/office/drawing/2014/main" id="{2C7B82D9-1F2A-4390-AC55-1B115B5F17CE}"/>
-              </a:ext>
-            </a:extLst>
-          </p:cNvPr>
-          <p:cNvSpPr/>
-          <p:nvPr/>
-        </p:nvSpPr>
-        <p:spPr>
-          <a:xfrm>
-            <a:off x="1385729" y="3688142"/>
-            <a:ext cx="486560" cy="251887"/>
-          </a:xfrm>
-          <a:prstGeom prst="rect">
-            <a:avLst/>
-          </a:prstGeom>
-          <a:solidFill>
-            <a:schemeClr val="bg1"/>
-          </a:solidFill>
-        </p:spPr>
-        <p:style>
-          <a:lnRef idx="2">
-            <a:schemeClr val="accent1">
-              <a:shade val="50000"/>
-            </a:schemeClr>
-          </a:lnRef>
-          <a:fillRef idx="1">
-            <a:schemeClr val="accent1"/>
-          </a:fillRef>
-          <a:effectRef idx="0">
-            <a:schemeClr val="accent1"/>
-          </a:effectRef>
-          <a:fontRef idx="minor">
-            <a:schemeClr val="lt1"/>
-          </a:fontRef>
-        </p:style>
-        <p:txBody>
-          <a:bodyPr rtlCol="0" anchor="ctr"/>
-          <a:lstStyle/>
-          <a:p>
-            <a:pPr algn="ctr"/>
-            <a:endParaRPr lang="en-US"/>
-          </a:p>
-        </p:txBody>
-      </p:sp>
-      <p:sp>
-        <p:nvSpPr>
-          <p:cNvPr id="58" name="TextBox 57">
-            <a:extLst>
-              <a:ext uri="{FF2B5EF4-FFF2-40B4-BE49-F238E27FC236}">
-                <a16:creationId xmlns:a16="http://schemas.microsoft.com/office/drawing/2014/main" id="{3CA483D2-39A2-4315-9060-4A898A5E5AAD}"/>
-              </a:ext>
-            </a:extLst>
-          </p:cNvPr>
-          <p:cNvSpPr txBox="1"/>
-          <p:nvPr/>
-        </p:nvSpPr>
-        <p:spPr>
-          <a:xfrm>
-            <a:off x="1440258" y="3629420"/>
-            <a:ext cx="360726" cy="369332"/>
-          </a:xfrm>
-          <a:prstGeom prst="rect">
-            <a:avLst/>
-          </a:prstGeom>
-          <a:noFill/>
-        </p:spPr>
-        <p:txBody>
-          <a:bodyPr wrap="square" rtlCol="0">
-            <a:spAutoFit/>
-          </a:bodyPr>
-          <a:lstStyle/>
-          <a:p>
-            <a:r>
-              <a:rPr lang="en-US" dirty="0"/>
-              <a:t>0</a:t>
-            </a:r>
-          </a:p>
-        </p:txBody>
-      </p:sp>
-      <p:cxnSp>
-        <p:nvCxnSpPr>
-          <p:cNvPr id="59" name="Straight Arrow Connector 58">
-            <a:extLst>
-              <a:ext uri="{FF2B5EF4-FFF2-40B4-BE49-F238E27FC236}">
-                <a16:creationId xmlns:a16="http://schemas.microsoft.com/office/drawing/2014/main" id="{644B3F0A-5C04-4EAE-8E6E-88ABA5593BC6}"/>
-              </a:ext>
-            </a:extLst>
-          </p:cNvPr>
-          <p:cNvCxnSpPr>
-            <a:stCxn id="56" idx="3"/>
-          </p:cNvCxnSpPr>
-          <p:nvPr/>
-        </p:nvCxnSpPr>
-        <p:spPr>
-          <a:xfrm flipV="1">
-            <a:off x="2216239" y="3814085"/>
-            <a:ext cx="385892" cy="1"/>
-          </a:xfrm>
-          <a:prstGeom prst="straightConnector1">
-            <a:avLst/>
-          </a:prstGeom>
-          <a:ln w="38100">
-            <a:tailEnd type="triangle"/>
-          </a:ln>
-        </p:spPr>
-        <p:style>
-          <a:lnRef idx="1">
-            <a:schemeClr val="accent1"/>
-          </a:lnRef>
-          <a:fillRef idx="0">
-            <a:schemeClr val="accent1"/>
-          </a:fillRef>
-          <a:effectRef idx="0">
-            <a:schemeClr val="accent1"/>
-          </a:effectRef>
-          <a:fontRef idx="minor">
-            <a:schemeClr val="tx1"/>
-          </a:fontRef>
-        </p:style>
-      </p:cxnSp>
-      <p:sp>
-        <p:nvSpPr>
-          <p:cNvPr id="60" name="Rectangle 59">
-            <a:extLst>
-              <a:ext uri="{FF2B5EF4-FFF2-40B4-BE49-F238E27FC236}">
-                <a16:creationId xmlns:a16="http://schemas.microsoft.com/office/drawing/2014/main" id="{B488C2AA-EFE6-4D95-87B7-1142F99CABE7}"/>
-              </a:ext>
-            </a:extLst>
-          </p:cNvPr>
-          <p:cNvSpPr/>
-          <p:nvPr/>
-        </p:nvSpPr>
-        <p:spPr>
-          <a:xfrm>
-            <a:off x="2602131" y="3684056"/>
-            <a:ext cx="830510" cy="251886"/>
-          </a:xfrm>
-          <a:prstGeom prst="rect">
-            <a:avLst/>
-          </a:prstGeom>
-        </p:spPr>
-        <p:style>
-          <a:lnRef idx="2">
-            <a:schemeClr val="accent1">
-              <a:shade val="50000"/>
-            </a:schemeClr>
-          </a:lnRef>
-          <a:fillRef idx="1">
-            <a:schemeClr val="accent1"/>
-          </a:fillRef>
-          <a:effectRef idx="0">
-            <a:schemeClr val="accent1"/>
-          </a:effectRef>
-          <a:fontRef idx="minor">
-            <a:schemeClr val="lt1"/>
-          </a:fontRef>
-        </p:style>
-        <p:txBody>
-          <a:bodyPr rtlCol="0" anchor="ctr"/>
-          <a:lstStyle/>
-          <a:p>
-            <a:pPr algn="ctr"/>
-            <a:endParaRPr lang="en-US"/>
-          </a:p>
-        </p:txBody>
-      </p:sp>
-      <p:sp>
-        <p:nvSpPr>
-          <p:cNvPr id="61" name="Rectangle 60">
-            <a:extLst>
-              <a:ext uri="{FF2B5EF4-FFF2-40B4-BE49-F238E27FC236}">
-                <a16:creationId xmlns:a16="http://schemas.microsoft.com/office/drawing/2014/main" id="{9F8F542C-2635-471F-A99B-180378157128}"/>
-              </a:ext>
-            </a:extLst>
-          </p:cNvPr>
-          <p:cNvSpPr/>
-          <p:nvPr/>
-        </p:nvSpPr>
-        <p:spPr>
-          <a:xfrm>
-            <a:off x="2602131" y="3684055"/>
-            <a:ext cx="486560" cy="251887"/>
-          </a:xfrm>
-          <a:prstGeom prst="rect">
-            <a:avLst/>
-          </a:prstGeom>
-          <a:solidFill>
-            <a:schemeClr val="bg1"/>
-          </a:solidFill>
-        </p:spPr>
-        <p:style>
-          <a:lnRef idx="2">
-            <a:schemeClr val="accent1">
-              <a:shade val="50000"/>
-            </a:schemeClr>
-          </a:lnRef>
-          <a:fillRef idx="1">
-            <a:schemeClr val="accent1"/>
-          </a:fillRef>
-          <a:effectRef idx="0">
-            <a:schemeClr val="accent1"/>
-          </a:effectRef>
-          <a:fontRef idx="minor">
-            <a:schemeClr val="lt1"/>
-          </a:fontRef>
-        </p:style>
-        <p:txBody>
-          <a:bodyPr rtlCol="0" anchor="ctr"/>
-          <a:lstStyle/>
-          <a:p>
-            <a:pPr algn="ctr"/>
-            <a:endParaRPr lang="en-US"/>
-          </a:p>
-        </p:txBody>
-      </p:sp>
-      <p:cxnSp>
-        <p:nvCxnSpPr>
-          <p:cNvPr id="62" name="Straight Arrow Connector 61">
-            <a:extLst>
-              <a:ext uri="{FF2B5EF4-FFF2-40B4-BE49-F238E27FC236}">
-                <a16:creationId xmlns:a16="http://schemas.microsoft.com/office/drawing/2014/main" id="{E337D008-6000-4F01-B667-7AF2DBC8C882}"/>
-              </a:ext>
-            </a:extLst>
-          </p:cNvPr>
-          <p:cNvCxnSpPr>
-            <a:stCxn id="60" idx="3"/>
-          </p:cNvCxnSpPr>
-          <p:nvPr/>
-        </p:nvCxnSpPr>
-        <p:spPr>
-          <a:xfrm flipV="1">
-            <a:off x="3432641" y="3809998"/>
-            <a:ext cx="385892" cy="1"/>
-          </a:xfrm>
-          <a:prstGeom prst="straightConnector1">
-            <a:avLst/>
-          </a:prstGeom>
-          <a:ln w="38100">
-            <a:tailEnd type="triangle"/>
-          </a:ln>
-        </p:spPr>
-        <p:style>
-          <a:lnRef idx="1">
-            <a:schemeClr val="accent1"/>
-          </a:lnRef>
-          <a:fillRef idx="0">
-            <a:schemeClr val="accent1"/>
-          </a:fillRef>
-          <a:effectRef idx="0">
-            <a:schemeClr val="accent1"/>
-          </a:effectRef>
-          <a:fontRef idx="minor">
-            <a:schemeClr val="tx1"/>
-          </a:fontRef>
-        </p:style>
-      </p:cxnSp>
-      <p:sp>
-        <p:nvSpPr>
-          <p:cNvPr id="63" name="Rectangle 62">
-            <a:extLst>
-              <a:ext uri="{FF2B5EF4-FFF2-40B4-BE49-F238E27FC236}">
-                <a16:creationId xmlns:a16="http://schemas.microsoft.com/office/drawing/2014/main" id="{4DD5044D-A784-49B5-9BAB-E7F52300B7BA}"/>
-              </a:ext>
-            </a:extLst>
-          </p:cNvPr>
-          <p:cNvSpPr/>
-          <p:nvPr/>
-        </p:nvSpPr>
-        <p:spPr>
-          <a:xfrm>
-            <a:off x="3826920" y="3684056"/>
-            <a:ext cx="830510" cy="251886"/>
-          </a:xfrm>
-          <a:prstGeom prst="rect">
-            <a:avLst/>
-          </a:prstGeom>
-        </p:spPr>
-        <p:style>
-          <a:lnRef idx="2">
-            <a:schemeClr val="accent1">
-              <a:shade val="50000"/>
-            </a:schemeClr>
-          </a:lnRef>
-          <a:fillRef idx="1">
-            <a:schemeClr val="accent1"/>
-          </a:fillRef>
-          <a:effectRef idx="0">
-            <a:schemeClr val="accent1"/>
-          </a:effectRef>
-          <a:fontRef idx="minor">
-            <a:schemeClr val="lt1"/>
-          </a:fontRef>
-        </p:style>
-        <p:txBody>
-          <a:bodyPr rtlCol="0" anchor="ctr"/>
-          <a:lstStyle/>
-          <a:p>
-            <a:pPr algn="ctr"/>
-            <a:endParaRPr lang="en-US"/>
-          </a:p>
-        </p:txBody>
-      </p:sp>
-      <p:sp>
-        <p:nvSpPr>
-          <p:cNvPr id="64" name="Rectangle 63">
-            <a:extLst>
-              <a:ext uri="{FF2B5EF4-FFF2-40B4-BE49-F238E27FC236}">
-                <a16:creationId xmlns:a16="http://schemas.microsoft.com/office/drawing/2014/main" id="{FE8DDEDD-31D6-4609-A099-F6E403A4B294}"/>
-              </a:ext>
-            </a:extLst>
-          </p:cNvPr>
-          <p:cNvSpPr/>
-          <p:nvPr/>
-        </p:nvSpPr>
-        <p:spPr>
-          <a:xfrm>
-            <a:off x="3826920" y="3684055"/>
-            <a:ext cx="486560" cy="251887"/>
-          </a:xfrm>
-          <a:prstGeom prst="rect">
-            <a:avLst/>
-          </a:prstGeom>
-          <a:solidFill>
-            <a:schemeClr val="bg1"/>
-          </a:solidFill>
-        </p:spPr>
-        <p:style>
-          <a:lnRef idx="2">
-            <a:schemeClr val="accent1">
-              <a:shade val="50000"/>
-            </a:schemeClr>
-          </a:lnRef>
-          <a:fillRef idx="1">
-            <a:schemeClr val="accent1"/>
-          </a:fillRef>
-          <a:effectRef idx="0">
-            <a:schemeClr val="accent1"/>
-          </a:effectRef>
-          <a:fontRef idx="minor">
-            <a:schemeClr val="lt1"/>
-          </a:fontRef>
-        </p:style>
-        <p:txBody>
-          <a:bodyPr rtlCol="0" anchor="ctr"/>
-          <a:lstStyle/>
-          <a:p>
-            <a:pPr algn="ctr"/>
-            <a:endParaRPr lang="en-US"/>
-          </a:p>
-        </p:txBody>
-      </p:sp>
-      <p:sp>
-        <p:nvSpPr>
-          <p:cNvPr id="65" name="TextBox 64">
-            <a:extLst>
-              <a:ext uri="{FF2B5EF4-FFF2-40B4-BE49-F238E27FC236}">
-                <a16:creationId xmlns:a16="http://schemas.microsoft.com/office/drawing/2014/main" id="{E5D22E72-43BF-4133-894E-96E712A18EC8}"/>
-              </a:ext>
-            </a:extLst>
-          </p:cNvPr>
-          <p:cNvSpPr txBox="1"/>
-          <p:nvPr/>
-        </p:nvSpPr>
-        <p:spPr>
-          <a:xfrm>
-            <a:off x="2673436" y="3625332"/>
-            <a:ext cx="360726" cy="369332"/>
-          </a:xfrm>
-          <a:prstGeom prst="rect">
-            <a:avLst/>
-          </a:prstGeom>
-          <a:noFill/>
-        </p:spPr>
-        <p:txBody>
-          <a:bodyPr wrap="square" rtlCol="0">
-            <a:spAutoFit/>
-          </a:bodyPr>
-          <a:lstStyle/>
-          <a:p>
-            <a:r>
-              <a:rPr lang="en-US" dirty="0"/>
-              <a:t>0</a:t>
-            </a:r>
-          </a:p>
-        </p:txBody>
-      </p:sp>
-      <p:sp>
-        <p:nvSpPr>
-          <p:cNvPr id="66" name="TextBox 65">
-            <a:extLst>
-              <a:ext uri="{FF2B5EF4-FFF2-40B4-BE49-F238E27FC236}">
-                <a16:creationId xmlns:a16="http://schemas.microsoft.com/office/drawing/2014/main" id="{22A8CD0A-BACB-4F9D-A2EA-5DFC1E0CB045}"/>
-              </a:ext>
-            </a:extLst>
-          </p:cNvPr>
-          <p:cNvSpPr txBox="1"/>
-          <p:nvPr/>
-        </p:nvSpPr>
-        <p:spPr>
-          <a:xfrm>
-            <a:off x="3898226" y="3625332"/>
-            <a:ext cx="360726" cy="369332"/>
-          </a:xfrm>
-          <a:prstGeom prst="rect">
-            <a:avLst/>
-          </a:prstGeom>
-          <a:noFill/>
-        </p:spPr>
-        <p:txBody>
-          <a:bodyPr wrap="square" rtlCol="0">
-            <a:spAutoFit/>
-          </a:bodyPr>
-          <a:lstStyle/>
-          <a:p>
-            <a:r>
-              <a:rPr lang="en-US" dirty="0"/>
-              <a:t>1</a:t>
-            </a:r>
-          </a:p>
-        </p:txBody>
-      </p:sp>
-      <p:sp>
-        <p:nvSpPr>
-          <p:cNvPr id="67" name="Rectangle 66">
-            <a:extLst>
-              <a:ext uri="{FF2B5EF4-FFF2-40B4-BE49-F238E27FC236}">
-                <a16:creationId xmlns:a16="http://schemas.microsoft.com/office/drawing/2014/main" id="{6C3F06D0-6F61-4722-B67B-A19B545A9721}"/>
-              </a:ext>
-            </a:extLst>
-          </p:cNvPr>
-          <p:cNvSpPr/>
-          <p:nvPr/>
-        </p:nvSpPr>
-        <p:spPr>
-          <a:xfrm>
-            <a:off x="781720" y="4390099"/>
-            <a:ext cx="907428" cy="369332"/>
-          </a:xfrm>
-          <a:prstGeom prst="rect">
-            <a:avLst/>
-          </a:prstGeom>
-        </p:spPr>
-        <p:txBody>
-          <a:bodyPr wrap="square">
-            <a:spAutoFit/>
-          </a:bodyPr>
-          <a:lstStyle/>
-          <a:p>
-            <a:r>
-              <a:rPr lang="en-US" dirty="0"/>
-              <a:t>value = </a:t>
-            </a:r>
-          </a:p>
-        </p:txBody>
-      </p:sp>
-      <p:sp>
-        <p:nvSpPr>
-          <p:cNvPr id="68" name="Rectangle 67">
-            <a:extLst>
-              <a:ext uri="{FF2B5EF4-FFF2-40B4-BE49-F238E27FC236}">
-                <a16:creationId xmlns:a16="http://schemas.microsoft.com/office/drawing/2014/main" id="{041E28A5-FB7E-44D4-9373-DF1A9AB08A0A}"/>
-              </a:ext>
-            </a:extLst>
-          </p:cNvPr>
-          <p:cNvSpPr/>
-          <p:nvPr/>
-        </p:nvSpPr>
-        <p:spPr>
-          <a:xfrm>
-            <a:off x="1914204" y="5230329"/>
-            <a:ext cx="907428" cy="369332"/>
-          </a:xfrm>
-          <a:prstGeom prst="rect">
-            <a:avLst/>
-          </a:prstGeom>
-        </p:spPr>
-        <p:txBody>
-          <a:bodyPr wrap="square">
-            <a:spAutoFit/>
-          </a:bodyPr>
-          <a:lstStyle/>
-          <a:p>
-            <a:r>
-              <a:rPr lang="en-US" dirty="0"/>
-              <a:t>value = </a:t>
-            </a:r>
-          </a:p>
-        </p:txBody>
-      </p:sp>
-      <p:cxnSp>
-        <p:nvCxnSpPr>
-          <p:cNvPr id="69" name="Straight Arrow Connector 68">
-            <a:extLst>
-              <a:ext uri="{FF2B5EF4-FFF2-40B4-BE49-F238E27FC236}">
-                <a16:creationId xmlns:a16="http://schemas.microsoft.com/office/drawing/2014/main" id="{5ED0D817-60F6-4DB6-B109-A144CD888A17}"/>
-              </a:ext>
-            </a:extLst>
-          </p:cNvPr>
-          <p:cNvCxnSpPr>
-            <a:cxnSpLocks/>
-          </p:cNvCxnSpPr>
-          <p:nvPr/>
-        </p:nvCxnSpPr>
-        <p:spPr>
-          <a:xfrm>
-            <a:off x="1410400" y="4727900"/>
-            <a:ext cx="587230" cy="359396"/>
-          </a:xfrm>
-          <a:prstGeom prst="straightConnector1">
-            <a:avLst/>
-          </a:prstGeom>
-          <a:ln>
-            <a:tailEnd type="triangle"/>
-          </a:ln>
-        </p:spPr>
-        <p:style>
-          <a:lnRef idx="1">
-            <a:schemeClr val="accent1"/>
-          </a:lnRef>
-          <a:fillRef idx="0">
-            <a:schemeClr val="accent1"/>
-          </a:fillRef>
-          <a:effectRef idx="0">
-            <a:schemeClr val="accent1"/>
-          </a:effectRef>
-          <a:fontRef idx="minor">
-            <a:schemeClr val="tx1"/>
-          </a:fontRef>
-        </p:style>
-      </p:cxnSp>
-      <p:sp>
-        <p:nvSpPr>
-          <p:cNvPr id="70" name="Rectangle 69">
-            <a:extLst>
-              <a:ext uri="{FF2B5EF4-FFF2-40B4-BE49-F238E27FC236}">
-                <a16:creationId xmlns:a16="http://schemas.microsoft.com/office/drawing/2014/main" id="{E2288750-6621-438E-B80A-09F99063E3DD}"/>
-              </a:ext>
-            </a:extLst>
-          </p:cNvPr>
-          <p:cNvSpPr/>
-          <p:nvPr/>
-        </p:nvSpPr>
-        <p:spPr>
-          <a:xfrm>
-            <a:off x="750160" y="4070058"/>
-            <a:ext cx="1945084" cy="369332"/>
-          </a:xfrm>
-          <a:prstGeom prst="rect">
-            <a:avLst/>
-          </a:prstGeom>
-        </p:spPr>
-        <p:txBody>
-          <a:bodyPr wrap="square">
-            <a:spAutoFit/>
-          </a:bodyPr>
-          <a:lstStyle/>
-          <a:p>
-            <a:r>
-              <a:rPr lang="en-US" dirty="0" err="1"/>
-              <a:t>node.next.data</a:t>
-            </a:r>
-            <a:r>
-              <a:rPr lang="en-US" dirty="0"/>
-              <a:t> = 0</a:t>
-            </a:r>
-          </a:p>
-        </p:txBody>
-      </p:sp>
-      <p:sp>
-        <p:nvSpPr>
-          <p:cNvPr id="71" name="Rectangle 70">
-            <a:extLst>
-              <a:ext uri="{FF2B5EF4-FFF2-40B4-BE49-F238E27FC236}">
-                <a16:creationId xmlns:a16="http://schemas.microsoft.com/office/drawing/2014/main" id="{C3D70C43-FD3B-4A77-A8F3-4BDE969D2F6D}"/>
-              </a:ext>
-            </a:extLst>
-          </p:cNvPr>
-          <p:cNvSpPr/>
-          <p:nvPr/>
-        </p:nvSpPr>
-        <p:spPr>
-          <a:xfrm>
-            <a:off x="1872288" y="4970270"/>
-            <a:ext cx="2386663" cy="369332"/>
-          </a:xfrm>
-          <a:prstGeom prst="rect">
-            <a:avLst/>
-          </a:prstGeom>
-        </p:spPr>
-        <p:txBody>
-          <a:bodyPr wrap="square">
-            <a:spAutoFit/>
-          </a:bodyPr>
-          <a:lstStyle/>
-          <a:p>
-            <a:r>
-              <a:rPr lang="en-US" dirty="0" err="1"/>
-              <a:t>node.next.data</a:t>
-            </a:r>
-            <a:r>
-              <a:rPr lang="en-US" dirty="0"/>
-              <a:t> = 1</a:t>
-            </a:r>
-          </a:p>
-        </p:txBody>
-      </p:sp>
-      <p:sp>
-        <p:nvSpPr>
-          <p:cNvPr id="72" name="Rectangle 71">
-            <a:extLst>
-              <a:ext uri="{FF2B5EF4-FFF2-40B4-BE49-F238E27FC236}">
-                <a16:creationId xmlns:a16="http://schemas.microsoft.com/office/drawing/2014/main" id="{27ADE3A3-D6F9-4831-BCAE-4686A5878216}"/>
-              </a:ext>
-            </a:extLst>
-          </p:cNvPr>
-          <p:cNvSpPr/>
-          <p:nvPr/>
-        </p:nvSpPr>
-        <p:spPr>
-          <a:xfrm>
-            <a:off x="3122499" y="5961065"/>
-            <a:ext cx="1024448" cy="369332"/>
-          </a:xfrm>
-          <a:prstGeom prst="rect">
-            <a:avLst/>
-          </a:prstGeom>
-        </p:spPr>
-        <p:txBody>
-          <a:bodyPr wrap="square">
-            <a:spAutoFit/>
-          </a:bodyPr>
-          <a:lstStyle/>
-          <a:p>
-            <a:r>
-              <a:rPr lang="en-US" dirty="0"/>
-              <a:t>value = 0</a:t>
-            </a:r>
-          </a:p>
-        </p:txBody>
-      </p:sp>
-      <p:sp>
-        <p:nvSpPr>
-          <p:cNvPr id="73" name="Rectangle 72">
-            <a:extLst>
-              <a:ext uri="{FF2B5EF4-FFF2-40B4-BE49-F238E27FC236}">
-                <a16:creationId xmlns:a16="http://schemas.microsoft.com/office/drawing/2014/main" id="{A8F3DF87-BFEE-4783-AF43-C0267202A4BA}"/>
-              </a:ext>
-            </a:extLst>
-          </p:cNvPr>
-          <p:cNvSpPr/>
-          <p:nvPr/>
-        </p:nvSpPr>
-        <p:spPr>
-          <a:xfrm>
-            <a:off x="3097081" y="5777011"/>
-            <a:ext cx="1476558" cy="369332"/>
-          </a:xfrm>
-          <a:prstGeom prst="rect">
-            <a:avLst/>
-          </a:prstGeom>
-        </p:spPr>
-        <p:txBody>
-          <a:bodyPr wrap="square">
-            <a:spAutoFit/>
-          </a:bodyPr>
-          <a:lstStyle/>
-          <a:p>
-            <a:r>
-              <a:rPr lang="en-US" dirty="0" err="1"/>
-              <a:t>node.data</a:t>
-            </a:r>
-            <a:r>
-              <a:rPr lang="en-US" dirty="0"/>
-              <a:t> = 1</a:t>
-            </a:r>
-          </a:p>
-        </p:txBody>
-      </p:sp>
-      <p:cxnSp>
-        <p:nvCxnSpPr>
-          <p:cNvPr id="74" name="Straight Arrow Connector 73">
-            <a:extLst>
-              <a:ext uri="{FF2B5EF4-FFF2-40B4-BE49-F238E27FC236}">
-                <a16:creationId xmlns:a16="http://schemas.microsoft.com/office/drawing/2014/main" id="{8842347A-139C-4DDB-9729-EF53BFE04F1B}"/>
-              </a:ext>
-            </a:extLst>
-          </p:cNvPr>
-          <p:cNvCxnSpPr>
-            <a:cxnSpLocks/>
-          </p:cNvCxnSpPr>
-          <p:nvPr/>
-        </p:nvCxnSpPr>
-        <p:spPr>
-          <a:xfrm>
-            <a:off x="2425108" y="5572302"/>
-            <a:ext cx="587230" cy="359396"/>
-          </a:xfrm>
-          <a:prstGeom prst="straightConnector1">
-            <a:avLst/>
-          </a:prstGeom>
-          <a:ln>
-            <a:tailEnd type="triangle"/>
-          </a:ln>
-        </p:spPr>
-        <p:style>
-          <a:lnRef idx="1">
-            <a:schemeClr val="accent1"/>
-          </a:lnRef>
-          <a:fillRef idx="0">
-            <a:schemeClr val="accent1"/>
-          </a:fillRef>
-          <a:effectRef idx="0">
-            <a:schemeClr val="accent1"/>
-          </a:effectRef>
-          <a:fontRef idx="minor">
-            <a:schemeClr val="tx1"/>
-          </a:fontRef>
-        </p:style>
-      </p:cxnSp>
-      <p:cxnSp>
-        <p:nvCxnSpPr>
-          <p:cNvPr id="75" name="Straight Arrow Connector 74">
-            <a:extLst>
-              <a:ext uri="{FF2B5EF4-FFF2-40B4-BE49-F238E27FC236}">
-                <a16:creationId xmlns:a16="http://schemas.microsoft.com/office/drawing/2014/main" id="{E51B7885-E49F-4E39-8695-F833BEF0C2F2}"/>
-              </a:ext>
-            </a:extLst>
-          </p:cNvPr>
-          <p:cNvCxnSpPr>
-            <a:cxnSpLocks/>
-          </p:cNvCxnSpPr>
-          <p:nvPr/>
-        </p:nvCxnSpPr>
-        <p:spPr>
-          <a:xfrm flipH="1" flipV="1">
-            <a:off x="2845411" y="5452613"/>
-            <a:ext cx="537926" cy="379748"/>
-          </a:xfrm>
-          <a:prstGeom prst="straightConnector1">
-            <a:avLst/>
-          </a:prstGeom>
-          <a:ln>
-            <a:solidFill>
-              <a:srgbClr val="FF0000"/>
-            </a:solidFill>
-            <a:tailEnd type="triangle"/>
-          </a:ln>
-        </p:spPr>
-        <p:style>
-          <a:lnRef idx="1">
-            <a:schemeClr val="accent1"/>
-          </a:lnRef>
-          <a:fillRef idx="0">
-            <a:schemeClr val="accent1"/>
-          </a:fillRef>
-          <a:effectRef idx="0">
-            <a:schemeClr val="accent1"/>
-          </a:effectRef>
-          <a:fontRef idx="minor">
-            <a:schemeClr val="tx1"/>
-          </a:fontRef>
-        </p:style>
-      </p:cxnSp>
-      <p:sp>
-        <p:nvSpPr>
-          <p:cNvPr id="76" name="Rectangle 75">
-            <a:extLst>
-              <a:ext uri="{FF2B5EF4-FFF2-40B4-BE49-F238E27FC236}">
-                <a16:creationId xmlns:a16="http://schemas.microsoft.com/office/drawing/2014/main" id="{4FA9004D-6691-42C0-8285-630F98CE8F81}"/>
-              </a:ext>
-            </a:extLst>
-          </p:cNvPr>
-          <p:cNvSpPr/>
-          <p:nvPr/>
-        </p:nvSpPr>
-        <p:spPr>
-          <a:xfrm>
-            <a:off x="3207742" y="5351174"/>
-            <a:ext cx="1024639" cy="369332"/>
-          </a:xfrm>
-          <a:prstGeom prst="rect">
-            <a:avLst/>
-          </a:prstGeom>
-        </p:spPr>
-        <p:txBody>
-          <a:bodyPr wrap="square">
-            <a:spAutoFit/>
-          </a:bodyPr>
-          <a:lstStyle/>
-          <a:p>
-            <a:r>
-              <a:rPr lang="en-US" dirty="0">
-                <a:solidFill>
-                  <a:srgbClr val="FF0000"/>
-                </a:solidFill>
-              </a:rPr>
-              <a:t>10*(1+0)</a:t>
-            </a:r>
-          </a:p>
-        </p:txBody>
-      </p:sp>
-      <p:cxnSp>
-        <p:nvCxnSpPr>
-          <p:cNvPr id="77" name="Straight Arrow Connector 76">
-            <a:extLst>
-              <a:ext uri="{FF2B5EF4-FFF2-40B4-BE49-F238E27FC236}">
-                <a16:creationId xmlns:a16="http://schemas.microsoft.com/office/drawing/2014/main" id="{3FAAB77C-5682-4779-B8AC-3C717D661EE9}"/>
-              </a:ext>
-            </a:extLst>
-          </p:cNvPr>
-          <p:cNvCxnSpPr>
-            <a:cxnSpLocks/>
-          </p:cNvCxnSpPr>
-          <p:nvPr/>
-        </p:nvCxnSpPr>
-        <p:spPr>
-          <a:xfrm flipH="1" flipV="1">
-            <a:off x="1800984" y="4681760"/>
-            <a:ext cx="537926" cy="379748"/>
-          </a:xfrm>
-          <a:prstGeom prst="straightConnector1">
-            <a:avLst/>
-          </a:prstGeom>
-          <a:ln>
-            <a:solidFill>
-              <a:srgbClr val="FF0000"/>
-            </a:solidFill>
-            <a:tailEnd type="triangle"/>
-          </a:ln>
-        </p:spPr>
-        <p:style>
-          <a:lnRef idx="1">
-            <a:schemeClr val="accent1"/>
-          </a:lnRef>
-          <a:fillRef idx="0">
-            <a:schemeClr val="accent1"/>
-          </a:fillRef>
-          <a:effectRef idx="0">
-            <a:schemeClr val="accent1"/>
-          </a:effectRef>
-          <a:fontRef idx="minor">
-            <a:schemeClr val="tx1"/>
-          </a:fontRef>
-        </p:style>
-      </p:cxnSp>
-      <p:sp>
-        <p:nvSpPr>
-          <p:cNvPr id="78" name="Rectangle 77">
-            <a:extLst>
-              <a:ext uri="{FF2B5EF4-FFF2-40B4-BE49-F238E27FC236}">
-                <a16:creationId xmlns:a16="http://schemas.microsoft.com/office/drawing/2014/main" id="{E515FD59-4F0B-4901-95B7-B931EC4DCC5E}"/>
-              </a:ext>
-            </a:extLst>
-          </p:cNvPr>
-          <p:cNvSpPr/>
-          <p:nvPr/>
-        </p:nvSpPr>
-        <p:spPr>
-          <a:xfrm>
-            <a:off x="2151036" y="4605026"/>
-            <a:ext cx="1141659" cy="369332"/>
-          </a:xfrm>
-          <a:prstGeom prst="rect">
-            <a:avLst/>
-          </a:prstGeom>
-        </p:spPr>
-        <p:txBody>
-          <a:bodyPr wrap="square">
-            <a:spAutoFit/>
-          </a:bodyPr>
-          <a:lstStyle/>
-          <a:p>
-            <a:r>
-              <a:rPr lang="en-US" dirty="0">
-                <a:solidFill>
-                  <a:srgbClr val="FF0000"/>
-                </a:solidFill>
-              </a:rPr>
-              <a:t>10*(10)</a:t>
-            </a:r>
-          </a:p>
-        </p:txBody>
-      </p:sp>
-      <p:sp>
-        <p:nvSpPr>
-          <p:cNvPr id="79" name="Rectangle 78">
-            <a:extLst>
-              <a:ext uri="{FF2B5EF4-FFF2-40B4-BE49-F238E27FC236}">
-                <a16:creationId xmlns:a16="http://schemas.microsoft.com/office/drawing/2014/main" id="{E394FBD7-0A5F-4FE2-B9D1-3EFAEEBA1A08}"/>
-              </a:ext>
-            </a:extLst>
-          </p:cNvPr>
-          <p:cNvSpPr/>
-          <p:nvPr/>
-        </p:nvSpPr>
-        <p:spPr>
-          <a:xfrm>
-            <a:off x="3417923" y="4282715"/>
-            <a:ext cx="936475" cy="369332"/>
-          </a:xfrm>
-          <a:prstGeom prst="rect">
-            <a:avLst/>
-          </a:prstGeom>
-        </p:spPr>
-        <p:txBody>
-          <a:bodyPr wrap="square">
-            <a:spAutoFit/>
-          </a:bodyPr>
-          <a:lstStyle/>
-          <a:p>
-            <a:r>
-              <a:rPr lang="en-US" dirty="0">
-                <a:solidFill>
-                  <a:srgbClr val="FF0000"/>
-                </a:solidFill>
-              </a:rPr>
-              <a:t>100+0 =</a:t>
-            </a:r>
-          </a:p>
-        </p:txBody>
-      </p:sp>
-      <p:sp>
-        <p:nvSpPr>
-          <p:cNvPr id="80" name="TextBox 79">
-            <a:extLst>
-              <a:ext uri="{FF2B5EF4-FFF2-40B4-BE49-F238E27FC236}">
-                <a16:creationId xmlns:a16="http://schemas.microsoft.com/office/drawing/2014/main" id="{B43DE337-00A9-4F75-A63D-7DE79874EABA}"/>
-              </a:ext>
-            </a:extLst>
-          </p:cNvPr>
-          <p:cNvSpPr txBox="1"/>
-          <p:nvPr/>
-        </p:nvSpPr>
-        <p:spPr>
-          <a:xfrm>
-            <a:off x="4484575" y="4177751"/>
-            <a:ext cx="1073790" cy="646331"/>
-          </a:xfrm>
-          <a:prstGeom prst="rect">
-            <a:avLst/>
-          </a:prstGeom>
-          <a:noFill/>
-        </p:spPr>
-        <p:txBody>
-          <a:bodyPr wrap="square" rtlCol="0">
-            <a:spAutoFit/>
-          </a:bodyPr>
-          <a:lstStyle/>
-          <a:p>
-            <a:r>
-              <a:rPr lang="en-US" dirty="0">
-                <a:solidFill>
-                  <a:schemeClr val="accent2"/>
-                </a:solidFill>
-              </a:rPr>
-              <a:t>Return value!</a:t>
-            </a:r>
-          </a:p>
-        </p:txBody>
-      </p:sp>
-    </p:spTree>
-    <p:extLst>
-      <p:ext uri="{BB962C8B-B14F-4D97-AF65-F5344CB8AC3E}">
-        <p14:creationId xmlns:p14="http://schemas.microsoft.com/office/powerpoint/2010/main" val="4268383252"/>
-      </p:ext>
-    </p:extLst>
-  </p:cSld>
-  <p:clrMapOvr>
-    <a:masterClrMapping/>
-  </p:clrMapOvr>
-</p:sld>
-</file>
-
-<file path=ppt/slides/slide3.xml><?xml version="1.0" encoding="utf-8"?>
-<p:sld xmlns:a="http://schemas.openxmlformats.org/drawingml/2006/main" xmlns:r="http://schemas.openxmlformats.org/officeDocument/2006/relationships" xmlns:p="http://schemas.openxmlformats.org/presentationml/2006/main">
-  <p:cSld>
-    <p:spTree>
-      <p:nvGrpSpPr>
-        <p:cNvPr id="1" name=""/>
-        <p:cNvGrpSpPr/>
-        <p:nvPr/>
-      </p:nvGrpSpPr>
-      <p:grpSpPr>
-        <a:xfrm>
-          <a:off x="0" y="0"/>
-          <a:ext cx="0" cy="0"/>
-          <a:chOff x="0" y="0"/>
-          <a:chExt cx="0" cy="0"/>
-        </a:xfrm>
-      </p:grpSpPr>
-      <p:sp>
-        <p:nvSpPr>
           <p:cNvPr id="4" name="TextBox 3">
             <a:extLst>
               <a:ext uri="{FF2B5EF4-FFF2-40B4-BE49-F238E27FC236}">
@@ -10854,7 +4547,7 @@
         <p:spPr>
           <a:xfrm>
             <a:off x="154649" y="22973"/>
-            <a:ext cx="2140673" cy="369332"/>
+            <a:ext cx="2140673" cy="646331"/>
           </a:xfrm>
           <a:prstGeom prst="rect">
             <a:avLst/>
@@ -10867,13 +4560,21 @@
           </a:bodyPr>
           <a:lstStyle/>
           <a:p>
+            <a:r>
+              <a:rPr lang="en-US" u="sng">
+                <a:solidFill>
+                  <a:schemeClr val="accent1"/>
+                </a:solidFill>
+              </a:rPr>
+              <a:t>reverseAndClone.</a:t>
+            </a:r>
             <a:r>
               <a:rPr lang="en-US" u="sng" dirty="0">
                 <a:solidFill>
                   <a:schemeClr val="accent1"/>
                 </a:solidFill>
               </a:rPr>
-              <a:t>addLists_1.java</a:t>
+              <a:t>java</a:t>
             </a:r>
           </a:p>
         </p:txBody>
